--- a/FGCS-2019/reworked-fig9.pptx
+++ b/FGCS-2019/reworked-fig9.pptx
@@ -117,16 +117,88 @@
   <pc:docChgLst>
     <pc:chgData name="Jeremy Bryans" userId="2bdd9104-0739-4811-8d5a-2f4a7e6bb682" providerId="ADAL" clId="{B00E2BAB-7F1C-4446-909F-A46143FCC8D5}"/>
     <pc:docChg chg="undo custSel modSld">
-      <pc:chgData name="Jeremy Bryans" userId="2bdd9104-0739-4811-8d5a-2f4a7e6bb682" providerId="ADAL" clId="{B00E2BAB-7F1C-4446-909F-A46143FCC8D5}" dt="2019-09-09T16:58:40.237" v="47" actId="1035"/>
+      <pc:chgData name="Jeremy Bryans" userId="2bdd9104-0739-4811-8d5a-2f4a7e6bb682" providerId="ADAL" clId="{B00E2BAB-7F1C-4446-909F-A46143FCC8D5}" dt="2019-09-11T08:58:07.397" v="110" actId="20577"/>
       <pc:docMkLst>
         <pc:docMk/>
       </pc:docMkLst>
       <pc:sldChg chg="addSp delSp modSp">
-        <pc:chgData name="Jeremy Bryans" userId="2bdd9104-0739-4811-8d5a-2f4a7e6bb682" providerId="ADAL" clId="{B00E2BAB-7F1C-4446-909F-A46143FCC8D5}" dt="2019-09-09T16:58:40.237" v="47" actId="1035"/>
+        <pc:chgData name="Jeremy Bryans" userId="2bdd9104-0739-4811-8d5a-2f4a7e6bb682" providerId="ADAL" clId="{B00E2BAB-7F1C-4446-909F-A46143FCC8D5}" dt="2019-09-11T08:58:07.397" v="110" actId="20577"/>
         <pc:sldMkLst>
           <pc:docMk/>
           <pc:sldMk cId="2482149023" sldId="257"/>
         </pc:sldMkLst>
+        <pc:spChg chg="mod">
+          <ac:chgData name="Jeremy Bryans" userId="2bdd9104-0739-4811-8d5a-2f4a7e6bb682" providerId="ADAL" clId="{B00E2BAB-7F1C-4446-909F-A46143FCC8D5}" dt="2019-09-11T08:55:17.082" v="83" actId="1076"/>
+          <ac:spMkLst>
+            <pc:docMk/>
+            <pc:sldMk cId="2482149023" sldId="257"/>
+            <ac:spMk id="24" creationId="{80EA9C69-888B-F44A-BCF3-ECC655A1727B}"/>
+          </ac:spMkLst>
+        </pc:spChg>
+        <pc:spChg chg="mod">
+          <ac:chgData name="Jeremy Bryans" userId="2bdd9104-0739-4811-8d5a-2f4a7e6bb682" providerId="ADAL" clId="{B00E2BAB-7F1C-4446-909F-A46143FCC8D5}" dt="2019-09-11T08:55:17.082" v="83" actId="1076"/>
+          <ac:spMkLst>
+            <pc:docMk/>
+            <pc:sldMk cId="2482149023" sldId="257"/>
+            <ac:spMk id="25" creationId="{B8860875-F1F4-6848-BFFC-A2C8CACF3302}"/>
+          </ac:spMkLst>
+        </pc:spChg>
+        <pc:spChg chg="mod">
+          <ac:chgData name="Jeremy Bryans" userId="2bdd9104-0739-4811-8d5a-2f4a7e6bb682" providerId="ADAL" clId="{B00E2BAB-7F1C-4446-909F-A46143FCC8D5}" dt="2019-09-11T08:55:17.082" v="83" actId="1076"/>
+          <ac:spMkLst>
+            <pc:docMk/>
+            <pc:sldMk cId="2482149023" sldId="257"/>
+            <ac:spMk id="27" creationId="{6B8D91CC-452C-9F40-8A18-6EEF72196750}"/>
+          </ac:spMkLst>
+        </pc:spChg>
+        <pc:spChg chg="mod">
+          <ac:chgData name="Jeremy Bryans" userId="2bdd9104-0739-4811-8d5a-2f4a7e6bb682" providerId="ADAL" clId="{B00E2BAB-7F1C-4446-909F-A46143FCC8D5}" dt="2019-09-11T08:55:17.082" v="83" actId="1076"/>
+          <ac:spMkLst>
+            <pc:docMk/>
+            <pc:sldMk cId="2482149023" sldId="257"/>
+            <ac:spMk id="28" creationId="{6C0D91D2-D0BD-3748-8D36-A65DA478E317}"/>
+          </ac:spMkLst>
+        </pc:spChg>
+        <pc:spChg chg="mod">
+          <ac:chgData name="Jeremy Bryans" userId="2bdd9104-0739-4811-8d5a-2f4a7e6bb682" providerId="ADAL" clId="{B00E2BAB-7F1C-4446-909F-A46143FCC8D5}" dt="2019-09-11T08:55:17.082" v="83" actId="1076"/>
+          <ac:spMkLst>
+            <pc:docMk/>
+            <pc:sldMk cId="2482149023" sldId="257"/>
+            <ac:spMk id="44" creationId="{2C40AC4A-8D7C-484D-83E3-080746DCE7B8}"/>
+          </ac:spMkLst>
+        </pc:spChg>
+        <pc:spChg chg="mod">
+          <ac:chgData name="Jeremy Bryans" userId="2bdd9104-0739-4811-8d5a-2f4a7e6bb682" providerId="ADAL" clId="{B00E2BAB-7F1C-4446-909F-A46143FCC8D5}" dt="2019-09-11T08:55:17.082" v="83" actId="1076"/>
+          <ac:spMkLst>
+            <pc:docMk/>
+            <pc:sldMk cId="2482149023" sldId="257"/>
+            <ac:spMk id="45" creationId="{0909D81B-E2EA-1B4A-88FA-637B628A0894}"/>
+          </ac:spMkLst>
+        </pc:spChg>
+        <pc:spChg chg="mod">
+          <ac:chgData name="Jeremy Bryans" userId="2bdd9104-0739-4811-8d5a-2f4a7e6bb682" providerId="ADAL" clId="{B00E2BAB-7F1C-4446-909F-A46143FCC8D5}" dt="2019-09-11T08:55:17.082" v="83" actId="1076"/>
+          <ac:spMkLst>
+            <pc:docMk/>
+            <pc:sldMk cId="2482149023" sldId="257"/>
+            <ac:spMk id="46" creationId="{F6E48A18-590F-BA44-95B6-FE5AE87BCD61}"/>
+          </ac:spMkLst>
+        </pc:spChg>
+        <pc:spChg chg="mod">
+          <ac:chgData name="Jeremy Bryans" userId="2bdd9104-0739-4811-8d5a-2f4a7e6bb682" providerId="ADAL" clId="{B00E2BAB-7F1C-4446-909F-A46143FCC8D5}" dt="2019-09-11T08:55:17.082" v="83" actId="1076"/>
+          <ac:spMkLst>
+            <pc:docMk/>
+            <pc:sldMk cId="2482149023" sldId="257"/>
+            <ac:spMk id="47" creationId="{ACDB9B83-7FA9-F34E-9FFD-62B731AD3F63}"/>
+          </ac:spMkLst>
+        </pc:spChg>
+        <pc:spChg chg="mod">
+          <ac:chgData name="Jeremy Bryans" userId="2bdd9104-0739-4811-8d5a-2f4a7e6bb682" providerId="ADAL" clId="{B00E2BAB-7F1C-4446-909F-A46143FCC8D5}" dt="2019-09-11T08:55:17.082" v="83" actId="1076"/>
+          <ac:spMkLst>
+            <pc:docMk/>
+            <pc:sldMk cId="2482149023" sldId="257"/>
+            <ac:spMk id="58" creationId="{B1E36DF9-63C5-DF44-B0CB-35E9FC7A9858}"/>
+          </ac:spMkLst>
+        </pc:spChg>
         <pc:spChg chg="mod">
           <ac:chgData name="Jeremy Bryans" userId="2bdd9104-0739-4811-8d5a-2f4a7e6bb682" providerId="ADAL" clId="{B00E2BAB-7F1C-4446-909F-A46143FCC8D5}" dt="2019-09-09T16:55:01.550" v="20" actId="1076"/>
           <ac:spMkLst>
@@ -144,7 +216,7 @@
           </ac:spMkLst>
         </pc:spChg>
         <pc:spChg chg="add mod">
-          <ac:chgData name="Jeremy Bryans" userId="2bdd9104-0739-4811-8d5a-2f4a7e6bb682" providerId="ADAL" clId="{B00E2BAB-7F1C-4446-909F-A46143FCC8D5}" dt="2019-09-09T16:53:35.221" v="4" actId="1076"/>
+          <ac:chgData name="Jeremy Bryans" userId="2bdd9104-0739-4811-8d5a-2f4a7e6bb682" providerId="ADAL" clId="{B00E2BAB-7F1C-4446-909F-A46143FCC8D5}" dt="2019-09-11T08:55:17.082" v="83" actId="1076"/>
           <ac:spMkLst>
             <pc:docMk/>
             <pc:sldMk cId="2482149023" sldId="257"/>
@@ -152,7 +224,7 @@
           </ac:spMkLst>
         </pc:spChg>
         <pc:spChg chg="add mod">
-          <ac:chgData name="Jeremy Bryans" userId="2bdd9104-0739-4811-8d5a-2f4a7e6bb682" providerId="ADAL" clId="{B00E2BAB-7F1C-4446-909F-A46143FCC8D5}" dt="2019-09-09T16:53:25.343" v="3" actId="1076"/>
+          <ac:chgData name="Jeremy Bryans" userId="2bdd9104-0739-4811-8d5a-2f4a7e6bb682" providerId="ADAL" clId="{B00E2BAB-7F1C-4446-909F-A46143FCC8D5}" dt="2019-09-11T08:58:07.397" v="110" actId="20577"/>
           <ac:spMkLst>
             <pc:docMk/>
             <pc:sldMk cId="2482149023" sldId="257"/>
@@ -160,7 +232,15 @@
           </ac:spMkLst>
         </pc:spChg>
         <pc:spChg chg="add mod">
-          <ac:chgData name="Jeremy Bryans" userId="2bdd9104-0739-4811-8d5a-2f4a7e6bb682" providerId="ADAL" clId="{B00E2BAB-7F1C-4446-909F-A46143FCC8D5}" dt="2019-09-09T16:54:33.014" v="15" actId="1076"/>
+          <ac:chgData name="Jeremy Bryans" userId="2bdd9104-0739-4811-8d5a-2f4a7e6bb682" providerId="ADAL" clId="{B00E2BAB-7F1C-4446-909F-A46143FCC8D5}" dt="2019-09-11T08:55:48.809" v="87" actId="20577"/>
+          <ac:spMkLst>
+            <pc:docMk/>
+            <pc:sldMk cId="2482149023" sldId="257"/>
+            <ac:spMk id="144" creationId="{069AEE44-B358-F34E-BAC7-0F34384B61D0}"/>
+          </ac:spMkLst>
+        </pc:spChg>
+        <pc:spChg chg="add mod">
+          <ac:chgData name="Jeremy Bryans" userId="2bdd9104-0739-4811-8d5a-2f4a7e6bb682" providerId="ADAL" clId="{B00E2BAB-7F1C-4446-909F-A46143FCC8D5}" dt="2019-09-11T08:55:17.082" v="83" actId="1076"/>
           <ac:spMkLst>
             <pc:docMk/>
             <pc:sldMk cId="2482149023" sldId="257"/>
@@ -175,6 +255,14 @@
             <ac:spMk id="148" creationId="{961015C0-9A6D-3947-B3E2-983FB9FD2426}"/>
           </ac:spMkLst>
         </pc:spChg>
+        <pc:spChg chg="add mod">
+          <ac:chgData name="Jeremy Bryans" userId="2bdd9104-0739-4811-8d5a-2f4a7e6bb682" providerId="ADAL" clId="{B00E2BAB-7F1C-4446-909F-A46143FCC8D5}" dt="2019-09-11T08:56:13.862" v="96" actId="20577"/>
+          <ac:spMkLst>
+            <pc:docMk/>
+            <pc:sldMk cId="2482149023" sldId="257"/>
+            <ac:spMk id="148" creationId="{F684B253-E7BD-664A-B0EA-27D08D0C57D0}"/>
+          </ac:spMkLst>
+        </pc:spChg>
         <pc:spChg chg="add del mod">
           <ac:chgData name="Jeremy Bryans" userId="2bdd9104-0739-4811-8d5a-2f4a7e6bb682" providerId="ADAL" clId="{B00E2BAB-7F1C-4446-909F-A46143FCC8D5}" dt="2019-09-09T16:53:47.470" v="7" actId="478"/>
           <ac:spMkLst>
@@ -184,7 +272,15 @@
           </ac:spMkLst>
         </pc:spChg>
         <pc:spChg chg="add mod">
-          <ac:chgData name="Jeremy Bryans" userId="2bdd9104-0739-4811-8d5a-2f4a7e6bb682" providerId="ADAL" clId="{B00E2BAB-7F1C-4446-909F-A46143FCC8D5}" dt="2019-09-09T16:53:25.343" v="3" actId="1076"/>
+          <ac:chgData name="Jeremy Bryans" userId="2bdd9104-0739-4811-8d5a-2f4a7e6bb682" providerId="ADAL" clId="{B00E2BAB-7F1C-4446-909F-A46143FCC8D5}" dt="2019-09-11T08:56:29.005" v="100" actId="20577"/>
+          <ac:spMkLst>
+            <pc:docMk/>
+            <pc:sldMk cId="2482149023" sldId="257"/>
+            <ac:spMk id="149" creationId="{FCC0234D-4284-DB41-A74E-6901C4CB1152}"/>
+          </ac:spMkLst>
+        </pc:spChg>
+        <pc:spChg chg="add mod">
+          <ac:chgData name="Jeremy Bryans" userId="2bdd9104-0739-4811-8d5a-2f4a7e6bb682" providerId="ADAL" clId="{B00E2BAB-7F1C-4446-909F-A46143FCC8D5}" dt="2019-09-11T08:55:17.082" v="83" actId="1076"/>
           <ac:spMkLst>
             <pc:docMk/>
             <pc:sldMk cId="2482149023" sldId="257"/>
@@ -192,7 +288,7 @@
           </ac:spMkLst>
         </pc:spChg>
         <pc:spChg chg="add mod">
-          <ac:chgData name="Jeremy Bryans" userId="2bdd9104-0739-4811-8d5a-2f4a7e6bb682" providerId="ADAL" clId="{B00E2BAB-7F1C-4446-909F-A46143FCC8D5}" dt="2019-09-09T16:56:50.484" v="41" actId="1076"/>
+          <ac:chgData name="Jeremy Bryans" userId="2bdd9104-0739-4811-8d5a-2f4a7e6bb682" providerId="ADAL" clId="{B00E2BAB-7F1C-4446-909F-A46143FCC8D5}" dt="2019-09-11T08:55:17.082" v="83" actId="1076"/>
           <ac:spMkLst>
             <pc:docMk/>
             <pc:sldMk cId="2482149023" sldId="257"/>
@@ -200,7 +296,23 @@
           </ac:spMkLst>
         </pc:spChg>
         <pc:spChg chg="mod">
-          <ac:chgData name="Jeremy Bryans" userId="2bdd9104-0739-4811-8d5a-2f4a7e6bb682" providerId="ADAL" clId="{B00E2BAB-7F1C-4446-909F-A46143FCC8D5}" dt="2019-09-09T16:29:26.704" v="0" actId="1076"/>
+          <ac:chgData name="Jeremy Bryans" userId="2bdd9104-0739-4811-8d5a-2f4a7e6bb682" providerId="ADAL" clId="{B00E2BAB-7F1C-4446-909F-A46143FCC8D5}" dt="2019-09-11T08:55:17.082" v="83" actId="1076"/>
+          <ac:spMkLst>
+            <pc:docMk/>
+            <pc:sldMk cId="2482149023" sldId="257"/>
+            <ac:spMk id="201" creationId="{53C320BB-ACDE-4141-A63B-A149F2633898}"/>
+          </ac:spMkLst>
+        </pc:spChg>
+        <pc:spChg chg="mod">
+          <ac:chgData name="Jeremy Bryans" userId="2bdd9104-0739-4811-8d5a-2f4a7e6bb682" providerId="ADAL" clId="{B00E2BAB-7F1C-4446-909F-A46143FCC8D5}" dt="2019-09-11T08:55:17.082" v="83" actId="1076"/>
+          <ac:spMkLst>
+            <pc:docMk/>
+            <pc:sldMk cId="2482149023" sldId="257"/>
+            <ac:spMk id="202" creationId="{C53AB098-FB56-6F40-9361-77851AE26F56}"/>
+          </ac:spMkLst>
+        </pc:spChg>
+        <pc:spChg chg="mod">
+          <ac:chgData name="Jeremy Bryans" userId="2bdd9104-0739-4811-8d5a-2f4a7e6bb682" providerId="ADAL" clId="{B00E2BAB-7F1C-4446-909F-A46143FCC8D5}" dt="2019-09-11T08:55:17.082" v="83" actId="1076"/>
           <ac:spMkLst>
             <pc:docMk/>
             <pc:sldMk cId="2482149023" sldId="257"/>
@@ -208,7 +320,247 @@
           </ac:spMkLst>
         </pc:spChg>
         <pc:spChg chg="mod">
-          <ac:chgData name="Jeremy Bryans" userId="2bdd9104-0739-4811-8d5a-2f4a7e6bb682" providerId="ADAL" clId="{B00E2BAB-7F1C-4446-909F-A46143FCC8D5}" dt="2019-09-09T16:53:06.082" v="1" actId="1076"/>
+          <ac:chgData name="Jeremy Bryans" userId="2bdd9104-0739-4811-8d5a-2f4a7e6bb682" providerId="ADAL" clId="{B00E2BAB-7F1C-4446-909F-A46143FCC8D5}" dt="2019-09-11T08:55:17.082" v="83" actId="1076"/>
+          <ac:spMkLst>
+            <pc:docMk/>
+            <pc:sldMk cId="2482149023" sldId="257"/>
+            <ac:spMk id="211" creationId="{DA5C1388-3F49-DC4D-A5D0-0FE28322E340}"/>
+          </ac:spMkLst>
+        </pc:spChg>
+        <pc:spChg chg="mod">
+          <ac:chgData name="Jeremy Bryans" userId="2bdd9104-0739-4811-8d5a-2f4a7e6bb682" providerId="ADAL" clId="{B00E2BAB-7F1C-4446-909F-A46143FCC8D5}" dt="2019-09-11T08:55:17.082" v="83" actId="1076"/>
+          <ac:spMkLst>
+            <pc:docMk/>
+            <pc:sldMk cId="2482149023" sldId="257"/>
+            <ac:spMk id="212" creationId="{1CB1C892-7E64-9647-80DD-A5EAD297B216}"/>
+          </ac:spMkLst>
+        </pc:spChg>
+        <pc:spChg chg="mod">
+          <ac:chgData name="Jeremy Bryans" userId="2bdd9104-0739-4811-8d5a-2f4a7e6bb682" providerId="ADAL" clId="{B00E2BAB-7F1C-4446-909F-A46143FCC8D5}" dt="2019-09-11T08:55:17.082" v="83" actId="1076"/>
+          <ac:spMkLst>
+            <pc:docMk/>
+            <pc:sldMk cId="2482149023" sldId="257"/>
+            <ac:spMk id="213" creationId="{56832BA3-29F8-3C4D-99A9-50FC7B2C96C6}"/>
+          </ac:spMkLst>
+        </pc:spChg>
+        <pc:spChg chg="mod">
+          <ac:chgData name="Jeremy Bryans" userId="2bdd9104-0739-4811-8d5a-2f4a7e6bb682" providerId="ADAL" clId="{B00E2BAB-7F1C-4446-909F-A46143FCC8D5}" dt="2019-09-11T08:55:17.082" v="83" actId="1076"/>
+          <ac:spMkLst>
+            <pc:docMk/>
+            <pc:sldMk cId="2482149023" sldId="257"/>
+            <ac:spMk id="214" creationId="{FE051E58-500B-A24C-803A-3207542CB0BB}"/>
+          </ac:spMkLst>
+        </pc:spChg>
+        <pc:spChg chg="mod">
+          <ac:chgData name="Jeremy Bryans" userId="2bdd9104-0739-4811-8d5a-2f4a7e6bb682" providerId="ADAL" clId="{B00E2BAB-7F1C-4446-909F-A46143FCC8D5}" dt="2019-09-11T08:55:17.082" v="83" actId="1076"/>
+          <ac:spMkLst>
+            <pc:docMk/>
+            <pc:sldMk cId="2482149023" sldId="257"/>
+            <ac:spMk id="227" creationId="{03B8E971-D782-2741-B7D5-2A19B0BA6109}"/>
+          </ac:spMkLst>
+        </pc:spChg>
+        <pc:spChg chg="mod">
+          <ac:chgData name="Jeremy Bryans" userId="2bdd9104-0739-4811-8d5a-2f4a7e6bb682" providerId="ADAL" clId="{B00E2BAB-7F1C-4446-909F-A46143FCC8D5}" dt="2019-09-11T08:55:17.082" v="83" actId="1076"/>
+          <ac:spMkLst>
+            <pc:docMk/>
+            <pc:sldMk cId="2482149023" sldId="257"/>
+            <ac:spMk id="228" creationId="{A59B5AC1-1106-CB47-AC48-491A7DF2E8C8}"/>
+          </ac:spMkLst>
+        </pc:spChg>
+        <pc:spChg chg="mod">
+          <ac:chgData name="Jeremy Bryans" userId="2bdd9104-0739-4811-8d5a-2f4a7e6bb682" providerId="ADAL" clId="{B00E2BAB-7F1C-4446-909F-A46143FCC8D5}" dt="2019-09-11T08:55:17.082" v="83" actId="1076"/>
+          <ac:spMkLst>
+            <pc:docMk/>
+            <pc:sldMk cId="2482149023" sldId="257"/>
+            <ac:spMk id="236" creationId="{2A81FCD4-4869-224F-8228-0B9694080251}"/>
+          </ac:spMkLst>
+        </pc:spChg>
+        <pc:spChg chg="mod">
+          <ac:chgData name="Jeremy Bryans" userId="2bdd9104-0739-4811-8d5a-2f4a7e6bb682" providerId="ADAL" clId="{B00E2BAB-7F1C-4446-909F-A46143FCC8D5}" dt="2019-09-11T08:55:17.082" v="83" actId="1076"/>
+          <ac:spMkLst>
+            <pc:docMk/>
+            <pc:sldMk cId="2482149023" sldId="257"/>
+            <ac:spMk id="237" creationId="{84DEA700-4ACC-9B4A-8DFC-13D777148205}"/>
+          </ac:spMkLst>
+        </pc:spChg>
+        <pc:spChg chg="mod">
+          <ac:chgData name="Jeremy Bryans" userId="2bdd9104-0739-4811-8d5a-2f4a7e6bb682" providerId="ADAL" clId="{B00E2BAB-7F1C-4446-909F-A46143FCC8D5}" dt="2019-09-11T08:55:17.082" v="83" actId="1076"/>
+          <ac:spMkLst>
+            <pc:docMk/>
+            <pc:sldMk cId="2482149023" sldId="257"/>
+            <ac:spMk id="238" creationId="{C28E2A15-F85C-844E-8611-651B28462BB6}"/>
+          </ac:spMkLst>
+        </pc:spChg>
+        <pc:spChg chg="mod">
+          <ac:chgData name="Jeremy Bryans" userId="2bdd9104-0739-4811-8d5a-2f4a7e6bb682" providerId="ADAL" clId="{B00E2BAB-7F1C-4446-909F-A46143FCC8D5}" dt="2019-09-11T08:55:17.082" v="83" actId="1076"/>
+          <ac:spMkLst>
+            <pc:docMk/>
+            <pc:sldMk cId="2482149023" sldId="257"/>
+            <ac:spMk id="239" creationId="{E5935A70-E5AE-904E-AD6A-702C026AC86F}"/>
+          </ac:spMkLst>
+        </pc:spChg>
+        <pc:spChg chg="mod">
+          <ac:chgData name="Jeremy Bryans" userId="2bdd9104-0739-4811-8d5a-2f4a7e6bb682" providerId="ADAL" clId="{B00E2BAB-7F1C-4446-909F-A46143FCC8D5}" dt="2019-09-11T08:55:17.082" v="83" actId="1076"/>
+          <ac:spMkLst>
+            <pc:docMk/>
+            <pc:sldMk cId="2482149023" sldId="257"/>
+            <ac:spMk id="250" creationId="{5A8E7D6E-2F1B-424F-95F0-AE02C3C577D6}"/>
+          </ac:spMkLst>
+        </pc:spChg>
+        <pc:spChg chg="mod">
+          <ac:chgData name="Jeremy Bryans" userId="2bdd9104-0739-4811-8d5a-2f4a7e6bb682" providerId="ADAL" clId="{B00E2BAB-7F1C-4446-909F-A46143FCC8D5}" dt="2019-09-11T08:55:17.082" v="83" actId="1076"/>
+          <ac:spMkLst>
+            <pc:docMk/>
+            <pc:sldMk cId="2482149023" sldId="257"/>
+            <ac:spMk id="251" creationId="{D5D20565-72CC-0C48-BE57-5B2F33FB9C19}"/>
+          </ac:spMkLst>
+        </pc:spChg>
+        <pc:spChg chg="mod">
+          <ac:chgData name="Jeremy Bryans" userId="2bdd9104-0739-4811-8d5a-2f4a7e6bb682" providerId="ADAL" clId="{B00E2BAB-7F1C-4446-909F-A46143FCC8D5}" dt="2019-09-11T08:55:17.082" v="83" actId="1076"/>
+          <ac:spMkLst>
+            <pc:docMk/>
+            <pc:sldMk cId="2482149023" sldId="257"/>
+            <ac:spMk id="253" creationId="{2ABCB084-AF4F-D34A-ADAD-D4249F60DF40}"/>
+          </ac:spMkLst>
+        </pc:spChg>
+        <pc:spChg chg="mod">
+          <ac:chgData name="Jeremy Bryans" userId="2bdd9104-0739-4811-8d5a-2f4a7e6bb682" providerId="ADAL" clId="{B00E2BAB-7F1C-4446-909F-A46143FCC8D5}" dt="2019-09-11T08:55:17.082" v="83" actId="1076"/>
+          <ac:spMkLst>
+            <pc:docMk/>
+            <pc:sldMk cId="2482149023" sldId="257"/>
+            <ac:spMk id="255" creationId="{A66B4D90-B5F6-B042-B185-4EE83C70A3BA}"/>
+          </ac:spMkLst>
+        </pc:spChg>
+        <pc:spChg chg="mod">
+          <ac:chgData name="Jeremy Bryans" userId="2bdd9104-0739-4811-8d5a-2f4a7e6bb682" providerId="ADAL" clId="{B00E2BAB-7F1C-4446-909F-A46143FCC8D5}" dt="2019-09-11T08:55:17.082" v="83" actId="1076"/>
+          <ac:spMkLst>
+            <pc:docMk/>
+            <pc:sldMk cId="2482149023" sldId="257"/>
+            <ac:spMk id="287" creationId="{8D972AD8-010D-AB46-8B67-50CC7E6C5CC2}"/>
+          </ac:spMkLst>
+        </pc:spChg>
+        <pc:spChg chg="mod">
+          <ac:chgData name="Jeremy Bryans" userId="2bdd9104-0739-4811-8d5a-2f4a7e6bb682" providerId="ADAL" clId="{B00E2BAB-7F1C-4446-909F-A46143FCC8D5}" dt="2019-09-11T08:55:17.082" v="83" actId="1076"/>
+          <ac:spMkLst>
+            <pc:docMk/>
+            <pc:sldMk cId="2482149023" sldId="257"/>
+            <ac:spMk id="288" creationId="{13D4D59F-F032-3446-A503-D923B39069A2}"/>
+          </ac:spMkLst>
+        </pc:spChg>
+        <pc:spChg chg="mod">
+          <ac:chgData name="Jeremy Bryans" userId="2bdd9104-0739-4811-8d5a-2f4a7e6bb682" providerId="ADAL" clId="{B00E2BAB-7F1C-4446-909F-A46143FCC8D5}" dt="2019-09-11T08:55:17.082" v="83" actId="1076"/>
+          <ac:spMkLst>
+            <pc:docMk/>
+            <pc:sldMk cId="2482149023" sldId="257"/>
+            <ac:spMk id="299" creationId="{A61BC54A-704B-2A41-A542-184737C356D3}"/>
+          </ac:spMkLst>
+        </pc:spChg>
+        <pc:spChg chg="mod">
+          <ac:chgData name="Jeremy Bryans" userId="2bdd9104-0739-4811-8d5a-2f4a7e6bb682" providerId="ADAL" clId="{B00E2BAB-7F1C-4446-909F-A46143FCC8D5}" dt="2019-09-11T08:55:17.082" v="83" actId="1076"/>
+          <ac:spMkLst>
+            <pc:docMk/>
+            <pc:sldMk cId="2482149023" sldId="257"/>
+            <ac:spMk id="300" creationId="{B2B44B3E-DE1D-C047-9730-FF8235EF27B8}"/>
+          </ac:spMkLst>
+        </pc:spChg>
+        <pc:spChg chg="mod">
+          <ac:chgData name="Jeremy Bryans" userId="2bdd9104-0739-4811-8d5a-2f4a7e6bb682" providerId="ADAL" clId="{B00E2BAB-7F1C-4446-909F-A46143FCC8D5}" dt="2019-09-11T08:55:17.082" v="83" actId="1076"/>
+          <ac:spMkLst>
+            <pc:docMk/>
+            <pc:sldMk cId="2482149023" sldId="257"/>
+            <ac:spMk id="302" creationId="{35A0C86C-659F-6B4D-A1C3-146FD63D934D}"/>
+          </ac:spMkLst>
+        </pc:spChg>
+        <pc:spChg chg="mod">
+          <ac:chgData name="Jeremy Bryans" userId="2bdd9104-0739-4811-8d5a-2f4a7e6bb682" providerId="ADAL" clId="{B00E2BAB-7F1C-4446-909F-A46143FCC8D5}" dt="2019-09-11T08:55:17.082" v="83" actId="1076"/>
+          <ac:spMkLst>
+            <pc:docMk/>
+            <pc:sldMk cId="2482149023" sldId="257"/>
+            <ac:spMk id="303" creationId="{2F6A9014-7537-5049-9FD8-0666FEDC5B8E}"/>
+          </ac:spMkLst>
+        </pc:spChg>
+        <pc:spChg chg="mod">
+          <ac:chgData name="Jeremy Bryans" userId="2bdd9104-0739-4811-8d5a-2f4a7e6bb682" providerId="ADAL" clId="{B00E2BAB-7F1C-4446-909F-A46143FCC8D5}" dt="2019-09-11T08:55:17.082" v="83" actId="1076"/>
+          <ac:spMkLst>
+            <pc:docMk/>
+            <pc:sldMk cId="2482149023" sldId="257"/>
+            <ac:spMk id="306" creationId="{4E336106-A539-AA4B-B354-41D0146BC8E2}"/>
+          </ac:spMkLst>
+        </pc:spChg>
+        <pc:spChg chg="mod">
+          <ac:chgData name="Jeremy Bryans" userId="2bdd9104-0739-4811-8d5a-2f4a7e6bb682" providerId="ADAL" clId="{B00E2BAB-7F1C-4446-909F-A46143FCC8D5}" dt="2019-09-11T08:55:17.082" v="83" actId="1076"/>
+          <ac:spMkLst>
+            <pc:docMk/>
+            <pc:sldMk cId="2482149023" sldId="257"/>
+            <ac:spMk id="307" creationId="{578D84DE-AA75-7C40-9A20-1EA4669B0AC8}"/>
+          </ac:spMkLst>
+        </pc:spChg>
+        <pc:spChg chg="mod">
+          <ac:chgData name="Jeremy Bryans" userId="2bdd9104-0739-4811-8d5a-2f4a7e6bb682" providerId="ADAL" clId="{B00E2BAB-7F1C-4446-909F-A46143FCC8D5}" dt="2019-09-11T08:55:17.082" v="83" actId="1076"/>
+          <ac:spMkLst>
+            <pc:docMk/>
+            <pc:sldMk cId="2482149023" sldId="257"/>
+            <ac:spMk id="308" creationId="{AD3DA5BE-FC4F-B148-802A-08ADE0A53E36}"/>
+          </ac:spMkLst>
+        </pc:spChg>
+        <pc:spChg chg="mod">
+          <ac:chgData name="Jeremy Bryans" userId="2bdd9104-0739-4811-8d5a-2f4a7e6bb682" providerId="ADAL" clId="{B00E2BAB-7F1C-4446-909F-A46143FCC8D5}" dt="2019-09-11T08:55:17.082" v="83" actId="1076"/>
+          <ac:spMkLst>
+            <pc:docMk/>
+            <pc:sldMk cId="2482149023" sldId="257"/>
+            <ac:spMk id="309" creationId="{C7593B29-7DB5-034C-9298-C368E82E9DF7}"/>
+          </ac:spMkLst>
+        </pc:spChg>
+        <pc:spChg chg="mod">
+          <ac:chgData name="Jeremy Bryans" userId="2bdd9104-0739-4811-8d5a-2f4a7e6bb682" providerId="ADAL" clId="{B00E2BAB-7F1C-4446-909F-A46143FCC8D5}" dt="2019-09-11T08:55:17.082" v="83" actId="1076"/>
+          <ac:spMkLst>
+            <pc:docMk/>
+            <pc:sldMk cId="2482149023" sldId="257"/>
+            <ac:spMk id="310" creationId="{D3197F1D-47A0-9544-88F6-F8AEEF62C33A}"/>
+          </ac:spMkLst>
+        </pc:spChg>
+        <pc:spChg chg="mod">
+          <ac:chgData name="Jeremy Bryans" userId="2bdd9104-0739-4811-8d5a-2f4a7e6bb682" providerId="ADAL" clId="{B00E2BAB-7F1C-4446-909F-A46143FCC8D5}" dt="2019-09-11T08:55:17.082" v="83" actId="1076"/>
+          <ac:spMkLst>
+            <pc:docMk/>
+            <pc:sldMk cId="2482149023" sldId="257"/>
+            <ac:spMk id="311" creationId="{89EFC965-8B8B-2944-BD34-3F7C1F1D7493}"/>
+          </ac:spMkLst>
+        </pc:spChg>
+        <pc:spChg chg="mod">
+          <ac:chgData name="Jeremy Bryans" userId="2bdd9104-0739-4811-8d5a-2f4a7e6bb682" providerId="ADAL" clId="{B00E2BAB-7F1C-4446-909F-A46143FCC8D5}" dt="2019-09-11T08:55:17.082" v="83" actId="1076"/>
+          <ac:spMkLst>
+            <pc:docMk/>
+            <pc:sldMk cId="2482149023" sldId="257"/>
+            <ac:spMk id="312" creationId="{6B7A9A05-41BD-9A46-B970-69A33E46A6DA}"/>
+          </ac:spMkLst>
+        </pc:spChg>
+        <pc:spChg chg="mod">
+          <ac:chgData name="Jeremy Bryans" userId="2bdd9104-0739-4811-8d5a-2f4a7e6bb682" providerId="ADAL" clId="{B00E2BAB-7F1C-4446-909F-A46143FCC8D5}" dt="2019-09-11T08:55:17.082" v="83" actId="1076"/>
+          <ac:spMkLst>
+            <pc:docMk/>
+            <pc:sldMk cId="2482149023" sldId="257"/>
+            <ac:spMk id="313" creationId="{15D456A5-1FAB-F94D-9DAE-286998A08CD2}"/>
+          </ac:spMkLst>
+        </pc:spChg>
+        <pc:spChg chg="mod">
+          <ac:chgData name="Jeremy Bryans" userId="2bdd9104-0739-4811-8d5a-2f4a7e6bb682" providerId="ADAL" clId="{B00E2BAB-7F1C-4446-909F-A46143FCC8D5}" dt="2019-09-11T08:55:17.082" v="83" actId="1076"/>
+          <ac:spMkLst>
+            <pc:docMk/>
+            <pc:sldMk cId="2482149023" sldId="257"/>
+            <ac:spMk id="314" creationId="{D8BB6764-5421-1540-8D25-A4FB660FA2EB}"/>
+          </ac:spMkLst>
+        </pc:spChg>
+        <pc:spChg chg="mod">
+          <ac:chgData name="Jeremy Bryans" userId="2bdd9104-0739-4811-8d5a-2f4a7e6bb682" providerId="ADAL" clId="{B00E2BAB-7F1C-4446-909F-A46143FCC8D5}" dt="2019-09-11T08:55:17.082" v="83" actId="1076"/>
+          <ac:spMkLst>
+            <pc:docMk/>
+            <pc:sldMk cId="2482149023" sldId="257"/>
+            <ac:spMk id="315" creationId="{F991FCD7-2A7B-7840-839B-8BBCF6BBEDC9}"/>
+          </ac:spMkLst>
+        </pc:spChg>
+        <pc:spChg chg="mod">
+          <ac:chgData name="Jeremy Bryans" userId="2bdd9104-0739-4811-8d5a-2f4a7e6bb682" providerId="ADAL" clId="{B00E2BAB-7F1C-4446-909F-A46143FCC8D5}" dt="2019-09-11T08:55:17.082" v="83" actId="1076"/>
           <ac:spMkLst>
             <pc:docMk/>
             <pc:sldMk cId="2482149023" sldId="257"/>
@@ -216,13 +568,117 @@
           </ac:spMkLst>
         </pc:spChg>
         <pc:spChg chg="mod">
-          <ac:chgData name="Jeremy Bryans" userId="2bdd9104-0739-4811-8d5a-2f4a7e6bb682" providerId="ADAL" clId="{B00E2BAB-7F1C-4446-909F-A46143FCC8D5}" dt="2019-09-09T16:58:40.237" v="47" actId="1035"/>
+          <ac:chgData name="Jeremy Bryans" userId="2bdd9104-0739-4811-8d5a-2f4a7e6bb682" providerId="ADAL" clId="{B00E2BAB-7F1C-4446-909F-A46143FCC8D5}" dt="2019-09-11T08:55:17.082" v="83" actId="1076"/>
+          <ac:spMkLst>
+            <pc:docMk/>
+            <pc:sldMk cId="2482149023" sldId="257"/>
+            <ac:spMk id="325" creationId="{E7088E1A-35D3-8045-8B4E-01A26CD9E35B}"/>
+          </ac:spMkLst>
+        </pc:spChg>
+        <pc:spChg chg="mod">
+          <ac:chgData name="Jeremy Bryans" userId="2bdd9104-0739-4811-8d5a-2f4a7e6bb682" providerId="ADAL" clId="{B00E2BAB-7F1C-4446-909F-A46143FCC8D5}" dt="2019-09-11T08:55:17.082" v="83" actId="1076"/>
+          <ac:spMkLst>
+            <pc:docMk/>
+            <pc:sldMk cId="2482149023" sldId="257"/>
+            <ac:spMk id="336" creationId="{C4AC0460-2C5C-1D44-92B2-5CA980D584D2}"/>
+          </ac:spMkLst>
+        </pc:spChg>
+        <pc:spChg chg="mod">
+          <ac:chgData name="Jeremy Bryans" userId="2bdd9104-0739-4811-8d5a-2f4a7e6bb682" providerId="ADAL" clId="{B00E2BAB-7F1C-4446-909F-A46143FCC8D5}" dt="2019-09-11T08:55:17.082" v="83" actId="1076"/>
+          <ac:spMkLst>
+            <pc:docMk/>
+            <pc:sldMk cId="2482149023" sldId="257"/>
+            <ac:spMk id="337" creationId="{5C1EC449-112D-514F-A6E0-C4CE4E64995D}"/>
+          </ac:spMkLst>
+        </pc:spChg>
+        <pc:spChg chg="mod">
+          <ac:chgData name="Jeremy Bryans" userId="2bdd9104-0739-4811-8d5a-2f4a7e6bb682" providerId="ADAL" clId="{B00E2BAB-7F1C-4446-909F-A46143FCC8D5}" dt="2019-09-11T08:55:17.082" v="83" actId="1076"/>
+          <ac:spMkLst>
+            <pc:docMk/>
+            <pc:sldMk cId="2482149023" sldId="257"/>
+            <ac:spMk id="339" creationId="{A31A2AA0-A2F2-9743-ADA0-8F5400AFBCA1}"/>
+          </ac:spMkLst>
+        </pc:spChg>
+        <pc:spChg chg="mod">
+          <ac:chgData name="Jeremy Bryans" userId="2bdd9104-0739-4811-8d5a-2f4a7e6bb682" providerId="ADAL" clId="{B00E2BAB-7F1C-4446-909F-A46143FCC8D5}" dt="2019-09-11T08:55:17.082" v="83" actId="1076"/>
+          <ac:spMkLst>
+            <pc:docMk/>
+            <pc:sldMk cId="2482149023" sldId="257"/>
+            <ac:spMk id="341" creationId="{79D0104D-AE4B-8C4C-9590-E9C28E726A9E}"/>
+          </ac:spMkLst>
+        </pc:spChg>
+        <pc:spChg chg="mod">
+          <ac:chgData name="Jeremy Bryans" userId="2bdd9104-0739-4811-8d5a-2f4a7e6bb682" providerId="ADAL" clId="{B00E2BAB-7F1C-4446-909F-A46143FCC8D5}" dt="2019-09-11T08:55:17.082" v="83" actId="1076"/>
+          <ac:spMkLst>
+            <pc:docMk/>
+            <pc:sldMk cId="2482149023" sldId="257"/>
+            <ac:spMk id="342" creationId="{E3611545-72C7-7148-B4BD-B8CC557F731A}"/>
+          </ac:spMkLst>
+        </pc:spChg>
+        <pc:spChg chg="mod">
+          <ac:chgData name="Jeremy Bryans" userId="2bdd9104-0739-4811-8d5a-2f4a7e6bb682" providerId="ADAL" clId="{B00E2BAB-7F1C-4446-909F-A46143FCC8D5}" dt="2019-09-11T08:55:17.082" v="83" actId="1076"/>
+          <ac:spMkLst>
+            <pc:docMk/>
+            <pc:sldMk cId="2482149023" sldId="257"/>
+            <ac:spMk id="347" creationId="{26EE7691-065F-D649-B0F4-8AEDA5D05ADA}"/>
+          </ac:spMkLst>
+        </pc:spChg>
+        <pc:spChg chg="mod">
+          <ac:chgData name="Jeremy Bryans" userId="2bdd9104-0739-4811-8d5a-2f4a7e6bb682" providerId="ADAL" clId="{B00E2BAB-7F1C-4446-909F-A46143FCC8D5}" dt="2019-09-11T08:55:17.082" v="83" actId="1076"/>
           <ac:spMkLst>
             <pc:docMk/>
             <pc:sldMk cId="2482149023" sldId="257"/>
             <ac:spMk id="349" creationId="{91F2788C-DAB7-404D-98E8-C7574F5AF4E1}"/>
           </ac:spMkLst>
         </pc:spChg>
+        <pc:spChg chg="mod">
+          <ac:chgData name="Jeremy Bryans" userId="2bdd9104-0739-4811-8d5a-2f4a7e6bb682" providerId="ADAL" clId="{B00E2BAB-7F1C-4446-909F-A46143FCC8D5}" dt="2019-09-11T08:55:17.082" v="83" actId="1076"/>
+          <ac:spMkLst>
+            <pc:docMk/>
+            <pc:sldMk cId="2482149023" sldId="257"/>
+            <ac:spMk id="350" creationId="{D35C67C9-F2F7-9E4F-A629-83186EB010DC}"/>
+          </ac:spMkLst>
+        </pc:spChg>
+        <pc:spChg chg="mod">
+          <ac:chgData name="Jeremy Bryans" userId="2bdd9104-0739-4811-8d5a-2f4a7e6bb682" providerId="ADAL" clId="{B00E2BAB-7F1C-4446-909F-A46143FCC8D5}" dt="2019-09-11T08:55:17.082" v="83" actId="1076"/>
+          <ac:spMkLst>
+            <pc:docMk/>
+            <pc:sldMk cId="2482149023" sldId="257"/>
+            <ac:spMk id="351" creationId="{08B4ED21-77FD-FD46-92EE-2E4632D25095}"/>
+          </ac:spMkLst>
+        </pc:spChg>
+        <pc:grpChg chg="mod">
+          <ac:chgData name="Jeremy Bryans" userId="2bdd9104-0739-4811-8d5a-2f4a7e6bb682" providerId="ADAL" clId="{B00E2BAB-7F1C-4446-909F-A46143FCC8D5}" dt="2019-09-11T08:55:17.082" v="83" actId="1076"/>
+          <ac:grpSpMkLst>
+            <pc:docMk/>
+            <pc:sldMk cId="2482149023" sldId="257"/>
+            <ac:grpSpMk id="13" creationId="{3F3C6156-07D9-CE49-9436-2C758A39D604}"/>
+          </ac:grpSpMkLst>
+        </pc:grpChg>
+        <pc:grpChg chg="mod">
+          <ac:chgData name="Jeremy Bryans" userId="2bdd9104-0739-4811-8d5a-2f4a7e6bb682" providerId="ADAL" clId="{B00E2BAB-7F1C-4446-909F-A46143FCC8D5}" dt="2019-09-11T08:55:17.082" v="83" actId="1076"/>
+          <ac:grpSpMkLst>
+            <pc:docMk/>
+            <pc:sldMk cId="2482149023" sldId="257"/>
+            <ac:grpSpMk id="16" creationId="{60B53682-92EB-C047-ADEB-A7E534B4E8A8}"/>
+          </ac:grpSpMkLst>
+        </pc:grpChg>
+        <pc:grpChg chg="mod">
+          <ac:chgData name="Jeremy Bryans" userId="2bdd9104-0739-4811-8d5a-2f4a7e6bb682" providerId="ADAL" clId="{B00E2BAB-7F1C-4446-909F-A46143FCC8D5}" dt="2019-09-11T08:55:17.082" v="83" actId="1076"/>
+          <ac:grpSpMkLst>
+            <pc:docMk/>
+            <pc:sldMk cId="2482149023" sldId="257"/>
+            <ac:grpSpMk id="29" creationId="{58DDEB8D-7BE7-CB41-B0C9-81495875BA69}"/>
+          </ac:grpSpMkLst>
+        </pc:grpChg>
+        <pc:grpChg chg="mod">
+          <ac:chgData name="Jeremy Bryans" userId="2bdd9104-0739-4811-8d5a-2f4a7e6bb682" providerId="ADAL" clId="{B00E2BAB-7F1C-4446-909F-A46143FCC8D5}" dt="2019-09-11T08:55:17.082" v="83" actId="1076"/>
+          <ac:grpSpMkLst>
+            <pc:docMk/>
+            <pc:sldMk cId="2482149023" sldId="257"/>
+            <ac:grpSpMk id="32" creationId="{ADB79DEC-DF71-A04A-AA69-FB3D253340FE}"/>
+          </ac:grpSpMkLst>
+        </pc:grpChg>
         <pc:grpChg chg="add del mod">
           <ac:chgData name="Jeremy Bryans" userId="2bdd9104-0739-4811-8d5a-2f4a7e6bb682" providerId="ADAL" clId="{B00E2BAB-7F1C-4446-909F-A46143FCC8D5}" dt="2019-09-09T16:53:41.305" v="5" actId="478"/>
           <ac:grpSpMkLst>
@@ -232,7 +688,7 @@
           </ac:grpSpMkLst>
         </pc:grpChg>
         <pc:grpChg chg="add mod">
-          <ac:chgData name="Jeremy Bryans" userId="2bdd9104-0739-4811-8d5a-2f4a7e6bb682" providerId="ADAL" clId="{B00E2BAB-7F1C-4446-909F-A46143FCC8D5}" dt="2019-09-09T16:55:18.848" v="24" actId="1076"/>
+          <ac:chgData name="Jeremy Bryans" userId="2bdd9104-0739-4811-8d5a-2f4a7e6bb682" providerId="ADAL" clId="{B00E2BAB-7F1C-4446-909F-A46143FCC8D5}" dt="2019-09-11T08:55:17.082" v="83" actId="1076"/>
           <ac:grpSpMkLst>
             <pc:docMk/>
             <pc:sldMk cId="2482149023" sldId="257"/>
@@ -240,13 +696,165 @@
           </ac:grpSpMkLst>
         </pc:grpChg>
         <pc:grpChg chg="add mod">
-          <ac:chgData name="Jeremy Bryans" userId="2bdd9104-0739-4811-8d5a-2f4a7e6bb682" providerId="ADAL" clId="{B00E2BAB-7F1C-4446-909F-A46143FCC8D5}" dt="2019-09-09T16:53:25.343" v="3" actId="1076"/>
+          <ac:chgData name="Jeremy Bryans" userId="2bdd9104-0739-4811-8d5a-2f4a7e6bb682" providerId="ADAL" clId="{B00E2BAB-7F1C-4446-909F-A46143FCC8D5}" dt="2019-09-11T08:55:17.082" v="83" actId="1076"/>
           <ac:grpSpMkLst>
             <pc:docMk/>
             <pc:sldMk cId="2482149023" sldId="257"/>
             <ac:grpSpMk id="141" creationId="{0CFC7F23-2F92-A541-AC99-52E8A43BAE22}"/>
           </ac:grpSpMkLst>
         </pc:grpChg>
+        <pc:grpChg chg="mod">
+          <ac:chgData name="Jeremy Bryans" userId="2bdd9104-0739-4811-8d5a-2f4a7e6bb682" providerId="ADAL" clId="{B00E2BAB-7F1C-4446-909F-A46143FCC8D5}" dt="2019-09-11T08:55:17.082" v="83" actId="1076"/>
+          <ac:grpSpMkLst>
+            <pc:docMk/>
+            <pc:sldMk cId="2482149023" sldId="257"/>
+            <ac:grpSpMk id="205" creationId="{1ACE75B6-743C-A542-8A53-00ECFB1AD5D6}"/>
+          </ac:grpSpMkLst>
+        </pc:grpChg>
+        <pc:grpChg chg="mod">
+          <ac:chgData name="Jeremy Bryans" userId="2bdd9104-0739-4811-8d5a-2f4a7e6bb682" providerId="ADAL" clId="{B00E2BAB-7F1C-4446-909F-A46143FCC8D5}" dt="2019-09-11T08:55:17.082" v="83" actId="1076"/>
+          <ac:grpSpMkLst>
+            <pc:docMk/>
+            <pc:sldMk cId="2482149023" sldId="257"/>
+            <ac:grpSpMk id="208" creationId="{FC58CC60-7A84-814C-B31A-43353991AB79}"/>
+          </ac:grpSpMkLst>
+        </pc:grpChg>
+        <pc:grpChg chg="mod">
+          <ac:chgData name="Jeremy Bryans" userId="2bdd9104-0739-4811-8d5a-2f4a7e6bb682" providerId="ADAL" clId="{B00E2BAB-7F1C-4446-909F-A46143FCC8D5}" dt="2019-09-11T08:55:17.082" v="83" actId="1076"/>
+          <ac:grpSpMkLst>
+            <pc:docMk/>
+            <pc:sldMk cId="2482149023" sldId="257"/>
+            <ac:grpSpMk id="215" creationId="{5396B07A-4BCF-8A4A-AFA6-76311C759ECF}"/>
+          </ac:grpSpMkLst>
+        </pc:grpChg>
+        <pc:grpChg chg="mod">
+          <ac:chgData name="Jeremy Bryans" userId="2bdd9104-0739-4811-8d5a-2f4a7e6bb682" providerId="ADAL" clId="{B00E2BAB-7F1C-4446-909F-A46143FCC8D5}" dt="2019-09-11T08:55:17.082" v="83" actId="1076"/>
+          <ac:grpSpMkLst>
+            <pc:docMk/>
+            <pc:sldMk cId="2482149023" sldId="257"/>
+            <ac:grpSpMk id="218" creationId="{B7EAE93C-0CFC-AC4A-9344-F55078B0E983}"/>
+          </ac:grpSpMkLst>
+        </pc:grpChg>
+        <pc:grpChg chg="mod">
+          <ac:chgData name="Jeremy Bryans" userId="2bdd9104-0739-4811-8d5a-2f4a7e6bb682" providerId="ADAL" clId="{B00E2BAB-7F1C-4446-909F-A46143FCC8D5}" dt="2019-09-11T08:55:17.082" v="83" actId="1076"/>
+          <ac:grpSpMkLst>
+            <pc:docMk/>
+            <pc:sldMk cId="2482149023" sldId="257"/>
+            <ac:grpSpMk id="230" creationId="{BD0951E2-321A-BA40-B3A9-95CF5A673C4F}"/>
+          </ac:grpSpMkLst>
+        </pc:grpChg>
+        <pc:grpChg chg="mod">
+          <ac:chgData name="Jeremy Bryans" userId="2bdd9104-0739-4811-8d5a-2f4a7e6bb682" providerId="ADAL" clId="{B00E2BAB-7F1C-4446-909F-A46143FCC8D5}" dt="2019-09-11T08:55:17.082" v="83" actId="1076"/>
+          <ac:grpSpMkLst>
+            <pc:docMk/>
+            <pc:sldMk cId="2482149023" sldId="257"/>
+            <ac:grpSpMk id="233" creationId="{A479AE30-7B81-F34C-9F87-A77D2EE6F220}"/>
+          </ac:grpSpMkLst>
+        </pc:grpChg>
+        <pc:grpChg chg="mod">
+          <ac:chgData name="Jeremy Bryans" userId="2bdd9104-0739-4811-8d5a-2f4a7e6bb682" providerId="ADAL" clId="{B00E2BAB-7F1C-4446-909F-A46143FCC8D5}" dt="2019-09-11T08:55:17.082" v="83" actId="1076"/>
+          <ac:grpSpMkLst>
+            <pc:docMk/>
+            <pc:sldMk cId="2482149023" sldId="257"/>
+            <ac:grpSpMk id="240" creationId="{8F0C45D5-CED7-9842-895B-9E4BB3B9B9AB}"/>
+          </ac:grpSpMkLst>
+        </pc:grpChg>
+        <pc:grpChg chg="mod">
+          <ac:chgData name="Jeremy Bryans" userId="2bdd9104-0739-4811-8d5a-2f4a7e6bb682" providerId="ADAL" clId="{B00E2BAB-7F1C-4446-909F-A46143FCC8D5}" dt="2019-09-11T08:55:17.082" v="83" actId="1076"/>
+          <ac:grpSpMkLst>
+            <pc:docMk/>
+            <pc:sldMk cId="2482149023" sldId="257"/>
+            <ac:grpSpMk id="243" creationId="{AC1857EF-6465-B243-A0EC-C86F9D2A3E8A}"/>
+          </ac:grpSpMkLst>
+        </pc:grpChg>
+        <pc:grpChg chg="mod">
+          <ac:chgData name="Jeremy Bryans" userId="2bdd9104-0739-4811-8d5a-2f4a7e6bb682" providerId="ADAL" clId="{B00E2BAB-7F1C-4446-909F-A46143FCC8D5}" dt="2019-09-11T08:55:17.082" v="83" actId="1076"/>
+          <ac:grpSpMkLst>
+            <pc:docMk/>
+            <pc:sldMk cId="2482149023" sldId="257"/>
+            <ac:grpSpMk id="282" creationId="{5F6007A8-6066-A34B-BF9C-DB0280306123}"/>
+          </ac:grpSpMkLst>
+        </pc:grpChg>
+        <pc:grpChg chg="mod">
+          <ac:chgData name="Jeremy Bryans" userId="2bdd9104-0739-4811-8d5a-2f4a7e6bb682" providerId="ADAL" clId="{B00E2BAB-7F1C-4446-909F-A46143FCC8D5}" dt="2019-09-11T08:55:17.082" v="83" actId="1076"/>
+          <ac:grpSpMkLst>
+            <pc:docMk/>
+            <pc:sldMk cId="2482149023" sldId="257"/>
+            <ac:grpSpMk id="289" creationId="{516B89AB-2454-9E48-BCE7-D596AA170215}"/>
+          </ac:grpSpMkLst>
+        </pc:grpChg>
+        <pc:grpChg chg="mod">
+          <ac:chgData name="Jeremy Bryans" userId="2bdd9104-0739-4811-8d5a-2f4a7e6bb682" providerId="ADAL" clId="{B00E2BAB-7F1C-4446-909F-A46143FCC8D5}" dt="2019-09-11T08:55:17.082" v="83" actId="1076"/>
+          <ac:grpSpMkLst>
+            <pc:docMk/>
+            <pc:sldMk cId="2482149023" sldId="257"/>
+            <ac:grpSpMk id="292" creationId="{B3F1FD04-551E-614F-838B-2F8FCA699444}"/>
+          </ac:grpSpMkLst>
+        </pc:grpChg>
+        <pc:grpChg chg="mod">
+          <ac:chgData name="Jeremy Bryans" userId="2bdd9104-0739-4811-8d5a-2f4a7e6bb682" providerId="ADAL" clId="{B00E2BAB-7F1C-4446-909F-A46143FCC8D5}" dt="2019-09-11T08:55:17.082" v="83" actId="1076"/>
+          <ac:grpSpMkLst>
+            <pc:docMk/>
+            <pc:sldMk cId="2482149023" sldId="257"/>
+            <ac:grpSpMk id="316" creationId="{42AE83FD-89E9-7F40-9934-53D8D0D5CCB1}"/>
+          </ac:grpSpMkLst>
+        </pc:grpChg>
+        <pc:grpChg chg="mod">
+          <ac:chgData name="Jeremy Bryans" userId="2bdd9104-0739-4811-8d5a-2f4a7e6bb682" providerId="ADAL" clId="{B00E2BAB-7F1C-4446-909F-A46143FCC8D5}" dt="2019-09-11T08:55:17.082" v="83" actId="1076"/>
+          <ac:grpSpMkLst>
+            <pc:docMk/>
+            <pc:sldMk cId="2482149023" sldId="257"/>
+            <ac:grpSpMk id="319" creationId="{AEDCBB5D-DBB4-8041-8A7A-EBDF82A5BD81}"/>
+          </ac:grpSpMkLst>
+        </pc:grpChg>
+        <pc:grpChg chg="mod">
+          <ac:chgData name="Jeremy Bryans" userId="2bdd9104-0739-4811-8d5a-2f4a7e6bb682" providerId="ADAL" clId="{B00E2BAB-7F1C-4446-909F-A46143FCC8D5}" dt="2019-09-11T08:55:17.082" v="83" actId="1076"/>
+          <ac:grpSpMkLst>
+            <pc:docMk/>
+            <pc:sldMk cId="2482149023" sldId="257"/>
+            <ac:grpSpMk id="329" creationId="{339B3117-B488-254A-B180-2C049125ADB4}"/>
+          </ac:grpSpMkLst>
+        </pc:grpChg>
+        <pc:cxnChg chg="mod">
+          <ac:chgData name="Jeremy Bryans" userId="2bdd9104-0739-4811-8d5a-2f4a7e6bb682" providerId="ADAL" clId="{B00E2BAB-7F1C-4446-909F-A46143FCC8D5}" dt="2019-09-11T08:55:17.082" v="83" actId="1076"/>
+          <ac:cxnSpMkLst>
+            <pc:docMk/>
+            <pc:sldMk cId="2482149023" sldId="257"/>
+            <ac:cxnSpMk id="38" creationId="{9774CE3A-A97F-DC46-A82D-3F506103356B}"/>
+          </ac:cxnSpMkLst>
+        </pc:cxnChg>
+        <pc:cxnChg chg="mod">
+          <ac:chgData name="Jeremy Bryans" userId="2bdd9104-0739-4811-8d5a-2f4a7e6bb682" providerId="ADAL" clId="{B00E2BAB-7F1C-4446-909F-A46143FCC8D5}" dt="2019-09-11T08:55:17.082" v="83" actId="1076"/>
+          <ac:cxnSpMkLst>
+            <pc:docMk/>
+            <pc:sldMk cId="2482149023" sldId="257"/>
+            <ac:cxnSpMk id="39" creationId="{E43912C9-718E-E849-8467-C9359972B555}"/>
+          </ac:cxnSpMkLst>
+        </pc:cxnChg>
+        <pc:cxnChg chg="mod">
+          <ac:chgData name="Jeremy Bryans" userId="2bdd9104-0739-4811-8d5a-2f4a7e6bb682" providerId="ADAL" clId="{B00E2BAB-7F1C-4446-909F-A46143FCC8D5}" dt="2019-09-11T08:55:17.082" v="83" actId="1076"/>
+          <ac:cxnSpMkLst>
+            <pc:docMk/>
+            <pc:sldMk cId="2482149023" sldId="257"/>
+            <ac:cxnSpMk id="40" creationId="{3F0BB5AA-803C-A249-800F-155E27C62A0A}"/>
+          </ac:cxnSpMkLst>
+        </pc:cxnChg>
+        <pc:cxnChg chg="mod">
+          <ac:chgData name="Jeremy Bryans" userId="2bdd9104-0739-4811-8d5a-2f4a7e6bb682" providerId="ADAL" clId="{B00E2BAB-7F1C-4446-909F-A46143FCC8D5}" dt="2019-09-11T08:55:17.082" v="83" actId="1076"/>
+          <ac:cxnSpMkLst>
+            <pc:docMk/>
+            <pc:sldMk cId="2482149023" sldId="257"/>
+            <ac:cxnSpMk id="41" creationId="{9F3E0B84-0909-B743-9080-B0E41D6E4599}"/>
+          </ac:cxnSpMkLst>
+        </pc:cxnChg>
+        <pc:cxnChg chg="mod">
+          <ac:chgData name="Jeremy Bryans" userId="2bdd9104-0739-4811-8d5a-2f4a7e6bb682" providerId="ADAL" clId="{B00E2BAB-7F1C-4446-909F-A46143FCC8D5}" dt="2019-09-11T08:55:17.082" v="83" actId="1076"/>
+          <ac:cxnSpMkLst>
+            <pc:docMk/>
+            <pc:sldMk cId="2482149023" sldId="257"/>
+            <ac:cxnSpMk id="55" creationId="{256322CD-CB7B-EE43-B71C-7B87AC68DEAC}"/>
+          </ac:cxnSpMkLst>
+        </pc:cxnChg>
         <pc:cxnChg chg="add del mod">
           <ac:chgData name="Jeremy Bryans" userId="2bdd9104-0739-4811-8d5a-2f4a7e6bb682" providerId="ADAL" clId="{B00E2BAB-7F1C-4446-909F-A46143FCC8D5}" dt="2019-09-09T16:53:45.456" v="6" actId="478"/>
           <ac:cxnSpMkLst>
@@ -256,7 +864,7 @@
           </ac:cxnSpMkLst>
         </pc:cxnChg>
         <pc:cxnChg chg="add mod">
-          <ac:chgData name="Jeremy Bryans" userId="2bdd9104-0739-4811-8d5a-2f4a7e6bb682" providerId="ADAL" clId="{B00E2BAB-7F1C-4446-909F-A46143FCC8D5}" dt="2019-09-09T16:56:44.713" v="40" actId="14100"/>
+          <ac:chgData name="Jeremy Bryans" userId="2bdd9104-0739-4811-8d5a-2f4a7e6bb682" providerId="ADAL" clId="{B00E2BAB-7F1C-4446-909F-A46143FCC8D5}" dt="2019-09-11T08:55:17.082" v="83" actId="1076"/>
           <ac:cxnSpMkLst>
             <pc:docMk/>
             <pc:sldMk cId="2482149023" sldId="257"/>
@@ -264,7 +872,7 @@
           </ac:cxnSpMkLst>
         </pc:cxnChg>
         <pc:cxnChg chg="add mod">
-          <ac:chgData name="Jeremy Bryans" userId="2bdd9104-0739-4811-8d5a-2f4a7e6bb682" providerId="ADAL" clId="{B00E2BAB-7F1C-4446-909F-A46143FCC8D5}" dt="2019-09-09T16:54:28.345" v="14" actId="14100"/>
+          <ac:chgData name="Jeremy Bryans" userId="2bdd9104-0739-4811-8d5a-2f4a7e6bb682" providerId="ADAL" clId="{B00E2BAB-7F1C-4446-909F-A46143FCC8D5}" dt="2019-09-11T08:55:17.082" v="83" actId="1076"/>
           <ac:cxnSpMkLst>
             <pc:docMk/>
             <pc:sldMk cId="2482149023" sldId="257"/>
@@ -272,7 +880,111 @@
           </ac:cxnSpMkLst>
         </pc:cxnChg>
         <pc:cxnChg chg="mod">
-          <ac:chgData name="Jeremy Bryans" userId="2bdd9104-0739-4811-8d5a-2f4a7e6bb682" providerId="ADAL" clId="{B00E2BAB-7F1C-4446-909F-A46143FCC8D5}" dt="2019-09-09T16:53:06.082" v="1" actId="1076"/>
+          <ac:chgData name="Jeremy Bryans" userId="2bdd9104-0739-4811-8d5a-2f4a7e6bb682" providerId="ADAL" clId="{B00E2BAB-7F1C-4446-909F-A46143FCC8D5}" dt="2019-09-11T08:55:17.082" v="83" actId="1076"/>
+          <ac:cxnSpMkLst>
+            <pc:docMk/>
+            <pc:sldMk cId="2482149023" sldId="257"/>
+            <ac:cxnSpMk id="221" creationId="{ADDC9481-95E9-DB47-ACDD-C6FA0D7261E4}"/>
+          </ac:cxnSpMkLst>
+        </pc:cxnChg>
+        <pc:cxnChg chg="mod">
+          <ac:chgData name="Jeremy Bryans" userId="2bdd9104-0739-4811-8d5a-2f4a7e6bb682" providerId="ADAL" clId="{B00E2BAB-7F1C-4446-909F-A46143FCC8D5}" dt="2019-09-11T08:55:17.082" v="83" actId="1076"/>
+          <ac:cxnSpMkLst>
+            <pc:docMk/>
+            <pc:sldMk cId="2482149023" sldId="257"/>
+            <ac:cxnSpMk id="224" creationId="{A91A70B9-A934-A146-A193-C0458774F633}"/>
+          </ac:cxnSpMkLst>
+        </pc:cxnChg>
+        <pc:cxnChg chg="mod">
+          <ac:chgData name="Jeremy Bryans" userId="2bdd9104-0739-4811-8d5a-2f4a7e6bb682" providerId="ADAL" clId="{B00E2BAB-7F1C-4446-909F-A46143FCC8D5}" dt="2019-09-11T08:55:17.082" v="83" actId="1076"/>
+          <ac:cxnSpMkLst>
+            <pc:docMk/>
+            <pc:sldMk cId="2482149023" sldId="257"/>
+            <ac:cxnSpMk id="225" creationId="{5717E3BD-91B3-3646-88A5-45023BAC35FE}"/>
+          </ac:cxnSpMkLst>
+        </pc:cxnChg>
+        <pc:cxnChg chg="mod">
+          <ac:chgData name="Jeremy Bryans" userId="2bdd9104-0739-4811-8d5a-2f4a7e6bb682" providerId="ADAL" clId="{B00E2BAB-7F1C-4446-909F-A46143FCC8D5}" dt="2019-09-11T08:55:17.082" v="83" actId="1076"/>
+          <ac:cxnSpMkLst>
+            <pc:docMk/>
+            <pc:sldMk cId="2482149023" sldId="257"/>
+            <ac:cxnSpMk id="226" creationId="{E9B386B6-EE4A-8949-A4B9-C937612F4B6A}"/>
+          </ac:cxnSpMkLst>
+        </pc:cxnChg>
+        <pc:cxnChg chg="mod">
+          <ac:chgData name="Jeremy Bryans" userId="2bdd9104-0739-4811-8d5a-2f4a7e6bb682" providerId="ADAL" clId="{B00E2BAB-7F1C-4446-909F-A46143FCC8D5}" dt="2019-09-11T08:55:17.082" v="83" actId="1076"/>
+          <ac:cxnSpMkLst>
+            <pc:docMk/>
+            <pc:sldMk cId="2482149023" sldId="257"/>
+            <ac:cxnSpMk id="229" creationId="{8ABE0F0B-3BFD-584B-BA0E-FACC5B7E15DA}"/>
+          </ac:cxnSpMkLst>
+        </pc:cxnChg>
+        <pc:cxnChg chg="mod">
+          <ac:chgData name="Jeremy Bryans" userId="2bdd9104-0739-4811-8d5a-2f4a7e6bb682" providerId="ADAL" clId="{B00E2BAB-7F1C-4446-909F-A46143FCC8D5}" dt="2019-09-11T08:55:17.082" v="83" actId="1076"/>
+          <ac:cxnSpMkLst>
+            <pc:docMk/>
+            <pc:sldMk cId="2482149023" sldId="257"/>
+            <ac:cxnSpMk id="246" creationId="{91307118-EC67-CD49-972A-BF99A397D859}"/>
+          </ac:cxnSpMkLst>
+        </pc:cxnChg>
+        <pc:cxnChg chg="mod">
+          <ac:chgData name="Jeremy Bryans" userId="2bdd9104-0739-4811-8d5a-2f4a7e6bb682" providerId="ADAL" clId="{B00E2BAB-7F1C-4446-909F-A46143FCC8D5}" dt="2019-09-11T08:55:17.082" v="83" actId="1076"/>
+          <ac:cxnSpMkLst>
+            <pc:docMk/>
+            <pc:sldMk cId="2482149023" sldId="257"/>
+            <ac:cxnSpMk id="247" creationId="{A839CB51-131E-8547-A455-AA0DF99ABF7A}"/>
+          </ac:cxnSpMkLst>
+        </pc:cxnChg>
+        <pc:cxnChg chg="mod">
+          <ac:chgData name="Jeremy Bryans" userId="2bdd9104-0739-4811-8d5a-2f4a7e6bb682" providerId="ADAL" clId="{B00E2BAB-7F1C-4446-909F-A46143FCC8D5}" dt="2019-09-11T08:55:17.082" v="83" actId="1076"/>
+          <ac:cxnSpMkLst>
+            <pc:docMk/>
+            <pc:sldMk cId="2482149023" sldId="257"/>
+            <ac:cxnSpMk id="248" creationId="{0BB05C48-B46A-CF43-A0C2-4337A7F454B5}"/>
+          </ac:cxnSpMkLst>
+        </pc:cxnChg>
+        <pc:cxnChg chg="mod">
+          <ac:chgData name="Jeremy Bryans" userId="2bdd9104-0739-4811-8d5a-2f4a7e6bb682" providerId="ADAL" clId="{B00E2BAB-7F1C-4446-909F-A46143FCC8D5}" dt="2019-09-11T08:55:17.082" v="83" actId="1076"/>
+          <ac:cxnSpMkLst>
+            <pc:docMk/>
+            <pc:sldMk cId="2482149023" sldId="257"/>
+            <ac:cxnSpMk id="249" creationId="{28ECDE7B-AFCD-BF43-B59D-1DF74C5F2BF8}"/>
+          </ac:cxnSpMkLst>
+        </pc:cxnChg>
+        <pc:cxnChg chg="mod">
+          <ac:chgData name="Jeremy Bryans" userId="2bdd9104-0739-4811-8d5a-2f4a7e6bb682" providerId="ADAL" clId="{B00E2BAB-7F1C-4446-909F-A46143FCC8D5}" dt="2019-09-11T08:55:17.082" v="83" actId="1076"/>
+          <ac:cxnSpMkLst>
+            <pc:docMk/>
+            <pc:sldMk cId="2482149023" sldId="257"/>
+            <ac:cxnSpMk id="252" creationId="{975B4252-EA73-7147-A88B-5A8FC3413055}"/>
+          </ac:cxnSpMkLst>
+        </pc:cxnChg>
+        <pc:cxnChg chg="mod">
+          <ac:chgData name="Jeremy Bryans" userId="2bdd9104-0739-4811-8d5a-2f4a7e6bb682" providerId="ADAL" clId="{B00E2BAB-7F1C-4446-909F-A46143FCC8D5}" dt="2019-09-11T08:55:17.082" v="83" actId="1076"/>
+          <ac:cxnSpMkLst>
+            <pc:docMk/>
+            <pc:sldMk cId="2482149023" sldId="257"/>
+            <ac:cxnSpMk id="296" creationId="{D3BA0D8C-EA71-AE4B-B5E3-6284F1DD708B}"/>
+          </ac:cxnSpMkLst>
+        </pc:cxnChg>
+        <pc:cxnChg chg="mod">
+          <ac:chgData name="Jeremy Bryans" userId="2bdd9104-0739-4811-8d5a-2f4a7e6bb682" providerId="ADAL" clId="{B00E2BAB-7F1C-4446-909F-A46143FCC8D5}" dt="2019-09-11T08:55:17.082" v="83" actId="1076"/>
+          <ac:cxnSpMkLst>
+            <pc:docMk/>
+            <pc:sldMk cId="2482149023" sldId="257"/>
+            <ac:cxnSpMk id="298" creationId="{B56DB80C-AF04-5B41-8550-DC9639BDFA4E}"/>
+          </ac:cxnSpMkLst>
+        </pc:cxnChg>
+        <pc:cxnChg chg="mod">
+          <ac:chgData name="Jeremy Bryans" userId="2bdd9104-0739-4811-8d5a-2f4a7e6bb682" providerId="ADAL" clId="{B00E2BAB-7F1C-4446-909F-A46143FCC8D5}" dt="2019-09-11T08:55:17.082" v="83" actId="1076"/>
+          <ac:cxnSpMkLst>
+            <pc:docMk/>
+            <pc:sldMk cId="2482149023" sldId="257"/>
+            <ac:cxnSpMk id="301" creationId="{D66DCD37-052B-3144-BD7D-CA13730BFA26}"/>
+          </ac:cxnSpMkLst>
+        </pc:cxnChg>
+        <pc:cxnChg chg="mod">
+          <ac:chgData name="Jeremy Bryans" userId="2bdd9104-0739-4811-8d5a-2f4a7e6bb682" providerId="ADAL" clId="{B00E2BAB-7F1C-4446-909F-A46143FCC8D5}" dt="2019-09-11T08:55:17.082" v="83" actId="1076"/>
           <ac:cxnSpMkLst>
             <pc:docMk/>
             <pc:sldMk cId="2482149023" sldId="257"/>
@@ -280,7 +992,7 @@
           </ac:cxnSpMkLst>
         </pc:cxnChg>
         <pc:cxnChg chg="mod">
-          <ac:chgData name="Jeremy Bryans" userId="2bdd9104-0739-4811-8d5a-2f4a7e6bb682" providerId="ADAL" clId="{B00E2BAB-7F1C-4446-909F-A46143FCC8D5}" dt="2019-09-09T16:53:06.082" v="1" actId="1076"/>
+          <ac:chgData name="Jeremy Bryans" userId="2bdd9104-0739-4811-8d5a-2f4a7e6bb682" providerId="ADAL" clId="{B00E2BAB-7F1C-4446-909F-A46143FCC8D5}" dt="2019-09-11T08:55:17.082" v="83" actId="1076"/>
           <ac:cxnSpMkLst>
             <pc:docMk/>
             <pc:sldMk cId="2482149023" sldId="257"/>
@@ -288,7 +1000,7 @@
           </ac:cxnSpMkLst>
         </pc:cxnChg>
         <pc:cxnChg chg="mod">
-          <ac:chgData name="Jeremy Bryans" userId="2bdd9104-0739-4811-8d5a-2f4a7e6bb682" providerId="ADAL" clId="{B00E2BAB-7F1C-4446-909F-A46143FCC8D5}" dt="2019-09-09T16:53:06.082" v="1" actId="1076"/>
+          <ac:chgData name="Jeremy Bryans" userId="2bdd9104-0739-4811-8d5a-2f4a7e6bb682" providerId="ADAL" clId="{B00E2BAB-7F1C-4446-909F-A46143FCC8D5}" dt="2019-09-11T08:55:17.082" v="83" actId="1076"/>
           <ac:cxnSpMkLst>
             <pc:docMk/>
             <pc:sldMk cId="2482149023" sldId="257"/>
@@ -448,7 +1160,7 @@
           <a:p>
             <a:fld id="{2DE544F1-4EB3-B943-BAC8-4587CDEC2BDB}" type="datetimeFigureOut">
               <a:rPr lang="en-US" smtClean="0"/>
-              <a:t>9/9/19</a:t>
+              <a:t>9/11/19</a:t>
             </a:fld>
             <a:endParaRPr lang="en-US"/>
           </a:p>
@@ -646,7 +1358,7 @@
           <a:p>
             <a:fld id="{2DE544F1-4EB3-B943-BAC8-4587CDEC2BDB}" type="datetimeFigureOut">
               <a:rPr lang="en-US" smtClean="0"/>
-              <a:t>9/9/19</a:t>
+              <a:t>9/11/19</a:t>
             </a:fld>
             <a:endParaRPr lang="en-US"/>
           </a:p>
@@ -854,7 +1566,7 @@
           <a:p>
             <a:fld id="{2DE544F1-4EB3-B943-BAC8-4587CDEC2BDB}" type="datetimeFigureOut">
               <a:rPr lang="en-US" smtClean="0"/>
-              <a:t>9/9/19</a:t>
+              <a:t>9/11/19</a:t>
             </a:fld>
             <a:endParaRPr lang="en-US"/>
           </a:p>
@@ -1052,7 +1764,7 @@
           <a:p>
             <a:fld id="{2DE544F1-4EB3-B943-BAC8-4587CDEC2BDB}" type="datetimeFigureOut">
               <a:rPr lang="en-US" smtClean="0"/>
-              <a:t>9/9/19</a:t>
+              <a:t>9/11/19</a:t>
             </a:fld>
             <a:endParaRPr lang="en-US"/>
           </a:p>
@@ -1327,7 +2039,7 @@
           <a:p>
             <a:fld id="{2DE544F1-4EB3-B943-BAC8-4587CDEC2BDB}" type="datetimeFigureOut">
               <a:rPr lang="en-US" smtClean="0"/>
-              <a:t>9/9/19</a:t>
+              <a:t>9/11/19</a:t>
             </a:fld>
             <a:endParaRPr lang="en-US"/>
           </a:p>
@@ -1592,7 +2304,7 @@
           <a:p>
             <a:fld id="{2DE544F1-4EB3-B943-BAC8-4587CDEC2BDB}" type="datetimeFigureOut">
               <a:rPr lang="en-US" smtClean="0"/>
-              <a:t>9/9/19</a:t>
+              <a:t>9/11/19</a:t>
             </a:fld>
             <a:endParaRPr lang="en-US"/>
           </a:p>
@@ -2004,7 +2716,7 @@
           <a:p>
             <a:fld id="{2DE544F1-4EB3-B943-BAC8-4587CDEC2BDB}" type="datetimeFigureOut">
               <a:rPr lang="en-US" smtClean="0"/>
-              <a:t>9/9/19</a:t>
+              <a:t>9/11/19</a:t>
             </a:fld>
             <a:endParaRPr lang="en-US"/>
           </a:p>
@@ -2145,7 +2857,7 @@
           <a:p>
             <a:fld id="{2DE544F1-4EB3-B943-BAC8-4587CDEC2BDB}" type="datetimeFigureOut">
               <a:rPr lang="en-US" smtClean="0"/>
-              <a:t>9/9/19</a:t>
+              <a:t>9/11/19</a:t>
             </a:fld>
             <a:endParaRPr lang="en-US"/>
           </a:p>
@@ -2258,7 +2970,7 @@
           <a:p>
             <a:fld id="{2DE544F1-4EB3-B943-BAC8-4587CDEC2BDB}" type="datetimeFigureOut">
               <a:rPr lang="en-US" smtClean="0"/>
-              <a:t>9/9/19</a:t>
+              <a:t>9/11/19</a:t>
             </a:fld>
             <a:endParaRPr lang="en-US"/>
           </a:p>
@@ -2569,7 +3281,7 @@
           <a:p>
             <a:fld id="{2DE544F1-4EB3-B943-BAC8-4587CDEC2BDB}" type="datetimeFigureOut">
               <a:rPr lang="en-US" smtClean="0"/>
-              <a:t>9/9/19</a:t>
+              <a:t>9/11/19</a:t>
             </a:fld>
             <a:endParaRPr lang="en-US"/>
           </a:p>
@@ -2857,7 +3569,7 @@
           <a:p>
             <a:fld id="{2DE544F1-4EB3-B943-BAC8-4587CDEC2BDB}" type="datetimeFigureOut">
               <a:rPr lang="en-US" smtClean="0"/>
-              <a:t>9/9/19</a:t>
+              <a:t>9/11/19</a:t>
             </a:fld>
             <a:endParaRPr lang="en-US"/>
           </a:p>
@@ -3098,7 +3810,7 @@
           <a:p>
             <a:fld id="{2DE544F1-4EB3-B943-BAC8-4587CDEC2BDB}" type="datetimeFigureOut">
               <a:rPr lang="en-US" smtClean="0"/>
-              <a:t>9/9/19</a:t>
+              <a:t>9/11/19</a:t>
             </a:fld>
             <a:endParaRPr lang="en-US"/>
           </a:p>
@@ -3529,7 +4241,7 @@
         </p:nvGrpSpPr>
         <p:grpSpPr>
           <a:xfrm>
-            <a:off x="4720030" y="82558"/>
+            <a:off x="3217060" y="82558"/>
             <a:ext cx="370458" cy="394531"/>
             <a:chOff x="2651620" y="4455131"/>
             <a:chExt cx="370458" cy="394531"/>
@@ -3653,7 +4365,7 @@
         </p:nvGrpSpPr>
         <p:grpSpPr>
           <a:xfrm>
-            <a:off x="4730449" y="953746"/>
+            <a:off x="3227479" y="953746"/>
             <a:ext cx="363601" cy="394531"/>
             <a:chOff x="2658477" y="5322765"/>
             <a:chExt cx="363601" cy="394531"/>
@@ -3777,7 +4489,7 @@
         </p:nvSpPr>
         <p:spPr>
           <a:xfrm>
-            <a:off x="5612487" y="82557"/>
+            <a:off x="4109517" y="82557"/>
             <a:ext cx="394531" cy="394531"/>
           </a:xfrm>
           <a:prstGeom prst="ellipse">
@@ -3839,7 +4551,7 @@
         </p:nvSpPr>
         <p:spPr>
           <a:xfrm>
-            <a:off x="5628460" y="111100"/>
+            <a:off x="4125490" y="111100"/>
             <a:ext cx="373718" cy="276999"/>
           </a:xfrm>
           <a:prstGeom prst="rect">
@@ -3877,7 +4589,7 @@
         </p:nvSpPr>
         <p:spPr>
           <a:xfrm>
-            <a:off x="5612487" y="955780"/>
+            <a:off x="4109517" y="955780"/>
             <a:ext cx="394531" cy="394531"/>
           </a:xfrm>
           <a:prstGeom prst="ellipse">
@@ -3937,7 +4649,7 @@
         </p:nvSpPr>
         <p:spPr>
           <a:xfrm>
-            <a:off x="5617370" y="1014545"/>
+            <a:off x="4114400" y="1014545"/>
             <a:ext cx="340158" cy="276999"/>
           </a:xfrm>
           <a:prstGeom prst="rect">
@@ -3975,7 +4687,7 @@
         </p:nvGrpSpPr>
         <p:grpSpPr>
           <a:xfrm>
-            <a:off x="6500876" y="48611"/>
+            <a:off x="4997906" y="48611"/>
             <a:ext cx="363601" cy="394531"/>
             <a:chOff x="2658477" y="4455131"/>
             <a:chExt cx="363601" cy="394531"/>
@@ -4097,7 +4809,7 @@
         </p:nvGrpSpPr>
         <p:grpSpPr>
           <a:xfrm>
-            <a:off x="6511293" y="953747"/>
+            <a:off x="5008323" y="953747"/>
             <a:ext cx="363601" cy="394531"/>
             <a:chOff x="2658477" y="4455131"/>
             <a:chExt cx="363601" cy="394531"/>
@@ -4219,7 +4931,7 @@
         </p:nvCxnSpPr>
         <p:spPr>
           <a:xfrm flipH="1">
-            <a:off x="5090488" y="279823"/>
+            <a:off x="3587518" y="279823"/>
             <a:ext cx="521999" cy="1"/>
           </a:xfrm>
           <a:prstGeom prst="straightConnector1">
@@ -4263,7 +4975,7 @@
         </p:nvCxnSpPr>
         <p:spPr>
           <a:xfrm flipH="1" flipV="1">
-            <a:off x="5101846" y="1136058"/>
+            <a:off x="3598876" y="1136058"/>
             <a:ext cx="516285" cy="16988"/>
           </a:xfrm>
           <a:prstGeom prst="straightConnector1">
@@ -4309,7 +5021,7 @@
         </p:nvCxnSpPr>
         <p:spPr>
           <a:xfrm flipH="1">
-            <a:off x="6002178" y="245877"/>
+            <a:off x="4499208" y="245877"/>
             <a:ext cx="498698" cy="3723"/>
           </a:xfrm>
           <a:prstGeom prst="straightConnector1">
@@ -4354,7 +5066,7 @@
         </p:nvCxnSpPr>
         <p:spPr>
           <a:xfrm flipH="1">
-            <a:off x="6007018" y="1151013"/>
+            <a:off x="4504048" y="1151013"/>
             <a:ext cx="504275" cy="2033"/>
           </a:xfrm>
           <a:prstGeom prst="straightConnector1">
@@ -4396,7 +5108,7 @@
         </p:nvSpPr>
         <p:spPr>
           <a:xfrm>
-            <a:off x="6025865" y="0"/>
+            <a:off x="4522895" y="0"/>
             <a:ext cx="482824" cy="276999"/>
           </a:xfrm>
           <a:prstGeom prst="rect">
@@ -4434,7 +5146,7 @@
         </p:nvSpPr>
         <p:spPr>
           <a:xfrm>
-            <a:off x="6033678" y="899098"/>
+            <a:off x="4530708" y="899098"/>
             <a:ext cx="479618" cy="276999"/>
           </a:xfrm>
           <a:prstGeom prst="rect">
@@ -4472,7 +5184,7 @@
         </p:nvSpPr>
         <p:spPr>
           <a:xfrm>
-            <a:off x="2703953" y="1911906"/>
+            <a:off x="1200983" y="1911906"/>
             <a:ext cx="510333" cy="276999"/>
           </a:xfrm>
           <a:prstGeom prst="rect">
@@ -4514,7 +5226,7 @@
         </p:nvSpPr>
         <p:spPr>
           <a:xfrm>
-            <a:off x="5126701" y="873744"/>
+            <a:off x="3623731" y="873744"/>
             <a:ext cx="510333" cy="276999"/>
           </a:xfrm>
           <a:prstGeom prst="rect">
@@ -4559,7 +5271,7 @@
         </p:nvCxnSpPr>
         <p:spPr>
           <a:xfrm flipH="1">
-            <a:off x="6007018" y="245877"/>
+            <a:off x="4504048" y="245877"/>
             <a:ext cx="493858" cy="907169"/>
           </a:xfrm>
           <a:prstGeom prst="straightConnector1">
@@ -4601,7 +5313,7 @@
         </p:nvSpPr>
         <p:spPr>
           <a:xfrm rot="7795786">
-            <a:off x="4496925" y="1495397"/>
+            <a:off x="2993955" y="1495397"/>
             <a:ext cx="434774" cy="435595"/>
           </a:xfrm>
           <a:prstGeom prst="rightArrow">
@@ -4657,7 +5369,7 @@
         </p:nvSpPr>
         <p:spPr>
           <a:xfrm rot="3119805">
-            <a:off x="6680953" y="1495397"/>
+            <a:off x="5177983" y="1495397"/>
             <a:ext cx="434774" cy="435595"/>
           </a:xfrm>
           <a:prstGeom prst="rightArrow">
@@ -4713,7 +5425,7 @@
         </p:nvSpPr>
         <p:spPr>
           <a:xfrm>
-            <a:off x="3051913" y="422462"/>
+            <a:off x="1548943" y="422462"/>
             <a:ext cx="963725" cy="276999"/>
           </a:xfrm>
           <a:prstGeom prst="rect">
@@ -4754,7 +5466,7 @@
         </p:nvSpPr>
         <p:spPr>
           <a:xfrm>
-            <a:off x="7819169" y="422461"/>
+            <a:off x="6316199" y="422461"/>
             <a:ext cx="963725" cy="276999"/>
           </a:xfrm>
           <a:prstGeom prst="rect">
@@ -4795,7 +5507,7 @@
         </p:nvGrpSpPr>
         <p:grpSpPr>
           <a:xfrm>
-            <a:off x="2321505" y="1988512"/>
+            <a:off x="818535" y="1988512"/>
             <a:ext cx="370458" cy="394531"/>
             <a:chOff x="2651620" y="4455131"/>
             <a:chExt cx="370458" cy="394531"/>
@@ -4917,7 +5629,7 @@
         </p:nvGrpSpPr>
         <p:grpSpPr>
           <a:xfrm>
-            <a:off x="2337334" y="2859702"/>
+            <a:off x="834364" y="2859702"/>
             <a:ext cx="363601" cy="394531"/>
             <a:chOff x="2658477" y="5322765"/>
             <a:chExt cx="363601" cy="394531"/>
@@ -5041,7 +5753,7 @@
         </p:nvSpPr>
         <p:spPr>
           <a:xfrm>
-            <a:off x="3213962" y="1988511"/>
+            <a:off x="1710992" y="1988511"/>
             <a:ext cx="394531" cy="394531"/>
           </a:xfrm>
           <a:prstGeom prst="ellipse">
@@ -5103,7 +5815,7 @@
         </p:nvSpPr>
         <p:spPr>
           <a:xfrm>
-            <a:off x="3229935" y="2017054"/>
+            <a:off x="1726965" y="2017054"/>
             <a:ext cx="373718" cy="276999"/>
           </a:xfrm>
           <a:prstGeom prst="rect">
@@ -5141,7 +5853,7 @@
         </p:nvSpPr>
         <p:spPr>
           <a:xfrm>
-            <a:off x="3213962" y="2861734"/>
+            <a:off x="1710992" y="2861734"/>
             <a:ext cx="394531" cy="394531"/>
           </a:xfrm>
           <a:prstGeom prst="ellipse">
@@ -5201,7 +5913,7 @@
         </p:nvSpPr>
         <p:spPr>
           <a:xfrm>
-            <a:off x="3218845" y="2920499"/>
+            <a:off x="1715875" y="2920499"/>
             <a:ext cx="340158" cy="276999"/>
           </a:xfrm>
           <a:prstGeom prst="rect">
@@ -5239,7 +5951,7 @@
         </p:nvGrpSpPr>
         <p:grpSpPr>
           <a:xfrm>
-            <a:off x="4102351" y="1954565"/>
+            <a:off x="2599381" y="1954565"/>
             <a:ext cx="363601" cy="394531"/>
             <a:chOff x="2658477" y="4455131"/>
             <a:chExt cx="363601" cy="394531"/>
@@ -5361,7 +6073,7 @@
         </p:nvGrpSpPr>
         <p:grpSpPr>
           <a:xfrm>
-            <a:off x="4112768" y="2859701"/>
+            <a:off x="2609798" y="2859701"/>
             <a:ext cx="363601" cy="394531"/>
             <a:chOff x="2658477" y="4455131"/>
             <a:chExt cx="363601" cy="394531"/>
@@ -5483,7 +6195,7 @@
         </p:nvCxnSpPr>
         <p:spPr>
           <a:xfrm flipH="1">
-            <a:off x="2691963" y="2185777"/>
+            <a:off x="1188993" y="2185777"/>
             <a:ext cx="521996" cy="1"/>
           </a:xfrm>
           <a:prstGeom prst="straightConnector1">
@@ -5528,7 +6240,7 @@
         </p:nvCxnSpPr>
         <p:spPr>
           <a:xfrm flipH="1" flipV="1">
-            <a:off x="2697096" y="3042013"/>
+            <a:off x="1194126" y="3042013"/>
             <a:ext cx="516866" cy="16987"/>
           </a:xfrm>
           <a:prstGeom prst="straightConnector1">
@@ -5574,7 +6286,7 @@
         </p:nvCxnSpPr>
         <p:spPr>
           <a:xfrm flipH="1">
-            <a:off x="3603653" y="2151831"/>
+            <a:off x="2100683" y="2151831"/>
             <a:ext cx="498698" cy="3723"/>
           </a:xfrm>
           <a:prstGeom prst="straightConnector1">
@@ -5619,7 +6331,7 @@
         </p:nvCxnSpPr>
         <p:spPr>
           <a:xfrm flipH="1">
-            <a:off x="3608493" y="3056967"/>
+            <a:off x="2105523" y="3056967"/>
             <a:ext cx="504275" cy="2033"/>
           </a:xfrm>
           <a:prstGeom prst="straightConnector1">
@@ -5661,7 +6373,7 @@
         </p:nvSpPr>
         <p:spPr>
           <a:xfrm>
-            <a:off x="3635153" y="2805052"/>
+            <a:off x="2132183" y="2805052"/>
             <a:ext cx="479618" cy="276999"/>
           </a:xfrm>
           <a:prstGeom prst="rect">
@@ -5699,7 +6411,7 @@
         </p:nvSpPr>
         <p:spPr>
           <a:xfrm>
-            <a:off x="2728176" y="2779698"/>
+            <a:off x="1225206" y="2779698"/>
             <a:ext cx="510333" cy="276999"/>
           </a:xfrm>
           <a:prstGeom prst="rect">
@@ -5744,7 +6456,7 @@
         </p:nvCxnSpPr>
         <p:spPr>
           <a:xfrm flipH="1">
-            <a:off x="3608493" y="2151831"/>
+            <a:off x="2105523" y="2151831"/>
             <a:ext cx="493858" cy="907169"/>
           </a:xfrm>
           <a:prstGeom prst="straightConnector1">
@@ -5786,7 +6498,7 @@
         </p:nvGrpSpPr>
         <p:grpSpPr>
           <a:xfrm>
-            <a:off x="7187713" y="1903200"/>
+            <a:off x="5684743" y="1903200"/>
             <a:ext cx="370458" cy="394531"/>
             <a:chOff x="2651620" y="4455131"/>
             <a:chExt cx="370458" cy="394531"/>
@@ -5910,7 +6622,7 @@
         </p:nvGrpSpPr>
         <p:grpSpPr>
           <a:xfrm>
-            <a:off x="7203542" y="2774390"/>
+            <a:off x="5700572" y="2774390"/>
             <a:ext cx="363601" cy="394531"/>
             <a:chOff x="2658477" y="5322765"/>
             <a:chExt cx="363601" cy="394531"/>
@@ -6034,7 +6746,7 @@
         </p:nvSpPr>
         <p:spPr>
           <a:xfrm>
-            <a:off x="8080170" y="1903199"/>
+            <a:off x="6577200" y="1903199"/>
             <a:ext cx="394531" cy="394531"/>
           </a:xfrm>
           <a:prstGeom prst="ellipse">
@@ -6096,7 +6808,7 @@
         </p:nvSpPr>
         <p:spPr>
           <a:xfrm>
-            <a:off x="8096143" y="1931742"/>
+            <a:off x="6593173" y="1931742"/>
             <a:ext cx="373718" cy="276999"/>
           </a:xfrm>
           <a:prstGeom prst="rect">
@@ -6134,7 +6846,7 @@
         </p:nvSpPr>
         <p:spPr>
           <a:xfrm>
-            <a:off x="8080170" y="2776422"/>
+            <a:off x="6577200" y="2776422"/>
             <a:ext cx="394531" cy="394531"/>
           </a:xfrm>
           <a:prstGeom prst="ellipse">
@@ -6196,7 +6908,7 @@
         </p:nvSpPr>
         <p:spPr>
           <a:xfrm>
-            <a:off x="8085053" y="2835187"/>
+            <a:off x="6582083" y="2835187"/>
             <a:ext cx="340158" cy="276999"/>
           </a:xfrm>
           <a:prstGeom prst="rect">
@@ -6234,7 +6946,7 @@
         </p:nvGrpSpPr>
         <p:grpSpPr>
           <a:xfrm>
-            <a:off x="8968559" y="1869253"/>
+            <a:off x="7465589" y="1869253"/>
             <a:ext cx="363601" cy="394531"/>
             <a:chOff x="2658477" y="4455131"/>
             <a:chExt cx="363601" cy="394531"/>
@@ -6356,7 +7068,7 @@
         </p:nvGrpSpPr>
         <p:grpSpPr>
           <a:xfrm>
-            <a:off x="8978976" y="2774389"/>
+            <a:off x="7476006" y="2774389"/>
             <a:ext cx="363601" cy="394531"/>
             <a:chOff x="2658477" y="4455131"/>
             <a:chExt cx="363601" cy="394531"/>
@@ -6478,7 +7190,7 @@
         </p:nvCxnSpPr>
         <p:spPr>
           <a:xfrm flipH="1">
-            <a:off x="7558171" y="2100465"/>
+            <a:off x="6055201" y="2100465"/>
             <a:ext cx="521996" cy="1"/>
           </a:xfrm>
           <a:prstGeom prst="straightConnector1">
@@ -6523,7 +7235,7 @@
         </p:nvCxnSpPr>
         <p:spPr>
           <a:xfrm flipH="1" flipV="1">
-            <a:off x="7563304" y="2956701"/>
+            <a:off x="6060334" y="2956701"/>
             <a:ext cx="516866" cy="16987"/>
           </a:xfrm>
           <a:prstGeom prst="straightConnector1">
@@ -6569,7 +7281,7 @@
         </p:nvCxnSpPr>
         <p:spPr>
           <a:xfrm flipH="1">
-            <a:off x="8469861" y="2066519"/>
+            <a:off x="6966891" y="2066519"/>
             <a:ext cx="498698" cy="3723"/>
           </a:xfrm>
           <a:prstGeom prst="straightConnector1">
@@ -6614,7 +7326,7 @@
         </p:nvCxnSpPr>
         <p:spPr>
           <a:xfrm flipH="1">
-            <a:off x="8474701" y="2971655"/>
+            <a:off x="6971731" y="2971655"/>
             <a:ext cx="504275" cy="2033"/>
           </a:xfrm>
           <a:prstGeom prst="straightConnector1">
@@ -6656,7 +7368,7 @@
         </p:nvSpPr>
         <p:spPr>
           <a:xfrm>
-            <a:off x="8501361" y="2719740"/>
+            <a:off x="6998391" y="2719740"/>
             <a:ext cx="479618" cy="276999"/>
           </a:xfrm>
           <a:prstGeom prst="rect">
@@ -6694,7 +7406,7 @@
         </p:nvSpPr>
         <p:spPr>
           <a:xfrm>
-            <a:off x="7594384" y="2694386"/>
+            <a:off x="6091414" y="2694386"/>
             <a:ext cx="510333" cy="276999"/>
           </a:xfrm>
           <a:prstGeom prst="rect">
@@ -6739,7 +7451,7 @@
         </p:nvCxnSpPr>
         <p:spPr>
           <a:xfrm flipH="1">
-            <a:off x="8474701" y="2066519"/>
+            <a:off x="6971731" y="2066519"/>
             <a:ext cx="493858" cy="907169"/>
           </a:xfrm>
           <a:prstGeom prst="straightConnector1">
@@ -6781,7 +7493,7 @@
         </p:nvSpPr>
         <p:spPr>
           <a:xfrm>
-            <a:off x="7088494" y="1405496"/>
+            <a:off x="5585524" y="1405496"/>
             <a:ext cx="612668" cy="276999"/>
           </a:xfrm>
           <a:prstGeom prst="rect">
@@ -6842,7 +7554,7 @@
         </p:nvSpPr>
         <p:spPr>
           <a:xfrm>
-            <a:off x="3949608" y="1456074"/>
+            <a:off x="2446638" y="1456074"/>
             <a:ext cx="612668" cy="276999"/>
           </a:xfrm>
           <a:prstGeom prst="rect">
@@ -6903,7 +7615,7 @@
         </p:nvGrpSpPr>
         <p:grpSpPr>
           <a:xfrm>
-            <a:off x="2344191" y="4755295"/>
+            <a:off x="841221" y="4755295"/>
             <a:ext cx="363601" cy="394531"/>
             <a:chOff x="2658477" y="5322765"/>
             <a:chExt cx="363601" cy="394531"/>
@@ -7027,7 +7739,7 @@
         </p:nvSpPr>
         <p:spPr>
           <a:xfrm>
-            <a:off x="3220819" y="4757327"/>
+            <a:off x="1717849" y="4757327"/>
             <a:ext cx="394531" cy="394531"/>
           </a:xfrm>
           <a:prstGeom prst="ellipse">
@@ -7087,7 +7799,7 @@
         </p:nvSpPr>
         <p:spPr>
           <a:xfrm>
-            <a:off x="3225702" y="4816092"/>
+            <a:off x="1722732" y="4816092"/>
             <a:ext cx="340158" cy="276999"/>
           </a:xfrm>
           <a:prstGeom prst="rect">
@@ -7125,7 +7837,7 @@
         </p:nvGrpSpPr>
         <p:grpSpPr>
           <a:xfrm>
-            <a:off x="4088023" y="3850158"/>
+            <a:off x="2585053" y="3850158"/>
             <a:ext cx="432619" cy="394531"/>
             <a:chOff x="2637292" y="4455131"/>
             <a:chExt cx="432619" cy="394531"/>
@@ -7254,7 +7966,7 @@
         </p:nvGrpSpPr>
         <p:grpSpPr>
           <a:xfrm>
-            <a:off x="4119625" y="4755294"/>
+            <a:off x="2616655" y="4755294"/>
             <a:ext cx="363601" cy="394531"/>
             <a:chOff x="2658477" y="4455131"/>
             <a:chExt cx="363601" cy="394531"/>
@@ -7376,7 +8088,7 @@
         </p:nvCxnSpPr>
         <p:spPr>
           <a:xfrm flipH="1" flipV="1">
-            <a:off x="2703953" y="4937606"/>
+            <a:off x="1200983" y="4937606"/>
             <a:ext cx="516866" cy="16987"/>
           </a:xfrm>
           <a:prstGeom prst="straightConnector1">
@@ -7421,7 +8133,7 @@
         </p:nvCxnSpPr>
         <p:spPr>
           <a:xfrm flipH="1">
-            <a:off x="3615350" y="4952560"/>
+            <a:off x="2112380" y="4952560"/>
             <a:ext cx="504275" cy="2033"/>
           </a:xfrm>
           <a:prstGeom prst="straightConnector1">
@@ -7463,7 +8175,7 @@
         </p:nvSpPr>
         <p:spPr>
           <a:xfrm>
-            <a:off x="3642010" y="4700645"/>
+            <a:off x="2139040" y="4700645"/>
             <a:ext cx="479618" cy="276999"/>
           </a:xfrm>
           <a:prstGeom prst="rect">
@@ -7501,7 +8213,7 @@
         </p:nvSpPr>
         <p:spPr>
           <a:xfrm>
-            <a:off x="2735033" y="4675291"/>
+            <a:off x="1232063" y="4675291"/>
             <a:ext cx="510333" cy="276999"/>
           </a:xfrm>
           <a:prstGeom prst="rect">
@@ -7546,7 +8258,7 @@
         </p:nvCxnSpPr>
         <p:spPr>
           <a:xfrm flipH="1">
-            <a:off x="3615350" y="4047424"/>
+            <a:off x="2112380" y="4047424"/>
             <a:ext cx="493858" cy="907169"/>
           </a:xfrm>
           <a:prstGeom prst="straightConnector1">
@@ -7588,7 +8300,7 @@
         </p:nvSpPr>
         <p:spPr>
           <a:xfrm rot="5400000">
-            <a:off x="3209432" y="3352138"/>
+            <a:off x="1706462" y="3352138"/>
             <a:ext cx="434774" cy="435595"/>
           </a:xfrm>
           <a:prstGeom prst="rightArrow">
@@ -7644,7 +8356,7 @@
         </p:nvSpPr>
         <p:spPr>
           <a:xfrm>
-            <a:off x="3599546" y="3364148"/>
+            <a:off x="2096576" y="3364148"/>
             <a:ext cx="744819" cy="276999"/>
           </a:xfrm>
           <a:prstGeom prst="rect">
@@ -7685,7 +8397,7 @@
         </p:nvSpPr>
         <p:spPr>
           <a:xfrm>
-            <a:off x="7567417" y="1855583"/>
+            <a:off x="6064447" y="1855583"/>
             <a:ext cx="510333" cy="276999"/>
           </a:xfrm>
           <a:prstGeom prst="rect">
@@ -7727,7 +8439,7 @@
         </p:nvSpPr>
         <p:spPr>
           <a:xfrm>
-            <a:off x="8443996" y="1829133"/>
+            <a:off x="6941026" y="1829133"/>
             <a:ext cx="479618" cy="276999"/>
           </a:xfrm>
           <a:prstGeom prst="rect">
@@ -7765,7 +8477,7 @@
         </p:nvSpPr>
         <p:spPr>
           <a:xfrm>
-            <a:off x="3606775" y="1911905"/>
+            <a:off x="2103805" y="1911905"/>
             <a:ext cx="479618" cy="276999"/>
           </a:xfrm>
           <a:prstGeom prst="rect">
@@ -7803,7 +8515,7 @@
         </p:nvSpPr>
         <p:spPr>
           <a:xfrm>
-            <a:off x="5113287" y="30129"/>
+            <a:off x="3610317" y="30129"/>
             <a:ext cx="510333" cy="276999"/>
           </a:xfrm>
           <a:prstGeom prst="rect">
@@ -7845,7 +8557,7 @@
         </p:nvSpPr>
         <p:spPr>
           <a:xfrm>
-            <a:off x="5844654" y="533821"/>
+            <a:off x="4341684" y="533821"/>
             <a:ext cx="482824" cy="276999"/>
           </a:xfrm>
           <a:prstGeom prst="rect">
@@ -7883,7 +8595,7 @@
         </p:nvSpPr>
         <p:spPr>
           <a:xfrm>
-            <a:off x="3466784" y="2409806"/>
+            <a:off x="1963814" y="2409806"/>
             <a:ext cx="482824" cy="276999"/>
           </a:xfrm>
           <a:prstGeom prst="rect">
@@ -7921,7 +8633,7 @@
         </p:nvSpPr>
         <p:spPr>
           <a:xfrm>
-            <a:off x="8277435" y="2368217"/>
+            <a:off x="6774465" y="2368217"/>
             <a:ext cx="482824" cy="276999"/>
           </a:xfrm>
           <a:prstGeom prst="rect">
@@ -7959,7 +8671,7 @@
         </p:nvSpPr>
         <p:spPr>
           <a:xfrm>
-            <a:off x="3494744" y="4260717"/>
+            <a:off x="1991774" y="4260717"/>
             <a:ext cx="482824" cy="276999"/>
           </a:xfrm>
           <a:prstGeom prst="rect">
@@ -7997,7 +8709,7 @@
         </p:nvSpPr>
         <p:spPr>
           <a:xfrm>
-            <a:off x="1770801" y="2466915"/>
+            <a:off x="267831" y="2466915"/>
             <a:ext cx="484428" cy="276999"/>
           </a:xfrm>
           <a:prstGeom prst="rect">
@@ -8038,7 +8750,7 @@
         </p:nvSpPr>
         <p:spPr>
           <a:xfrm>
-            <a:off x="1718413" y="4362508"/>
+            <a:off x="215443" y="4362508"/>
             <a:ext cx="484428" cy="276999"/>
           </a:xfrm>
           <a:prstGeom prst="rect">
@@ -8079,7 +8791,7 @@
         </p:nvGrpSpPr>
         <p:grpSpPr>
           <a:xfrm>
-            <a:off x="7203542" y="3831953"/>
+            <a:off x="5700572" y="3831953"/>
             <a:ext cx="370458" cy="394531"/>
             <a:chOff x="2651620" y="4455131"/>
             <a:chExt cx="370458" cy="394531"/>
@@ -8203,7 +8915,7 @@
         </p:nvGrpSpPr>
         <p:grpSpPr>
           <a:xfrm>
-            <a:off x="7219371" y="4703143"/>
+            <a:off x="5716401" y="4703143"/>
             <a:ext cx="363601" cy="394531"/>
             <a:chOff x="2658477" y="5322765"/>
             <a:chExt cx="363601" cy="394531"/>
@@ -8327,7 +9039,7 @@
         </p:nvSpPr>
         <p:spPr>
           <a:xfrm>
-            <a:off x="8103765" y="4254574"/>
+            <a:off x="6600795" y="4254574"/>
             <a:ext cx="394531" cy="394531"/>
           </a:xfrm>
           <a:prstGeom prst="ellipse">
@@ -8389,7 +9101,7 @@
         </p:nvSpPr>
         <p:spPr>
           <a:xfrm>
-            <a:off x="8100882" y="4763940"/>
+            <a:off x="6597912" y="4763940"/>
             <a:ext cx="340158" cy="276999"/>
           </a:xfrm>
           <a:prstGeom prst="rect">
@@ -8427,7 +9139,7 @@
         </p:nvGrpSpPr>
         <p:grpSpPr>
           <a:xfrm>
-            <a:off x="8994805" y="4703142"/>
+            <a:off x="7491835" y="4703142"/>
             <a:ext cx="363601" cy="394531"/>
             <a:chOff x="2658477" y="4455131"/>
             <a:chExt cx="363601" cy="394531"/>
@@ -8550,7 +9262,7 @@
         </p:nvCxnSpPr>
         <p:spPr>
           <a:xfrm flipH="1" flipV="1">
-            <a:off x="7574000" y="4029219"/>
+            <a:off x="6071030" y="4029219"/>
             <a:ext cx="587543" cy="283133"/>
           </a:xfrm>
           <a:prstGeom prst="straightConnector1">
@@ -8596,7 +9308,7 @@
         </p:nvCxnSpPr>
         <p:spPr>
           <a:xfrm flipH="1">
-            <a:off x="7579133" y="4591327"/>
+            <a:off x="6076163" y="4591327"/>
             <a:ext cx="582410" cy="294127"/>
           </a:xfrm>
           <a:prstGeom prst="straightConnector1">
@@ -8642,7 +9354,7 @@
         </p:nvCxnSpPr>
         <p:spPr>
           <a:xfrm flipH="1" flipV="1">
-            <a:off x="8440518" y="4591327"/>
+            <a:off x="6937548" y="4591327"/>
             <a:ext cx="554287" cy="309081"/>
           </a:xfrm>
           <a:prstGeom prst="straightConnector1">
@@ -8684,7 +9396,7 @@
         </p:nvSpPr>
         <p:spPr>
           <a:xfrm>
-            <a:off x="8448032" y="4742837"/>
+            <a:off x="6945062" y="4742837"/>
             <a:ext cx="479618" cy="276999"/>
           </a:xfrm>
           <a:prstGeom prst="rect">
@@ -8722,7 +9434,7 @@
         </p:nvSpPr>
         <p:spPr>
           <a:xfrm>
-            <a:off x="7645259" y="4714565"/>
+            <a:off x="6142289" y="4714565"/>
             <a:ext cx="510333" cy="276999"/>
           </a:xfrm>
           <a:prstGeom prst="rect">
@@ -8764,7 +9476,7 @@
         </p:nvSpPr>
         <p:spPr>
           <a:xfrm>
-            <a:off x="7645259" y="3912010"/>
+            <a:off x="6142289" y="3912010"/>
             <a:ext cx="510333" cy="276999"/>
           </a:xfrm>
           <a:prstGeom prst="rect">
@@ -8806,7 +9518,7 @@
         </p:nvSpPr>
         <p:spPr>
           <a:xfrm rot="5400000">
-            <a:off x="8050505" y="3281944"/>
+            <a:off x="6547535" y="3281944"/>
             <a:ext cx="434774" cy="435595"/>
           </a:xfrm>
           <a:prstGeom prst="rightArrow">
@@ -8862,7 +9574,7 @@
         </p:nvSpPr>
         <p:spPr>
           <a:xfrm>
-            <a:off x="8403678" y="3296796"/>
+            <a:off x="6900708" y="3296796"/>
             <a:ext cx="744819" cy="276999"/>
           </a:xfrm>
           <a:prstGeom prst="rect">
@@ -8903,7 +9615,7 @@
         </p:nvSpPr>
         <p:spPr>
           <a:xfrm>
-            <a:off x="8098434" y="4352940"/>
+            <a:off x="6595464" y="4352940"/>
             <a:ext cx="435825" cy="276999"/>
           </a:xfrm>
           <a:prstGeom prst="rect">
@@ -8952,7 +9664,7 @@
         </p:nvSpPr>
         <p:spPr>
           <a:xfrm rot="5400000">
-            <a:off x="8071036" y="5122320"/>
+            <a:off x="6568066" y="5122320"/>
             <a:ext cx="434774" cy="435595"/>
           </a:xfrm>
           <a:prstGeom prst="rightArrow">
@@ -9008,7 +9720,7 @@
         </p:nvSpPr>
         <p:spPr>
           <a:xfrm>
-            <a:off x="8441040" y="5155774"/>
+            <a:off x="6938070" y="5155774"/>
             <a:ext cx="1806905" cy="276999"/>
           </a:xfrm>
           <a:prstGeom prst="rect">
@@ -9049,7 +9761,7 @@
         </p:nvSpPr>
         <p:spPr>
           <a:xfrm>
-            <a:off x="5642890" y="1592254"/>
+            <a:off x="4139920" y="1592254"/>
             <a:ext cx="356188" cy="276999"/>
           </a:xfrm>
           <a:prstGeom prst="rect">
@@ -9090,7 +9802,7 @@
         </p:nvGrpSpPr>
         <p:grpSpPr>
           <a:xfrm>
-            <a:off x="7212402" y="5836388"/>
+            <a:off x="5709432" y="5836388"/>
             <a:ext cx="432619" cy="394531"/>
             <a:chOff x="2644527" y="5322765"/>
             <a:chExt cx="432619" cy="394531"/>
@@ -9221,7 +9933,7 @@
         </p:nvSpPr>
         <p:spPr>
           <a:xfrm>
-            <a:off x="8111690" y="5810463"/>
+            <a:off x="6608720" y="5810463"/>
             <a:ext cx="394531" cy="394531"/>
           </a:xfrm>
           <a:prstGeom prst="ellipse">
@@ -9283,8 +9995,8 @@
         </p:nvSpPr>
         <p:spPr>
           <a:xfrm>
-            <a:off x="8117114" y="5871261"/>
-            <a:ext cx="340158" cy="276999"/>
+            <a:off x="6614144" y="5871261"/>
+            <a:ext cx="435825" cy="276999"/>
           </a:xfrm>
           <a:prstGeom prst="rect">
             <a:avLst/>
@@ -9298,12 +10010,23 @@
           <a:lstStyle/>
           <a:p>
             <a:r>
-              <a:rPr lang="en-US" sz="1200" dirty="0">
+              <a:rPr lang="en-US" sz="1200" dirty="0" err="1">
                 <a:latin typeface="+mj-lt"/>
                 <a:cs typeface="Times New Roman" panose="02020603050405020304" pitchFamily="18" charset="0"/>
               </a:rPr>
-              <a:t>e5</a:t>
-            </a:r>
+              <a:t>e</a:t>
+            </a:r>
+            <a:r>
+              <a:rPr lang="en-US" sz="1200" baseline="-25000" dirty="0" err="1">
+                <a:latin typeface="+mj-lt"/>
+                <a:cs typeface="Times New Roman" panose="02020603050405020304" pitchFamily="18" charset="0"/>
+              </a:rPr>
+              <a:t>new</a:t>
+            </a:r>
+            <a:endParaRPr lang="en-US" sz="1200" dirty="0">
+              <a:latin typeface="+mj-lt"/>
+              <a:cs typeface="Times New Roman" panose="02020603050405020304" pitchFamily="18" charset="0"/>
+            </a:endParaRPr>
           </a:p>
         </p:txBody>
       </p:sp>
@@ -9321,7 +10044,7 @@
         </p:nvGrpSpPr>
         <p:grpSpPr>
           <a:xfrm>
-            <a:off x="9011037" y="5810463"/>
+            <a:off x="7508067" y="5810463"/>
             <a:ext cx="363601" cy="394531"/>
             <a:chOff x="2658477" y="4455131"/>
             <a:chExt cx="363601" cy="394531"/>
@@ -9443,7 +10166,7 @@
         </p:nvCxnSpPr>
         <p:spPr>
           <a:xfrm flipH="1">
-            <a:off x="7602154" y="6007729"/>
+            <a:off x="6099184" y="6007729"/>
             <a:ext cx="509536" cy="16455"/>
           </a:xfrm>
           <a:prstGeom prst="straightConnector1">
@@ -9489,7 +10212,7 @@
         </p:nvCxnSpPr>
         <p:spPr>
           <a:xfrm flipH="1">
-            <a:off x="8506221" y="6007729"/>
+            <a:off x="7003251" y="6007729"/>
             <a:ext cx="504816" cy="0"/>
           </a:xfrm>
           <a:prstGeom prst="straightConnector1">
@@ -9531,7 +10254,7 @@
         </p:nvSpPr>
         <p:spPr>
           <a:xfrm>
-            <a:off x="8487029" y="5761823"/>
+            <a:off x="6984059" y="5761823"/>
             <a:ext cx="479618" cy="276999"/>
           </a:xfrm>
           <a:prstGeom prst="rect">
@@ -9569,7 +10292,7 @@
         </p:nvSpPr>
         <p:spPr>
           <a:xfrm>
-            <a:off x="8114666" y="5460261"/>
+            <a:off x="6611696" y="5460261"/>
             <a:ext cx="435825" cy="276999"/>
           </a:xfrm>
           <a:prstGeom prst="rect">
@@ -9618,8 +10341,8 @@
         </p:nvSpPr>
         <p:spPr>
           <a:xfrm>
-            <a:off x="7634343" y="5777745"/>
-            <a:ext cx="479618" cy="276999"/>
+            <a:off x="6131373" y="5777745"/>
+            <a:ext cx="510333" cy="276999"/>
           </a:xfrm>
           <a:prstGeom prst="rect">
             <a:avLst/>
@@ -9633,11 +10356,138 @@
           <a:lstStyle/>
           <a:p>
             <a:r>
-              <a:rPr lang="en-US" sz="1200" dirty="0">
+              <a:rPr lang="en-US" sz="1200" dirty="0" err="1">
                 <a:latin typeface="+mj-lt"/>
                 <a:cs typeface="Times New Roman" panose="02020603050405020304" pitchFamily="18" charset="0"/>
               </a:rPr>
-              <a:t>used</a:t>
+              <a:t>wgBy</a:t>
+            </a:r>
+            <a:endParaRPr lang="en-US" sz="1200" dirty="0">
+              <a:latin typeface="+mj-lt"/>
+              <a:cs typeface="Times New Roman" panose="02020603050405020304" pitchFamily="18" charset="0"/>
+            </a:endParaRPr>
+          </a:p>
+        </p:txBody>
+      </p:sp>
+      <p:sp>
+        <p:nvSpPr>
+          <p:cNvPr id="144" name="Rectangle 143">
+            <a:extLst>
+              <a:ext uri="{FF2B5EF4-FFF2-40B4-BE49-F238E27FC236}">
+                <a16:creationId xmlns:a16="http://schemas.microsoft.com/office/drawing/2014/main" id="{069AEE44-B358-F34E-BAC7-0F34384B61D0}"/>
+              </a:ext>
+            </a:extLst>
+          </p:cNvPr>
+          <p:cNvSpPr/>
+          <p:nvPr/>
+        </p:nvSpPr>
+        <p:spPr>
+          <a:xfrm>
+            <a:off x="8379422" y="2467940"/>
+            <a:ext cx="484428" cy="276999"/>
+          </a:xfrm>
+          <a:prstGeom prst="rect">
+            <a:avLst/>
+          </a:prstGeom>
+        </p:spPr>
+        <p:txBody>
+          <a:bodyPr wrap="none">
+            <a:spAutoFit/>
+          </a:bodyPr>
+          <a:lstStyle/>
+          <a:p>
+            <a:pPr lvl="0"/>
+            <a:r>
+              <a:rPr lang="en-US" sz="1200" dirty="0">
+                <a:solidFill>
+                  <a:prstClr val="black"/>
+                </a:solidFill>
+                <a:latin typeface="Times New Roman" panose="02020603050405020304" pitchFamily="18" charset="0"/>
+                <a:cs typeface="Times New Roman" panose="02020603050405020304" pitchFamily="18" charset="0"/>
+              </a:rPr>
+              <a:t>(e-1)</a:t>
+            </a:r>
+          </a:p>
+        </p:txBody>
+      </p:sp>
+      <p:sp>
+        <p:nvSpPr>
+          <p:cNvPr id="148" name="Rectangle 147">
+            <a:extLst>
+              <a:ext uri="{FF2B5EF4-FFF2-40B4-BE49-F238E27FC236}">
+                <a16:creationId xmlns:a16="http://schemas.microsoft.com/office/drawing/2014/main" id="{F684B253-E7BD-664A-B0EA-27D08D0C57D0}"/>
+              </a:ext>
+            </a:extLst>
+          </p:cNvPr>
+          <p:cNvSpPr/>
+          <p:nvPr/>
+        </p:nvSpPr>
+        <p:spPr>
+          <a:xfrm>
+            <a:off x="8379422" y="4352713"/>
+            <a:ext cx="484428" cy="276999"/>
+          </a:xfrm>
+          <a:prstGeom prst="rect">
+            <a:avLst/>
+          </a:prstGeom>
+        </p:spPr>
+        <p:txBody>
+          <a:bodyPr wrap="none">
+            <a:spAutoFit/>
+          </a:bodyPr>
+          <a:lstStyle/>
+          <a:p>
+            <a:pPr lvl="0"/>
+            <a:r>
+              <a:rPr lang="en-US" sz="1200" dirty="0">
+                <a:solidFill>
+                  <a:prstClr val="black"/>
+                </a:solidFill>
+                <a:latin typeface="Times New Roman" panose="02020603050405020304" pitchFamily="18" charset="0"/>
+                <a:cs typeface="Times New Roman" panose="02020603050405020304" pitchFamily="18" charset="0"/>
+              </a:rPr>
+              <a:t>(e-2)</a:t>
+            </a:r>
+          </a:p>
+        </p:txBody>
+      </p:sp>
+      <p:sp>
+        <p:nvSpPr>
+          <p:cNvPr id="149" name="Rectangle 148">
+            <a:extLst>
+              <a:ext uri="{FF2B5EF4-FFF2-40B4-BE49-F238E27FC236}">
+                <a16:creationId xmlns:a16="http://schemas.microsoft.com/office/drawing/2014/main" id="{FCC0234D-4284-DB41-A74E-6901C4CB1152}"/>
+              </a:ext>
+            </a:extLst>
+          </p:cNvPr>
+          <p:cNvSpPr/>
+          <p:nvPr/>
+        </p:nvSpPr>
+        <p:spPr>
+          <a:xfrm>
+            <a:off x="8376484" y="5880199"/>
+            <a:ext cx="484428" cy="276999"/>
+          </a:xfrm>
+          <a:prstGeom prst="rect">
+            <a:avLst/>
+          </a:prstGeom>
+        </p:spPr>
+        <p:txBody>
+          <a:bodyPr wrap="none">
+            <a:spAutoFit/>
+          </a:bodyPr>
+          <a:lstStyle/>
+          <a:p>
+            <a:pPr lvl="0"/>
+            <a:r>
+              <a:rPr lang="en-US" sz="1200" dirty="0">
+                <a:solidFill>
+                  <a:prstClr val="black"/>
+                </a:solidFill>
+                <a:latin typeface="Times New Roman" panose="02020603050405020304" pitchFamily="18" charset="0"/>
+                <a:cs typeface="Times New Roman" panose="02020603050405020304" pitchFamily="18" charset="0"/>
+              </a:rPr>
+              <a:t>(e-3)</a:t>
             </a:r>
           </a:p>
         </p:txBody>

--- a/FGCS-2019/reworked-fig9.pptx
+++ b/FGCS-2019/reworked-fig9.pptx
@@ -1160,7 +1160,7 @@
           <a:p>
             <a:fld id="{2DE544F1-4EB3-B943-BAC8-4587CDEC2BDB}" type="datetimeFigureOut">
               <a:rPr lang="en-US" smtClean="0"/>
-              <a:t>9/11/19</a:t>
+              <a:t>9/27/19</a:t>
             </a:fld>
             <a:endParaRPr lang="en-US"/>
           </a:p>
@@ -1358,7 +1358,7 @@
           <a:p>
             <a:fld id="{2DE544F1-4EB3-B943-BAC8-4587CDEC2BDB}" type="datetimeFigureOut">
               <a:rPr lang="en-US" smtClean="0"/>
-              <a:t>9/11/19</a:t>
+              <a:t>9/27/19</a:t>
             </a:fld>
             <a:endParaRPr lang="en-US"/>
           </a:p>
@@ -1566,7 +1566,7 @@
           <a:p>
             <a:fld id="{2DE544F1-4EB3-B943-BAC8-4587CDEC2BDB}" type="datetimeFigureOut">
               <a:rPr lang="en-US" smtClean="0"/>
-              <a:t>9/11/19</a:t>
+              <a:t>9/27/19</a:t>
             </a:fld>
             <a:endParaRPr lang="en-US"/>
           </a:p>
@@ -1764,7 +1764,7 @@
           <a:p>
             <a:fld id="{2DE544F1-4EB3-B943-BAC8-4587CDEC2BDB}" type="datetimeFigureOut">
               <a:rPr lang="en-US" smtClean="0"/>
-              <a:t>9/11/19</a:t>
+              <a:t>9/27/19</a:t>
             </a:fld>
             <a:endParaRPr lang="en-US"/>
           </a:p>
@@ -2039,7 +2039,7 @@
           <a:p>
             <a:fld id="{2DE544F1-4EB3-B943-BAC8-4587CDEC2BDB}" type="datetimeFigureOut">
               <a:rPr lang="en-US" smtClean="0"/>
-              <a:t>9/11/19</a:t>
+              <a:t>9/27/19</a:t>
             </a:fld>
             <a:endParaRPr lang="en-US"/>
           </a:p>
@@ -2304,7 +2304,7 @@
           <a:p>
             <a:fld id="{2DE544F1-4EB3-B943-BAC8-4587CDEC2BDB}" type="datetimeFigureOut">
               <a:rPr lang="en-US" smtClean="0"/>
-              <a:t>9/11/19</a:t>
+              <a:t>9/27/19</a:t>
             </a:fld>
             <a:endParaRPr lang="en-US"/>
           </a:p>
@@ -2716,7 +2716,7 @@
           <a:p>
             <a:fld id="{2DE544F1-4EB3-B943-BAC8-4587CDEC2BDB}" type="datetimeFigureOut">
               <a:rPr lang="en-US" smtClean="0"/>
-              <a:t>9/11/19</a:t>
+              <a:t>9/27/19</a:t>
             </a:fld>
             <a:endParaRPr lang="en-US"/>
           </a:p>
@@ -2857,7 +2857,7 @@
           <a:p>
             <a:fld id="{2DE544F1-4EB3-B943-BAC8-4587CDEC2BDB}" type="datetimeFigureOut">
               <a:rPr lang="en-US" smtClean="0"/>
-              <a:t>9/11/19</a:t>
+              <a:t>9/27/19</a:t>
             </a:fld>
             <a:endParaRPr lang="en-US"/>
           </a:p>
@@ -2970,7 +2970,7 @@
           <a:p>
             <a:fld id="{2DE544F1-4EB3-B943-BAC8-4587CDEC2BDB}" type="datetimeFigureOut">
               <a:rPr lang="en-US" smtClean="0"/>
-              <a:t>9/11/19</a:t>
+              <a:t>9/27/19</a:t>
             </a:fld>
             <a:endParaRPr lang="en-US"/>
           </a:p>
@@ -3281,7 +3281,7 @@
           <a:p>
             <a:fld id="{2DE544F1-4EB3-B943-BAC8-4587CDEC2BDB}" type="datetimeFigureOut">
               <a:rPr lang="en-US" smtClean="0"/>
-              <a:t>9/11/19</a:t>
+              <a:t>9/27/19</a:t>
             </a:fld>
             <a:endParaRPr lang="en-US"/>
           </a:p>
@@ -3569,7 +3569,7 @@
           <a:p>
             <a:fld id="{2DE544F1-4EB3-B943-BAC8-4587CDEC2BDB}" type="datetimeFigureOut">
               <a:rPr lang="en-US" smtClean="0"/>
-              <a:t>9/11/19</a:t>
+              <a:t>9/27/19</a:t>
             </a:fld>
             <a:endParaRPr lang="en-US"/>
           </a:p>
@@ -3810,7 +3810,7 @@
           <a:p>
             <a:fld id="{2DE544F1-4EB3-B943-BAC8-4587CDEC2BDB}" type="datetimeFigureOut">
               <a:rPr lang="en-US" smtClean="0"/>
-              <a:t>9/11/19</a:t>
+              <a:t>9/27/19</a:t>
             </a:fld>
             <a:endParaRPr lang="en-US"/>
           </a:p>
@@ -10280,55 +10280,6 @@
       </p:sp>
       <p:sp>
         <p:nvSpPr>
-          <p:cNvPr id="150" name="TextBox 149">
-            <a:extLst>
-              <a:ext uri="{FF2B5EF4-FFF2-40B4-BE49-F238E27FC236}">
-                <a16:creationId xmlns:a16="http://schemas.microsoft.com/office/drawing/2014/main" id="{9D944A68-857B-2F47-B3ED-8A31278D205F}"/>
-              </a:ext>
-            </a:extLst>
-          </p:cNvPr>
-          <p:cNvSpPr txBox="1"/>
-          <p:nvPr/>
-        </p:nvSpPr>
-        <p:spPr>
-          <a:xfrm>
-            <a:off x="6611696" y="5460261"/>
-            <a:ext cx="435825" cy="276999"/>
-          </a:xfrm>
-          <a:prstGeom prst="rect">
-            <a:avLst/>
-          </a:prstGeom>
-          <a:noFill/>
-        </p:spPr>
-        <p:txBody>
-          <a:bodyPr wrap="none" rtlCol="0">
-            <a:spAutoFit/>
-          </a:bodyPr>
-          <a:lstStyle/>
-          <a:p>
-            <a:r>
-              <a:rPr lang="en-US" sz="1200" dirty="0" err="1">
-                <a:latin typeface="+mj-lt"/>
-                <a:cs typeface="Times New Roman" panose="02020603050405020304" pitchFamily="18" charset="0"/>
-              </a:rPr>
-              <a:t>e</a:t>
-            </a:r>
-            <a:r>
-              <a:rPr lang="en-US" sz="1200" baseline="-25000" dirty="0" err="1">
-                <a:latin typeface="+mj-lt"/>
-                <a:cs typeface="Times New Roman" panose="02020603050405020304" pitchFamily="18" charset="0"/>
-              </a:rPr>
-              <a:t>new</a:t>
-            </a:r>
-            <a:endParaRPr lang="en-US" sz="1200" baseline="-25000" dirty="0">
-              <a:latin typeface="+mj-lt"/>
-              <a:cs typeface="Times New Roman" panose="02020603050405020304" pitchFamily="18" charset="0"/>
-            </a:endParaRPr>
-          </a:p>
-        </p:txBody>
-      </p:sp>
-      <p:sp>
-        <p:nvSpPr>
           <p:cNvPr id="160" name="TextBox 159">
             <a:extLst>
               <a:ext uri="{FF2B5EF4-FFF2-40B4-BE49-F238E27FC236}">

--- a/FGCS-2019/reworked-fig9.pptx
+++ b/FGCS-2019/reworked-fig9.pptx
@@ -106,7 +106,7 @@
   </p:defaultTextStyle>
   <p:extLst>
     <p:ext uri="{EFAFB233-063F-42B5-8137-9DF3F51BA10A}">
-      <p15:sldGuideLst xmlns:p15="http://schemas.microsoft.com/office/powerpoint/2012/main"/>
+      <p15:sldGuideLst xmlns:p15="http://schemas.microsoft.com/office/powerpoint/2012/main" xmlns=""/>
     </p:ext>
   </p:extLst>
 </p:presentation>
@@ -1035,7 +1035,7 @@
           <p:cNvPr id="2" name="Title 1">
             <a:extLst>
               <a:ext uri="{FF2B5EF4-FFF2-40B4-BE49-F238E27FC236}">
-                <a16:creationId xmlns:a16="http://schemas.microsoft.com/office/drawing/2014/main" id="{965FF277-41B4-F045-BBBC-8ED057E37314}"/>
+                <a16:creationId xmlns:a16="http://schemas.microsoft.com/office/drawing/2014/main" xmlns="" id="{965FF277-41B4-F045-BBBC-8ED057E37314}"/>
               </a:ext>
             </a:extLst>
           </p:cNvPr>
@@ -1072,7 +1072,7 @@
           <p:cNvPr id="3" name="Subtitle 2">
             <a:extLst>
               <a:ext uri="{FF2B5EF4-FFF2-40B4-BE49-F238E27FC236}">
-                <a16:creationId xmlns:a16="http://schemas.microsoft.com/office/drawing/2014/main" id="{24D9B25E-07F2-0442-8EB4-DC9D5598B2C0}"/>
+                <a16:creationId xmlns:a16="http://schemas.microsoft.com/office/drawing/2014/main" xmlns="" id="{24D9B25E-07F2-0442-8EB4-DC9D5598B2C0}"/>
               </a:ext>
             </a:extLst>
           </p:cNvPr>
@@ -1142,7 +1142,7 @@
           <p:cNvPr id="4" name="Date Placeholder 3">
             <a:extLst>
               <a:ext uri="{FF2B5EF4-FFF2-40B4-BE49-F238E27FC236}">
-                <a16:creationId xmlns:a16="http://schemas.microsoft.com/office/drawing/2014/main" id="{0887BAED-74DB-5C4A-B46B-68634B493862}"/>
+                <a16:creationId xmlns:a16="http://schemas.microsoft.com/office/drawing/2014/main" xmlns="" id="{0887BAED-74DB-5C4A-B46B-68634B493862}"/>
               </a:ext>
             </a:extLst>
           </p:cNvPr>
@@ -1160,7 +1160,7 @@
           <a:p>
             <a:fld id="{2DE544F1-4EB3-B943-BAC8-4587CDEC2BDB}" type="datetimeFigureOut">
               <a:rPr lang="en-US" smtClean="0"/>
-              <a:t>9/11/19</a:t>
+              <a:t>01/10/19</a:t>
             </a:fld>
             <a:endParaRPr lang="en-US"/>
           </a:p>
@@ -1171,7 +1171,7 @@
           <p:cNvPr id="5" name="Footer Placeholder 4">
             <a:extLst>
               <a:ext uri="{FF2B5EF4-FFF2-40B4-BE49-F238E27FC236}">
-                <a16:creationId xmlns:a16="http://schemas.microsoft.com/office/drawing/2014/main" id="{B3694175-10E4-B646-B89A-AF840CE3A96B}"/>
+                <a16:creationId xmlns:a16="http://schemas.microsoft.com/office/drawing/2014/main" xmlns="" id="{B3694175-10E4-B646-B89A-AF840CE3A96B}"/>
               </a:ext>
             </a:extLst>
           </p:cNvPr>
@@ -1196,7 +1196,7 @@
           <p:cNvPr id="6" name="Slide Number Placeholder 5">
             <a:extLst>
               <a:ext uri="{FF2B5EF4-FFF2-40B4-BE49-F238E27FC236}">
-                <a16:creationId xmlns:a16="http://schemas.microsoft.com/office/drawing/2014/main" id="{A90B5999-24E5-9943-AFD3-C484292C9E75}"/>
+                <a16:creationId xmlns:a16="http://schemas.microsoft.com/office/drawing/2014/main" xmlns="" id="{A90B5999-24E5-9943-AFD3-C484292C9E75}"/>
               </a:ext>
             </a:extLst>
           </p:cNvPr>
@@ -1255,7 +1255,7 @@
           <p:cNvPr id="2" name="Title 1">
             <a:extLst>
               <a:ext uri="{FF2B5EF4-FFF2-40B4-BE49-F238E27FC236}">
-                <a16:creationId xmlns:a16="http://schemas.microsoft.com/office/drawing/2014/main" id="{564E0741-759B-9A4D-AE02-9953BD597CF9}"/>
+                <a16:creationId xmlns:a16="http://schemas.microsoft.com/office/drawing/2014/main" xmlns="" id="{564E0741-759B-9A4D-AE02-9953BD597CF9}"/>
               </a:ext>
             </a:extLst>
           </p:cNvPr>
@@ -1283,7 +1283,7 @@
           <p:cNvPr id="3" name="Vertical Text Placeholder 2">
             <a:extLst>
               <a:ext uri="{FF2B5EF4-FFF2-40B4-BE49-F238E27FC236}">
-                <a16:creationId xmlns:a16="http://schemas.microsoft.com/office/drawing/2014/main" id="{333C04FE-666A-BA4B-8C1A-368E662D37A0}"/>
+                <a16:creationId xmlns:a16="http://schemas.microsoft.com/office/drawing/2014/main" xmlns="" id="{333C04FE-666A-BA4B-8C1A-368E662D37A0}"/>
               </a:ext>
             </a:extLst>
           </p:cNvPr>
@@ -1340,7 +1340,7 @@
           <p:cNvPr id="4" name="Date Placeholder 3">
             <a:extLst>
               <a:ext uri="{FF2B5EF4-FFF2-40B4-BE49-F238E27FC236}">
-                <a16:creationId xmlns:a16="http://schemas.microsoft.com/office/drawing/2014/main" id="{A2AEBE5B-7E28-5C40-BADA-AAA2BD972204}"/>
+                <a16:creationId xmlns:a16="http://schemas.microsoft.com/office/drawing/2014/main" xmlns="" id="{A2AEBE5B-7E28-5C40-BADA-AAA2BD972204}"/>
               </a:ext>
             </a:extLst>
           </p:cNvPr>
@@ -1358,7 +1358,7 @@
           <a:p>
             <a:fld id="{2DE544F1-4EB3-B943-BAC8-4587CDEC2BDB}" type="datetimeFigureOut">
               <a:rPr lang="en-US" smtClean="0"/>
-              <a:t>9/11/19</a:t>
+              <a:t>01/10/19</a:t>
             </a:fld>
             <a:endParaRPr lang="en-US"/>
           </a:p>
@@ -1369,7 +1369,7 @@
           <p:cNvPr id="5" name="Footer Placeholder 4">
             <a:extLst>
               <a:ext uri="{FF2B5EF4-FFF2-40B4-BE49-F238E27FC236}">
-                <a16:creationId xmlns:a16="http://schemas.microsoft.com/office/drawing/2014/main" id="{A7C7C461-7FA9-A044-8E51-63D7E6984B36}"/>
+                <a16:creationId xmlns:a16="http://schemas.microsoft.com/office/drawing/2014/main" xmlns="" id="{A7C7C461-7FA9-A044-8E51-63D7E6984B36}"/>
               </a:ext>
             </a:extLst>
           </p:cNvPr>
@@ -1394,7 +1394,7 @@
           <p:cNvPr id="6" name="Slide Number Placeholder 5">
             <a:extLst>
               <a:ext uri="{FF2B5EF4-FFF2-40B4-BE49-F238E27FC236}">
-                <a16:creationId xmlns:a16="http://schemas.microsoft.com/office/drawing/2014/main" id="{536CE7E5-078A-D44B-8BF8-A6B09E497429}"/>
+                <a16:creationId xmlns:a16="http://schemas.microsoft.com/office/drawing/2014/main" xmlns="" id="{536CE7E5-078A-D44B-8BF8-A6B09E497429}"/>
               </a:ext>
             </a:extLst>
           </p:cNvPr>
@@ -1453,7 +1453,7 @@
           <p:cNvPr id="2" name="Vertical Title 1">
             <a:extLst>
               <a:ext uri="{FF2B5EF4-FFF2-40B4-BE49-F238E27FC236}">
-                <a16:creationId xmlns:a16="http://schemas.microsoft.com/office/drawing/2014/main" id="{CC286196-ECDE-1B4E-9BF9-F7B3DAED73C4}"/>
+                <a16:creationId xmlns:a16="http://schemas.microsoft.com/office/drawing/2014/main" xmlns="" id="{CC286196-ECDE-1B4E-9BF9-F7B3DAED73C4}"/>
               </a:ext>
             </a:extLst>
           </p:cNvPr>
@@ -1486,7 +1486,7 @@
           <p:cNvPr id="3" name="Vertical Text Placeholder 2">
             <a:extLst>
               <a:ext uri="{FF2B5EF4-FFF2-40B4-BE49-F238E27FC236}">
-                <a16:creationId xmlns:a16="http://schemas.microsoft.com/office/drawing/2014/main" id="{3746A5AE-5EE2-C846-897F-6CB4F588CF95}"/>
+                <a16:creationId xmlns:a16="http://schemas.microsoft.com/office/drawing/2014/main" xmlns="" id="{3746A5AE-5EE2-C846-897F-6CB4F588CF95}"/>
               </a:ext>
             </a:extLst>
           </p:cNvPr>
@@ -1548,7 +1548,7 @@
           <p:cNvPr id="4" name="Date Placeholder 3">
             <a:extLst>
               <a:ext uri="{FF2B5EF4-FFF2-40B4-BE49-F238E27FC236}">
-                <a16:creationId xmlns:a16="http://schemas.microsoft.com/office/drawing/2014/main" id="{6E274BB2-4695-114B-8730-0E0A62744089}"/>
+                <a16:creationId xmlns:a16="http://schemas.microsoft.com/office/drawing/2014/main" xmlns="" id="{6E274BB2-4695-114B-8730-0E0A62744089}"/>
               </a:ext>
             </a:extLst>
           </p:cNvPr>
@@ -1566,7 +1566,7 @@
           <a:p>
             <a:fld id="{2DE544F1-4EB3-B943-BAC8-4587CDEC2BDB}" type="datetimeFigureOut">
               <a:rPr lang="en-US" smtClean="0"/>
-              <a:t>9/11/19</a:t>
+              <a:t>01/10/19</a:t>
             </a:fld>
             <a:endParaRPr lang="en-US"/>
           </a:p>
@@ -1577,7 +1577,7 @@
           <p:cNvPr id="5" name="Footer Placeholder 4">
             <a:extLst>
               <a:ext uri="{FF2B5EF4-FFF2-40B4-BE49-F238E27FC236}">
-                <a16:creationId xmlns:a16="http://schemas.microsoft.com/office/drawing/2014/main" id="{AF003033-261E-1742-81DD-062ED3802075}"/>
+                <a16:creationId xmlns:a16="http://schemas.microsoft.com/office/drawing/2014/main" xmlns="" id="{AF003033-261E-1742-81DD-062ED3802075}"/>
               </a:ext>
             </a:extLst>
           </p:cNvPr>
@@ -1602,7 +1602,7 @@
           <p:cNvPr id="6" name="Slide Number Placeholder 5">
             <a:extLst>
               <a:ext uri="{FF2B5EF4-FFF2-40B4-BE49-F238E27FC236}">
-                <a16:creationId xmlns:a16="http://schemas.microsoft.com/office/drawing/2014/main" id="{04314896-2328-D843-B9F0-383DE9D1730D}"/>
+                <a16:creationId xmlns:a16="http://schemas.microsoft.com/office/drawing/2014/main" xmlns="" id="{04314896-2328-D843-B9F0-383DE9D1730D}"/>
               </a:ext>
             </a:extLst>
           </p:cNvPr>
@@ -1661,7 +1661,7 @@
           <p:cNvPr id="2" name="Title 1">
             <a:extLst>
               <a:ext uri="{FF2B5EF4-FFF2-40B4-BE49-F238E27FC236}">
-                <a16:creationId xmlns:a16="http://schemas.microsoft.com/office/drawing/2014/main" id="{4B83831B-85EC-8A45-B579-237E40BB44DE}"/>
+                <a16:creationId xmlns:a16="http://schemas.microsoft.com/office/drawing/2014/main" xmlns="" id="{4B83831B-85EC-8A45-B579-237E40BB44DE}"/>
               </a:ext>
             </a:extLst>
           </p:cNvPr>
@@ -1689,7 +1689,7 @@
           <p:cNvPr id="3" name="Content Placeholder 2">
             <a:extLst>
               <a:ext uri="{FF2B5EF4-FFF2-40B4-BE49-F238E27FC236}">
-                <a16:creationId xmlns:a16="http://schemas.microsoft.com/office/drawing/2014/main" id="{3CF9D412-D17D-9748-995F-0C3DF690B756}"/>
+                <a16:creationId xmlns:a16="http://schemas.microsoft.com/office/drawing/2014/main" xmlns="" id="{3CF9D412-D17D-9748-995F-0C3DF690B756}"/>
               </a:ext>
             </a:extLst>
           </p:cNvPr>
@@ -1746,7 +1746,7 @@
           <p:cNvPr id="4" name="Date Placeholder 3">
             <a:extLst>
               <a:ext uri="{FF2B5EF4-FFF2-40B4-BE49-F238E27FC236}">
-                <a16:creationId xmlns:a16="http://schemas.microsoft.com/office/drawing/2014/main" id="{13C91C50-0907-D944-BF6F-13235F2CBA29}"/>
+                <a16:creationId xmlns:a16="http://schemas.microsoft.com/office/drawing/2014/main" xmlns="" id="{13C91C50-0907-D944-BF6F-13235F2CBA29}"/>
               </a:ext>
             </a:extLst>
           </p:cNvPr>
@@ -1764,7 +1764,7 @@
           <a:p>
             <a:fld id="{2DE544F1-4EB3-B943-BAC8-4587CDEC2BDB}" type="datetimeFigureOut">
               <a:rPr lang="en-US" smtClean="0"/>
-              <a:t>9/11/19</a:t>
+              <a:t>01/10/19</a:t>
             </a:fld>
             <a:endParaRPr lang="en-US"/>
           </a:p>
@@ -1775,7 +1775,7 @@
           <p:cNvPr id="5" name="Footer Placeholder 4">
             <a:extLst>
               <a:ext uri="{FF2B5EF4-FFF2-40B4-BE49-F238E27FC236}">
-                <a16:creationId xmlns:a16="http://schemas.microsoft.com/office/drawing/2014/main" id="{F0D1120E-2B1E-F94F-AFB3-DA62FB07B9E6}"/>
+                <a16:creationId xmlns:a16="http://schemas.microsoft.com/office/drawing/2014/main" xmlns="" id="{F0D1120E-2B1E-F94F-AFB3-DA62FB07B9E6}"/>
               </a:ext>
             </a:extLst>
           </p:cNvPr>
@@ -1800,7 +1800,7 @@
           <p:cNvPr id="6" name="Slide Number Placeholder 5">
             <a:extLst>
               <a:ext uri="{FF2B5EF4-FFF2-40B4-BE49-F238E27FC236}">
-                <a16:creationId xmlns:a16="http://schemas.microsoft.com/office/drawing/2014/main" id="{E39C254E-2529-8746-BE9B-07DFE2426A45}"/>
+                <a16:creationId xmlns:a16="http://schemas.microsoft.com/office/drawing/2014/main" xmlns="" id="{E39C254E-2529-8746-BE9B-07DFE2426A45}"/>
               </a:ext>
             </a:extLst>
           </p:cNvPr>
@@ -1859,7 +1859,7 @@
           <p:cNvPr id="2" name="Title 1">
             <a:extLst>
               <a:ext uri="{FF2B5EF4-FFF2-40B4-BE49-F238E27FC236}">
-                <a16:creationId xmlns:a16="http://schemas.microsoft.com/office/drawing/2014/main" id="{827AEE71-9E55-CE45-96BD-E5A293D6EFB7}"/>
+                <a16:creationId xmlns:a16="http://schemas.microsoft.com/office/drawing/2014/main" xmlns="" id="{827AEE71-9E55-CE45-96BD-E5A293D6EFB7}"/>
               </a:ext>
             </a:extLst>
           </p:cNvPr>
@@ -1896,7 +1896,7 @@
           <p:cNvPr id="3" name="Text Placeholder 2">
             <a:extLst>
               <a:ext uri="{FF2B5EF4-FFF2-40B4-BE49-F238E27FC236}">
-                <a16:creationId xmlns:a16="http://schemas.microsoft.com/office/drawing/2014/main" id="{D7F2901C-C569-2341-8430-7AE25328937A}"/>
+                <a16:creationId xmlns:a16="http://schemas.microsoft.com/office/drawing/2014/main" xmlns="" id="{D7F2901C-C569-2341-8430-7AE25328937A}"/>
               </a:ext>
             </a:extLst>
           </p:cNvPr>
@@ -2021,7 +2021,7 @@
           <p:cNvPr id="4" name="Date Placeholder 3">
             <a:extLst>
               <a:ext uri="{FF2B5EF4-FFF2-40B4-BE49-F238E27FC236}">
-                <a16:creationId xmlns:a16="http://schemas.microsoft.com/office/drawing/2014/main" id="{C54783FD-37D5-9B4B-9976-CEB89B11305B}"/>
+                <a16:creationId xmlns:a16="http://schemas.microsoft.com/office/drawing/2014/main" xmlns="" id="{C54783FD-37D5-9B4B-9976-CEB89B11305B}"/>
               </a:ext>
             </a:extLst>
           </p:cNvPr>
@@ -2039,7 +2039,7 @@
           <a:p>
             <a:fld id="{2DE544F1-4EB3-B943-BAC8-4587CDEC2BDB}" type="datetimeFigureOut">
               <a:rPr lang="en-US" smtClean="0"/>
-              <a:t>9/11/19</a:t>
+              <a:t>01/10/19</a:t>
             </a:fld>
             <a:endParaRPr lang="en-US"/>
           </a:p>
@@ -2050,7 +2050,7 @@
           <p:cNvPr id="5" name="Footer Placeholder 4">
             <a:extLst>
               <a:ext uri="{FF2B5EF4-FFF2-40B4-BE49-F238E27FC236}">
-                <a16:creationId xmlns:a16="http://schemas.microsoft.com/office/drawing/2014/main" id="{F7C4BB00-0062-8A4D-9F8F-9CD6414BB4B7}"/>
+                <a16:creationId xmlns:a16="http://schemas.microsoft.com/office/drawing/2014/main" xmlns="" id="{F7C4BB00-0062-8A4D-9F8F-9CD6414BB4B7}"/>
               </a:ext>
             </a:extLst>
           </p:cNvPr>
@@ -2075,7 +2075,7 @@
           <p:cNvPr id="6" name="Slide Number Placeholder 5">
             <a:extLst>
               <a:ext uri="{FF2B5EF4-FFF2-40B4-BE49-F238E27FC236}">
-                <a16:creationId xmlns:a16="http://schemas.microsoft.com/office/drawing/2014/main" id="{C4807B27-1EE8-3547-9A0B-DD5C9D433E28}"/>
+                <a16:creationId xmlns:a16="http://schemas.microsoft.com/office/drawing/2014/main" xmlns="" id="{C4807B27-1EE8-3547-9A0B-DD5C9D433E28}"/>
               </a:ext>
             </a:extLst>
           </p:cNvPr>
@@ -2134,7 +2134,7 @@
           <p:cNvPr id="2" name="Title 1">
             <a:extLst>
               <a:ext uri="{FF2B5EF4-FFF2-40B4-BE49-F238E27FC236}">
-                <a16:creationId xmlns:a16="http://schemas.microsoft.com/office/drawing/2014/main" id="{7CDB40D5-1D42-8F4E-AF6C-F764362F75D7}"/>
+                <a16:creationId xmlns:a16="http://schemas.microsoft.com/office/drawing/2014/main" xmlns="" id="{7CDB40D5-1D42-8F4E-AF6C-F764362F75D7}"/>
               </a:ext>
             </a:extLst>
           </p:cNvPr>
@@ -2162,7 +2162,7 @@
           <p:cNvPr id="3" name="Content Placeholder 2">
             <a:extLst>
               <a:ext uri="{FF2B5EF4-FFF2-40B4-BE49-F238E27FC236}">
-                <a16:creationId xmlns:a16="http://schemas.microsoft.com/office/drawing/2014/main" id="{FCF64B05-2FC6-F744-8D28-B3E9D406BCF1}"/>
+                <a16:creationId xmlns:a16="http://schemas.microsoft.com/office/drawing/2014/main" xmlns="" id="{FCF64B05-2FC6-F744-8D28-B3E9D406BCF1}"/>
               </a:ext>
             </a:extLst>
           </p:cNvPr>
@@ -2224,7 +2224,7 @@
           <p:cNvPr id="4" name="Content Placeholder 3">
             <a:extLst>
               <a:ext uri="{FF2B5EF4-FFF2-40B4-BE49-F238E27FC236}">
-                <a16:creationId xmlns:a16="http://schemas.microsoft.com/office/drawing/2014/main" id="{1732B7D9-3957-B74F-8308-78750CD678A8}"/>
+                <a16:creationId xmlns:a16="http://schemas.microsoft.com/office/drawing/2014/main" xmlns="" id="{1732B7D9-3957-B74F-8308-78750CD678A8}"/>
               </a:ext>
             </a:extLst>
           </p:cNvPr>
@@ -2286,7 +2286,7 @@
           <p:cNvPr id="5" name="Date Placeholder 4">
             <a:extLst>
               <a:ext uri="{FF2B5EF4-FFF2-40B4-BE49-F238E27FC236}">
-                <a16:creationId xmlns:a16="http://schemas.microsoft.com/office/drawing/2014/main" id="{623F55C9-0897-3545-B165-13F114D86421}"/>
+                <a16:creationId xmlns:a16="http://schemas.microsoft.com/office/drawing/2014/main" xmlns="" id="{623F55C9-0897-3545-B165-13F114D86421}"/>
               </a:ext>
             </a:extLst>
           </p:cNvPr>
@@ -2304,7 +2304,7 @@
           <a:p>
             <a:fld id="{2DE544F1-4EB3-B943-BAC8-4587CDEC2BDB}" type="datetimeFigureOut">
               <a:rPr lang="en-US" smtClean="0"/>
-              <a:t>9/11/19</a:t>
+              <a:t>01/10/19</a:t>
             </a:fld>
             <a:endParaRPr lang="en-US"/>
           </a:p>
@@ -2315,7 +2315,7 @@
           <p:cNvPr id="6" name="Footer Placeholder 5">
             <a:extLst>
               <a:ext uri="{FF2B5EF4-FFF2-40B4-BE49-F238E27FC236}">
-                <a16:creationId xmlns:a16="http://schemas.microsoft.com/office/drawing/2014/main" id="{FC26BAA0-4A7A-F546-ADB8-827466D40CD4}"/>
+                <a16:creationId xmlns:a16="http://schemas.microsoft.com/office/drawing/2014/main" xmlns="" id="{FC26BAA0-4A7A-F546-ADB8-827466D40CD4}"/>
               </a:ext>
             </a:extLst>
           </p:cNvPr>
@@ -2340,7 +2340,7 @@
           <p:cNvPr id="7" name="Slide Number Placeholder 6">
             <a:extLst>
               <a:ext uri="{FF2B5EF4-FFF2-40B4-BE49-F238E27FC236}">
-                <a16:creationId xmlns:a16="http://schemas.microsoft.com/office/drawing/2014/main" id="{F4311401-922A-BF43-9486-5C08407C4D80}"/>
+                <a16:creationId xmlns:a16="http://schemas.microsoft.com/office/drawing/2014/main" xmlns="" id="{F4311401-922A-BF43-9486-5C08407C4D80}"/>
               </a:ext>
             </a:extLst>
           </p:cNvPr>
@@ -2399,7 +2399,7 @@
           <p:cNvPr id="2" name="Title 1">
             <a:extLst>
               <a:ext uri="{FF2B5EF4-FFF2-40B4-BE49-F238E27FC236}">
-                <a16:creationId xmlns:a16="http://schemas.microsoft.com/office/drawing/2014/main" id="{C797646F-E613-B044-8F03-6292E7012395}"/>
+                <a16:creationId xmlns:a16="http://schemas.microsoft.com/office/drawing/2014/main" xmlns="" id="{C797646F-E613-B044-8F03-6292E7012395}"/>
               </a:ext>
             </a:extLst>
           </p:cNvPr>
@@ -2432,7 +2432,7 @@
           <p:cNvPr id="3" name="Text Placeholder 2">
             <a:extLst>
               <a:ext uri="{FF2B5EF4-FFF2-40B4-BE49-F238E27FC236}">
-                <a16:creationId xmlns:a16="http://schemas.microsoft.com/office/drawing/2014/main" id="{BF63445D-D0C0-5B49-93DE-968A58791380}"/>
+                <a16:creationId xmlns:a16="http://schemas.microsoft.com/office/drawing/2014/main" xmlns="" id="{BF63445D-D0C0-5B49-93DE-968A58791380}"/>
               </a:ext>
             </a:extLst>
           </p:cNvPr>
@@ -2503,7 +2503,7 @@
           <p:cNvPr id="4" name="Content Placeholder 3">
             <a:extLst>
               <a:ext uri="{FF2B5EF4-FFF2-40B4-BE49-F238E27FC236}">
-                <a16:creationId xmlns:a16="http://schemas.microsoft.com/office/drawing/2014/main" id="{6A7CC758-BB43-724A-84CA-51593CC2E365}"/>
+                <a16:creationId xmlns:a16="http://schemas.microsoft.com/office/drawing/2014/main" xmlns="" id="{6A7CC758-BB43-724A-84CA-51593CC2E365}"/>
               </a:ext>
             </a:extLst>
           </p:cNvPr>
@@ -2565,7 +2565,7 @@
           <p:cNvPr id="5" name="Text Placeholder 4">
             <a:extLst>
               <a:ext uri="{FF2B5EF4-FFF2-40B4-BE49-F238E27FC236}">
-                <a16:creationId xmlns:a16="http://schemas.microsoft.com/office/drawing/2014/main" id="{5FEFBE86-47D5-494E-80C8-B9BA4F58E19A}"/>
+                <a16:creationId xmlns:a16="http://schemas.microsoft.com/office/drawing/2014/main" xmlns="" id="{5FEFBE86-47D5-494E-80C8-B9BA4F58E19A}"/>
               </a:ext>
             </a:extLst>
           </p:cNvPr>
@@ -2636,7 +2636,7 @@
           <p:cNvPr id="6" name="Content Placeholder 5">
             <a:extLst>
               <a:ext uri="{FF2B5EF4-FFF2-40B4-BE49-F238E27FC236}">
-                <a16:creationId xmlns:a16="http://schemas.microsoft.com/office/drawing/2014/main" id="{822F432D-73B9-BB4A-BA2C-F1510E0802E9}"/>
+                <a16:creationId xmlns:a16="http://schemas.microsoft.com/office/drawing/2014/main" xmlns="" id="{822F432D-73B9-BB4A-BA2C-F1510E0802E9}"/>
               </a:ext>
             </a:extLst>
           </p:cNvPr>
@@ -2698,7 +2698,7 @@
           <p:cNvPr id="7" name="Date Placeholder 6">
             <a:extLst>
               <a:ext uri="{FF2B5EF4-FFF2-40B4-BE49-F238E27FC236}">
-                <a16:creationId xmlns:a16="http://schemas.microsoft.com/office/drawing/2014/main" id="{C62C7FA8-C17D-8541-8AD5-5C5FFA3C396A}"/>
+                <a16:creationId xmlns:a16="http://schemas.microsoft.com/office/drawing/2014/main" xmlns="" id="{C62C7FA8-C17D-8541-8AD5-5C5FFA3C396A}"/>
               </a:ext>
             </a:extLst>
           </p:cNvPr>
@@ -2716,7 +2716,7 @@
           <a:p>
             <a:fld id="{2DE544F1-4EB3-B943-BAC8-4587CDEC2BDB}" type="datetimeFigureOut">
               <a:rPr lang="en-US" smtClean="0"/>
-              <a:t>9/11/19</a:t>
+              <a:t>01/10/19</a:t>
             </a:fld>
             <a:endParaRPr lang="en-US"/>
           </a:p>
@@ -2727,7 +2727,7 @@
           <p:cNvPr id="8" name="Footer Placeholder 7">
             <a:extLst>
               <a:ext uri="{FF2B5EF4-FFF2-40B4-BE49-F238E27FC236}">
-                <a16:creationId xmlns:a16="http://schemas.microsoft.com/office/drawing/2014/main" id="{2F30AB70-06EC-C34E-9134-F2F90A8D367A}"/>
+                <a16:creationId xmlns:a16="http://schemas.microsoft.com/office/drawing/2014/main" xmlns="" id="{2F30AB70-06EC-C34E-9134-F2F90A8D367A}"/>
               </a:ext>
             </a:extLst>
           </p:cNvPr>
@@ -2752,7 +2752,7 @@
           <p:cNvPr id="9" name="Slide Number Placeholder 8">
             <a:extLst>
               <a:ext uri="{FF2B5EF4-FFF2-40B4-BE49-F238E27FC236}">
-                <a16:creationId xmlns:a16="http://schemas.microsoft.com/office/drawing/2014/main" id="{F78BFD63-B3ED-0849-9431-95975B24B91C}"/>
+                <a16:creationId xmlns:a16="http://schemas.microsoft.com/office/drawing/2014/main" xmlns="" id="{F78BFD63-B3ED-0849-9431-95975B24B91C}"/>
               </a:ext>
             </a:extLst>
           </p:cNvPr>
@@ -2811,7 +2811,7 @@
           <p:cNvPr id="2" name="Title 1">
             <a:extLst>
               <a:ext uri="{FF2B5EF4-FFF2-40B4-BE49-F238E27FC236}">
-                <a16:creationId xmlns:a16="http://schemas.microsoft.com/office/drawing/2014/main" id="{53F67DB0-E5E7-FA4D-A964-00EE41B83914}"/>
+                <a16:creationId xmlns:a16="http://schemas.microsoft.com/office/drawing/2014/main" xmlns="" id="{53F67DB0-E5E7-FA4D-A964-00EE41B83914}"/>
               </a:ext>
             </a:extLst>
           </p:cNvPr>
@@ -2839,7 +2839,7 @@
           <p:cNvPr id="3" name="Date Placeholder 2">
             <a:extLst>
               <a:ext uri="{FF2B5EF4-FFF2-40B4-BE49-F238E27FC236}">
-                <a16:creationId xmlns:a16="http://schemas.microsoft.com/office/drawing/2014/main" id="{66866299-4493-564D-9246-80A3B1DE64A6}"/>
+                <a16:creationId xmlns:a16="http://schemas.microsoft.com/office/drawing/2014/main" xmlns="" id="{66866299-4493-564D-9246-80A3B1DE64A6}"/>
               </a:ext>
             </a:extLst>
           </p:cNvPr>
@@ -2857,7 +2857,7 @@
           <a:p>
             <a:fld id="{2DE544F1-4EB3-B943-BAC8-4587CDEC2BDB}" type="datetimeFigureOut">
               <a:rPr lang="en-US" smtClean="0"/>
-              <a:t>9/11/19</a:t>
+              <a:t>01/10/19</a:t>
             </a:fld>
             <a:endParaRPr lang="en-US"/>
           </a:p>
@@ -2868,7 +2868,7 @@
           <p:cNvPr id="4" name="Footer Placeholder 3">
             <a:extLst>
               <a:ext uri="{FF2B5EF4-FFF2-40B4-BE49-F238E27FC236}">
-                <a16:creationId xmlns:a16="http://schemas.microsoft.com/office/drawing/2014/main" id="{6095E531-72E9-3C4A-9609-AF7F0222A577}"/>
+                <a16:creationId xmlns:a16="http://schemas.microsoft.com/office/drawing/2014/main" xmlns="" id="{6095E531-72E9-3C4A-9609-AF7F0222A577}"/>
               </a:ext>
             </a:extLst>
           </p:cNvPr>
@@ -2893,7 +2893,7 @@
           <p:cNvPr id="5" name="Slide Number Placeholder 4">
             <a:extLst>
               <a:ext uri="{FF2B5EF4-FFF2-40B4-BE49-F238E27FC236}">
-                <a16:creationId xmlns:a16="http://schemas.microsoft.com/office/drawing/2014/main" id="{C24D38F8-EA88-0346-8B7C-C3E4E0608755}"/>
+                <a16:creationId xmlns:a16="http://schemas.microsoft.com/office/drawing/2014/main" xmlns="" id="{C24D38F8-EA88-0346-8B7C-C3E4E0608755}"/>
               </a:ext>
             </a:extLst>
           </p:cNvPr>
@@ -2952,7 +2952,7 @@
           <p:cNvPr id="2" name="Date Placeholder 1">
             <a:extLst>
               <a:ext uri="{FF2B5EF4-FFF2-40B4-BE49-F238E27FC236}">
-                <a16:creationId xmlns:a16="http://schemas.microsoft.com/office/drawing/2014/main" id="{5F9CC305-138D-234B-B271-0AB7489F733A}"/>
+                <a16:creationId xmlns:a16="http://schemas.microsoft.com/office/drawing/2014/main" xmlns="" id="{5F9CC305-138D-234B-B271-0AB7489F733A}"/>
               </a:ext>
             </a:extLst>
           </p:cNvPr>
@@ -2970,7 +2970,7 @@
           <a:p>
             <a:fld id="{2DE544F1-4EB3-B943-BAC8-4587CDEC2BDB}" type="datetimeFigureOut">
               <a:rPr lang="en-US" smtClean="0"/>
-              <a:t>9/11/19</a:t>
+              <a:t>01/10/19</a:t>
             </a:fld>
             <a:endParaRPr lang="en-US"/>
           </a:p>
@@ -2981,7 +2981,7 @@
           <p:cNvPr id="3" name="Footer Placeholder 2">
             <a:extLst>
               <a:ext uri="{FF2B5EF4-FFF2-40B4-BE49-F238E27FC236}">
-                <a16:creationId xmlns:a16="http://schemas.microsoft.com/office/drawing/2014/main" id="{8D896E52-D328-4544-9214-7DF58C524E40}"/>
+                <a16:creationId xmlns:a16="http://schemas.microsoft.com/office/drawing/2014/main" xmlns="" id="{8D896E52-D328-4544-9214-7DF58C524E40}"/>
               </a:ext>
             </a:extLst>
           </p:cNvPr>
@@ -3006,7 +3006,7 @@
           <p:cNvPr id="4" name="Slide Number Placeholder 3">
             <a:extLst>
               <a:ext uri="{FF2B5EF4-FFF2-40B4-BE49-F238E27FC236}">
-                <a16:creationId xmlns:a16="http://schemas.microsoft.com/office/drawing/2014/main" id="{78D8F00A-64C9-F541-A41C-323677AC8114}"/>
+                <a16:creationId xmlns:a16="http://schemas.microsoft.com/office/drawing/2014/main" xmlns="" id="{78D8F00A-64C9-F541-A41C-323677AC8114}"/>
               </a:ext>
             </a:extLst>
           </p:cNvPr>
@@ -3065,7 +3065,7 @@
           <p:cNvPr id="2" name="Title 1">
             <a:extLst>
               <a:ext uri="{FF2B5EF4-FFF2-40B4-BE49-F238E27FC236}">
-                <a16:creationId xmlns:a16="http://schemas.microsoft.com/office/drawing/2014/main" id="{D43566F7-F27B-1849-BCF4-CC560D4563DC}"/>
+                <a16:creationId xmlns:a16="http://schemas.microsoft.com/office/drawing/2014/main" xmlns="" id="{D43566F7-F27B-1849-BCF4-CC560D4563DC}"/>
               </a:ext>
             </a:extLst>
           </p:cNvPr>
@@ -3102,7 +3102,7 @@
           <p:cNvPr id="3" name="Content Placeholder 2">
             <a:extLst>
               <a:ext uri="{FF2B5EF4-FFF2-40B4-BE49-F238E27FC236}">
-                <a16:creationId xmlns:a16="http://schemas.microsoft.com/office/drawing/2014/main" id="{163A8BE9-5679-0341-8760-E588EE9B85AB}"/>
+                <a16:creationId xmlns:a16="http://schemas.microsoft.com/office/drawing/2014/main" xmlns="" id="{163A8BE9-5679-0341-8760-E588EE9B85AB}"/>
               </a:ext>
             </a:extLst>
           </p:cNvPr>
@@ -3192,7 +3192,7 @@
           <p:cNvPr id="4" name="Text Placeholder 3">
             <a:extLst>
               <a:ext uri="{FF2B5EF4-FFF2-40B4-BE49-F238E27FC236}">
-                <a16:creationId xmlns:a16="http://schemas.microsoft.com/office/drawing/2014/main" id="{C54710D3-5E14-4342-9BAC-74A2DC5ED347}"/>
+                <a16:creationId xmlns:a16="http://schemas.microsoft.com/office/drawing/2014/main" xmlns="" id="{C54710D3-5E14-4342-9BAC-74A2DC5ED347}"/>
               </a:ext>
             </a:extLst>
           </p:cNvPr>
@@ -3263,7 +3263,7 @@
           <p:cNvPr id="5" name="Date Placeholder 4">
             <a:extLst>
               <a:ext uri="{FF2B5EF4-FFF2-40B4-BE49-F238E27FC236}">
-                <a16:creationId xmlns:a16="http://schemas.microsoft.com/office/drawing/2014/main" id="{797EB2CB-2957-6447-A6AC-E53DDDB43C64}"/>
+                <a16:creationId xmlns:a16="http://schemas.microsoft.com/office/drawing/2014/main" xmlns="" id="{797EB2CB-2957-6447-A6AC-E53DDDB43C64}"/>
               </a:ext>
             </a:extLst>
           </p:cNvPr>
@@ -3281,7 +3281,7 @@
           <a:p>
             <a:fld id="{2DE544F1-4EB3-B943-BAC8-4587CDEC2BDB}" type="datetimeFigureOut">
               <a:rPr lang="en-US" smtClean="0"/>
-              <a:t>9/11/19</a:t>
+              <a:t>01/10/19</a:t>
             </a:fld>
             <a:endParaRPr lang="en-US"/>
           </a:p>
@@ -3292,7 +3292,7 @@
           <p:cNvPr id="6" name="Footer Placeholder 5">
             <a:extLst>
               <a:ext uri="{FF2B5EF4-FFF2-40B4-BE49-F238E27FC236}">
-                <a16:creationId xmlns:a16="http://schemas.microsoft.com/office/drawing/2014/main" id="{F967E312-5962-5246-80F6-484F166C7D1C}"/>
+                <a16:creationId xmlns:a16="http://schemas.microsoft.com/office/drawing/2014/main" xmlns="" id="{F967E312-5962-5246-80F6-484F166C7D1C}"/>
               </a:ext>
             </a:extLst>
           </p:cNvPr>
@@ -3317,7 +3317,7 @@
           <p:cNvPr id="7" name="Slide Number Placeholder 6">
             <a:extLst>
               <a:ext uri="{FF2B5EF4-FFF2-40B4-BE49-F238E27FC236}">
-                <a16:creationId xmlns:a16="http://schemas.microsoft.com/office/drawing/2014/main" id="{E7A89C9D-6DC9-B149-B759-DFF7E76B7AF9}"/>
+                <a16:creationId xmlns:a16="http://schemas.microsoft.com/office/drawing/2014/main" xmlns="" id="{E7A89C9D-6DC9-B149-B759-DFF7E76B7AF9}"/>
               </a:ext>
             </a:extLst>
           </p:cNvPr>
@@ -3376,7 +3376,7 @@
           <p:cNvPr id="2" name="Title 1">
             <a:extLst>
               <a:ext uri="{FF2B5EF4-FFF2-40B4-BE49-F238E27FC236}">
-                <a16:creationId xmlns:a16="http://schemas.microsoft.com/office/drawing/2014/main" id="{C93B9349-1FFD-5B41-8FD7-D5578B0CFC8B}"/>
+                <a16:creationId xmlns:a16="http://schemas.microsoft.com/office/drawing/2014/main" xmlns="" id="{C93B9349-1FFD-5B41-8FD7-D5578B0CFC8B}"/>
               </a:ext>
             </a:extLst>
           </p:cNvPr>
@@ -3413,7 +3413,7 @@
           <p:cNvPr id="3" name="Picture Placeholder 2">
             <a:extLst>
               <a:ext uri="{FF2B5EF4-FFF2-40B4-BE49-F238E27FC236}">
-                <a16:creationId xmlns:a16="http://schemas.microsoft.com/office/drawing/2014/main" id="{0E61308D-A818-834D-A252-B9E2EEF7A62D}"/>
+                <a16:creationId xmlns:a16="http://schemas.microsoft.com/office/drawing/2014/main" xmlns="" id="{0E61308D-A818-834D-A252-B9E2EEF7A62D}"/>
               </a:ext>
             </a:extLst>
           </p:cNvPr>
@@ -3480,7 +3480,7 @@
           <p:cNvPr id="4" name="Text Placeholder 3">
             <a:extLst>
               <a:ext uri="{FF2B5EF4-FFF2-40B4-BE49-F238E27FC236}">
-                <a16:creationId xmlns:a16="http://schemas.microsoft.com/office/drawing/2014/main" id="{052BEC32-BFFC-FA42-B68C-0976B5EFAECE}"/>
+                <a16:creationId xmlns:a16="http://schemas.microsoft.com/office/drawing/2014/main" xmlns="" id="{052BEC32-BFFC-FA42-B68C-0976B5EFAECE}"/>
               </a:ext>
             </a:extLst>
           </p:cNvPr>
@@ -3551,7 +3551,7 @@
           <p:cNvPr id="5" name="Date Placeholder 4">
             <a:extLst>
               <a:ext uri="{FF2B5EF4-FFF2-40B4-BE49-F238E27FC236}">
-                <a16:creationId xmlns:a16="http://schemas.microsoft.com/office/drawing/2014/main" id="{597ED76F-0338-EF4E-91B3-C6E9ED1CFD14}"/>
+                <a16:creationId xmlns:a16="http://schemas.microsoft.com/office/drawing/2014/main" xmlns="" id="{597ED76F-0338-EF4E-91B3-C6E9ED1CFD14}"/>
               </a:ext>
             </a:extLst>
           </p:cNvPr>
@@ -3569,7 +3569,7 @@
           <a:p>
             <a:fld id="{2DE544F1-4EB3-B943-BAC8-4587CDEC2BDB}" type="datetimeFigureOut">
               <a:rPr lang="en-US" smtClean="0"/>
-              <a:t>9/11/19</a:t>
+              <a:t>01/10/19</a:t>
             </a:fld>
             <a:endParaRPr lang="en-US"/>
           </a:p>
@@ -3580,7 +3580,7 @@
           <p:cNvPr id="6" name="Footer Placeholder 5">
             <a:extLst>
               <a:ext uri="{FF2B5EF4-FFF2-40B4-BE49-F238E27FC236}">
-                <a16:creationId xmlns:a16="http://schemas.microsoft.com/office/drawing/2014/main" id="{6B7C1833-1AEE-6E43-838D-186872C74604}"/>
+                <a16:creationId xmlns:a16="http://schemas.microsoft.com/office/drawing/2014/main" xmlns="" id="{6B7C1833-1AEE-6E43-838D-186872C74604}"/>
               </a:ext>
             </a:extLst>
           </p:cNvPr>
@@ -3605,7 +3605,7 @@
           <p:cNvPr id="7" name="Slide Number Placeholder 6">
             <a:extLst>
               <a:ext uri="{FF2B5EF4-FFF2-40B4-BE49-F238E27FC236}">
-                <a16:creationId xmlns:a16="http://schemas.microsoft.com/office/drawing/2014/main" id="{D45790CD-5CD5-044A-881B-FA491696A86D}"/>
+                <a16:creationId xmlns:a16="http://schemas.microsoft.com/office/drawing/2014/main" xmlns="" id="{D45790CD-5CD5-044A-881B-FA491696A86D}"/>
               </a:ext>
             </a:extLst>
           </p:cNvPr>
@@ -3669,7 +3669,7 @@
           <p:cNvPr id="2" name="Title Placeholder 1">
             <a:extLst>
               <a:ext uri="{FF2B5EF4-FFF2-40B4-BE49-F238E27FC236}">
-                <a16:creationId xmlns:a16="http://schemas.microsoft.com/office/drawing/2014/main" id="{CCD54339-20FD-9344-AF24-5BE9316484A9}"/>
+                <a16:creationId xmlns:a16="http://schemas.microsoft.com/office/drawing/2014/main" xmlns="" id="{CCD54339-20FD-9344-AF24-5BE9316484A9}"/>
               </a:ext>
             </a:extLst>
           </p:cNvPr>
@@ -3707,7 +3707,7 @@
           <p:cNvPr id="3" name="Text Placeholder 2">
             <a:extLst>
               <a:ext uri="{FF2B5EF4-FFF2-40B4-BE49-F238E27FC236}">
-                <a16:creationId xmlns:a16="http://schemas.microsoft.com/office/drawing/2014/main" id="{7A4FC7D7-528F-B14F-8A9B-2EC982EEFF6E}"/>
+                <a16:creationId xmlns:a16="http://schemas.microsoft.com/office/drawing/2014/main" xmlns="" id="{7A4FC7D7-528F-B14F-8A9B-2EC982EEFF6E}"/>
               </a:ext>
             </a:extLst>
           </p:cNvPr>
@@ -3774,7 +3774,7 @@
           <p:cNvPr id="4" name="Date Placeholder 3">
             <a:extLst>
               <a:ext uri="{FF2B5EF4-FFF2-40B4-BE49-F238E27FC236}">
-                <a16:creationId xmlns:a16="http://schemas.microsoft.com/office/drawing/2014/main" id="{2F852DB0-A196-4348-B1D8-D99C460AD8BB}"/>
+                <a16:creationId xmlns:a16="http://schemas.microsoft.com/office/drawing/2014/main" xmlns="" id="{2F852DB0-A196-4348-B1D8-D99C460AD8BB}"/>
               </a:ext>
             </a:extLst>
           </p:cNvPr>
@@ -3810,7 +3810,7 @@
           <a:p>
             <a:fld id="{2DE544F1-4EB3-B943-BAC8-4587CDEC2BDB}" type="datetimeFigureOut">
               <a:rPr lang="en-US" smtClean="0"/>
-              <a:t>9/11/19</a:t>
+              <a:t>01/10/19</a:t>
             </a:fld>
             <a:endParaRPr lang="en-US"/>
           </a:p>
@@ -3821,7 +3821,7 @@
           <p:cNvPr id="5" name="Footer Placeholder 4">
             <a:extLst>
               <a:ext uri="{FF2B5EF4-FFF2-40B4-BE49-F238E27FC236}">
-                <a16:creationId xmlns:a16="http://schemas.microsoft.com/office/drawing/2014/main" id="{6C5ABAE8-B076-FA45-BA20-1D55E72A0AC9}"/>
+                <a16:creationId xmlns:a16="http://schemas.microsoft.com/office/drawing/2014/main" xmlns="" id="{6C5ABAE8-B076-FA45-BA20-1D55E72A0AC9}"/>
               </a:ext>
             </a:extLst>
           </p:cNvPr>
@@ -3864,7 +3864,7 @@
           <p:cNvPr id="6" name="Slide Number Placeholder 5">
             <a:extLst>
               <a:ext uri="{FF2B5EF4-FFF2-40B4-BE49-F238E27FC236}">
-                <a16:creationId xmlns:a16="http://schemas.microsoft.com/office/drawing/2014/main" id="{03C9AE5A-E8CF-0E42-A471-8FC1309716B3}"/>
+                <a16:creationId xmlns:a16="http://schemas.microsoft.com/office/drawing/2014/main" xmlns="" id="{03C9AE5A-E8CF-0E42-A471-8FC1309716B3}"/>
               </a:ext>
             </a:extLst>
           </p:cNvPr>
@@ -4232,7 +4232,7 @@
           <p:cNvPr id="13" name="Group 12">
             <a:extLst>
               <a:ext uri="{FF2B5EF4-FFF2-40B4-BE49-F238E27FC236}">
-                <a16:creationId xmlns:a16="http://schemas.microsoft.com/office/drawing/2014/main" id="{3F3C6156-07D9-CE49-9436-2C758A39D604}"/>
+                <a16:creationId xmlns:a16="http://schemas.microsoft.com/office/drawing/2014/main" xmlns="" id="{3F3C6156-07D9-CE49-9436-2C758A39D604}"/>
               </a:ext>
             </a:extLst>
           </p:cNvPr>
@@ -4255,7 +4255,7 @@
             <p:cNvPr id="14" name="Rectangle 13">
               <a:extLst>
                 <a:ext uri="{FF2B5EF4-FFF2-40B4-BE49-F238E27FC236}">
-                  <a16:creationId xmlns:a16="http://schemas.microsoft.com/office/drawing/2014/main" id="{3476E380-346B-5C45-91A2-5D90DFBA394E}"/>
+                  <a16:creationId xmlns:a16="http://schemas.microsoft.com/office/drawing/2014/main" xmlns="" id="{3476E380-346B-5C45-91A2-5D90DFBA394E}"/>
                 </a:ext>
               </a:extLst>
             </p:cNvPr>
@@ -4317,7 +4317,7 @@
             <p:cNvPr id="15" name="TextBox 14">
               <a:extLst>
                 <a:ext uri="{FF2B5EF4-FFF2-40B4-BE49-F238E27FC236}">
-                  <a16:creationId xmlns:a16="http://schemas.microsoft.com/office/drawing/2014/main" id="{CEFFADCD-5327-C44E-9659-03C85D45FF1A}"/>
+                  <a16:creationId xmlns:a16="http://schemas.microsoft.com/office/drawing/2014/main" xmlns="" id="{CEFFADCD-5327-C44E-9659-03C85D45FF1A}"/>
                 </a:ext>
               </a:extLst>
             </p:cNvPr>
@@ -4356,7 +4356,7 @@
           <p:cNvPr id="16" name="Group 15">
             <a:extLst>
               <a:ext uri="{FF2B5EF4-FFF2-40B4-BE49-F238E27FC236}">
-                <a16:creationId xmlns:a16="http://schemas.microsoft.com/office/drawing/2014/main" id="{60B53682-92EB-C047-ADEB-A7E534B4E8A8}"/>
+                <a16:creationId xmlns:a16="http://schemas.microsoft.com/office/drawing/2014/main" xmlns="" id="{60B53682-92EB-C047-ADEB-A7E534B4E8A8}"/>
               </a:ext>
             </a:extLst>
           </p:cNvPr>
@@ -4379,7 +4379,7 @@
             <p:cNvPr id="17" name="Rectangle 16">
               <a:extLst>
                 <a:ext uri="{FF2B5EF4-FFF2-40B4-BE49-F238E27FC236}">
-                  <a16:creationId xmlns:a16="http://schemas.microsoft.com/office/drawing/2014/main" id="{D318E7C6-EA46-9945-AE2B-0870F2915DCE}"/>
+                  <a16:creationId xmlns:a16="http://schemas.microsoft.com/office/drawing/2014/main" xmlns="" id="{D318E7C6-EA46-9945-AE2B-0870F2915DCE}"/>
                 </a:ext>
               </a:extLst>
             </p:cNvPr>
@@ -4441,7 +4441,7 @@
             <p:cNvPr id="18" name="TextBox 17">
               <a:extLst>
                 <a:ext uri="{FF2B5EF4-FFF2-40B4-BE49-F238E27FC236}">
-                  <a16:creationId xmlns:a16="http://schemas.microsoft.com/office/drawing/2014/main" id="{2045FE4C-22C9-2947-9282-64AD8E488BA0}"/>
+                  <a16:creationId xmlns:a16="http://schemas.microsoft.com/office/drawing/2014/main" xmlns="" id="{2045FE4C-22C9-2947-9282-64AD8E488BA0}"/>
                 </a:ext>
               </a:extLst>
             </p:cNvPr>
@@ -4480,7 +4480,7 @@
           <p:cNvPr id="24" name="Oval 23">
             <a:extLst>
               <a:ext uri="{FF2B5EF4-FFF2-40B4-BE49-F238E27FC236}">
-                <a16:creationId xmlns:a16="http://schemas.microsoft.com/office/drawing/2014/main" id="{80EA9C69-888B-F44A-BCF3-ECC655A1727B}"/>
+                <a16:creationId xmlns:a16="http://schemas.microsoft.com/office/drawing/2014/main" xmlns="" id="{80EA9C69-888B-F44A-BCF3-ECC655A1727B}"/>
               </a:ext>
             </a:extLst>
           </p:cNvPr>
@@ -4542,7 +4542,7 @@
           <p:cNvPr id="25" name="TextBox 24">
             <a:extLst>
               <a:ext uri="{FF2B5EF4-FFF2-40B4-BE49-F238E27FC236}">
-                <a16:creationId xmlns:a16="http://schemas.microsoft.com/office/drawing/2014/main" id="{B8860875-F1F4-6848-BFFC-A2C8CACF3302}"/>
+                <a16:creationId xmlns:a16="http://schemas.microsoft.com/office/drawing/2014/main" xmlns="" id="{B8860875-F1F4-6848-BFFC-A2C8CACF3302}"/>
               </a:ext>
             </a:extLst>
           </p:cNvPr>
@@ -4580,7 +4580,7 @@
           <p:cNvPr id="27" name="Oval 26">
             <a:extLst>
               <a:ext uri="{FF2B5EF4-FFF2-40B4-BE49-F238E27FC236}">
-                <a16:creationId xmlns:a16="http://schemas.microsoft.com/office/drawing/2014/main" id="{6B8D91CC-452C-9F40-8A18-6EEF72196750}"/>
+                <a16:creationId xmlns:a16="http://schemas.microsoft.com/office/drawing/2014/main" xmlns="" id="{6B8D91CC-452C-9F40-8A18-6EEF72196750}"/>
               </a:ext>
             </a:extLst>
           </p:cNvPr>
@@ -4640,7 +4640,7 @@
           <p:cNvPr id="28" name="TextBox 27">
             <a:extLst>
               <a:ext uri="{FF2B5EF4-FFF2-40B4-BE49-F238E27FC236}">
-                <a16:creationId xmlns:a16="http://schemas.microsoft.com/office/drawing/2014/main" id="{6C0D91D2-D0BD-3748-8D36-A65DA478E317}"/>
+                <a16:creationId xmlns:a16="http://schemas.microsoft.com/office/drawing/2014/main" xmlns="" id="{6C0D91D2-D0BD-3748-8D36-A65DA478E317}"/>
               </a:ext>
             </a:extLst>
           </p:cNvPr>
@@ -4678,7 +4678,7 @@
           <p:cNvPr id="29" name="Group 28">
             <a:extLst>
               <a:ext uri="{FF2B5EF4-FFF2-40B4-BE49-F238E27FC236}">
-                <a16:creationId xmlns:a16="http://schemas.microsoft.com/office/drawing/2014/main" id="{58DDEB8D-7BE7-CB41-B0C9-81495875BA69}"/>
+                <a16:creationId xmlns:a16="http://schemas.microsoft.com/office/drawing/2014/main" xmlns="" id="{58DDEB8D-7BE7-CB41-B0C9-81495875BA69}"/>
               </a:ext>
             </a:extLst>
           </p:cNvPr>
@@ -4701,7 +4701,7 @@
             <p:cNvPr id="30" name="Rectangle 29">
               <a:extLst>
                 <a:ext uri="{FF2B5EF4-FFF2-40B4-BE49-F238E27FC236}">
-                  <a16:creationId xmlns:a16="http://schemas.microsoft.com/office/drawing/2014/main" id="{5A873860-AFEE-C846-B7CA-0E3764F4C6C8}"/>
+                  <a16:creationId xmlns:a16="http://schemas.microsoft.com/office/drawing/2014/main" xmlns="" id="{5A873860-AFEE-C846-B7CA-0E3764F4C6C8}"/>
                 </a:ext>
               </a:extLst>
             </p:cNvPr>
@@ -4761,7 +4761,7 @@
             <p:cNvPr id="31" name="TextBox 30">
               <a:extLst>
                 <a:ext uri="{FF2B5EF4-FFF2-40B4-BE49-F238E27FC236}">
-                  <a16:creationId xmlns:a16="http://schemas.microsoft.com/office/drawing/2014/main" id="{026EFF95-A269-9B4E-AD07-2002435F0D32}"/>
+                  <a16:creationId xmlns:a16="http://schemas.microsoft.com/office/drawing/2014/main" xmlns="" id="{026EFF95-A269-9B4E-AD07-2002435F0D32}"/>
                 </a:ext>
               </a:extLst>
             </p:cNvPr>
@@ -4800,7 +4800,7 @@
           <p:cNvPr id="32" name="Group 31">
             <a:extLst>
               <a:ext uri="{FF2B5EF4-FFF2-40B4-BE49-F238E27FC236}">
-                <a16:creationId xmlns:a16="http://schemas.microsoft.com/office/drawing/2014/main" id="{ADB79DEC-DF71-A04A-AA69-FB3D253340FE}"/>
+                <a16:creationId xmlns:a16="http://schemas.microsoft.com/office/drawing/2014/main" xmlns="" id="{ADB79DEC-DF71-A04A-AA69-FB3D253340FE}"/>
               </a:ext>
             </a:extLst>
           </p:cNvPr>
@@ -4820,7 +4820,7 @@
             <p:cNvPr id="33" name="Rectangle 32">
               <a:extLst>
                 <a:ext uri="{FF2B5EF4-FFF2-40B4-BE49-F238E27FC236}">
-                  <a16:creationId xmlns:a16="http://schemas.microsoft.com/office/drawing/2014/main" id="{BF1237CB-3D98-2E4F-B768-D020BFF9EB00}"/>
+                  <a16:creationId xmlns:a16="http://schemas.microsoft.com/office/drawing/2014/main" xmlns="" id="{BF1237CB-3D98-2E4F-B768-D020BFF9EB00}"/>
                 </a:ext>
               </a:extLst>
             </p:cNvPr>
@@ -4880,7 +4880,7 @@
             <p:cNvPr id="34" name="TextBox 33">
               <a:extLst>
                 <a:ext uri="{FF2B5EF4-FFF2-40B4-BE49-F238E27FC236}">
-                  <a16:creationId xmlns:a16="http://schemas.microsoft.com/office/drawing/2014/main" id="{02BA6998-2549-1044-86AE-4D1A2F91731F}"/>
+                  <a16:creationId xmlns:a16="http://schemas.microsoft.com/office/drawing/2014/main" xmlns="" id="{02BA6998-2549-1044-86AE-4D1A2F91731F}"/>
                 </a:ext>
               </a:extLst>
             </p:cNvPr>
@@ -4919,7 +4919,7 @@
           <p:cNvPr id="38" name="Straight Arrow Connector 37">
             <a:extLst>
               <a:ext uri="{FF2B5EF4-FFF2-40B4-BE49-F238E27FC236}">
-                <a16:creationId xmlns:a16="http://schemas.microsoft.com/office/drawing/2014/main" id="{9774CE3A-A97F-DC46-A82D-3F506103356B}"/>
+                <a16:creationId xmlns:a16="http://schemas.microsoft.com/office/drawing/2014/main" xmlns="" id="{9774CE3A-A97F-DC46-A82D-3F506103356B}"/>
               </a:ext>
             </a:extLst>
           </p:cNvPr>
@@ -4964,7 +4964,7 @@
           <p:cNvPr id="39" name="Straight Arrow Connector 38">
             <a:extLst>
               <a:ext uri="{FF2B5EF4-FFF2-40B4-BE49-F238E27FC236}">
-                <a16:creationId xmlns:a16="http://schemas.microsoft.com/office/drawing/2014/main" id="{E43912C9-718E-E849-8467-C9359972B555}"/>
+                <a16:creationId xmlns:a16="http://schemas.microsoft.com/office/drawing/2014/main" xmlns="" id="{E43912C9-718E-E849-8467-C9359972B555}"/>
               </a:ext>
             </a:extLst>
           </p:cNvPr>
@@ -5008,7 +5008,7 @@
           <p:cNvPr id="40" name="Straight Arrow Connector 39">
             <a:extLst>
               <a:ext uri="{FF2B5EF4-FFF2-40B4-BE49-F238E27FC236}">
-                <a16:creationId xmlns:a16="http://schemas.microsoft.com/office/drawing/2014/main" id="{3F0BB5AA-803C-A249-800F-155E27C62A0A}"/>
+                <a16:creationId xmlns:a16="http://schemas.microsoft.com/office/drawing/2014/main" xmlns="" id="{3F0BB5AA-803C-A249-800F-155E27C62A0A}"/>
               </a:ext>
             </a:extLst>
           </p:cNvPr>
@@ -5054,7 +5054,7 @@
           <p:cNvPr id="41" name="Straight Arrow Connector 40">
             <a:extLst>
               <a:ext uri="{FF2B5EF4-FFF2-40B4-BE49-F238E27FC236}">
-                <a16:creationId xmlns:a16="http://schemas.microsoft.com/office/drawing/2014/main" id="{9F3E0B84-0909-B743-9080-B0E41D6E4599}"/>
+                <a16:creationId xmlns:a16="http://schemas.microsoft.com/office/drawing/2014/main" xmlns="" id="{9F3E0B84-0909-B743-9080-B0E41D6E4599}"/>
               </a:ext>
             </a:extLst>
           </p:cNvPr>
@@ -5099,7 +5099,7 @@
           <p:cNvPr id="44" name="TextBox 43">
             <a:extLst>
               <a:ext uri="{FF2B5EF4-FFF2-40B4-BE49-F238E27FC236}">
-                <a16:creationId xmlns:a16="http://schemas.microsoft.com/office/drawing/2014/main" id="{2C40AC4A-8D7C-484D-83E3-080746DCE7B8}"/>
+                <a16:creationId xmlns:a16="http://schemas.microsoft.com/office/drawing/2014/main" xmlns="" id="{2C40AC4A-8D7C-484D-83E3-080746DCE7B8}"/>
               </a:ext>
             </a:extLst>
           </p:cNvPr>
@@ -5137,7 +5137,7 @@
           <p:cNvPr id="45" name="TextBox 44">
             <a:extLst>
               <a:ext uri="{FF2B5EF4-FFF2-40B4-BE49-F238E27FC236}">
-                <a16:creationId xmlns:a16="http://schemas.microsoft.com/office/drawing/2014/main" id="{0909D81B-E2EA-1B4A-88FA-637B628A0894}"/>
+                <a16:creationId xmlns:a16="http://schemas.microsoft.com/office/drawing/2014/main" xmlns="" id="{0909D81B-E2EA-1B4A-88FA-637B628A0894}"/>
               </a:ext>
             </a:extLst>
           </p:cNvPr>
@@ -5172,52 +5172,10 @@
       </p:sp>
       <p:sp>
         <p:nvSpPr>
-          <p:cNvPr id="46" name="TextBox 45">
-            <a:extLst>
-              <a:ext uri="{FF2B5EF4-FFF2-40B4-BE49-F238E27FC236}">
-                <a16:creationId xmlns:a16="http://schemas.microsoft.com/office/drawing/2014/main" id="{F6E48A18-590F-BA44-95B6-FE5AE87BCD61}"/>
-              </a:ext>
-            </a:extLst>
-          </p:cNvPr>
-          <p:cNvSpPr txBox="1"/>
-          <p:nvPr/>
-        </p:nvSpPr>
-        <p:spPr>
-          <a:xfrm>
-            <a:off x="1200983" y="1911906"/>
-            <a:ext cx="510333" cy="276999"/>
-          </a:xfrm>
-          <a:prstGeom prst="rect">
-            <a:avLst/>
-          </a:prstGeom>
-          <a:noFill/>
-        </p:spPr>
-        <p:txBody>
-          <a:bodyPr wrap="none" rtlCol="0">
-            <a:spAutoFit/>
-          </a:bodyPr>
-          <a:lstStyle/>
-          <a:p>
-            <a:r>
-              <a:rPr lang="en-US" sz="1200" dirty="0" err="1">
-                <a:latin typeface="+mj-lt"/>
-                <a:cs typeface="Times New Roman" panose="02020603050405020304" pitchFamily="18" charset="0"/>
-              </a:rPr>
-              <a:t>wgBy</a:t>
-            </a:r>
-            <a:endParaRPr lang="en-US" sz="1200" dirty="0">
-              <a:latin typeface="+mj-lt"/>
-              <a:cs typeface="Times New Roman" panose="02020603050405020304" pitchFamily="18" charset="0"/>
-            </a:endParaRPr>
-          </a:p>
-        </p:txBody>
-      </p:sp>
-      <p:sp>
-        <p:nvSpPr>
           <p:cNvPr id="47" name="TextBox 46">
             <a:extLst>
               <a:ext uri="{FF2B5EF4-FFF2-40B4-BE49-F238E27FC236}">
-                <a16:creationId xmlns:a16="http://schemas.microsoft.com/office/drawing/2014/main" id="{ACDB9B83-7FA9-F34E-9FFD-62B731AD3F63}"/>
+                <a16:creationId xmlns:a16="http://schemas.microsoft.com/office/drawing/2014/main" xmlns="" id="{ACDB9B83-7FA9-F34E-9FFD-62B731AD3F63}"/>
               </a:ext>
             </a:extLst>
           </p:cNvPr>
@@ -5259,7 +5217,7 @@
           <p:cNvPr id="55" name="Straight Arrow Connector 54">
             <a:extLst>
               <a:ext uri="{FF2B5EF4-FFF2-40B4-BE49-F238E27FC236}">
-                <a16:creationId xmlns:a16="http://schemas.microsoft.com/office/drawing/2014/main" id="{256322CD-CB7B-EE43-B71C-7B87AC68DEAC}"/>
+                <a16:creationId xmlns:a16="http://schemas.microsoft.com/office/drawing/2014/main" xmlns="" id="{256322CD-CB7B-EE43-B71C-7B87AC68DEAC}"/>
               </a:ext>
             </a:extLst>
           </p:cNvPr>
@@ -5304,7 +5262,7 @@
           <p:cNvPr id="201" name="Right Arrow 200">
             <a:extLst>
               <a:ext uri="{FF2B5EF4-FFF2-40B4-BE49-F238E27FC236}">
-                <a16:creationId xmlns:a16="http://schemas.microsoft.com/office/drawing/2014/main" id="{53C320BB-ACDE-4141-A63B-A149F2633898}"/>
+                <a16:creationId xmlns:a16="http://schemas.microsoft.com/office/drawing/2014/main" xmlns="" id="{53C320BB-ACDE-4141-A63B-A149F2633898}"/>
               </a:ext>
             </a:extLst>
           </p:cNvPr>
@@ -5360,7 +5318,7 @@
           <p:cNvPr id="202" name="Right Arrow 201">
             <a:extLst>
               <a:ext uri="{FF2B5EF4-FFF2-40B4-BE49-F238E27FC236}">
-                <a16:creationId xmlns:a16="http://schemas.microsoft.com/office/drawing/2014/main" id="{C53AB098-FB56-6F40-9361-77851AE26F56}"/>
+                <a16:creationId xmlns:a16="http://schemas.microsoft.com/office/drawing/2014/main" xmlns="" id="{C53AB098-FB56-6F40-9361-77851AE26F56}"/>
               </a:ext>
             </a:extLst>
           </p:cNvPr>
@@ -5369,7 +5327,7 @@
         </p:nvSpPr>
         <p:spPr>
           <a:xfrm rot="3119805">
-            <a:off x="5177983" y="1495397"/>
+            <a:off x="5200461" y="1517873"/>
             <a:ext cx="434774" cy="435595"/>
           </a:xfrm>
           <a:prstGeom prst="rightArrow">
@@ -5416,7 +5374,7 @@
           <p:cNvPr id="58" name="Rectangle 57">
             <a:extLst>
               <a:ext uri="{FF2B5EF4-FFF2-40B4-BE49-F238E27FC236}">
-                <a16:creationId xmlns:a16="http://schemas.microsoft.com/office/drawing/2014/main" id="{B1E36DF9-63C5-DF44-B0CB-35E9FC7A9858}"/>
+                <a16:creationId xmlns:a16="http://schemas.microsoft.com/office/drawing/2014/main" xmlns="" id="{B1E36DF9-63C5-DF44-B0CB-35E9FC7A9858}"/>
               </a:ext>
             </a:extLst>
           </p:cNvPr>
@@ -5457,7 +5415,7 @@
           <p:cNvPr id="204" name="Rectangle 203">
             <a:extLst>
               <a:ext uri="{FF2B5EF4-FFF2-40B4-BE49-F238E27FC236}">
-                <a16:creationId xmlns:a16="http://schemas.microsoft.com/office/drawing/2014/main" id="{213E4176-A1EC-354E-AE73-8A1FB1057A5E}"/>
+                <a16:creationId xmlns:a16="http://schemas.microsoft.com/office/drawing/2014/main" xmlns="" id="{213E4176-A1EC-354E-AE73-8A1FB1057A5E}"/>
               </a:ext>
             </a:extLst>
           </p:cNvPr>
@@ -5493,1998 +5451,12 @@
           </a:p>
         </p:txBody>
       </p:sp>
-      <p:grpSp>
-        <p:nvGrpSpPr>
-          <p:cNvPr id="205" name="Group 204">
-            <a:extLst>
-              <a:ext uri="{FF2B5EF4-FFF2-40B4-BE49-F238E27FC236}">
-                <a16:creationId xmlns:a16="http://schemas.microsoft.com/office/drawing/2014/main" id="{1ACE75B6-743C-A542-8A53-00ECFB1AD5D6}"/>
-              </a:ext>
-            </a:extLst>
-          </p:cNvPr>
-          <p:cNvGrpSpPr/>
-          <p:nvPr/>
-        </p:nvGrpSpPr>
-        <p:grpSpPr>
-          <a:xfrm>
-            <a:off x="818535" y="1988512"/>
-            <a:ext cx="370458" cy="394531"/>
-            <a:chOff x="2651620" y="4455131"/>
-            <a:chExt cx="370458" cy="394531"/>
-          </a:xfrm>
-          <a:solidFill>
-            <a:schemeClr val="accent3"/>
-          </a:solidFill>
-        </p:grpSpPr>
-        <p:sp>
-          <p:nvSpPr>
-            <p:cNvPr id="206" name="Rectangle 205">
-              <a:extLst>
-                <a:ext uri="{FF2B5EF4-FFF2-40B4-BE49-F238E27FC236}">
-                  <a16:creationId xmlns:a16="http://schemas.microsoft.com/office/drawing/2014/main" id="{BF7CAF97-9934-1446-8D0C-E38D0959354B}"/>
-                </a:ext>
-              </a:extLst>
-            </p:cNvPr>
-            <p:cNvSpPr/>
-            <p:nvPr/>
-          </p:nvSpPr>
-          <p:spPr>
-            <a:xfrm>
-              <a:off x="2658477" y="4455131"/>
-              <a:ext cx="363601" cy="394531"/>
-            </a:xfrm>
-            <a:prstGeom prst="rect">
-              <a:avLst/>
-            </a:prstGeom>
-            <a:grpFill/>
-            <a:ln w="25400">
-              <a:solidFill>
-                <a:schemeClr val="tx1"/>
-              </a:solidFill>
-            </a:ln>
-          </p:spPr>
-          <p:style>
-            <a:lnRef idx="2">
-              <a:schemeClr val="accent1">
-                <a:shade val="50000"/>
-              </a:schemeClr>
-            </a:lnRef>
-            <a:fillRef idx="1">
-              <a:schemeClr val="accent1"/>
-            </a:fillRef>
-            <a:effectRef idx="0">
-              <a:schemeClr val="accent1"/>
-            </a:effectRef>
-            <a:fontRef idx="minor">
-              <a:schemeClr val="lt1"/>
-            </a:fontRef>
-          </p:style>
-          <p:txBody>
-            <a:bodyPr rot="0" spcFirstLastPara="0" vertOverflow="overflow" horzOverflow="overflow" vert="horz" wrap="square" lIns="56757" tIns="28378" rIns="56757" bIns="28378" numCol="1" spcCol="0" rtlCol="0" fromWordArt="0" anchor="ctr" anchorCtr="0" forceAA="0" compatLnSpc="1">
-              <a:prstTxWarp prst="textNoShape">
-                <a:avLst/>
-              </a:prstTxWarp>
-              <a:noAutofit/>
-            </a:bodyPr>
-            <a:lstStyle/>
-            <a:p>
-              <a:pPr algn="ctr"/>
-              <a:endParaRPr lang="en-US" sz="1200">
-                <a:latin typeface="+mj-lt"/>
-                <a:cs typeface="Times New Roman" panose="02020603050405020304" pitchFamily="18" charset="0"/>
-              </a:endParaRPr>
-            </a:p>
-          </p:txBody>
-        </p:sp>
-        <p:sp>
-          <p:nvSpPr>
-            <p:cNvPr id="207" name="TextBox 206">
-              <a:extLst>
-                <a:ext uri="{FF2B5EF4-FFF2-40B4-BE49-F238E27FC236}">
-                  <a16:creationId xmlns:a16="http://schemas.microsoft.com/office/drawing/2014/main" id="{1A4F53DB-D0FC-054E-88E9-4258204561F4}"/>
-                </a:ext>
-              </a:extLst>
-            </p:cNvPr>
-            <p:cNvSpPr txBox="1"/>
-            <p:nvPr/>
-          </p:nvSpPr>
-          <p:spPr>
-            <a:xfrm>
-              <a:off x="2651620" y="4486608"/>
-              <a:ext cx="336952" cy="276999"/>
-            </a:xfrm>
-            <a:prstGeom prst="rect">
-              <a:avLst/>
-            </a:prstGeom>
-            <a:noFill/>
-          </p:spPr>
-          <p:txBody>
-            <a:bodyPr wrap="none" rtlCol="0">
-              <a:spAutoFit/>
-            </a:bodyPr>
-            <a:lstStyle/>
-            <a:p>
-              <a:r>
-                <a:rPr lang="en-US" sz="1200" dirty="0">
-                  <a:latin typeface="+mj-lt"/>
-                  <a:cs typeface="Times New Roman" panose="02020603050405020304" pitchFamily="18" charset="0"/>
-                </a:rPr>
-                <a:t>a1</a:t>
-              </a:r>
-            </a:p>
-          </p:txBody>
-        </p:sp>
-      </p:grpSp>
-      <p:grpSp>
-        <p:nvGrpSpPr>
-          <p:cNvPr id="208" name="Group 207">
-            <a:extLst>
-              <a:ext uri="{FF2B5EF4-FFF2-40B4-BE49-F238E27FC236}">
-                <a16:creationId xmlns:a16="http://schemas.microsoft.com/office/drawing/2014/main" id="{FC58CC60-7A84-814C-B31A-43353991AB79}"/>
-              </a:ext>
-            </a:extLst>
-          </p:cNvPr>
-          <p:cNvGrpSpPr/>
-          <p:nvPr/>
-        </p:nvGrpSpPr>
-        <p:grpSpPr>
-          <a:xfrm>
-            <a:off x="834364" y="2859702"/>
-            <a:ext cx="363601" cy="394531"/>
-            <a:chOff x="2658477" y="5322765"/>
-            <a:chExt cx="363601" cy="394531"/>
-          </a:xfrm>
-          <a:solidFill>
-            <a:schemeClr val="accent3"/>
-          </a:solidFill>
-        </p:grpSpPr>
-        <p:sp>
-          <p:nvSpPr>
-            <p:cNvPr id="209" name="Rectangle 208">
-              <a:extLst>
-                <a:ext uri="{FF2B5EF4-FFF2-40B4-BE49-F238E27FC236}">
-                  <a16:creationId xmlns:a16="http://schemas.microsoft.com/office/drawing/2014/main" id="{C5022D88-33DB-0640-AB3B-F3FF0979C8F4}"/>
-                </a:ext>
-              </a:extLst>
-            </p:cNvPr>
-            <p:cNvSpPr/>
-            <p:nvPr/>
-          </p:nvSpPr>
-          <p:spPr>
-            <a:xfrm>
-              <a:off x="2658477" y="5322765"/>
-              <a:ext cx="363601" cy="394531"/>
-            </a:xfrm>
-            <a:prstGeom prst="rect">
-              <a:avLst/>
-            </a:prstGeom>
-            <a:solidFill>
-              <a:schemeClr val="bg1"/>
-            </a:solidFill>
-            <a:ln w="25400">
-              <a:solidFill>
-                <a:schemeClr val="tx1"/>
-              </a:solidFill>
-            </a:ln>
-          </p:spPr>
-          <p:style>
-            <a:lnRef idx="2">
-              <a:schemeClr val="accent1">
-                <a:shade val="50000"/>
-              </a:schemeClr>
-            </a:lnRef>
-            <a:fillRef idx="1">
-              <a:schemeClr val="accent1"/>
-            </a:fillRef>
-            <a:effectRef idx="0">
-              <a:schemeClr val="accent1"/>
-            </a:effectRef>
-            <a:fontRef idx="minor">
-              <a:schemeClr val="lt1"/>
-            </a:fontRef>
-          </p:style>
-          <p:txBody>
-            <a:bodyPr rot="0" spcFirstLastPara="0" vertOverflow="overflow" horzOverflow="overflow" vert="horz" wrap="square" lIns="56757" tIns="28378" rIns="56757" bIns="28378" numCol="1" spcCol="0" rtlCol="0" fromWordArt="0" anchor="ctr" anchorCtr="0" forceAA="0" compatLnSpc="1">
-              <a:prstTxWarp prst="textNoShape">
-                <a:avLst/>
-              </a:prstTxWarp>
-              <a:noAutofit/>
-            </a:bodyPr>
-            <a:lstStyle/>
-            <a:p>
-              <a:pPr algn="ctr"/>
-              <a:endParaRPr lang="en-US" sz="1200">
-                <a:latin typeface="+mj-lt"/>
-                <a:cs typeface="Times New Roman" panose="02020603050405020304" pitchFamily="18" charset="0"/>
-              </a:endParaRPr>
-            </a:p>
-          </p:txBody>
-        </p:sp>
-        <p:sp>
-          <p:nvSpPr>
-            <p:cNvPr id="210" name="TextBox 209">
-              <a:extLst>
-                <a:ext uri="{FF2B5EF4-FFF2-40B4-BE49-F238E27FC236}">
-                  <a16:creationId xmlns:a16="http://schemas.microsoft.com/office/drawing/2014/main" id="{7BE2C302-23A6-B146-8F50-788BAA3BF2D8}"/>
-                </a:ext>
-              </a:extLst>
-            </p:cNvPr>
-            <p:cNvSpPr txBox="1"/>
-            <p:nvPr/>
-          </p:nvSpPr>
-          <p:spPr>
-            <a:xfrm>
-              <a:off x="2681287" y="5366576"/>
-              <a:ext cx="336952" cy="276999"/>
-            </a:xfrm>
-            <a:prstGeom prst="rect">
-              <a:avLst/>
-            </a:prstGeom>
-            <a:noFill/>
-          </p:spPr>
-          <p:txBody>
-            <a:bodyPr wrap="none" rtlCol="0">
-              <a:spAutoFit/>
-            </a:bodyPr>
-            <a:lstStyle/>
-            <a:p>
-              <a:r>
-                <a:rPr lang="en-US" sz="1200" dirty="0">
-                  <a:latin typeface="+mj-lt"/>
-                  <a:cs typeface="Times New Roman" panose="02020603050405020304" pitchFamily="18" charset="0"/>
-                </a:rPr>
-                <a:t>a3</a:t>
-              </a:r>
-            </a:p>
-          </p:txBody>
-        </p:sp>
-      </p:grpSp>
-      <p:sp>
-        <p:nvSpPr>
-          <p:cNvPr id="211" name="Oval 210">
-            <a:extLst>
-              <a:ext uri="{FF2B5EF4-FFF2-40B4-BE49-F238E27FC236}">
-                <a16:creationId xmlns:a16="http://schemas.microsoft.com/office/drawing/2014/main" id="{DA5C1388-3F49-DC4D-A5D0-0FE28322E340}"/>
-              </a:ext>
-            </a:extLst>
-          </p:cNvPr>
-          <p:cNvSpPr/>
-          <p:nvPr/>
-        </p:nvSpPr>
-        <p:spPr>
-          <a:xfrm>
-            <a:off x="1710992" y="1988511"/>
-            <a:ext cx="394531" cy="394531"/>
-          </a:xfrm>
-          <a:prstGeom prst="ellipse">
-            <a:avLst/>
-          </a:prstGeom>
-          <a:solidFill>
-            <a:schemeClr val="accent3"/>
-          </a:solidFill>
-          <a:ln w="25400">
-            <a:solidFill>
-              <a:schemeClr val="tx1"/>
-            </a:solidFill>
-          </a:ln>
-        </p:spPr>
-        <p:style>
-          <a:lnRef idx="2">
-            <a:schemeClr val="accent1">
-              <a:shade val="50000"/>
-            </a:schemeClr>
-          </a:lnRef>
-          <a:fillRef idx="1">
-            <a:schemeClr val="accent1"/>
-          </a:fillRef>
-          <a:effectRef idx="0">
-            <a:schemeClr val="accent1"/>
-          </a:effectRef>
-          <a:fontRef idx="minor">
-            <a:schemeClr val="lt1"/>
-          </a:fontRef>
-        </p:style>
-        <p:txBody>
-          <a:bodyPr rot="0" spcFirstLastPara="0" vertOverflow="overflow" horzOverflow="overflow" vert="horz" wrap="square" lIns="56757" tIns="28378" rIns="56757" bIns="28378" numCol="1" spcCol="0" rtlCol="0" fromWordArt="0" anchor="ctr" anchorCtr="0" forceAA="0" compatLnSpc="1">
-            <a:prstTxWarp prst="textNoShape">
-              <a:avLst/>
-            </a:prstTxWarp>
-            <a:noAutofit/>
-          </a:bodyPr>
-          <a:lstStyle/>
-          <a:p>
-            <a:pPr algn="ctr"/>
-            <a:endParaRPr lang="en-US" sz="1200">
-              <a:latin typeface="+mj-lt"/>
-              <a:cs typeface="Times New Roman" panose="02020603050405020304" pitchFamily="18" charset="0"/>
-            </a:endParaRPr>
-          </a:p>
-        </p:txBody>
-      </p:sp>
-      <p:sp>
-        <p:nvSpPr>
-          <p:cNvPr id="212" name="TextBox 211">
-            <a:extLst>
-              <a:ext uri="{FF2B5EF4-FFF2-40B4-BE49-F238E27FC236}">
-                <a16:creationId xmlns:a16="http://schemas.microsoft.com/office/drawing/2014/main" id="{1CB1C892-7E64-9647-80DD-A5EAD297B216}"/>
-              </a:ext>
-            </a:extLst>
-          </p:cNvPr>
-          <p:cNvSpPr txBox="1"/>
-          <p:nvPr/>
-        </p:nvSpPr>
-        <p:spPr>
-          <a:xfrm>
-            <a:off x="1726965" y="2017054"/>
-            <a:ext cx="373718" cy="276999"/>
-          </a:xfrm>
-          <a:prstGeom prst="rect">
-            <a:avLst/>
-          </a:prstGeom>
-          <a:noFill/>
-        </p:spPr>
-        <p:txBody>
-          <a:bodyPr wrap="square" rtlCol="0">
-            <a:spAutoFit/>
-          </a:bodyPr>
-          <a:lstStyle/>
-          <a:p>
-            <a:r>
-              <a:rPr lang="en-US" sz="1200" dirty="0">
-                <a:latin typeface="+mj-lt"/>
-                <a:cs typeface="Times New Roman" panose="02020603050405020304" pitchFamily="18" charset="0"/>
-              </a:rPr>
-              <a:t>e4</a:t>
-            </a:r>
-          </a:p>
-        </p:txBody>
-      </p:sp>
-      <p:sp>
-        <p:nvSpPr>
-          <p:cNvPr id="213" name="Oval 212">
-            <a:extLst>
-              <a:ext uri="{FF2B5EF4-FFF2-40B4-BE49-F238E27FC236}">
-                <a16:creationId xmlns:a16="http://schemas.microsoft.com/office/drawing/2014/main" id="{56832BA3-29F8-3C4D-99A9-50FC7B2C96C6}"/>
-              </a:ext>
-            </a:extLst>
-          </p:cNvPr>
-          <p:cNvSpPr/>
-          <p:nvPr/>
-        </p:nvSpPr>
-        <p:spPr>
-          <a:xfrm>
-            <a:off x="1710992" y="2861734"/>
-            <a:ext cx="394531" cy="394531"/>
-          </a:xfrm>
-          <a:prstGeom prst="ellipse">
-            <a:avLst/>
-          </a:prstGeom>
-          <a:noFill/>
-          <a:ln w="25400">
-            <a:solidFill>
-              <a:schemeClr val="tx1"/>
-            </a:solidFill>
-          </a:ln>
-        </p:spPr>
-        <p:style>
-          <a:lnRef idx="2">
-            <a:schemeClr val="accent1">
-              <a:shade val="50000"/>
-            </a:schemeClr>
-          </a:lnRef>
-          <a:fillRef idx="1">
-            <a:schemeClr val="accent1"/>
-          </a:fillRef>
-          <a:effectRef idx="0">
-            <a:schemeClr val="accent1"/>
-          </a:effectRef>
-          <a:fontRef idx="minor">
-            <a:schemeClr val="lt1"/>
-          </a:fontRef>
-        </p:style>
-        <p:txBody>
-          <a:bodyPr rot="0" spcFirstLastPara="0" vertOverflow="overflow" horzOverflow="overflow" vert="horz" wrap="square" lIns="56757" tIns="28378" rIns="56757" bIns="28378" numCol="1" spcCol="0" rtlCol="0" fromWordArt="0" anchor="ctr" anchorCtr="0" forceAA="0" compatLnSpc="1">
-            <a:prstTxWarp prst="textNoShape">
-              <a:avLst/>
-            </a:prstTxWarp>
-            <a:noAutofit/>
-          </a:bodyPr>
-          <a:lstStyle/>
-          <a:p>
-            <a:pPr algn="ctr"/>
-            <a:endParaRPr lang="en-US" sz="1200">
-              <a:latin typeface="+mj-lt"/>
-              <a:cs typeface="Times New Roman" panose="02020603050405020304" pitchFamily="18" charset="0"/>
-            </a:endParaRPr>
-          </a:p>
-        </p:txBody>
-      </p:sp>
-      <p:sp>
-        <p:nvSpPr>
-          <p:cNvPr id="214" name="TextBox 213">
-            <a:extLst>
-              <a:ext uri="{FF2B5EF4-FFF2-40B4-BE49-F238E27FC236}">
-                <a16:creationId xmlns:a16="http://schemas.microsoft.com/office/drawing/2014/main" id="{FE051E58-500B-A24C-803A-3207542CB0BB}"/>
-              </a:ext>
-            </a:extLst>
-          </p:cNvPr>
-          <p:cNvSpPr txBox="1"/>
-          <p:nvPr/>
-        </p:nvSpPr>
-        <p:spPr>
-          <a:xfrm>
-            <a:off x="1715875" y="2920499"/>
-            <a:ext cx="340158" cy="276999"/>
-          </a:xfrm>
-          <a:prstGeom prst="rect">
-            <a:avLst/>
-          </a:prstGeom>
-          <a:noFill/>
-        </p:spPr>
-        <p:txBody>
-          <a:bodyPr wrap="none" rtlCol="0">
-            <a:spAutoFit/>
-          </a:bodyPr>
-          <a:lstStyle/>
-          <a:p>
-            <a:r>
-              <a:rPr lang="en-US" sz="1200" dirty="0">
-                <a:latin typeface="+mj-lt"/>
-                <a:cs typeface="Times New Roman" panose="02020603050405020304" pitchFamily="18" charset="0"/>
-              </a:rPr>
-              <a:t>e5</a:t>
-            </a:r>
-          </a:p>
-        </p:txBody>
-      </p:sp>
-      <p:grpSp>
-        <p:nvGrpSpPr>
-          <p:cNvPr id="215" name="Group 214">
-            <a:extLst>
-              <a:ext uri="{FF2B5EF4-FFF2-40B4-BE49-F238E27FC236}">
-                <a16:creationId xmlns:a16="http://schemas.microsoft.com/office/drawing/2014/main" id="{5396B07A-4BCF-8A4A-AFA6-76311C759ECF}"/>
-              </a:ext>
-            </a:extLst>
-          </p:cNvPr>
-          <p:cNvGrpSpPr/>
-          <p:nvPr/>
-        </p:nvGrpSpPr>
-        <p:grpSpPr>
-          <a:xfrm>
-            <a:off x="2599381" y="1954565"/>
-            <a:ext cx="363601" cy="394531"/>
-            <a:chOff x="2658477" y="4455131"/>
-            <a:chExt cx="363601" cy="394531"/>
-          </a:xfrm>
-          <a:solidFill>
-            <a:schemeClr val="accent3"/>
-          </a:solidFill>
-        </p:grpSpPr>
-        <p:sp>
-          <p:nvSpPr>
-            <p:cNvPr id="216" name="Rectangle 215">
-              <a:extLst>
-                <a:ext uri="{FF2B5EF4-FFF2-40B4-BE49-F238E27FC236}">
-                  <a16:creationId xmlns:a16="http://schemas.microsoft.com/office/drawing/2014/main" id="{E31C82FA-18A9-5D46-8521-1E3082597E70}"/>
-                </a:ext>
-              </a:extLst>
-            </p:cNvPr>
-            <p:cNvSpPr/>
-            <p:nvPr/>
-          </p:nvSpPr>
-          <p:spPr>
-            <a:xfrm>
-              <a:off x="2658477" y="4455131"/>
-              <a:ext cx="363601" cy="394531"/>
-            </a:xfrm>
-            <a:prstGeom prst="rect">
-              <a:avLst/>
-            </a:prstGeom>
-            <a:grpFill/>
-            <a:ln w="25400">
-              <a:solidFill>
-                <a:schemeClr val="tx1"/>
-              </a:solidFill>
-            </a:ln>
-          </p:spPr>
-          <p:style>
-            <a:lnRef idx="2">
-              <a:schemeClr val="accent1">
-                <a:shade val="50000"/>
-              </a:schemeClr>
-            </a:lnRef>
-            <a:fillRef idx="1">
-              <a:schemeClr val="accent1"/>
-            </a:fillRef>
-            <a:effectRef idx="0">
-              <a:schemeClr val="accent1"/>
-            </a:effectRef>
-            <a:fontRef idx="minor">
-              <a:schemeClr val="lt1"/>
-            </a:fontRef>
-          </p:style>
-          <p:txBody>
-            <a:bodyPr rot="0" spcFirstLastPara="0" vertOverflow="overflow" horzOverflow="overflow" vert="horz" wrap="square" lIns="56757" tIns="28378" rIns="56757" bIns="28378" numCol="1" spcCol="0" rtlCol="0" fromWordArt="0" anchor="ctr" anchorCtr="0" forceAA="0" compatLnSpc="1">
-              <a:prstTxWarp prst="textNoShape">
-                <a:avLst/>
-              </a:prstTxWarp>
-              <a:noAutofit/>
-            </a:bodyPr>
-            <a:lstStyle/>
-            <a:p>
-              <a:pPr algn="ctr"/>
-              <a:endParaRPr lang="en-US" sz="1200">
-                <a:latin typeface="+mj-lt"/>
-                <a:cs typeface="Times New Roman" panose="02020603050405020304" pitchFamily="18" charset="0"/>
-              </a:endParaRPr>
-            </a:p>
-          </p:txBody>
-        </p:sp>
-        <p:sp>
-          <p:nvSpPr>
-            <p:cNvPr id="217" name="TextBox 216">
-              <a:extLst>
-                <a:ext uri="{FF2B5EF4-FFF2-40B4-BE49-F238E27FC236}">
-                  <a16:creationId xmlns:a16="http://schemas.microsoft.com/office/drawing/2014/main" id="{206D20C7-E86C-7A4C-A9F6-F912C32233B9}"/>
-                </a:ext>
-              </a:extLst>
-            </p:cNvPr>
-            <p:cNvSpPr txBox="1"/>
-            <p:nvPr/>
-          </p:nvSpPr>
-          <p:spPr>
-            <a:xfrm>
-              <a:off x="2675413" y="4498507"/>
-              <a:ext cx="336952" cy="276999"/>
-            </a:xfrm>
-            <a:prstGeom prst="rect">
-              <a:avLst/>
-            </a:prstGeom>
-            <a:noFill/>
-          </p:spPr>
-          <p:txBody>
-            <a:bodyPr wrap="none" rtlCol="0">
-              <a:spAutoFit/>
-            </a:bodyPr>
-            <a:lstStyle/>
-            <a:p>
-              <a:r>
-                <a:rPr lang="en-US" sz="1200" dirty="0">
-                  <a:latin typeface="+mj-lt"/>
-                  <a:cs typeface="Times New Roman" panose="02020603050405020304" pitchFamily="18" charset="0"/>
-                </a:rPr>
-                <a:t>a2</a:t>
-              </a:r>
-            </a:p>
-          </p:txBody>
-        </p:sp>
-      </p:grpSp>
-      <p:grpSp>
-        <p:nvGrpSpPr>
-          <p:cNvPr id="218" name="Group 217">
-            <a:extLst>
-              <a:ext uri="{FF2B5EF4-FFF2-40B4-BE49-F238E27FC236}">
-                <a16:creationId xmlns:a16="http://schemas.microsoft.com/office/drawing/2014/main" id="{B7EAE93C-0CFC-AC4A-9344-F55078B0E983}"/>
-              </a:ext>
-            </a:extLst>
-          </p:cNvPr>
-          <p:cNvGrpSpPr/>
-          <p:nvPr/>
-        </p:nvGrpSpPr>
-        <p:grpSpPr>
-          <a:xfrm>
-            <a:off x="2609798" y="2859701"/>
-            <a:ext cx="363601" cy="394531"/>
-            <a:chOff x="2658477" y="4455131"/>
-            <a:chExt cx="363601" cy="394531"/>
-          </a:xfrm>
-        </p:grpSpPr>
-        <p:sp>
-          <p:nvSpPr>
-            <p:cNvPr id="219" name="Rectangle 218">
-              <a:extLst>
-                <a:ext uri="{FF2B5EF4-FFF2-40B4-BE49-F238E27FC236}">
-                  <a16:creationId xmlns:a16="http://schemas.microsoft.com/office/drawing/2014/main" id="{A3A3398D-D3E0-714B-847C-4A7947A7A530}"/>
-                </a:ext>
-              </a:extLst>
-            </p:cNvPr>
-            <p:cNvSpPr/>
-            <p:nvPr/>
-          </p:nvSpPr>
-          <p:spPr>
-            <a:xfrm>
-              <a:off x="2658477" y="4455131"/>
-              <a:ext cx="363601" cy="394531"/>
-            </a:xfrm>
-            <a:prstGeom prst="rect">
-              <a:avLst/>
-            </a:prstGeom>
-            <a:noFill/>
-            <a:ln w="25400">
-              <a:solidFill>
-                <a:schemeClr val="tx1"/>
-              </a:solidFill>
-            </a:ln>
-          </p:spPr>
-          <p:style>
-            <a:lnRef idx="2">
-              <a:schemeClr val="accent1">
-                <a:shade val="50000"/>
-              </a:schemeClr>
-            </a:lnRef>
-            <a:fillRef idx="1">
-              <a:schemeClr val="accent1"/>
-            </a:fillRef>
-            <a:effectRef idx="0">
-              <a:schemeClr val="accent1"/>
-            </a:effectRef>
-            <a:fontRef idx="minor">
-              <a:schemeClr val="lt1"/>
-            </a:fontRef>
-          </p:style>
-          <p:txBody>
-            <a:bodyPr rot="0" spcFirstLastPara="0" vertOverflow="overflow" horzOverflow="overflow" vert="horz" wrap="square" lIns="56757" tIns="28378" rIns="56757" bIns="28378" numCol="1" spcCol="0" rtlCol="0" fromWordArt="0" anchor="ctr" anchorCtr="0" forceAA="0" compatLnSpc="1">
-              <a:prstTxWarp prst="textNoShape">
-                <a:avLst/>
-              </a:prstTxWarp>
-              <a:noAutofit/>
-            </a:bodyPr>
-            <a:lstStyle/>
-            <a:p>
-              <a:pPr algn="ctr"/>
-              <a:endParaRPr lang="en-US" sz="1200">
-                <a:latin typeface="+mj-lt"/>
-                <a:cs typeface="Times New Roman" panose="02020603050405020304" pitchFamily="18" charset="0"/>
-              </a:endParaRPr>
-            </a:p>
-          </p:txBody>
-        </p:sp>
-        <p:sp>
-          <p:nvSpPr>
-            <p:cNvPr id="220" name="TextBox 219">
-              <a:extLst>
-                <a:ext uri="{FF2B5EF4-FFF2-40B4-BE49-F238E27FC236}">
-                  <a16:creationId xmlns:a16="http://schemas.microsoft.com/office/drawing/2014/main" id="{719353A4-CEDF-DD42-8F20-04377D8C3065}"/>
-                </a:ext>
-              </a:extLst>
-            </p:cNvPr>
-            <p:cNvSpPr txBox="1"/>
-            <p:nvPr/>
-          </p:nvSpPr>
-          <p:spPr>
-            <a:xfrm>
-              <a:off x="2674709" y="4491294"/>
-              <a:ext cx="336952" cy="276999"/>
-            </a:xfrm>
-            <a:prstGeom prst="rect">
-              <a:avLst/>
-            </a:prstGeom>
-            <a:noFill/>
-          </p:spPr>
-          <p:txBody>
-            <a:bodyPr wrap="none" rtlCol="0">
-              <a:spAutoFit/>
-            </a:bodyPr>
-            <a:lstStyle/>
-            <a:p>
-              <a:r>
-                <a:rPr lang="en-US" sz="1200" dirty="0">
-                  <a:latin typeface="+mj-lt"/>
-                  <a:cs typeface="Times New Roman" panose="02020603050405020304" pitchFamily="18" charset="0"/>
-                </a:rPr>
-                <a:t>a4</a:t>
-              </a:r>
-            </a:p>
-          </p:txBody>
-        </p:sp>
-      </p:grpSp>
-      <p:cxnSp>
-        <p:nvCxnSpPr>
-          <p:cNvPr id="221" name="Straight Arrow Connector 220">
-            <a:extLst>
-              <a:ext uri="{FF2B5EF4-FFF2-40B4-BE49-F238E27FC236}">
-                <a16:creationId xmlns:a16="http://schemas.microsoft.com/office/drawing/2014/main" id="{ADDC9481-95E9-DB47-ACDD-C6FA0D7261E4}"/>
-              </a:ext>
-            </a:extLst>
-          </p:cNvPr>
-          <p:cNvCxnSpPr>
-            <a:stCxn id="211" idx="2"/>
-            <a:endCxn id="206" idx="3"/>
-          </p:cNvCxnSpPr>
-          <p:nvPr/>
-        </p:nvCxnSpPr>
-        <p:spPr>
-          <a:xfrm flipH="1">
-            <a:off x="1188993" y="2185777"/>
-            <a:ext cx="521996" cy="1"/>
-          </a:xfrm>
-          <a:prstGeom prst="straightConnector1">
-            <a:avLst/>
-          </a:prstGeom>
-          <a:ln w="25400">
-            <a:solidFill>
-              <a:schemeClr val="tx1"/>
-            </a:solidFill>
-            <a:tailEnd type="triangle"/>
-          </a:ln>
-        </p:spPr>
-        <p:style>
-          <a:lnRef idx="1">
-            <a:schemeClr val="accent1"/>
-          </a:lnRef>
-          <a:fillRef idx="0">
-            <a:schemeClr val="accent1"/>
-          </a:fillRef>
-          <a:effectRef idx="0">
-            <a:schemeClr val="accent1"/>
-          </a:effectRef>
-          <a:fontRef idx="minor">
-            <a:schemeClr val="tx1"/>
-          </a:fontRef>
-        </p:style>
-      </p:cxnSp>
-      <p:cxnSp>
-        <p:nvCxnSpPr>
-          <p:cNvPr id="224" name="Straight Arrow Connector 223">
-            <a:extLst>
-              <a:ext uri="{FF2B5EF4-FFF2-40B4-BE49-F238E27FC236}">
-                <a16:creationId xmlns:a16="http://schemas.microsoft.com/office/drawing/2014/main" id="{A91A70B9-A934-A146-A193-C0458774F633}"/>
-              </a:ext>
-            </a:extLst>
-          </p:cNvPr>
-          <p:cNvCxnSpPr>
-            <a:stCxn id="213" idx="2"/>
-            <a:endCxn id="210" idx="3"/>
-          </p:cNvCxnSpPr>
-          <p:nvPr/>
-        </p:nvCxnSpPr>
-        <p:spPr>
-          <a:xfrm flipH="1" flipV="1">
-            <a:off x="1194126" y="3042013"/>
-            <a:ext cx="516866" cy="16987"/>
-          </a:xfrm>
-          <a:prstGeom prst="straightConnector1">
-            <a:avLst/>
-          </a:prstGeom>
-          <a:ln w="25400">
-            <a:solidFill>
-              <a:schemeClr val="tx1"/>
-            </a:solidFill>
-            <a:tailEnd type="triangle"/>
-          </a:ln>
-        </p:spPr>
-        <p:style>
-          <a:lnRef idx="1">
-            <a:schemeClr val="accent1"/>
-          </a:lnRef>
-          <a:fillRef idx="0">
-            <a:schemeClr val="accent1"/>
-          </a:fillRef>
-          <a:effectRef idx="0">
-            <a:schemeClr val="accent1"/>
-          </a:effectRef>
-          <a:fontRef idx="minor">
-            <a:schemeClr val="tx1"/>
-          </a:fontRef>
-        </p:style>
-      </p:cxnSp>
-      <p:cxnSp>
-        <p:nvCxnSpPr>
-          <p:cNvPr id="225" name="Straight Arrow Connector 224">
-            <a:extLst>
-              <a:ext uri="{FF2B5EF4-FFF2-40B4-BE49-F238E27FC236}">
-                <a16:creationId xmlns:a16="http://schemas.microsoft.com/office/drawing/2014/main" id="{5717E3BD-91B3-3646-88A5-45023BAC35FE}"/>
-              </a:ext>
-            </a:extLst>
-          </p:cNvPr>
-          <p:cNvCxnSpPr>
-            <a:cxnSpLocks/>
-            <a:stCxn id="216" idx="1"/>
-            <a:endCxn id="212" idx="3"/>
-          </p:cNvCxnSpPr>
-          <p:nvPr/>
-        </p:nvCxnSpPr>
-        <p:spPr>
-          <a:xfrm flipH="1">
-            <a:off x="2100683" y="2151831"/>
-            <a:ext cx="498698" cy="3723"/>
-          </a:xfrm>
-          <a:prstGeom prst="straightConnector1">
-            <a:avLst/>
-          </a:prstGeom>
-          <a:ln w="25400">
-            <a:solidFill>
-              <a:schemeClr val="tx1"/>
-            </a:solidFill>
-            <a:tailEnd type="triangle"/>
-          </a:ln>
-        </p:spPr>
-        <p:style>
-          <a:lnRef idx="1">
-            <a:schemeClr val="accent1"/>
-          </a:lnRef>
-          <a:fillRef idx="0">
-            <a:schemeClr val="accent1"/>
-          </a:fillRef>
-          <a:effectRef idx="0">
-            <a:schemeClr val="accent1"/>
-          </a:effectRef>
-          <a:fontRef idx="minor">
-            <a:schemeClr val="tx1"/>
-          </a:fontRef>
-        </p:style>
-      </p:cxnSp>
-      <p:cxnSp>
-        <p:nvCxnSpPr>
-          <p:cNvPr id="226" name="Straight Arrow Connector 225">
-            <a:extLst>
-              <a:ext uri="{FF2B5EF4-FFF2-40B4-BE49-F238E27FC236}">
-                <a16:creationId xmlns:a16="http://schemas.microsoft.com/office/drawing/2014/main" id="{E9B386B6-EE4A-8949-A4B9-C937612F4B6A}"/>
-              </a:ext>
-            </a:extLst>
-          </p:cNvPr>
-          <p:cNvCxnSpPr>
-            <a:stCxn id="219" idx="1"/>
-            <a:endCxn id="213" idx="6"/>
-          </p:cNvCxnSpPr>
-          <p:nvPr/>
-        </p:nvCxnSpPr>
-        <p:spPr>
-          <a:xfrm flipH="1">
-            <a:off x="2105523" y="3056967"/>
-            <a:ext cx="504275" cy="2033"/>
-          </a:xfrm>
-          <a:prstGeom prst="straightConnector1">
-            <a:avLst/>
-          </a:prstGeom>
-          <a:ln w="25400">
-            <a:solidFill>
-              <a:schemeClr val="tx1"/>
-            </a:solidFill>
-            <a:tailEnd type="triangle"/>
-          </a:ln>
-        </p:spPr>
-        <p:style>
-          <a:lnRef idx="1">
-            <a:schemeClr val="accent1"/>
-          </a:lnRef>
-          <a:fillRef idx="0">
-            <a:schemeClr val="accent1"/>
-          </a:fillRef>
-          <a:effectRef idx="0">
-            <a:schemeClr val="accent1"/>
-          </a:effectRef>
-          <a:fontRef idx="minor">
-            <a:schemeClr val="tx1"/>
-          </a:fontRef>
-        </p:style>
-      </p:cxnSp>
-      <p:sp>
-        <p:nvSpPr>
-          <p:cNvPr id="227" name="TextBox 226">
-            <a:extLst>
-              <a:ext uri="{FF2B5EF4-FFF2-40B4-BE49-F238E27FC236}">
-                <a16:creationId xmlns:a16="http://schemas.microsoft.com/office/drawing/2014/main" id="{03B8E971-D782-2741-B7D5-2A19B0BA6109}"/>
-              </a:ext>
-            </a:extLst>
-          </p:cNvPr>
-          <p:cNvSpPr txBox="1"/>
-          <p:nvPr/>
-        </p:nvSpPr>
-        <p:spPr>
-          <a:xfrm>
-            <a:off x="2132183" y="2805052"/>
-            <a:ext cx="479618" cy="276999"/>
-          </a:xfrm>
-          <a:prstGeom prst="rect">
-            <a:avLst/>
-          </a:prstGeom>
-          <a:noFill/>
-        </p:spPr>
-        <p:txBody>
-          <a:bodyPr wrap="none" rtlCol="0">
-            <a:spAutoFit/>
-          </a:bodyPr>
-          <a:lstStyle/>
-          <a:p>
-            <a:r>
-              <a:rPr lang="en-US" sz="1200" dirty="0">
-                <a:latin typeface="+mj-lt"/>
-                <a:cs typeface="Times New Roman" panose="02020603050405020304" pitchFamily="18" charset="0"/>
-              </a:rPr>
-              <a:t>used</a:t>
-            </a:r>
-          </a:p>
-        </p:txBody>
-      </p:sp>
-      <p:sp>
-        <p:nvSpPr>
-          <p:cNvPr id="228" name="TextBox 227">
-            <a:extLst>
-              <a:ext uri="{FF2B5EF4-FFF2-40B4-BE49-F238E27FC236}">
-                <a16:creationId xmlns:a16="http://schemas.microsoft.com/office/drawing/2014/main" id="{A59B5AC1-1106-CB47-AC48-491A7DF2E8C8}"/>
-              </a:ext>
-            </a:extLst>
-          </p:cNvPr>
-          <p:cNvSpPr txBox="1"/>
-          <p:nvPr/>
-        </p:nvSpPr>
-        <p:spPr>
-          <a:xfrm>
-            <a:off x="1225206" y="2779698"/>
-            <a:ext cx="510333" cy="276999"/>
-          </a:xfrm>
-          <a:prstGeom prst="rect">
-            <a:avLst/>
-          </a:prstGeom>
-          <a:noFill/>
-        </p:spPr>
-        <p:txBody>
-          <a:bodyPr wrap="none" rtlCol="0">
-            <a:spAutoFit/>
-          </a:bodyPr>
-          <a:lstStyle/>
-          <a:p>
-            <a:r>
-              <a:rPr lang="en-US" sz="1200" dirty="0" err="1">
-                <a:latin typeface="+mj-lt"/>
-                <a:cs typeface="Times New Roman" panose="02020603050405020304" pitchFamily="18" charset="0"/>
-              </a:rPr>
-              <a:t>wgBy</a:t>
-            </a:r>
-            <a:endParaRPr lang="en-US" sz="1200" dirty="0">
-              <a:latin typeface="+mj-lt"/>
-              <a:cs typeface="Times New Roman" panose="02020603050405020304" pitchFamily="18" charset="0"/>
-            </a:endParaRPr>
-          </a:p>
-        </p:txBody>
-      </p:sp>
-      <p:cxnSp>
-        <p:nvCxnSpPr>
-          <p:cNvPr id="229" name="Straight Arrow Connector 228">
-            <a:extLst>
-              <a:ext uri="{FF2B5EF4-FFF2-40B4-BE49-F238E27FC236}">
-                <a16:creationId xmlns:a16="http://schemas.microsoft.com/office/drawing/2014/main" id="{8ABE0F0B-3BFD-584B-BA0E-FACC5B7E15DA}"/>
-              </a:ext>
-            </a:extLst>
-          </p:cNvPr>
-          <p:cNvCxnSpPr>
-            <a:stCxn id="216" idx="1"/>
-            <a:endCxn id="213" idx="6"/>
-          </p:cNvCxnSpPr>
-          <p:nvPr/>
-        </p:nvCxnSpPr>
-        <p:spPr>
-          <a:xfrm flipH="1">
-            <a:off x="2105523" y="2151831"/>
-            <a:ext cx="493858" cy="907169"/>
-          </a:xfrm>
-          <a:prstGeom prst="straightConnector1">
-            <a:avLst/>
-          </a:prstGeom>
-          <a:ln w="25400">
-            <a:solidFill>
-              <a:schemeClr val="tx1"/>
-            </a:solidFill>
-            <a:tailEnd type="triangle"/>
-          </a:ln>
-        </p:spPr>
-        <p:style>
-          <a:lnRef idx="1">
-            <a:schemeClr val="accent1"/>
-          </a:lnRef>
-          <a:fillRef idx="0">
-            <a:schemeClr val="accent1"/>
-          </a:fillRef>
-          <a:effectRef idx="0">
-            <a:schemeClr val="accent1"/>
-          </a:effectRef>
-          <a:fontRef idx="minor">
-            <a:schemeClr val="tx1"/>
-          </a:fontRef>
-        </p:style>
-      </p:cxnSp>
-      <p:grpSp>
-        <p:nvGrpSpPr>
-          <p:cNvPr id="230" name="Group 229">
-            <a:extLst>
-              <a:ext uri="{FF2B5EF4-FFF2-40B4-BE49-F238E27FC236}">
-                <a16:creationId xmlns:a16="http://schemas.microsoft.com/office/drawing/2014/main" id="{BD0951E2-321A-BA40-B3A9-95CF5A673C4F}"/>
-              </a:ext>
-            </a:extLst>
-          </p:cNvPr>
-          <p:cNvGrpSpPr/>
-          <p:nvPr/>
-        </p:nvGrpSpPr>
-        <p:grpSpPr>
-          <a:xfrm>
-            <a:off x="5684743" y="1903200"/>
-            <a:ext cx="370458" cy="394531"/>
-            <a:chOff x="2651620" y="4455131"/>
-            <a:chExt cx="370458" cy="394531"/>
-          </a:xfrm>
-          <a:solidFill>
-            <a:schemeClr val="accent3"/>
-          </a:solidFill>
-        </p:grpSpPr>
-        <p:sp>
-          <p:nvSpPr>
-            <p:cNvPr id="231" name="Rectangle 230">
-              <a:extLst>
-                <a:ext uri="{FF2B5EF4-FFF2-40B4-BE49-F238E27FC236}">
-                  <a16:creationId xmlns:a16="http://schemas.microsoft.com/office/drawing/2014/main" id="{3A240ACB-E31B-4C49-862D-2EC6FC41164C}"/>
-                </a:ext>
-              </a:extLst>
-            </p:cNvPr>
-            <p:cNvSpPr/>
-            <p:nvPr/>
-          </p:nvSpPr>
-          <p:spPr>
-            <a:xfrm>
-              <a:off x="2658477" y="4455131"/>
-              <a:ext cx="363601" cy="394531"/>
-            </a:xfrm>
-            <a:prstGeom prst="rect">
-              <a:avLst/>
-            </a:prstGeom>
-            <a:solidFill>
-              <a:schemeClr val="bg1"/>
-            </a:solidFill>
-            <a:ln w="25400">
-              <a:solidFill>
-                <a:schemeClr val="tx1"/>
-              </a:solidFill>
-            </a:ln>
-          </p:spPr>
-          <p:style>
-            <a:lnRef idx="2">
-              <a:schemeClr val="accent1">
-                <a:shade val="50000"/>
-              </a:schemeClr>
-            </a:lnRef>
-            <a:fillRef idx="1">
-              <a:schemeClr val="accent1"/>
-            </a:fillRef>
-            <a:effectRef idx="0">
-              <a:schemeClr val="accent1"/>
-            </a:effectRef>
-            <a:fontRef idx="minor">
-              <a:schemeClr val="lt1"/>
-            </a:fontRef>
-          </p:style>
-          <p:txBody>
-            <a:bodyPr rot="0" spcFirstLastPara="0" vertOverflow="overflow" horzOverflow="overflow" vert="horz" wrap="square" lIns="56757" tIns="28378" rIns="56757" bIns="28378" numCol="1" spcCol="0" rtlCol="0" fromWordArt="0" anchor="ctr" anchorCtr="0" forceAA="0" compatLnSpc="1">
-              <a:prstTxWarp prst="textNoShape">
-                <a:avLst/>
-              </a:prstTxWarp>
-              <a:noAutofit/>
-            </a:bodyPr>
-            <a:lstStyle/>
-            <a:p>
-              <a:pPr algn="ctr"/>
-              <a:endParaRPr lang="en-US" sz="1200">
-                <a:latin typeface="+mj-lt"/>
-                <a:cs typeface="Times New Roman" panose="02020603050405020304" pitchFamily="18" charset="0"/>
-              </a:endParaRPr>
-            </a:p>
-          </p:txBody>
-        </p:sp>
-        <p:sp>
-          <p:nvSpPr>
-            <p:cNvPr id="232" name="TextBox 231">
-              <a:extLst>
-                <a:ext uri="{FF2B5EF4-FFF2-40B4-BE49-F238E27FC236}">
-                  <a16:creationId xmlns:a16="http://schemas.microsoft.com/office/drawing/2014/main" id="{4D4685CA-090A-3E4A-96C5-7F7442BCD5B8}"/>
-                </a:ext>
-              </a:extLst>
-            </p:cNvPr>
-            <p:cNvSpPr txBox="1"/>
-            <p:nvPr/>
-          </p:nvSpPr>
-          <p:spPr>
-            <a:xfrm>
-              <a:off x="2651620" y="4486608"/>
-              <a:ext cx="336952" cy="276999"/>
-            </a:xfrm>
-            <a:prstGeom prst="rect">
-              <a:avLst/>
-            </a:prstGeom>
-            <a:noFill/>
-          </p:spPr>
-          <p:txBody>
-            <a:bodyPr wrap="none" rtlCol="0">
-              <a:spAutoFit/>
-            </a:bodyPr>
-            <a:lstStyle/>
-            <a:p>
-              <a:r>
-                <a:rPr lang="en-US" sz="1200" dirty="0">
-                  <a:latin typeface="+mj-lt"/>
-                  <a:cs typeface="Times New Roman" panose="02020603050405020304" pitchFamily="18" charset="0"/>
-                </a:rPr>
-                <a:t>a1</a:t>
-              </a:r>
-            </a:p>
-          </p:txBody>
-        </p:sp>
-      </p:grpSp>
-      <p:grpSp>
-        <p:nvGrpSpPr>
-          <p:cNvPr id="233" name="Group 232">
-            <a:extLst>
-              <a:ext uri="{FF2B5EF4-FFF2-40B4-BE49-F238E27FC236}">
-                <a16:creationId xmlns:a16="http://schemas.microsoft.com/office/drawing/2014/main" id="{A479AE30-7B81-F34C-9F87-A77D2EE6F220}"/>
-              </a:ext>
-            </a:extLst>
-          </p:cNvPr>
-          <p:cNvGrpSpPr/>
-          <p:nvPr/>
-        </p:nvGrpSpPr>
-        <p:grpSpPr>
-          <a:xfrm>
-            <a:off x="5700572" y="2774390"/>
-            <a:ext cx="363601" cy="394531"/>
-            <a:chOff x="2658477" y="5322765"/>
-            <a:chExt cx="363601" cy="394531"/>
-          </a:xfrm>
-          <a:solidFill>
-            <a:schemeClr val="accent3"/>
-          </a:solidFill>
-        </p:grpSpPr>
-        <p:sp>
-          <p:nvSpPr>
-            <p:cNvPr id="234" name="Rectangle 233">
-              <a:extLst>
-                <a:ext uri="{FF2B5EF4-FFF2-40B4-BE49-F238E27FC236}">
-                  <a16:creationId xmlns:a16="http://schemas.microsoft.com/office/drawing/2014/main" id="{E2E6F03F-E059-7941-BC04-668181B3D723}"/>
-                </a:ext>
-              </a:extLst>
-            </p:cNvPr>
-            <p:cNvSpPr/>
-            <p:nvPr/>
-          </p:nvSpPr>
-          <p:spPr>
-            <a:xfrm>
-              <a:off x="2658477" y="5322765"/>
-              <a:ext cx="363601" cy="394531"/>
-            </a:xfrm>
-            <a:prstGeom prst="rect">
-              <a:avLst/>
-            </a:prstGeom>
-            <a:solidFill>
-              <a:schemeClr val="bg1"/>
-            </a:solidFill>
-            <a:ln w="25400">
-              <a:solidFill>
-                <a:schemeClr val="tx1"/>
-              </a:solidFill>
-            </a:ln>
-          </p:spPr>
-          <p:style>
-            <a:lnRef idx="2">
-              <a:schemeClr val="accent1">
-                <a:shade val="50000"/>
-              </a:schemeClr>
-            </a:lnRef>
-            <a:fillRef idx="1">
-              <a:schemeClr val="accent1"/>
-            </a:fillRef>
-            <a:effectRef idx="0">
-              <a:schemeClr val="accent1"/>
-            </a:effectRef>
-            <a:fontRef idx="minor">
-              <a:schemeClr val="lt1"/>
-            </a:fontRef>
-          </p:style>
-          <p:txBody>
-            <a:bodyPr rot="0" spcFirstLastPara="0" vertOverflow="overflow" horzOverflow="overflow" vert="horz" wrap="square" lIns="56757" tIns="28378" rIns="56757" bIns="28378" numCol="1" spcCol="0" rtlCol="0" fromWordArt="0" anchor="ctr" anchorCtr="0" forceAA="0" compatLnSpc="1">
-              <a:prstTxWarp prst="textNoShape">
-                <a:avLst/>
-              </a:prstTxWarp>
-              <a:noAutofit/>
-            </a:bodyPr>
-            <a:lstStyle/>
-            <a:p>
-              <a:pPr algn="ctr"/>
-              <a:endParaRPr lang="en-US" sz="1200">
-                <a:latin typeface="+mj-lt"/>
-                <a:cs typeface="Times New Roman" panose="02020603050405020304" pitchFamily="18" charset="0"/>
-              </a:endParaRPr>
-            </a:p>
-          </p:txBody>
-        </p:sp>
-        <p:sp>
-          <p:nvSpPr>
-            <p:cNvPr id="235" name="TextBox 234">
-              <a:extLst>
-                <a:ext uri="{FF2B5EF4-FFF2-40B4-BE49-F238E27FC236}">
-                  <a16:creationId xmlns:a16="http://schemas.microsoft.com/office/drawing/2014/main" id="{BE73603F-0CF6-6544-956F-93C5F03C4BD1}"/>
-                </a:ext>
-              </a:extLst>
-            </p:cNvPr>
-            <p:cNvSpPr txBox="1"/>
-            <p:nvPr/>
-          </p:nvSpPr>
-          <p:spPr>
-            <a:xfrm>
-              <a:off x="2681287" y="5366576"/>
-              <a:ext cx="336952" cy="276999"/>
-            </a:xfrm>
-            <a:prstGeom prst="rect">
-              <a:avLst/>
-            </a:prstGeom>
-            <a:noFill/>
-          </p:spPr>
-          <p:txBody>
-            <a:bodyPr wrap="none" rtlCol="0">
-              <a:spAutoFit/>
-            </a:bodyPr>
-            <a:lstStyle/>
-            <a:p>
-              <a:r>
-                <a:rPr lang="en-US" sz="1200" dirty="0">
-                  <a:latin typeface="+mj-lt"/>
-                  <a:cs typeface="Times New Roman" panose="02020603050405020304" pitchFamily="18" charset="0"/>
-                </a:rPr>
-                <a:t>a3</a:t>
-              </a:r>
-            </a:p>
-          </p:txBody>
-        </p:sp>
-      </p:grpSp>
-      <p:sp>
-        <p:nvSpPr>
-          <p:cNvPr id="236" name="Oval 235">
-            <a:extLst>
-              <a:ext uri="{FF2B5EF4-FFF2-40B4-BE49-F238E27FC236}">
-                <a16:creationId xmlns:a16="http://schemas.microsoft.com/office/drawing/2014/main" id="{2A81FCD4-4869-224F-8228-0B9694080251}"/>
-              </a:ext>
-            </a:extLst>
-          </p:cNvPr>
-          <p:cNvSpPr/>
-          <p:nvPr/>
-        </p:nvSpPr>
-        <p:spPr>
-          <a:xfrm>
-            <a:off x="6577200" y="1903199"/>
-            <a:ext cx="394531" cy="394531"/>
-          </a:xfrm>
-          <a:prstGeom prst="ellipse">
-            <a:avLst/>
-          </a:prstGeom>
-          <a:solidFill>
-            <a:schemeClr val="accent3"/>
-          </a:solidFill>
-          <a:ln w="25400">
-            <a:solidFill>
-              <a:schemeClr val="tx1"/>
-            </a:solidFill>
-          </a:ln>
-        </p:spPr>
-        <p:style>
-          <a:lnRef idx="2">
-            <a:schemeClr val="accent1">
-              <a:shade val="50000"/>
-            </a:schemeClr>
-          </a:lnRef>
-          <a:fillRef idx="1">
-            <a:schemeClr val="accent1"/>
-          </a:fillRef>
-          <a:effectRef idx="0">
-            <a:schemeClr val="accent1"/>
-          </a:effectRef>
-          <a:fontRef idx="minor">
-            <a:schemeClr val="lt1"/>
-          </a:fontRef>
-        </p:style>
-        <p:txBody>
-          <a:bodyPr rot="0" spcFirstLastPara="0" vertOverflow="overflow" horzOverflow="overflow" vert="horz" wrap="square" lIns="56757" tIns="28378" rIns="56757" bIns="28378" numCol="1" spcCol="0" rtlCol="0" fromWordArt="0" anchor="ctr" anchorCtr="0" forceAA="0" compatLnSpc="1">
-            <a:prstTxWarp prst="textNoShape">
-              <a:avLst/>
-            </a:prstTxWarp>
-            <a:noAutofit/>
-          </a:bodyPr>
-          <a:lstStyle/>
-          <a:p>
-            <a:pPr algn="ctr"/>
-            <a:endParaRPr lang="en-US" sz="1200">
-              <a:latin typeface="+mj-lt"/>
-              <a:cs typeface="Times New Roman" panose="02020603050405020304" pitchFamily="18" charset="0"/>
-            </a:endParaRPr>
-          </a:p>
-        </p:txBody>
-      </p:sp>
-      <p:sp>
-        <p:nvSpPr>
-          <p:cNvPr id="237" name="TextBox 236">
-            <a:extLst>
-              <a:ext uri="{FF2B5EF4-FFF2-40B4-BE49-F238E27FC236}">
-                <a16:creationId xmlns:a16="http://schemas.microsoft.com/office/drawing/2014/main" id="{84DEA700-4ACC-9B4A-8DFC-13D777148205}"/>
-              </a:ext>
-            </a:extLst>
-          </p:cNvPr>
-          <p:cNvSpPr txBox="1"/>
-          <p:nvPr/>
-        </p:nvSpPr>
-        <p:spPr>
-          <a:xfrm>
-            <a:off x="6593173" y="1931742"/>
-            <a:ext cx="373718" cy="276999"/>
-          </a:xfrm>
-          <a:prstGeom prst="rect">
-            <a:avLst/>
-          </a:prstGeom>
-          <a:noFill/>
-        </p:spPr>
-        <p:txBody>
-          <a:bodyPr wrap="square" rtlCol="0">
-            <a:spAutoFit/>
-          </a:bodyPr>
-          <a:lstStyle/>
-          <a:p>
-            <a:r>
-              <a:rPr lang="en-US" sz="1200" dirty="0">
-                <a:latin typeface="+mj-lt"/>
-                <a:cs typeface="Times New Roman" panose="02020603050405020304" pitchFamily="18" charset="0"/>
-              </a:rPr>
-              <a:t>e4</a:t>
-            </a:r>
-          </a:p>
-        </p:txBody>
-      </p:sp>
-      <p:sp>
-        <p:nvSpPr>
-          <p:cNvPr id="238" name="Oval 237">
-            <a:extLst>
-              <a:ext uri="{FF2B5EF4-FFF2-40B4-BE49-F238E27FC236}">
-                <a16:creationId xmlns:a16="http://schemas.microsoft.com/office/drawing/2014/main" id="{C28E2A15-F85C-844E-8611-651B28462BB6}"/>
-              </a:ext>
-            </a:extLst>
-          </p:cNvPr>
-          <p:cNvSpPr/>
-          <p:nvPr/>
-        </p:nvSpPr>
-        <p:spPr>
-          <a:xfrm>
-            <a:off x="6577200" y="2776422"/>
-            <a:ext cx="394531" cy="394531"/>
-          </a:xfrm>
-          <a:prstGeom prst="ellipse">
-            <a:avLst/>
-          </a:prstGeom>
-          <a:solidFill>
-            <a:schemeClr val="accent3"/>
-          </a:solidFill>
-          <a:ln w="25400">
-            <a:solidFill>
-              <a:schemeClr val="tx1"/>
-            </a:solidFill>
-          </a:ln>
-        </p:spPr>
-        <p:style>
-          <a:lnRef idx="2">
-            <a:schemeClr val="accent1">
-              <a:shade val="50000"/>
-            </a:schemeClr>
-          </a:lnRef>
-          <a:fillRef idx="1">
-            <a:schemeClr val="accent1"/>
-          </a:fillRef>
-          <a:effectRef idx="0">
-            <a:schemeClr val="accent1"/>
-          </a:effectRef>
-          <a:fontRef idx="minor">
-            <a:schemeClr val="lt1"/>
-          </a:fontRef>
-        </p:style>
-        <p:txBody>
-          <a:bodyPr rot="0" spcFirstLastPara="0" vertOverflow="overflow" horzOverflow="overflow" vert="horz" wrap="square" lIns="56757" tIns="28378" rIns="56757" bIns="28378" numCol="1" spcCol="0" rtlCol="0" fromWordArt="0" anchor="ctr" anchorCtr="0" forceAA="0" compatLnSpc="1">
-            <a:prstTxWarp prst="textNoShape">
-              <a:avLst/>
-            </a:prstTxWarp>
-            <a:noAutofit/>
-          </a:bodyPr>
-          <a:lstStyle/>
-          <a:p>
-            <a:pPr algn="ctr"/>
-            <a:endParaRPr lang="en-US" sz="1200">
-              <a:latin typeface="+mj-lt"/>
-              <a:cs typeface="Times New Roman" panose="02020603050405020304" pitchFamily="18" charset="0"/>
-            </a:endParaRPr>
-          </a:p>
-        </p:txBody>
-      </p:sp>
-      <p:sp>
-        <p:nvSpPr>
-          <p:cNvPr id="239" name="TextBox 238">
-            <a:extLst>
-              <a:ext uri="{FF2B5EF4-FFF2-40B4-BE49-F238E27FC236}">
-                <a16:creationId xmlns:a16="http://schemas.microsoft.com/office/drawing/2014/main" id="{E5935A70-E5AE-904E-AD6A-702C026AC86F}"/>
-              </a:ext>
-            </a:extLst>
-          </p:cNvPr>
-          <p:cNvSpPr txBox="1"/>
-          <p:nvPr/>
-        </p:nvSpPr>
-        <p:spPr>
-          <a:xfrm>
-            <a:off x="6582083" y="2835187"/>
-            <a:ext cx="340158" cy="276999"/>
-          </a:xfrm>
-          <a:prstGeom prst="rect">
-            <a:avLst/>
-          </a:prstGeom>
-          <a:noFill/>
-        </p:spPr>
-        <p:txBody>
-          <a:bodyPr wrap="none" rtlCol="0">
-            <a:spAutoFit/>
-          </a:bodyPr>
-          <a:lstStyle/>
-          <a:p>
-            <a:r>
-              <a:rPr lang="en-US" sz="1200" dirty="0">
-                <a:latin typeface="+mj-lt"/>
-                <a:cs typeface="Times New Roman" panose="02020603050405020304" pitchFamily="18" charset="0"/>
-              </a:rPr>
-              <a:t>e5</a:t>
-            </a:r>
-          </a:p>
-        </p:txBody>
-      </p:sp>
-      <p:grpSp>
-        <p:nvGrpSpPr>
-          <p:cNvPr id="240" name="Group 239">
-            <a:extLst>
-              <a:ext uri="{FF2B5EF4-FFF2-40B4-BE49-F238E27FC236}">
-                <a16:creationId xmlns:a16="http://schemas.microsoft.com/office/drawing/2014/main" id="{8F0C45D5-CED7-9842-895B-9E4BB3B9B9AB}"/>
-              </a:ext>
-            </a:extLst>
-          </p:cNvPr>
-          <p:cNvGrpSpPr/>
-          <p:nvPr/>
-        </p:nvGrpSpPr>
-        <p:grpSpPr>
-          <a:xfrm>
-            <a:off x="7465589" y="1869253"/>
-            <a:ext cx="363601" cy="394531"/>
-            <a:chOff x="2658477" y="4455131"/>
-            <a:chExt cx="363601" cy="394531"/>
-          </a:xfrm>
-          <a:solidFill>
-            <a:schemeClr val="accent3"/>
-          </a:solidFill>
-        </p:grpSpPr>
-        <p:sp>
-          <p:nvSpPr>
-            <p:cNvPr id="241" name="Rectangle 240">
-              <a:extLst>
-                <a:ext uri="{FF2B5EF4-FFF2-40B4-BE49-F238E27FC236}">
-                  <a16:creationId xmlns:a16="http://schemas.microsoft.com/office/drawing/2014/main" id="{6CAB01E6-24D3-D341-A402-BACF71A28EE5}"/>
-                </a:ext>
-              </a:extLst>
-            </p:cNvPr>
-            <p:cNvSpPr/>
-            <p:nvPr/>
-          </p:nvSpPr>
-          <p:spPr>
-            <a:xfrm>
-              <a:off x="2658477" y="4455131"/>
-              <a:ext cx="363601" cy="394531"/>
-            </a:xfrm>
-            <a:prstGeom prst="rect">
-              <a:avLst/>
-            </a:prstGeom>
-            <a:grpFill/>
-            <a:ln w="25400">
-              <a:solidFill>
-                <a:schemeClr val="tx1"/>
-              </a:solidFill>
-            </a:ln>
-          </p:spPr>
-          <p:style>
-            <a:lnRef idx="2">
-              <a:schemeClr val="accent1">
-                <a:shade val="50000"/>
-              </a:schemeClr>
-            </a:lnRef>
-            <a:fillRef idx="1">
-              <a:schemeClr val="accent1"/>
-            </a:fillRef>
-            <a:effectRef idx="0">
-              <a:schemeClr val="accent1"/>
-            </a:effectRef>
-            <a:fontRef idx="minor">
-              <a:schemeClr val="lt1"/>
-            </a:fontRef>
-          </p:style>
-          <p:txBody>
-            <a:bodyPr rot="0" spcFirstLastPara="0" vertOverflow="overflow" horzOverflow="overflow" vert="horz" wrap="square" lIns="56757" tIns="28378" rIns="56757" bIns="28378" numCol="1" spcCol="0" rtlCol="0" fromWordArt="0" anchor="ctr" anchorCtr="0" forceAA="0" compatLnSpc="1">
-              <a:prstTxWarp prst="textNoShape">
-                <a:avLst/>
-              </a:prstTxWarp>
-              <a:noAutofit/>
-            </a:bodyPr>
-            <a:lstStyle/>
-            <a:p>
-              <a:pPr algn="ctr"/>
-              <a:endParaRPr lang="en-US" sz="1200">
-                <a:latin typeface="+mj-lt"/>
-                <a:cs typeface="Times New Roman" panose="02020603050405020304" pitchFamily="18" charset="0"/>
-              </a:endParaRPr>
-            </a:p>
-          </p:txBody>
-        </p:sp>
-        <p:sp>
-          <p:nvSpPr>
-            <p:cNvPr id="242" name="TextBox 241">
-              <a:extLst>
-                <a:ext uri="{FF2B5EF4-FFF2-40B4-BE49-F238E27FC236}">
-                  <a16:creationId xmlns:a16="http://schemas.microsoft.com/office/drawing/2014/main" id="{0BE9CC11-D668-244E-84E9-636CF2A2DA02}"/>
-                </a:ext>
-              </a:extLst>
-            </p:cNvPr>
-            <p:cNvSpPr txBox="1"/>
-            <p:nvPr/>
-          </p:nvSpPr>
-          <p:spPr>
-            <a:xfrm>
-              <a:off x="2675413" y="4498507"/>
-              <a:ext cx="336952" cy="276999"/>
-            </a:xfrm>
-            <a:prstGeom prst="rect">
-              <a:avLst/>
-            </a:prstGeom>
-            <a:noFill/>
-          </p:spPr>
-          <p:txBody>
-            <a:bodyPr wrap="none" rtlCol="0">
-              <a:spAutoFit/>
-            </a:bodyPr>
-            <a:lstStyle/>
-            <a:p>
-              <a:r>
-                <a:rPr lang="en-US" sz="1200" dirty="0">
-                  <a:latin typeface="+mj-lt"/>
-                  <a:cs typeface="Times New Roman" panose="02020603050405020304" pitchFamily="18" charset="0"/>
-                </a:rPr>
-                <a:t>a2</a:t>
-              </a:r>
-            </a:p>
-          </p:txBody>
-        </p:sp>
-      </p:grpSp>
-      <p:grpSp>
-        <p:nvGrpSpPr>
-          <p:cNvPr id="243" name="Group 242">
-            <a:extLst>
-              <a:ext uri="{FF2B5EF4-FFF2-40B4-BE49-F238E27FC236}">
-                <a16:creationId xmlns:a16="http://schemas.microsoft.com/office/drawing/2014/main" id="{AC1857EF-6465-B243-A0EC-C86F9D2A3E8A}"/>
-              </a:ext>
-            </a:extLst>
-          </p:cNvPr>
-          <p:cNvGrpSpPr/>
-          <p:nvPr/>
-        </p:nvGrpSpPr>
-        <p:grpSpPr>
-          <a:xfrm>
-            <a:off x="7476006" y="2774389"/>
-            <a:ext cx="363601" cy="394531"/>
-            <a:chOff x="2658477" y="4455131"/>
-            <a:chExt cx="363601" cy="394531"/>
-          </a:xfrm>
-        </p:grpSpPr>
-        <p:sp>
-          <p:nvSpPr>
-            <p:cNvPr id="244" name="Rectangle 243">
-              <a:extLst>
-                <a:ext uri="{FF2B5EF4-FFF2-40B4-BE49-F238E27FC236}">
-                  <a16:creationId xmlns:a16="http://schemas.microsoft.com/office/drawing/2014/main" id="{CFEE2760-3CFA-484C-85E3-A23FF263D388}"/>
-                </a:ext>
-              </a:extLst>
-            </p:cNvPr>
-            <p:cNvSpPr/>
-            <p:nvPr/>
-          </p:nvSpPr>
-          <p:spPr>
-            <a:xfrm>
-              <a:off x="2658477" y="4455131"/>
-              <a:ext cx="363601" cy="394531"/>
-            </a:xfrm>
-            <a:prstGeom prst="rect">
-              <a:avLst/>
-            </a:prstGeom>
-            <a:noFill/>
-            <a:ln w="25400">
-              <a:solidFill>
-                <a:schemeClr val="tx1"/>
-              </a:solidFill>
-            </a:ln>
-          </p:spPr>
-          <p:style>
-            <a:lnRef idx="2">
-              <a:schemeClr val="accent1">
-                <a:shade val="50000"/>
-              </a:schemeClr>
-            </a:lnRef>
-            <a:fillRef idx="1">
-              <a:schemeClr val="accent1"/>
-            </a:fillRef>
-            <a:effectRef idx="0">
-              <a:schemeClr val="accent1"/>
-            </a:effectRef>
-            <a:fontRef idx="minor">
-              <a:schemeClr val="lt1"/>
-            </a:fontRef>
-          </p:style>
-          <p:txBody>
-            <a:bodyPr rot="0" spcFirstLastPara="0" vertOverflow="overflow" horzOverflow="overflow" vert="horz" wrap="square" lIns="56757" tIns="28378" rIns="56757" bIns="28378" numCol="1" spcCol="0" rtlCol="0" fromWordArt="0" anchor="ctr" anchorCtr="0" forceAA="0" compatLnSpc="1">
-              <a:prstTxWarp prst="textNoShape">
-                <a:avLst/>
-              </a:prstTxWarp>
-              <a:noAutofit/>
-            </a:bodyPr>
-            <a:lstStyle/>
-            <a:p>
-              <a:pPr algn="ctr"/>
-              <a:endParaRPr lang="en-US" sz="1200">
-                <a:latin typeface="+mj-lt"/>
-                <a:cs typeface="Times New Roman" panose="02020603050405020304" pitchFamily="18" charset="0"/>
-              </a:endParaRPr>
-            </a:p>
-          </p:txBody>
-        </p:sp>
-        <p:sp>
-          <p:nvSpPr>
-            <p:cNvPr id="245" name="TextBox 244">
-              <a:extLst>
-                <a:ext uri="{FF2B5EF4-FFF2-40B4-BE49-F238E27FC236}">
-                  <a16:creationId xmlns:a16="http://schemas.microsoft.com/office/drawing/2014/main" id="{FB7E0D16-6D77-1147-93FF-2BA9ADCC89B9}"/>
-                </a:ext>
-              </a:extLst>
-            </p:cNvPr>
-            <p:cNvSpPr txBox="1"/>
-            <p:nvPr/>
-          </p:nvSpPr>
-          <p:spPr>
-            <a:xfrm>
-              <a:off x="2674709" y="4491294"/>
-              <a:ext cx="336952" cy="276999"/>
-            </a:xfrm>
-            <a:prstGeom prst="rect">
-              <a:avLst/>
-            </a:prstGeom>
-            <a:noFill/>
-          </p:spPr>
-          <p:txBody>
-            <a:bodyPr wrap="none" rtlCol="0">
-              <a:spAutoFit/>
-            </a:bodyPr>
-            <a:lstStyle/>
-            <a:p>
-              <a:r>
-                <a:rPr lang="en-US" sz="1200" dirty="0">
-                  <a:latin typeface="+mj-lt"/>
-                  <a:cs typeface="Times New Roman" panose="02020603050405020304" pitchFamily="18" charset="0"/>
-                </a:rPr>
-                <a:t>a4</a:t>
-              </a:r>
-            </a:p>
-          </p:txBody>
-        </p:sp>
-      </p:grpSp>
-      <p:cxnSp>
-        <p:nvCxnSpPr>
-          <p:cNvPr id="246" name="Straight Arrow Connector 245">
-            <a:extLst>
-              <a:ext uri="{FF2B5EF4-FFF2-40B4-BE49-F238E27FC236}">
-                <a16:creationId xmlns:a16="http://schemas.microsoft.com/office/drawing/2014/main" id="{91307118-EC67-CD49-972A-BF99A397D859}"/>
-              </a:ext>
-            </a:extLst>
-          </p:cNvPr>
-          <p:cNvCxnSpPr>
-            <a:stCxn id="236" idx="2"/>
-            <a:endCxn id="231" idx="3"/>
-          </p:cNvCxnSpPr>
-          <p:nvPr/>
-        </p:nvCxnSpPr>
-        <p:spPr>
-          <a:xfrm flipH="1">
-            <a:off x="6055201" y="2100465"/>
-            <a:ext cx="521996" cy="1"/>
-          </a:xfrm>
-          <a:prstGeom prst="straightConnector1">
-            <a:avLst/>
-          </a:prstGeom>
-          <a:ln w="25400">
-            <a:solidFill>
-              <a:schemeClr val="tx1"/>
-            </a:solidFill>
-            <a:tailEnd type="triangle"/>
-          </a:ln>
-        </p:spPr>
-        <p:style>
-          <a:lnRef idx="1">
-            <a:schemeClr val="accent1"/>
-          </a:lnRef>
-          <a:fillRef idx="0">
-            <a:schemeClr val="accent1"/>
-          </a:fillRef>
-          <a:effectRef idx="0">
-            <a:schemeClr val="accent1"/>
-          </a:effectRef>
-          <a:fontRef idx="minor">
-            <a:schemeClr val="tx1"/>
-          </a:fontRef>
-        </p:style>
-      </p:cxnSp>
-      <p:cxnSp>
-        <p:nvCxnSpPr>
-          <p:cNvPr id="247" name="Straight Arrow Connector 246">
-            <a:extLst>
-              <a:ext uri="{FF2B5EF4-FFF2-40B4-BE49-F238E27FC236}">
-                <a16:creationId xmlns:a16="http://schemas.microsoft.com/office/drawing/2014/main" id="{A839CB51-131E-8547-A455-AA0DF99ABF7A}"/>
-              </a:ext>
-            </a:extLst>
-          </p:cNvPr>
-          <p:cNvCxnSpPr>
-            <a:stCxn id="238" idx="2"/>
-            <a:endCxn id="235" idx="3"/>
-          </p:cNvCxnSpPr>
-          <p:nvPr/>
-        </p:nvCxnSpPr>
-        <p:spPr>
-          <a:xfrm flipH="1" flipV="1">
-            <a:off x="6060334" y="2956701"/>
-            <a:ext cx="516866" cy="16987"/>
-          </a:xfrm>
-          <a:prstGeom prst="straightConnector1">
-            <a:avLst/>
-          </a:prstGeom>
-          <a:ln w="25400">
-            <a:solidFill>
-              <a:schemeClr val="tx1"/>
-            </a:solidFill>
-            <a:tailEnd type="triangle"/>
-          </a:ln>
-        </p:spPr>
-        <p:style>
-          <a:lnRef idx="1">
-            <a:schemeClr val="accent1"/>
-          </a:lnRef>
-          <a:fillRef idx="0">
-            <a:schemeClr val="accent1"/>
-          </a:fillRef>
-          <a:effectRef idx="0">
-            <a:schemeClr val="accent1"/>
-          </a:effectRef>
-          <a:fontRef idx="minor">
-            <a:schemeClr val="tx1"/>
-          </a:fontRef>
-        </p:style>
-      </p:cxnSp>
-      <p:cxnSp>
-        <p:nvCxnSpPr>
-          <p:cNvPr id="248" name="Straight Arrow Connector 247">
-            <a:extLst>
-              <a:ext uri="{FF2B5EF4-FFF2-40B4-BE49-F238E27FC236}">
-                <a16:creationId xmlns:a16="http://schemas.microsoft.com/office/drawing/2014/main" id="{0BB05C48-B46A-CF43-A0C2-4337A7F454B5}"/>
-              </a:ext>
-            </a:extLst>
-          </p:cNvPr>
-          <p:cNvCxnSpPr>
-            <a:cxnSpLocks/>
-            <a:stCxn id="241" idx="1"/>
-            <a:endCxn id="237" idx="3"/>
-          </p:cNvCxnSpPr>
-          <p:nvPr/>
-        </p:nvCxnSpPr>
-        <p:spPr>
-          <a:xfrm flipH="1">
-            <a:off x="6966891" y="2066519"/>
-            <a:ext cx="498698" cy="3723"/>
-          </a:xfrm>
-          <a:prstGeom prst="straightConnector1">
-            <a:avLst/>
-          </a:prstGeom>
-          <a:ln w="25400">
-            <a:solidFill>
-              <a:schemeClr val="tx1"/>
-            </a:solidFill>
-            <a:tailEnd type="triangle"/>
-          </a:ln>
-        </p:spPr>
-        <p:style>
-          <a:lnRef idx="1">
-            <a:schemeClr val="accent1"/>
-          </a:lnRef>
-          <a:fillRef idx="0">
-            <a:schemeClr val="accent1"/>
-          </a:fillRef>
-          <a:effectRef idx="0">
-            <a:schemeClr val="accent1"/>
-          </a:effectRef>
-          <a:fontRef idx="minor">
-            <a:schemeClr val="tx1"/>
-          </a:fontRef>
-        </p:style>
-      </p:cxnSp>
-      <p:cxnSp>
-        <p:nvCxnSpPr>
-          <p:cNvPr id="249" name="Straight Arrow Connector 248">
-            <a:extLst>
-              <a:ext uri="{FF2B5EF4-FFF2-40B4-BE49-F238E27FC236}">
-                <a16:creationId xmlns:a16="http://schemas.microsoft.com/office/drawing/2014/main" id="{28ECDE7B-AFCD-BF43-B59D-1DF74C5F2BF8}"/>
-              </a:ext>
-            </a:extLst>
-          </p:cNvPr>
-          <p:cNvCxnSpPr>
-            <a:stCxn id="244" idx="1"/>
-            <a:endCxn id="238" idx="6"/>
-          </p:cNvCxnSpPr>
-          <p:nvPr/>
-        </p:nvCxnSpPr>
-        <p:spPr>
-          <a:xfrm flipH="1">
-            <a:off x="6971731" y="2971655"/>
-            <a:ext cx="504275" cy="2033"/>
-          </a:xfrm>
-          <a:prstGeom prst="straightConnector1">
-            <a:avLst/>
-          </a:prstGeom>
-          <a:ln w="25400">
-            <a:solidFill>
-              <a:schemeClr val="tx1"/>
-            </a:solidFill>
-            <a:tailEnd type="triangle"/>
-          </a:ln>
-        </p:spPr>
-        <p:style>
-          <a:lnRef idx="1">
-            <a:schemeClr val="accent1"/>
-          </a:lnRef>
-          <a:fillRef idx="0">
-            <a:schemeClr val="accent1"/>
-          </a:fillRef>
-          <a:effectRef idx="0">
-            <a:schemeClr val="accent1"/>
-          </a:effectRef>
-          <a:fontRef idx="minor">
-            <a:schemeClr val="tx1"/>
-          </a:fontRef>
-        </p:style>
-      </p:cxnSp>
-      <p:sp>
-        <p:nvSpPr>
-          <p:cNvPr id="250" name="TextBox 249">
-            <a:extLst>
-              <a:ext uri="{FF2B5EF4-FFF2-40B4-BE49-F238E27FC236}">
-                <a16:creationId xmlns:a16="http://schemas.microsoft.com/office/drawing/2014/main" id="{5A8E7D6E-2F1B-424F-95F0-AE02C3C577D6}"/>
-              </a:ext>
-            </a:extLst>
-          </p:cNvPr>
-          <p:cNvSpPr txBox="1"/>
-          <p:nvPr/>
-        </p:nvSpPr>
-        <p:spPr>
-          <a:xfrm>
-            <a:off x="6998391" y="2719740"/>
-            <a:ext cx="479618" cy="276999"/>
-          </a:xfrm>
-          <a:prstGeom prst="rect">
-            <a:avLst/>
-          </a:prstGeom>
-          <a:noFill/>
-        </p:spPr>
-        <p:txBody>
-          <a:bodyPr wrap="none" rtlCol="0">
-            <a:spAutoFit/>
-          </a:bodyPr>
-          <a:lstStyle/>
-          <a:p>
-            <a:r>
-              <a:rPr lang="en-US" sz="1200" dirty="0">
-                <a:latin typeface="+mj-lt"/>
-                <a:cs typeface="Times New Roman" panose="02020603050405020304" pitchFamily="18" charset="0"/>
-              </a:rPr>
-              <a:t>used</a:t>
-            </a:r>
-          </a:p>
-        </p:txBody>
-      </p:sp>
-      <p:sp>
-        <p:nvSpPr>
-          <p:cNvPr id="251" name="TextBox 250">
-            <a:extLst>
-              <a:ext uri="{FF2B5EF4-FFF2-40B4-BE49-F238E27FC236}">
-                <a16:creationId xmlns:a16="http://schemas.microsoft.com/office/drawing/2014/main" id="{D5D20565-72CC-0C48-BE57-5B2F33FB9C19}"/>
-              </a:ext>
-            </a:extLst>
-          </p:cNvPr>
-          <p:cNvSpPr txBox="1"/>
-          <p:nvPr/>
-        </p:nvSpPr>
-        <p:spPr>
-          <a:xfrm>
-            <a:off x="6091414" y="2694386"/>
-            <a:ext cx="510333" cy="276999"/>
-          </a:xfrm>
-          <a:prstGeom prst="rect">
-            <a:avLst/>
-          </a:prstGeom>
-          <a:noFill/>
-        </p:spPr>
-        <p:txBody>
-          <a:bodyPr wrap="none" rtlCol="0">
-            <a:spAutoFit/>
-          </a:bodyPr>
-          <a:lstStyle/>
-          <a:p>
-            <a:r>
-              <a:rPr lang="en-US" sz="1200" dirty="0" err="1">
-                <a:latin typeface="+mj-lt"/>
-                <a:cs typeface="Times New Roman" panose="02020603050405020304" pitchFamily="18" charset="0"/>
-              </a:rPr>
-              <a:t>wgBy</a:t>
-            </a:r>
-            <a:endParaRPr lang="en-US" sz="1200" dirty="0">
-              <a:latin typeface="+mj-lt"/>
-              <a:cs typeface="Times New Roman" panose="02020603050405020304" pitchFamily="18" charset="0"/>
-            </a:endParaRPr>
-          </a:p>
-        </p:txBody>
-      </p:sp>
-      <p:cxnSp>
-        <p:nvCxnSpPr>
-          <p:cNvPr id="252" name="Straight Arrow Connector 251">
-            <a:extLst>
-              <a:ext uri="{FF2B5EF4-FFF2-40B4-BE49-F238E27FC236}">
-                <a16:creationId xmlns:a16="http://schemas.microsoft.com/office/drawing/2014/main" id="{975B4252-EA73-7147-A88B-5A8FC3413055}"/>
-              </a:ext>
-            </a:extLst>
-          </p:cNvPr>
-          <p:cNvCxnSpPr>
-            <a:stCxn id="241" idx="1"/>
-            <a:endCxn id="238" idx="6"/>
-          </p:cNvCxnSpPr>
-          <p:nvPr/>
-        </p:nvCxnSpPr>
-        <p:spPr>
-          <a:xfrm flipH="1">
-            <a:off x="6971731" y="2066519"/>
-            <a:ext cx="493858" cy="907169"/>
-          </a:xfrm>
-          <a:prstGeom prst="straightConnector1">
-            <a:avLst/>
-          </a:prstGeom>
-          <a:ln w="25400">
-            <a:solidFill>
-              <a:schemeClr val="tx1"/>
-            </a:solidFill>
-            <a:tailEnd type="triangle"/>
-          </a:ln>
-        </p:spPr>
-        <p:style>
-          <a:lnRef idx="1">
-            <a:schemeClr val="accent1"/>
-          </a:lnRef>
-          <a:fillRef idx="0">
-            <a:schemeClr val="accent1"/>
-          </a:fillRef>
-          <a:effectRef idx="0">
-            <a:schemeClr val="accent1"/>
-          </a:effectRef>
-          <a:fontRef idx="minor">
-            <a:schemeClr val="tx1"/>
-          </a:fontRef>
-        </p:style>
-      </p:cxnSp>
       <p:sp>
         <p:nvSpPr>
           <p:cNvPr id="253" name="Rectangle 252">
             <a:extLst>
               <a:ext uri="{FF2B5EF4-FFF2-40B4-BE49-F238E27FC236}">
-                <a16:creationId xmlns:a16="http://schemas.microsoft.com/office/drawing/2014/main" id="{2ABCB084-AF4F-D34A-ADAD-D4249F60DF40}"/>
+                <a16:creationId xmlns:a16="http://schemas.microsoft.com/office/drawing/2014/main" xmlns="" id="{2ABCB084-AF4F-D34A-ADAD-D4249F60DF40}"/>
               </a:ext>
             </a:extLst>
           </p:cNvPr>
@@ -7494,7 +5466,7 @@
         <p:spPr>
           <a:xfrm>
             <a:off x="5585524" y="1405496"/>
-            <a:ext cx="612668" cy="276999"/>
+            <a:ext cx="1142853" cy="276999"/>
           </a:xfrm>
           <a:prstGeom prst="rect">
             <a:avLst/>
@@ -7518,7 +5490,7 @@
               <a:t>(</a:t>
             </a:r>
             <a:r>
-              <a:rPr lang="en-US" sz="1200" i="1" dirty="0" err="1">
+              <a:rPr lang="en-US" sz="1200" i="1" dirty="0" err="1" smtClean="0">
                 <a:solidFill>
                   <a:prstClr val="black"/>
                 </a:solidFill>
@@ -7528,15 +5500,22 @@
               <a:t>pclos</a:t>
             </a:r>
             <a:r>
-              <a:rPr lang="en-US" sz="1200" i="1" dirty="0">
+              <a:rPr lang="en-US" sz="1200" i="1" dirty="0" smtClean="0">
                 <a:solidFill>
                   <a:prstClr val="black"/>
                 </a:solidFill>
                 <a:latin typeface="Times New Roman" panose="02020603050405020304" pitchFamily="18" charset="0"/>
                 <a:cs typeface="Times New Roman" panose="02020603050405020304" pitchFamily="18" charset="0"/>
               </a:rPr>
-              <a:t>)</a:t>
+              <a:t>, extend)</a:t>
             </a:r>
+            <a:endParaRPr lang="en-US" sz="1200" i="1" dirty="0">
+              <a:solidFill>
+                <a:prstClr val="black"/>
+              </a:solidFill>
+              <a:latin typeface="Times New Roman" panose="02020603050405020304" pitchFamily="18" charset="0"/>
+              <a:cs typeface="Times New Roman" panose="02020603050405020304" pitchFamily="18" charset="0"/>
+            </a:endParaRPr>
           </a:p>
         </p:txBody>
       </p:sp>
@@ -7545,7 +5524,7 @@
           <p:cNvPr id="255" name="Rectangle 254">
             <a:extLst>
               <a:ext uri="{FF2B5EF4-FFF2-40B4-BE49-F238E27FC236}">
-                <a16:creationId xmlns:a16="http://schemas.microsoft.com/office/drawing/2014/main" id="{A66B4D90-B5F6-B042-B185-4EE83C70A3BA}"/>
+                <a16:creationId xmlns:a16="http://schemas.microsoft.com/office/drawing/2014/main" xmlns="" id="{A66B4D90-B5F6-B042-B185-4EE83C70A3BA}"/>
               </a:ext>
             </a:extLst>
           </p:cNvPr>
@@ -7554,8 +5533,8 @@
         </p:nvSpPr>
         <p:spPr>
           <a:xfrm>
-            <a:off x="2446638" y="1456074"/>
-            <a:ext cx="612668" cy="276999"/>
+            <a:off x="1874819" y="1407799"/>
+            <a:ext cx="1142853" cy="276999"/>
           </a:xfrm>
           <a:prstGeom prst="rect">
             <a:avLst/>
@@ -7579,7 +5558,7 @@
               <a:t>(</a:t>
             </a:r>
             <a:r>
-              <a:rPr lang="en-US" sz="1200" i="1" dirty="0" err="1">
+              <a:rPr lang="en-US" sz="1200" i="1" dirty="0" err="1" smtClean="0">
                 <a:solidFill>
                   <a:prstClr val="black"/>
                 </a:solidFill>
@@ -7589,15 +5568,22 @@
               <a:t>pclos</a:t>
             </a:r>
             <a:r>
-              <a:rPr lang="en-US" sz="1200" i="1" dirty="0">
+              <a:rPr lang="en-US" sz="1200" i="1" dirty="0" smtClean="0">
                 <a:solidFill>
                   <a:prstClr val="black"/>
                 </a:solidFill>
                 <a:latin typeface="Times New Roman" panose="02020603050405020304" pitchFamily="18" charset="0"/>
                 <a:cs typeface="Times New Roman" panose="02020603050405020304" pitchFamily="18" charset="0"/>
               </a:rPr>
-              <a:t>)</a:t>
+              <a:t>, extend)</a:t>
             </a:r>
+            <a:endParaRPr lang="en-US" sz="1200" i="1" dirty="0">
+              <a:solidFill>
+                <a:prstClr val="black"/>
+              </a:solidFill>
+              <a:latin typeface="Times New Roman" panose="02020603050405020304" pitchFamily="18" charset="0"/>
+              <a:cs typeface="Times New Roman" panose="02020603050405020304" pitchFamily="18" charset="0"/>
+            </a:endParaRPr>
           </a:p>
         </p:txBody>
       </p:sp>
@@ -7606,7 +5592,7 @@
           <p:cNvPr id="282" name="Group 281">
             <a:extLst>
               <a:ext uri="{FF2B5EF4-FFF2-40B4-BE49-F238E27FC236}">
-                <a16:creationId xmlns:a16="http://schemas.microsoft.com/office/drawing/2014/main" id="{5F6007A8-6066-A34B-BF9C-DB0280306123}"/>
+                <a16:creationId xmlns:a16="http://schemas.microsoft.com/office/drawing/2014/main" xmlns="" id="{5F6007A8-6066-A34B-BF9C-DB0280306123}"/>
               </a:ext>
             </a:extLst>
           </p:cNvPr>
@@ -7629,7 +5615,7 @@
             <p:cNvPr id="283" name="Rectangle 282">
               <a:extLst>
                 <a:ext uri="{FF2B5EF4-FFF2-40B4-BE49-F238E27FC236}">
-                  <a16:creationId xmlns:a16="http://schemas.microsoft.com/office/drawing/2014/main" id="{DC5702D4-8E22-2C45-8C47-9CDB6BC6DAC5}"/>
+                  <a16:creationId xmlns:a16="http://schemas.microsoft.com/office/drawing/2014/main" xmlns="" id="{DC5702D4-8E22-2C45-8C47-9CDB6BC6DAC5}"/>
                 </a:ext>
               </a:extLst>
             </p:cNvPr>
@@ -7691,7 +5677,7 @@
             <p:cNvPr id="284" name="TextBox 283">
               <a:extLst>
                 <a:ext uri="{FF2B5EF4-FFF2-40B4-BE49-F238E27FC236}">
-                  <a16:creationId xmlns:a16="http://schemas.microsoft.com/office/drawing/2014/main" id="{9A660207-22BF-914E-BE45-10523F140C73}"/>
+                  <a16:creationId xmlns:a16="http://schemas.microsoft.com/office/drawing/2014/main" xmlns="" id="{9A660207-22BF-914E-BE45-10523F140C73}"/>
                 </a:ext>
               </a:extLst>
             </p:cNvPr>
@@ -7730,7 +5716,7 @@
           <p:cNvPr id="287" name="Oval 286">
             <a:extLst>
               <a:ext uri="{FF2B5EF4-FFF2-40B4-BE49-F238E27FC236}">
-                <a16:creationId xmlns:a16="http://schemas.microsoft.com/office/drawing/2014/main" id="{8D972AD8-010D-AB46-8B67-50CC7E6C5CC2}"/>
+                <a16:creationId xmlns:a16="http://schemas.microsoft.com/office/drawing/2014/main" xmlns="" id="{8D972AD8-010D-AB46-8B67-50CC7E6C5CC2}"/>
               </a:ext>
             </a:extLst>
           </p:cNvPr>
@@ -7790,7 +5776,7 @@
           <p:cNvPr id="288" name="TextBox 287">
             <a:extLst>
               <a:ext uri="{FF2B5EF4-FFF2-40B4-BE49-F238E27FC236}">
-                <a16:creationId xmlns:a16="http://schemas.microsoft.com/office/drawing/2014/main" id="{13D4D59F-F032-3446-A503-D923B39069A2}"/>
+                <a16:creationId xmlns:a16="http://schemas.microsoft.com/office/drawing/2014/main" xmlns="" id="{13D4D59F-F032-3446-A503-D923B39069A2}"/>
               </a:ext>
             </a:extLst>
           </p:cNvPr>
@@ -7828,7 +5814,7 @@
           <p:cNvPr id="289" name="Group 288">
             <a:extLst>
               <a:ext uri="{FF2B5EF4-FFF2-40B4-BE49-F238E27FC236}">
-                <a16:creationId xmlns:a16="http://schemas.microsoft.com/office/drawing/2014/main" id="{516B89AB-2454-9E48-BCE7-D596AA170215}"/>
+                <a16:creationId xmlns:a16="http://schemas.microsoft.com/office/drawing/2014/main" xmlns="" id="{516B89AB-2454-9E48-BCE7-D596AA170215}"/>
               </a:ext>
             </a:extLst>
           </p:cNvPr>
@@ -7851,7 +5837,7 @@
             <p:cNvPr id="290" name="Rectangle 289">
               <a:extLst>
                 <a:ext uri="{FF2B5EF4-FFF2-40B4-BE49-F238E27FC236}">
-                  <a16:creationId xmlns:a16="http://schemas.microsoft.com/office/drawing/2014/main" id="{E8E9CB56-5BA3-E04B-AD0D-F56D59C854EE}"/>
+                  <a16:creationId xmlns:a16="http://schemas.microsoft.com/office/drawing/2014/main" xmlns="" id="{E8E9CB56-5BA3-E04B-AD0D-F56D59C854EE}"/>
                 </a:ext>
               </a:extLst>
             </p:cNvPr>
@@ -7911,7 +5897,7 @@
             <p:cNvPr id="291" name="TextBox 290">
               <a:extLst>
                 <a:ext uri="{FF2B5EF4-FFF2-40B4-BE49-F238E27FC236}">
-                  <a16:creationId xmlns:a16="http://schemas.microsoft.com/office/drawing/2014/main" id="{CA601F40-3B18-3043-8A1D-C21C540484B5}"/>
+                  <a16:creationId xmlns:a16="http://schemas.microsoft.com/office/drawing/2014/main" xmlns="" id="{CA601F40-3B18-3043-8A1D-C21C540484B5}"/>
                 </a:ext>
               </a:extLst>
             </p:cNvPr>
@@ -7957,7 +5943,7 @@
           <p:cNvPr id="292" name="Group 291">
             <a:extLst>
               <a:ext uri="{FF2B5EF4-FFF2-40B4-BE49-F238E27FC236}">
-                <a16:creationId xmlns:a16="http://schemas.microsoft.com/office/drawing/2014/main" id="{B3F1FD04-551E-614F-838B-2F8FCA699444}"/>
+                <a16:creationId xmlns:a16="http://schemas.microsoft.com/office/drawing/2014/main" xmlns="" id="{B3F1FD04-551E-614F-838B-2F8FCA699444}"/>
               </a:ext>
             </a:extLst>
           </p:cNvPr>
@@ -7977,7 +5963,7 @@
             <p:cNvPr id="293" name="Rectangle 292">
               <a:extLst>
                 <a:ext uri="{FF2B5EF4-FFF2-40B4-BE49-F238E27FC236}">
-                  <a16:creationId xmlns:a16="http://schemas.microsoft.com/office/drawing/2014/main" id="{F1BFEA2A-CF81-EE48-B99B-21874F482007}"/>
+                  <a16:creationId xmlns:a16="http://schemas.microsoft.com/office/drawing/2014/main" xmlns="" id="{F1BFEA2A-CF81-EE48-B99B-21874F482007}"/>
                 </a:ext>
               </a:extLst>
             </p:cNvPr>
@@ -8037,7 +6023,7 @@
             <p:cNvPr id="294" name="TextBox 293">
               <a:extLst>
                 <a:ext uri="{FF2B5EF4-FFF2-40B4-BE49-F238E27FC236}">
-                  <a16:creationId xmlns:a16="http://schemas.microsoft.com/office/drawing/2014/main" id="{4522B5EA-0329-EE40-A59E-DF452D4ABA54}"/>
+                  <a16:creationId xmlns:a16="http://schemas.microsoft.com/office/drawing/2014/main" xmlns="" id="{4522B5EA-0329-EE40-A59E-DF452D4ABA54}"/>
                 </a:ext>
               </a:extLst>
             </p:cNvPr>
@@ -8076,7 +6062,7 @@
           <p:cNvPr id="296" name="Straight Arrow Connector 295">
             <a:extLst>
               <a:ext uri="{FF2B5EF4-FFF2-40B4-BE49-F238E27FC236}">
-                <a16:creationId xmlns:a16="http://schemas.microsoft.com/office/drawing/2014/main" id="{D3BA0D8C-EA71-AE4B-B5E3-6284F1DD708B}"/>
+                <a16:creationId xmlns:a16="http://schemas.microsoft.com/office/drawing/2014/main" xmlns="" id="{D3BA0D8C-EA71-AE4B-B5E3-6284F1DD708B}"/>
               </a:ext>
             </a:extLst>
           </p:cNvPr>
@@ -8121,7 +6107,7 @@
           <p:cNvPr id="298" name="Straight Arrow Connector 297">
             <a:extLst>
               <a:ext uri="{FF2B5EF4-FFF2-40B4-BE49-F238E27FC236}">
-                <a16:creationId xmlns:a16="http://schemas.microsoft.com/office/drawing/2014/main" id="{B56DB80C-AF04-5B41-8550-DC9639BDFA4E}"/>
+                <a16:creationId xmlns:a16="http://schemas.microsoft.com/office/drawing/2014/main" xmlns="" id="{B56DB80C-AF04-5B41-8550-DC9639BDFA4E}"/>
               </a:ext>
             </a:extLst>
           </p:cNvPr>
@@ -8166,7 +6152,7 @@
           <p:cNvPr id="299" name="TextBox 298">
             <a:extLst>
               <a:ext uri="{FF2B5EF4-FFF2-40B4-BE49-F238E27FC236}">
-                <a16:creationId xmlns:a16="http://schemas.microsoft.com/office/drawing/2014/main" id="{A61BC54A-704B-2A41-A542-184737C356D3}"/>
+                <a16:creationId xmlns:a16="http://schemas.microsoft.com/office/drawing/2014/main" xmlns="" id="{A61BC54A-704B-2A41-A542-184737C356D3}"/>
               </a:ext>
             </a:extLst>
           </p:cNvPr>
@@ -8204,7 +6190,7 @@
           <p:cNvPr id="300" name="TextBox 299">
             <a:extLst>
               <a:ext uri="{FF2B5EF4-FFF2-40B4-BE49-F238E27FC236}">
-                <a16:creationId xmlns:a16="http://schemas.microsoft.com/office/drawing/2014/main" id="{B2B44B3E-DE1D-C047-9730-FF8235EF27B8}"/>
+                <a16:creationId xmlns:a16="http://schemas.microsoft.com/office/drawing/2014/main" xmlns="" id="{B2B44B3E-DE1D-C047-9730-FF8235EF27B8}"/>
               </a:ext>
             </a:extLst>
           </p:cNvPr>
@@ -8246,7 +6232,7 @@
           <p:cNvPr id="301" name="Straight Arrow Connector 300">
             <a:extLst>
               <a:ext uri="{FF2B5EF4-FFF2-40B4-BE49-F238E27FC236}">
-                <a16:creationId xmlns:a16="http://schemas.microsoft.com/office/drawing/2014/main" id="{D66DCD37-052B-3144-BD7D-CA13730BFA26}"/>
+                <a16:creationId xmlns:a16="http://schemas.microsoft.com/office/drawing/2014/main" xmlns="" id="{D66DCD37-052B-3144-BD7D-CA13730BFA26}"/>
               </a:ext>
             </a:extLst>
           </p:cNvPr>
@@ -8291,7 +6277,7 @@
           <p:cNvPr id="302" name="Right Arrow 301">
             <a:extLst>
               <a:ext uri="{FF2B5EF4-FFF2-40B4-BE49-F238E27FC236}">
-                <a16:creationId xmlns:a16="http://schemas.microsoft.com/office/drawing/2014/main" id="{35A0C86C-659F-6B4D-A1C3-146FD63D934D}"/>
+                <a16:creationId xmlns:a16="http://schemas.microsoft.com/office/drawing/2014/main" xmlns="" id="{35A0C86C-659F-6B4D-A1C3-146FD63D934D}"/>
               </a:ext>
             </a:extLst>
           </p:cNvPr>
@@ -8347,7 +6333,7 @@
           <p:cNvPr id="303" name="Rectangle 302">
             <a:extLst>
               <a:ext uri="{FF2B5EF4-FFF2-40B4-BE49-F238E27FC236}">
-                <a16:creationId xmlns:a16="http://schemas.microsoft.com/office/drawing/2014/main" id="{2F6A9014-7537-5049-9FD8-0666FEDC5B8E}"/>
+                <a16:creationId xmlns:a16="http://schemas.microsoft.com/office/drawing/2014/main" xmlns="" id="{2F6A9014-7537-5049-9FD8-0666FEDC5B8E}"/>
               </a:ext>
             </a:extLst>
           </p:cNvPr>
@@ -8385,52 +6371,10 @@
       </p:sp>
       <p:sp>
         <p:nvSpPr>
-          <p:cNvPr id="306" name="TextBox 305">
-            <a:extLst>
-              <a:ext uri="{FF2B5EF4-FFF2-40B4-BE49-F238E27FC236}">
-                <a16:creationId xmlns:a16="http://schemas.microsoft.com/office/drawing/2014/main" id="{4E336106-A539-AA4B-B354-41D0146BC8E2}"/>
-              </a:ext>
-            </a:extLst>
-          </p:cNvPr>
-          <p:cNvSpPr txBox="1"/>
-          <p:nvPr/>
-        </p:nvSpPr>
-        <p:spPr>
-          <a:xfrm>
-            <a:off x="6064447" y="1855583"/>
-            <a:ext cx="510333" cy="276999"/>
-          </a:xfrm>
-          <a:prstGeom prst="rect">
-            <a:avLst/>
-          </a:prstGeom>
-          <a:noFill/>
-        </p:spPr>
-        <p:txBody>
-          <a:bodyPr wrap="none" rtlCol="0">
-            <a:spAutoFit/>
-          </a:bodyPr>
-          <a:lstStyle/>
-          <a:p>
-            <a:r>
-              <a:rPr lang="en-US" sz="1200" dirty="0" err="1">
-                <a:latin typeface="+mj-lt"/>
-                <a:cs typeface="Times New Roman" panose="02020603050405020304" pitchFamily="18" charset="0"/>
-              </a:rPr>
-              <a:t>wgBy</a:t>
-            </a:r>
-            <a:endParaRPr lang="en-US" sz="1200" dirty="0">
-              <a:latin typeface="+mj-lt"/>
-              <a:cs typeface="Times New Roman" panose="02020603050405020304" pitchFamily="18" charset="0"/>
-            </a:endParaRPr>
-          </a:p>
-        </p:txBody>
-      </p:sp>
-      <p:sp>
-        <p:nvSpPr>
           <p:cNvPr id="307" name="TextBox 306">
             <a:extLst>
               <a:ext uri="{FF2B5EF4-FFF2-40B4-BE49-F238E27FC236}">
-                <a16:creationId xmlns:a16="http://schemas.microsoft.com/office/drawing/2014/main" id="{578D84DE-AA75-7C40-9A20-1EA4669B0AC8}"/>
+                <a16:creationId xmlns:a16="http://schemas.microsoft.com/office/drawing/2014/main" xmlns="" id="{578D84DE-AA75-7C40-9A20-1EA4669B0AC8}"/>
               </a:ext>
             </a:extLst>
           </p:cNvPr>
@@ -8465,48 +6409,10 @@
       </p:sp>
       <p:sp>
         <p:nvSpPr>
-          <p:cNvPr id="308" name="TextBox 307">
-            <a:extLst>
-              <a:ext uri="{FF2B5EF4-FFF2-40B4-BE49-F238E27FC236}">
-                <a16:creationId xmlns:a16="http://schemas.microsoft.com/office/drawing/2014/main" id="{AD3DA5BE-FC4F-B148-802A-08ADE0A53E36}"/>
-              </a:ext>
-            </a:extLst>
-          </p:cNvPr>
-          <p:cNvSpPr txBox="1"/>
-          <p:nvPr/>
-        </p:nvSpPr>
-        <p:spPr>
-          <a:xfrm>
-            <a:off x="2103805" y="1911905"/>
-            <a:ext cx="479618" cy="276999"/>
-          </a:xfrm>
-          <a:prstGeom prst="rect">
-            <a:avLst/>
-          </a:prstGeom>
-          <a:noFill/>
-        </p:spPr>
-        <p:txBody>
-          <a:bodyPr wrap="none" rtlCol="0">
-            <a:spAutoFit/>
-          </a:bodyPr>
-          <a:lstStyle/>
-          <a:p>
-            <a:r>
-              <a:rPr lang="en-US" sz="1200" dirty="0">
-                <a:latin typeface="+mj-lt"/>
-                <a:cs typeface="Times New Roman" panose="02020603050405020304" pitchFamily="18" charset="0"/>
-              </a:rPr>
-              <a:t>used</a:t>
-            </a:r>
-          </a:p>
-        </p:txBody>
-      </p:sp>
-      <p:sp>
-        <p:nvSpPr>
           <p:cNvPr id="309" name="TextBox 308">
             <a:extLst>
               <a:ext uri="{FF2B5EF4-FFF2-40B4-BE49-F238E27FC236}">
-                <a16:creationId xmlns:a16="http://schemas.microsoft.com/office/drawing/2014/main" id="{C7593B29-7DB5-034C-9298-C368E82E9DF7}"/>
+                <a16:creationId xmlns:a16="http://schemas.microsoft.com/office/drawing/2014/main" xmlns="" id="{C7593B29-7DB5-034C-9298-C368E82E9DF7}"/>
               </a:ext>
             </a:extLst>
           </p:cNvPr>
@@ -8548,7 +6454,7 @@
           <p:cNvPr id="310" name="TextBox 309">
             <a:extLst>
               <a:ext uri="{FF2B5EF4-FFF2-40B4-BE49-F238E27FC236}">
-                <a16:creationId xmlns:a16="http://schemas.microsoft.com/office/drawing/2014/main" id="{D3197F1D-47A0-9544-88F6-F8AEEF62C33A}"/>
+                <a16:creationId xmlns:a16="http://schemas.microsoft.com/office/drawing/2014/main" xmlns="" id="{D3197F1D-47A0-9544-88F6-F8AEEF62C33A}"/>
               </a:ext>
             </a:extLst>
           </p:cNvPr>
@@ -8581,88 +6487,2226 @@
           </a:p>
         </p:txBody>
       </p:sp>
-      <p:sp>
-        <p:nvSpPr>
-          <p:cNvPr id="311" name="TextBox 310">
-            <a:extLst>
-              <a:ext uri="{FF2B5EF4-FFF2-40B4-BE49-F238E27FC236}">
-                <a16:creationId xmlns:a16="http://schemas.microsoft.com/office/drawing/2014/main" id="{89EFC965-8B8B-2944-BD34-3F7C1F1D7493}"/>
-              </a:ext>
-            </a:extLst>
-          </p:cNvPr>
-          <p:cNvSpPr txBox="1"/>
+      <p:grpSp>
+        <p:nvGrpSpPr>
+          <p:cNvPr id="2" name="Group 1"/>
+          <p:cNvGrpSpPr/>
           <p:nvPr/>
-        </p:nvSpPr>
-        <p:spPr>
+        </p:nvGrpSpPr>
+        <p:grpSpPr>
           <a:xfrm>
-            <a:off x="1963814" y="2409806"/>
-            <a:ext cx="482824" cy="276999"/>
+            <a:off x="818535" y="1911905"/>
+            <a:ext cx="2154864" cy="1344360"/>
+            <a:chOff x="818535" y="1911905"/>
+            <a:chExt cx="2154864" cy="1344360"/>
           </a:xfrm>
-          <a:prstGeom prst="rect">
-            <a:avLst/>
-          </a:prstGeom>
-          <a:noFill/>
-        </p:spPr>
-        <p:txBody>
-          <a:bodyPr wrap="none" rtlCol="0">
-            <a:spAutoFit/>
-          </a:bodyPr>
-          <a:lstStyle/>
-          <a:p>
-            <a:r>
-              <a:rPr lang="en-US" sz="1200" dirty="0">
+        </p:grpSpPr>
+        <p:sp>
+          <p:nvSpPr>
+            <p:cNvPr id="46" name="TextBox 45">
+              <a:extLst>
+                <a:ext uri="{FF2B5EF4-FFF2-40B4-BE49-F238E27FC236}">
+                  <a16:creationId xmlns:a16="http://schemas.microsoft.com/office/drawing/2014/main" xmlns="" id="{F6E48A18-590F-BA44-95B6-FE5AE87BCD61}"/>
+                </a:ext>
+              </a:extLst>
+            </p:cNvPr>
+            <p:cNvSpPr txBox="1"/>
+            <p:nvPr/>
+          </p:nvSpPr>
+          <p:spPr>
+            <a:xfrm>
+              <a:off x="1200983" y="1911906"/>
+              <a:ext cx="510333" cy="276999"/>
+            </a:xfrm>
+            <a:prstGeom prst="rect">
+              <a:avLst/>
+            </a:prstGeom>
+            <a:noFill/>
+          </p:spPr>
+          <p:txBody>
+            <a:bodyPr wrap="none" rtlCol="0">
+              <a:spAutoFit/>
+            </a:bodyPr>
+            <a:lstStyle/>
+            <a:p>
+              <a:r>
+                <a:rPr lang="en-US" sz="1200" dirty="0" err="1">
+                  <a:latin typeface="+mj-lt"/>
+                  <a:cs typeface="Times New Roman" panose="02020603050405020304" pitchFamily="18" charset="0"/>
+                </a:rPr>
+                <a:t>wgBy</a:t>
+              </a:r>
+              <a:endParaRPr lang="en-US" sz="1200" dirty="0">
                 <a:latin typeface="+mj-lt"/>
                 <a:cs typeface="Times New Roman" panose="02020603050405020304" pitchFamily="18" charset="0"/>
-              </a:rPr>
-              <a:t>used</a:t>
-            </a:r>
-          </a:p>
-        </p:txBody>
-      </p:sp>
-      <p:sp>
-        <p:nvSpPr>
-          <p:cNvPr id="312" name="TextBox 311">
-            <a:extLst>
-              <a:ext uri="{FF2B5EF4-FFF2-40B4-BE49-F238E27FC236}">
-                <a16:creationId xmlns:a16="http://schemas.microsoft.com/office/drawing/2014/main" id="{6B7A9A05-41BD-9A46-B970-69A33E46A6DA}"/>
-              </a:ext>
-            </a:extLst>
-          </p:cNvPr>
-          <p:cNvSpPr txBox="1"/>
-          <p:nvPr/>
-        </p:nvSpPr>
-        <p:spPr>
-          <a:xfrm>
-            <a:off x="6774465" y="2368217"/>
-            <a:ext cx="482824" cy="276999"/>
-          </a:xfrm>
-          <a:prstGeom prst="rect">
-            <a:avLst/>
-          </a:prstGeom>
-          <a:noFill/>
-        </p:spPr>
-        <p:txBody>
-          <a:bodyPr wrap="none" rtlCol="0">
-            <a:spAutoFit/>
-          </a:bodyPr>
-          <a:lstStyle/>
-          <a:p>
-            <a:r>
-              <a:rPr lang="en-US" sz="1200" dirty="0">
+              </a:endParaRPr>
+            </a:p>
+          </p:txBody>
+        </p:sp>
+        <p:grpSp>
+          <p:nvGrpSpPr>
+            <p:cNvPr id="205" name="Group 204">
+              <a:extLst>
+                <a:ext uri="{FF2B5EF4-FFF2-40B4-BE49-F238E27FC236}">
+                  <a16:creationId xmlns:a16="http://schemas.microsoft.com/office/drawing/2014/main" xmlns="" id="{1ACE75B6-743C-A542-8A53-00ECFB1AD5D6}"/>
+                </a:ext>
+              </a:extLst>
+            </p:cNvPr>
+            <p:cNvGrpSpPr/>
+            <p:nvPr/>
+          </p:nvGrpSpPr>
+          <p:grpSpPr>
+            <a:xfrm>
+              <a:off x="818535" y="1988512"/>
+              <a:ext cx="370458" cy="394531"/>
+              <a:chOff x="2651620" y="4455131"/>
+              <a:chExt cx="370458" cy="394531"/>
+            </a:xfrm>
+            <a:solidFill>
+              <a:schemeClr val="accent3"/>
+            </a:solidFill>
+          </p:grpSpPr>
+          <p:sp>
+            <p:nvSpPr>
+              <p:cNvPr id="206" name="Rectangle 205">
+                <a:extLst>
+                  <a:ext uri="{FF2B5EF4-FFF2-40B4-BE49-F238E27FC236}">
+                    <a16:creationId xmlns:a16="http://schemas.microsoft.com/office/drawing/2014/main" xmlns="" id="{BF7CAF97-9934-1446-8D0C-E38D0959354B}"/>
+                  </a:ext>
+                </a:extLst>
+              </p:cNvPr>
+              <p:cNvSpPr/>
+              <p:nvPr/>
+            </p:nvSpPr>
+            <p:spPr>
+              <a:xfrm>
+                <a:off x="2658477" y="4455131"/>
+                <a:ext cx="363601" cy="394531"/>
+              </a:xfrm>
+              <a:prstGeom prst="rect">
+                <a:avLst/>
+              </a:prstGeom>
+              <a:grpFill/>
+              <a:ln w="25400">
+                <a:solidFill>
+                  <a:schemeClr val="tx1"/>
+                </a:solidFill>
+              </a:ln>
+            </p:spPr>
+            <p:style>
+              <a:lnRef idx="2">
+                <a:schemeClr val="accent1">
+                  <a:shade val="50000"/>
+                </a:schemeClr>
+              </a:lnRef>
+              <a:fillRef idx="1">
+                <a:schemeClr val="accent1"/>
+              </a:fillRef>
+              <a:effectRef idx="0">
+                <a:schemeClr val="accent1"/>
+              </a:effectRef>
+              <a:fontRef idx="minor">
+                <a:schemeClr val="lt1"/>
+              </a:fontRef>
+            </p:style>
+            <p:txBody>
+              <a:bodyPr rot="0" spcFirstLastPara="0" vertOverflow="overflow" horzOverflow="overflow" vert="horz" wrap="square" lIns="56757" tIns="28378" rIns="56757" bIns="28378" numCol="1" spcCol="0" rtlCol="0" fromWordArt="0" anchor="ctr" anchorCtr="0" forceAA="0" compatLnSpc="1">
+                <a:prstTxWarp prst="textNoShape">
+                  <a:avLst/>
+                </a:prstTxWarp>
+                <a:noAutofit/>
+              </a:bodyPr>
+              <a:lstStyle/>
+              <a:p>
+                <a:pPr algn="ctr"/>
+                <a:endParaRPr lang="en-US" sz="1200">
+                  <a:latin typeface="+mj-lt"/>
+                  <a:cs typeface="Times New Roman" panose="02020603050405020304" pitchFamily="18" charset="0"/>
+                </a:endParaRPr>
+              </a:p>
+            </p:txBody>
+          </p:sp>
+          <p:sp>
+            <p:nvSpPr>
+              <p:cNvPr id="207" name="TextBox 206">
+                <a:extLst>
+                  <a:ext uri="{FF2B5EF4-FFF2-40B4-BE49-F238E27FC236}">
+                    <a16:creationId xmlns:a16="http://schemas.microsoft.com/office/drawing/2014/main" xmlns="" id="{1A4F53DB-D0FC-054E-88E9-4258204561F4}"/>
+                  </a:ext>
+                </a:extLst>
+              </p:cNvPr>
+              <p:cNvSpPr txBox="1"/>
+              <p:nvPr/>
+            </p:nvSpPr>
+            <p:spPr>
+              <a:xfrm>
+                <a:off x="2651620" y="4486608"/>
+                <a:ext cx="336952" cy="276999"/>
+              </a:xfrm>
+              <a:prstGeom prst="rect">
+                <a:avLst/>
+              </a:prstGeom>
+              <a:noFill/>
+            </p:spPr>
+            <p:txBody>
+              <a:bodyPr wrap="none" rtlCol="0">
+                <a:spAutoFit/>
+              </a:bodyPr>
+              <a:lstStyle/>
+              <a:p>
+                <a:r>
+                  <a:rPr lang="en-US" sz="1200" dirty="0">
+                    <a:latin typeface="+mj-lt"/>
+                    <a:cs typeface="Times New Roman" panose="02020603050405020304" pitchFamily="18" charset="0"/>
+                  </a:rPr>
+                  <a:t>a1</a:t>
+                </a:r>
+              </a:p>
+            </p:txBody>
+          </p:sp>
+        </p:grpSp>
+        <p:grpSp>
+          <p:nvGrpSpPr>
+            <p:cNvPr id="208" name="Group 207">
+              <a:extLst>
+                <a:ext uri="{FF2B5EF4-FFF2-40B4-BE49-F238E27FC236}">
+                  <a16:creationId xmlns:a16="http://schemas.microsoft.com/office/drawing/2014/main" xmlns="" id="{FC58CC60-7A84-814C-B31A-43353991AB79}"/>
+                </a:ext>
+              </a:extLst>
+            </p:cNvPr>
+            <p:cNvGrpSpPr/>
+            <p:nvPr/>
+          </p:nvGrpSpPr>
+          <p:grpSpPr>
+            <a:xfrm>
+              <a:off x="834364" y="2859702"/>
+              <a:ext cx="363601" cy="394531"/>
+              <a:chOff x="2658477" y="5322765"/>
+              <a:chExt cx="363601" cy="394531"/>
+            </a:xfrm>
+            <a:solidFill>
+              <a:schemeClr val="accent3"/>
+            </a:solidFill>
+          </p:grpSpPr>
+          <p:sp>
+            <p:nvSpPr>
+              <p:cNvPr id="209" name="Rectangle 208">
+                <a:extLst>
+                  <a:ext uri="{FF2B5EF4-FFF2-40B4-BE49-F238E27FC236}">
+                    <a16:creationId xmlns:a16="http://schemas.microsoft.com/office/drawing/2014/main" xmlns="" id="{C5022D88-33DB-0640-AB3B-F3FF0979C8F4}"/>
+                  </a:ext>
+                </a:extLst>
+              </p:cNvPr>
+              <p:cNvSpPr/>
+              <p:nvPr/>
+            </p:nvSpPr>
+            <p:spPr>
+              <a:xfrm>
+                <a:off x="2658477" y="5322765"/>
+                <a:ext cx="363601" cy="394531"/>
+              </a:xfrm>
+              <a:prstGeom prst="rect">
+                <a:avLst/>
+              </a:prstGeom>
+              <a:solidFill>
+                <a:schemeClr val="bg1"/>
+              </a:solidFill>
+              <a:ln w="25400">
+                <a:solidFill>
+                  <a:schemeClr val="tx1"/>
+                </a:solidFill>
+              </a:ln>
+            </p:spPr>
+            <p:style>
+              <a:lnRef idx="2">
+                <a:schemeClr val="accent1">
+                  <a:shade val="50000"/>
+                </a:schemeClr>
+              </a:lnRef>
+              <a:fillRef idx="1">
+                <a:schemeClr val="accent1"/>
+              </a:fillRef>
+              <a:effectRef idx="0">
+                <a:schemeClr val="accent1"/>
+              </a:effectRef>
+              <a:fontRef idx="minor">
+                <a:schemeClr val="lt1"/>
+              </a:fontRef>
+            </p:style>
+            <p:txBody>
+              <a:bodyPr rot="0" spcFirstLastPara="0" vertOverflow="overflow" horzOverflow="overflow" vert="horz" wrap="square" lIns="56757" tIns="28378" rIns="56757" bIns="28378" numCol="1" spcCol="0" rtlCol="0" fromWordArt="0" anchor="ctr" anchorCtr="0" forceAA="0" compatLnSpc="1">
+                <a:prstTxWarp prst="textNoShape">
+                  <a:avLst/>
+                </a:prstTxWarp>
+                <a:noAutofit/>
+              </a:bodyPr>
+              <a:lstStyle/>
+              <a:p>
+                <a:pPr algn="ctr"/>
+                <a:endParaRPr lang="en-US" sz="1200">
+                  <a:latin typeface="+mj-lt"/>
+                  <a:cs typeface="Times New Roman" panose="02020603050405020304" pitchFamily="18" charset="0"/>
+                </a:endParaRPr>
+              </a:p>
+            </p:txBody>
+          </p:sp>
+          <p:sp>
+            <p:nvSpPr>
+              <p:cNvPr id="210" name="TextBox 209">
+                <a:extLst>
+                  <a:ext uri="{FF2B5EF4-FFF2-40B4-BE49-F238E27FC236}">
+                    <a16:creationId xmlns:a16="http://schemas.microsoft.com/office/drawing/2014/main" xmlns="" id="{7BE2C302-23A6-B146-8F50-788BAA3BF2D8}"/>
+                  </a:ext>
+                </a:extLst>
+              </p:cNvPr>
+              <p:cNvSpPr txBox="1"/>
+              <p:nvPr/>
+            </p:nvSpPr>
+            <p:spPr>
+              <a:xfrm>
+                <a:off x="2681287" y="5366576"/>
+                <a:ext cx="336952" cy="276999"/>
+              </a:xfrm>
+              <a:prstGeom prst="rect">
+                <a:avLst/>
+              </a:prstGeom>
+              <a:noFill/>
+            </p:spPr>
+            <p:txBody>
+              <a:bodyPr wrap="none" rtlCol="0">
+                <a:spAutoFit/>
+              </a:bodyPr>
+              <a:lstStyle/>
+              <a:p>
+                <a:r>
+                  <a:rPr lang="en-US" sz="1200" dirty="0">
+                    <a:latin typeface="+mj-lt"/>
+                    <a:cs typeface="Times New Roman" panose="02020603050405020304" pitchFamily="18" charset="0"/>
+                  </a:rPr>
+                  <a:t>a3</a:t>
+                </a:r>
+              </a:p>
+            </p:txBody>
+          </p:sp>
+        </p:grpSp>
+        <p:sp>
+          <p:nvSpPr>
+            <p:cNvPr id="211" name="Oval 210">
+              <a:extLst>
+                <a:ext uri="{FF2B5EF4-FFF2-40B4-BE49-F238E27FC236}">
+                  <a16:creationId xmlns:a16="http://schemas.microsoft.com/office/drawing/2014/main" xmlns="" id="{DA5C1388-3F49-DC4D-A5D0-0FE28322E340}"/>
+                </a:ext>
+              </a:extLst>
+            </p:cNvPr>
+            <p:cNvSpPr/>
+            <p:nvPr/>
+          </p:nvSpPr>
+          <p:spPr>
+            <a:xfrm>
+              <a:off x="1710992" y="1988511"/>
+              <a:ext cx="394531" cy="394531"/>
+            </a:xfrm>
+            <a:prstGeom prst="ellipse">
+              <a:avLst/>
+            </a:prstGeom>
+            <a:solidFill>
+              <a:schemeClr val="accent3"/>
+            </a:solidFill>
+            <a:ln w="25400">
+              <a:solidFill>
+                <a:schemeClr val="tx1"/>
+              </a:solidFill>
+            </a:ln>
+          </p:spPr>
+          <p:style>
+            <a:lnRef idx="2">
+              <a:schemeClr val="accent1">
+                <a:shade val="50000"/>
+              </a:schemeClr>
+            </a:lnRef>
+            <a:fillRef idx="1">
+              <a:schemeClr val="accent1"/>
+            </a:fillRef>
+            <a:effectRef idx="0">
+              <a:schemeClr val="accent1"/>
+            </a:effectRef>
+            <a:fontRef idx="minor">
+              <a:schemeClr val="lt1"/>
+            </a:fontRef>
+          </p:style>
+          <p:txBody>
+            <a:bodyPr rot="0" spcFirstLastPara="0" vertOverflow="overflow" horzOverflow="overflow" vert="horz" wrap="square" lIns="56757" tIns="28378" rIns="56757" bIns="28378" numCol="1" spcCol="0" rtlCol="0" fromWordArt="0" anchor="ctr" anchorCtr="0" forceAA="0" compatLnSpc="1">
+              <a:prstTxWarp prst="textNoShape">
+                <a:avLst/>
+              </a:prstTxWarp>
+              <a:noAutofit/>
+            </a:bodyPr>
+            <a:lstStyle/>
+            <a:p>
+              <a:pPr algn="ctr"/>
+              <a:endParaRPr lang="en-US" sz="1200">
                 <a:latin typeface="+mj-lt"/>
                 <a:cs typeface="Times New Roman" panose="02020603050405020304" pitchFamily="18" charset="0"/>
-              </a:rPr>
-              <a:t>used</a:t>
-            </a:r>
-          </a:p>
-        </p:txBody>
-      </p:sp>
+              </a:endParaRPr>
+            </a:p>
+          </p:txBody>
+        </p:sp>
+        <p:sp>
+          <p:nvSpPr>
+            <p:cNvPr id="212" name="TextBox 211">
+              <a:extLst>
+                <a:ext uri="{FF2B5EF4-FFF2-40B4-BE49-F238E27FC236}">
+                  <a16:creationId xmlns:a16="http://schemas.microsoft.com/office/drawing/2014/main" xmlns="" id="{1CB1C892-7E64-9647-80DD-A5EAD297B216}"/>
+                </a:ext>
+              </a:extLst>
+            </p:cNvPr>
+            <p:cNvSpPr txBox="1"/>
+            <p:nvPr/>
+          </p:nvSpPr>
+          <p:spPr>
+            <a:xfrm>
+              <a:off x="1726965" y="2017054"/>
+              <a:ext cx="373718" cy="276999"/>
+            </a:xfrm>
+            <a:prstGeom prst="rect">
+              <a:avLst/>
+            </a:prstGeom>
+            <a:noFill/>
+          </p:spPr>
+          <p:txBody>
+            <a:bodyPr wrap="square" rtlCol="0">
+              <a:spAutoFit/>
+            </a:bodyPr>
+            <a:lstStyle/>
+            <a:p>
+              <a:r>
+                <a:rPr lang="en-US" sz="1200" dirty="0">
+                  <a:latin typeface="+mj-lt"/>
+                  <a:cs typeface="Times New Roman" panose="02020603050405020304" pitchFamily="18" charset="0"/>
+                </a:rPr>
+                <a:t>e4</a:t>
+              </a:r>
+            </a:p>
+          </p:txBody>
+        </p:sp>
+        <p:sp>
+          <p:nvSpPr>
+            <p:cNvPr id="213" name="Oval 212">
+              <a:extLst>
+                <a:ext uri="{FF2B5EF4-FFF2-40B4-BE49-F238E27FC236}">
+                  <a16:creationId xmlns:a16="http://schemas.microsoft.com/office/drawing/2014/main" xmlns="" id="{56832BA3-29F8-3C4D-99A9-50FC7B2C96C6}"/>
+                </a:ext>
+              </a:extLst>
+            </p:cNvPr>
+            <p:cNvSpPr/>
+            <p:nvPr/>
+          </p:nvSpPr>
+          <p:spPr>
+            <a:xfrm>
+              <a:off x="1710992" y="2861734"/>
+              <a:ext cx="394531" cy="394531"/>
+            </a:xfrm>
+            <a:prstGeom prst="ellipse">
+              <a:avLst/>
+            </a:prstGeom>
+            <a:noFill/>
+            <a:ln w="25400">
+              <a:solidFill>
+                <a:schemeClr val="tx1"/>
+              </a:solidFill>
+            </a:ln>
+          </p:spPr>
+          <p:style>
+            <a:lnRef idx="2">
+              <a:schemeClr val="accent1">
+                <a:shade val="50000"/>
+              </a:schemeClr>
+            </a:lnRef>
+            <a:fillRef idx="1">
+              <a:schemeClr val="accent1"/>
+            </a:fillRef>
+            <a:effectRef idx="0">
+              <a:schemeClr val="accent1"/>
+            </a:effectRef>
+            <a:fontRef idx="minor">
+              <a:schemeClr val="lt1"/>
+            </a:fontRef>
+          </p:style>
+          <p:txBody>
+            <a:bodyPr rot="0" spcFirstLastPara="0" vertOverflow="overflow" horzOverflow="overflow" vert="horz" wrap="square" lIns="56757" tIns="28378" rIns="56757" bIns="28378" numCol="1" spcCol="0" rtlCol="0" fromWordArt="0" anchor="ctr" anchorCtr="0" forceAA="0" compatLnSpc="1">
+              <a:prstTxWarp prst="textNoShape">
+                <a:avLst/>
+              </a:prstTxWarp>
+              <a:noAutofit/>
+            </a:bodyPr>
+            <a:lstStyle/>
+            <a:p>
+              <a:pPr algn="ctr"/>
+              <a:endParaRPr lang="en-US" sz="1200">
+                <a:latin typeface="+mj-lt"/>
+                <a:cs typeface="Times New Roman" panose="02020603050405020304" pitchFamily="18" charset="0"/>
+              </a:endParaRPr>
+            </a:p>
+          </p:txBody>
+        </p:sp>
+        <p:sp>
+          <p:nvSpPr>
+            <p:cNvPr id="214" name="TextBox 213">
+              <a:extLst>
+                <a:ext uri="{FF2B5EF4-FFF2-40B4-BE49-F238E27FC236}">
+                  <a16:creationId xmlns:a16="http://schemas.microsoft.com/office/drawing/2014/main" xmlns="" id="{FE051E58-500B-A24C-803A-3207542CB0BB}"/>
+                </a:ext>
+              </a:extLst>
+            </p:cNvPr>
+            <p:cNvSpPr txBox="1"/>
+            <p:nvPr/>
+          </p:nvSpPr>
+          <p:spPr>
+            <a:xfrm>
+              <a:off x="1715875" y="2920499"/>
+              <a:ext cx="340158" cy="276999"/>
+            </a:xfrm>
+            <a:prstGeom prst="rect">
+              <a:avLst/>
+            </a:prstGeom>
+            <a:noFill/>
+          </p:spPr>
+          <p:txBody>
+            <a:bodyPr wrap="none" rtlCol="0">
+              <a:spAutoFit/>
+            </a:bodyPr>
+            <a:lstStyle/>
+            <a:p>
+              <a:r>
+                <a:rPr lang="en-US" sz="1200" dirty="0">
+                  <a:latin typeface="+mj-lt"/>
+                  <a:cs typeface="Times New Roman" panose="02020603050405020304" pitchFamily="18" charset="0"/>
+                </a:rPr>
+                <a:t>e5</a:t>
+              </a:r>
+            </a:p>
+          </p:txBody>
+        </p:sp>
+        <p:grpSp>
+          <p:nvGrpSpPr>
+            <p:cNvPr id="215" name="Group 214">
+              <a:extLst>
+                <a:ext uri="{FF2B5EF4-FFF2-40B4-BE49-F238E27FC236}">
+                  <a16:creationId xmlns:a16="http://schemas.microsoft.com/office/drawing/2014/main" xmlns="" id="{5396B07A-4BCF-8A4A-AFA6-76311C759ECF}"/>
+                </a:ext>
+              </a:extLst>
+            </p:cNvPr>
+            <p:cNvGrpSpPr/>
+            <p:nvPr/>
+          </p:nvGrpSpPr>
+          <p:grpSpPr>
+            <a:xfrm>
+              <a:off x="2599381" y="1954565"/>
+              <a:ext cx="363601" cy="394531"/>
+              <a:chOff x="2658477" y="4455131"/>
+              <a:chExt cx="363601" cy="394531"/>
+            </a:xfrm>
+            <a:solidFill>
+              <a:schemeClr val="accent3"/>
+            </a:solidFill>
+          </p:grpSpPr>
+          <p:sp>
+            <p:nvSpPr>
+              <p:cNvPr id="216" name="Rectangle 215">
+                <a:extLst>
+                  <a:ext uri="{FF2B5EF4-FFF2-40B4-BE49-F238E27FC236}">
+                    <a16:creationId xmlns:a16="http://schemas.microsoft.com/office/drawing/2014/main" xmlns="" id="{E31C82FA-18A9-5D46-8521-1E3082597E70}"/>
+                  </a:ext>
+                </a:extLst>
+              </p:cNvPr>
+              <p:cNvSpPr/>
+              <p:nvPr/>
+            </p:nvSpPr>
+            <p:spPr>
+              <a:xfrm>
+                <a:off x="2658477" y="4455131"/>
+                <a:ext cx="363601" cy="394531"/>
+              </a:xfrm>
+              <a:prstGeom prst="rect">
+                <a:avLst/>
+              </a:prstGeom>
+              <a:grpFill/>
+              <a:ln w="25400">
+                <a:solidFill>
+                  <a:schemeClr val="tx1"/>
+                </a:solidFill>
+              </a:ln>
+            </p:spPr>
+            <p:style>
+              <a:lnRef idx="2">
+                <a:schemeClr val="accent1">
+                  <a:shade val="50000"/>
+                </a:schemeClr>
+              </a:lnRef>
+              <a:fillRef idx="1">
+                <a:schemeClr val="accent1"/>
+              </a:fillRef>
+              <a:effectRef idx="0">
+                <a:schemeClr val="accent1"/>
+              </a:effectRef>
+              <a:fontRef idx="minor">
+                <a:schemeClr val="lt1"/>
+              </a:fontRef>
+            </p:style>
+            <p:txBody>
+              <a:bodyPr rot="0" spcFirstLastPara="0" vertOverflow="overflow" horzOverflow="overflow" vert="horz" wrap="square" lIns="56757" tIns="28378" rIns="56757" bIns="28378" numCol="1" spcCol="0" rtlCol="0" fromWordArt="0" anchor="ctr" anchorCtr="0" forceAA="0" compatLnSpc="1">
+                <a:prstTxWarp prst="textNoShape">
+                  <a:avLst/>
+                </a:prstTxWarp>
+                <a:noAutofit/>
+              </a:bodyPr>
+              <a:lstStyle/>
+              <a:p>
+                <a:pPr algn="ctr"/>
+                <a:endParaRPr lang="en-US" sz="1200">
+                  <a:latin typeface="+mj-lt"/>
+                  <a:cs typeface="Times New Roman" panose="02020603050405020304" pitchFamily="18" charset="0"/>
+                </a:endParaRPr>
+              </a:p>
+            </p:txBody>
+          </p:sp>
+          <p:sp>
+            <p:nvSpPr>
+              <p:cNvPr id="217" name="TextBox 216">
+                <a:extLst>
+                  <a:ext uri="{FF2B5EF4-FFF2-40B4-BE49-F238E27FC236}">
+                    <a16:creationId xmlns:a16="http://schemas.microsoft.com/office/drawing/2014/main" xmlns="" id="{206D20C7-E86C-7A4C-A9F6-F912C32233B9}"/>
+                  </a:ext>
+                </a:extLst>
+              </p:cNvPr>
+              <p:cNvSpPr txBox="1"/>
+              <p:nvPr/>
+            </p:nvSpPr>
+            <p:spPr>
+              <a:xfrm>
+                <a:off x="2675413" y="4498507"/>
+                <a:ext cx="336952" cy="276999"/>
+              </a:xfrm>
+              <a:prstGeom prst="rect">
+                <a:avLst/>
+              </a:prstGeom>
+              <a:noFill/>
+            </p:spPr>
+            <p:txBody>
+              <a:bodyPr wrap="none" rtlCol="0">
+                <a:spAutoFit/>
+              </a:bodyPr>
+              <a:lstStyle/>
+              <a:p>
+                <a:r>
+                  <a:rPr lang="en-US" sz="1200" dirty="0">
+                    <a:latin typeface="+mj-lt"/>
+                    <a:cs typeface="Times New Roman" panose="02020603050405020304" pitchFamily="18" charset="0"/>
+                  </a:rPr>
+                  <a:t>a2</a:t>
+                </a:r>
+              </a:p>
+            </p:txBody>
+          </p:sp>
+        </p:grpSp>
+        <p:grpSp>
+          <p:nvGrpSpPr>
+            <p:cNvPr id="218" name="Group 217">
+              <a:extLst>
+                <a:ext uri="{FF2B5EF4-FFF2-40B4-BE49-F238E27FC236}">
+                  <a16:creationId xmlns:a16="http://schemas.microsoft.com/office/drawing/2014/main" xmlns="" id="{B7EAE93C-0CFC-AC4A-9344-F55078B0E983}"/>
+                </a:ext>
+              </a:extLst>
+            </p:cNvPr>
+            <p:cNvGrpSpPr/>
+            <p:nvPr/>
+          </p:nvGrpSpPr>
+          <p:grpSpPr>
+            <a:xfrm>
+              <a:off x="2609798" y="2859701"/>
+              <a:ext cx="363601" cy="394531"/>
+              <a:chOff x="2658477" y="4455131"/>
+              <a:chExt cx="363601" cy="394531"/>
+            </a:xfrm>
+          </p:grpSpPr>
+          <p:sp>
+            <p:nvSpPr>
+              <p:cNvPr id="219" name="Rectangle 218">
+                <a:extLst>
+                  <a:ext uri="{FF2B5EF4-FFF2-40B4-BE49-F238E27FC236}">
+                    <a16:creationId xmlns:a16="http://schemas.microsoft.com/office/drawing/2014/main" xmlns="" id="{A3A3398D-D3E0-714B-847C-4A7947A7A530}"/>
+                  </a:ext>
+                </a:extLst>
+              </p:cNvPr>
+              <p:cNvSpPr/>
+              <p:nvPr/>
+            </p:nvSpPr>
+            <p:spPr>
+              <a:xfrm>
+                <a:off x="2658477" y="4455131"/>
+                <a:ext cx="363601" cy="394531"/>
+              </a:xfrm>
+              <a:prstGeom prst="rect">
+                <a:avLst/>
+              </a:prstGeom>
+              <a:noFill/>
+              <a:ln w="25400">
+                <a:solidFill>
+                  <a:schemeClr val="tx1"/>
+                </a:solidFill>
+              </a:ln>
+            </p:spPr>
+            <p:style>
+              <a:lnRef idx="2">
+                <a:schemeClr val="accent1">
+                  <a:shade val="50000"/>
+                </a:schemeClr>
+              </a:lnRef>
+              <a:fillRef idx="1">
+                <a:schemeClr val="accent1"/>
+              </a:fillRef>
+              <a:effectRef idx="0">
+                <a:schemeClr val="accent1"/>
+              </a:effectRef>
+              <a:fontRef idx="minor">
+                <a:schemeClr val="lt1"/>
+              </a:fontRef>
+            </p:style>
+            <p:txBody>
+              <a:bodyPr rot="0" spcFirstLastPara="0" vertOverflow="overflow" horzOverflow="overflow" vert="horz" wrap="square" lIns="56757" tIns="28378" rIns="56757" bIns="28378" numCol="1" spcCol="0" rtlCol="0" fromWordArt="0" anchor="ctr" anchorCtr="0" forceAA="0" compatLnSpc="1">
+                <a:prstTxWarp prst="textNoShape">
+                  <a:avLst/>
+                </a:prstTxWarp>
+                <a:noAutofit/>
+              </a:bodyPr>
+              <a:lstStyle/>
+              <a:p>
+                <a:pPr algn="ctr"/>
+                <a:endParaRPr lang="en-US" sz="1200">
+                  <a:latin typeface="+mj-lt"/>
+                  <a:cs typeface="Times New Roman" panose="02020603050405020304" pitchFamily="18" charset="0"/>
+                </a:endParaRPr>
+              </a:p>
+            </p:txBody>
+          </p:sp>
+          <p:sp>
+            <p:nvSpPr>
+              <p:cNvPr id="220" name="TextBox 219">
+                <a:extLst>
+                  <a:ext uri="{FF2B5EF4-FFF2-40B4-BE49-F238E27FC236}">
+                    <a16:creationId xmlns:a16="http://schemas.microsoft.com/office/drawing/2014/main" xmlns="" id="{719353A4-CEDF-DD42-8F20-04377D8C3065}"/>
+                  </a:ext>
+                </a:extLst>
+              </p:cNvPr>
+              <p:cNvSpPr txBox="1"/>
+              <p:nvPr/>
+            </p:nvSpPr>
+            <p:spPr>
+              <a:xfrm>
+                <a:off x="2674709" y="4491294"/>
+                <a:ext cx="336952" cy="276999"/>
+              </a:xfrm>
+              <a:prstGeom prst="rect">
+                <a:avLst/>
+              </a:prstGeom>
+              <a:noFill/>
+            </p:spPr>
+            <p:txBody>
+              <a:bodyPr wrap="none" rtlCol="0">
+                <a:spAutoFit/>
+              </a:bodyPr>
+              <a:lstStyle/>
+              <a:p>
+                <a:r>
+                  <a:rPr lang="en-US" sz="1200" dirty="0">
+                    <a:latin typeface="+mj-lt"/>
+                    <a:cs typeface="Times New Roman" panose="02020603050405020304" pitchFamily="18" charset="0"/>
+                  </a:rPr>
+                  <a:t>a4</a:t>
+                </a:r>
+              </a:p>
+            </p:txBody>
+          </p:sp>
+        </p:grpSp>
+        <p:cxnSp>
+          <p:nvCxnSpPr>
+            <p:cNvPr id="221" name="Straight Arrow Connector 220">
+              <a:extLst>
+                <a:ext uri="{FF2B5EF4-FFF2-40B4-BE49-F238E27FC236}">
+                  <a16:creationId xmlns:a16="http://schemas.microsoft.com/office/drawing/2014/main" xmlns="" id="{ADDC9481-95E9-DB47-ACDD-C6FA0D7261E4}"/>
+                </a:ext>
+              </a:extLst>
+            </p:cNvPr>
+            <p:cNvCxnSpPr>
+              <a:stCxn id="211" idx="2"/>
+              <a:endCxn id="206" idx="3"/>
+            </p:cNvCxnSpPr>
+            <p:nvPr/>
+          </p:nvCxnSpPr>
+          <p:spPr>
+            <a:xfrm flipH="1">
+              <a:off x="1188993" y="2185777"/>
+              <a:ext cx="521996" cy="1"/>
+            </a:xfrm>
+            <a:prstGeom prst="straightConnector1">
+              <a:avLst/>
+            </a:prstGeom>
+            <a:ln w="25400">
+              <a:solidFill>
+                <a:schemeClr val="tx1"/>
+              </a:solidFill>
+              <a:tailEnd type="triangle"/>
+            </a:ln>
+          </p:spPr>
+          <p:style>
+            <a:lnRef idx="1">
+              <a:schemeClr val="accent1"/>
+            </a:lnRef>
+            <a:fillRef idx="0">
+              <a:schemeClr val="accent1"/>
+            </a:fillRef>
+            <a:effectRef idx="0">
+              <a:schemeClr val="accent1"/>
+            </a:effectRef>
+            <a:fontRef idx="minor">
+              <a:schemeClr val="tx1"/>
+            </a:fontRef>
+          </p:style>
+        </p:cxnSp>
+        <p:cxnSp>
+          <p:nvCxnSpPr>
+            <p:cNvPr id="224" name="Straight Arrow Connector 223">
+              <a:extLst>
+                <a:ext uri="{FF2B5EF4-FFF2-40B4-BE49-F238E27FC236}">
+                  <a16:creationId xmlns:a16="http://schemas.microsoft.com/office/drawing/2014/main" xmlns="" id="{A91A70B9-A934-A146-A193-C0458774F633}"/>
+                </a:ext>
+              </a:extLst>
+            </p:cNvPr>
+            <p:cNvCxnSpPr>
+              <a:stCxn id="213" idx="2"/>
+              <a:endCxn id="210" idx="3"/>
+            </p:cNvCxnSpPr>
+            <p:nvPr/>
+          </p:nvCxnSpPr>
+          <p:spPr>
+            <a:xfrm flipH="1" flipV="1">
+              <a:off x="1194126" y="3042013"/>
+              <a:ext cx="516866" cy="16987"/>
+            </a:xfrm>
+            <a:prstGeom prst="straightConnector1">
+              <a:avLst/>
+            </a:prstGeom>
+            <a:ln w="25400">
+              <a:solidFill>
+                <a:schemeClr val="tx1"/>
+              </a:solidFill>
+              <a:tailEnd type="triangle"/>
+            </a:ln>
+          </p:spPr>
+          <p:style>
+            <a:lnRef idx="1">
+              <a:schemeClr val="accent1"/>
+            </a:lnRef>
+            <a:fillRef idx="0">
+              <a:schemeClr val="accent1"/>
+            </a:fillRef>
+            <a:effectRef idx="0">
+              <a:schemeClr val="accent1"/>
+            </a:effectRef>
+            <a:fontRef idx="minor">
+              <a:schemeClr val="tx1"/>
+            </a:fontRef>
+          </p:style>
+        </p:cxnSp>
+        <p:cxnSp>
+          <p:nvCxnSpPr>
+            <p:cNvPr id="225" name="Straight Arrow Connector 224">
+              <a:extLst>
+                <a:ext uri="{FF2B5EF4-FFF2-40B4-BE49-F238E27FC236}">
+                  <a16:creationId xmlns:a16="http://schemas.microsoft.com/office/drawing/2014/main" xmlns="" id="{5717E3BD-91B3-3646-88A5-45023BAC35FE}"/>
+                </a:ext>
+              </a:extLst>
+            </p:cNvPr>
+            <p:cNvCxnSpPr>
+              <a:cxnSpLocks/>
+              <a:stCxn id="216" idx="1"/>
+              <a:endCxn id="212" idx="3"/>
+            </p:cNvCxnSpPr>
+            <p:nvPr/>
+          </p:nvCxnSpPr>
+          <p:spPr>
+            <a:xfrm flipH="1">
+              <a:off x="2100683" y="2151831"/>
+              <a:ext cx="498698" cy="3723"/>
+            </a:xfrm>
+            <a:prstGeom prst="straightConnector1">
+              <a:avLst/>
+            </a:prstGeom>
+            <a:ln w="25400">
+              <a:solidFill>
+                <a:schemeClr val="tx1"/>
+              </a:solidFill>
+              <a:tailEnd type="triangle"/>
+            </a:ln>
+          </p:spPr>
+          <p:style>
+            <a:lnRef idx="1">
+              <a:schemeClr val="accent1"/>
+            </a:lnRef>
+            <a:fillRef idx="0">
+              <a:schemeClr val="accent1"/>
+            </a:fillRef>
+            <a:effectRef idx="0">
+              <a:schemeClr val="accent1"/>
+            </a:effectRef>
+            <a:fontRef idx="minor">
+              <a:schemeClr val="tx1"/>
+            </a:fontRef>
+          </p:style>
+        </p:cxnSp>
+        <p:cxnSp>
+          <p:nvCxnSpPr>
+            <p:cNvPr id="226" name="Straight Arrow Connector 225">
+              <a:extLst>
+                <a:ext uri="{FF2B5EF4-FFF2-40B4-BE49-F238E27FC236}">
+                  <a16:creationId xmlns:a16="http://schemas.microsoft.com/office/drawing/2014/main" xmlns="" id="{E9B386B6-EE4A-8949-A4B9-C937612F4B6A}"/>
+                </a:ext>
+              </a:extLst>
+            </p:cNvPr>
+            <p:cNvCxnSpPr>
+              <a:stCxn id="219" idx="1"/>
+              <a:endCxn id="213" idx="6"/>
+            </p:cNvCxnSpPr>
+            <p:nvPr/>
+          </p:nvCxnSpPr>
+          <p:spPr>
+            <a:xfrm flipH="1">
+              <a:off x="2105523" y="3056967"/>
+              <a:ext cx="504275" cy="2033"/>
+            </a:xfrm>
+            <a:prstGeom prst="straightConnector1">
+              <a:avLst/>
+            </a:prstGeom>
+            <a:ln w="25400">
+              <a:solidFill>
+                <a:schemeClr val="tx1"/>
+              </a:solidFill>
+              <a:tailEnd type="triangle"/>
+            </a:ln>
+          </p:spPr>
+          <p:style>
+            <a:lnRef idx="1">
+              <a:schemeClr val="accent1"/>
+            </a:lnRef>
+            <a:fillRef idx="0">
+              <a:schemeClr val="accent1"/>
+            </a:fillRef>
+            <a:effectRef idx="0">
+              <a:schemeClr val="accent1"/>
+            </a:effectRef>
+            <a:fontRef idx="minor">
+              <a:schemeClr val="tx1"/>
+            </a:fontRef>
+          </p:style>
+        </p:cxnSp>
+        <p:sp>
+          <p:nvSpPr>
+            <p:cNvPr id="227" name="TextBox 226">
+              <a:extLst>
+                <a:ext uri="{FF2B5EF4-FFF2-40B4-BE49-F238E27FC236}">
+                  <a16:creationId xmlns:a16="http://schemas.microsoft.com/office/drawing/2014/main" xmlns="" id="{03B8E971-D782-2741-B7D5-2A19B0BA6109}"/>
+                </a:ext>
+              </a:extLst>
+            </p:cNvPr>
+            <p:cNvSpPr txBox="1"/>
+            <p:nvPr/>
+          </p:nvSpPr>
+          <p:spPr>
+            <a:xfrm>
+              <a:off x="2132183" y="2805052"/>
+              <a:ext cx="479618" cy="276999"/>
+            </a:xfrm>
+            <a:prstGeom prst="rect">
+              <a:avLst/>
+            </a:prstGeom>
+            <a:noFill/>
+          </p:spPr>
+          <p:txBody>
+            <a:bodyPr wrap="none" rtlCol="0">
+              <a:spAutoFit/>
+            </a:bodyPr>
+            <a:lstStyle/>
+            <a:p>
+              <a:r>
+                <a:rPr lang="en-US" sz="1200" dirty="0">
+                  <a:latin typeface="+mj-lt"/>
+                  <a:cs typeface="Times New Roman" panose="02020603050405020304" pitchFamily="18" charset="0"/>
+                </a:rPr>
+                <a:t>used</a:t>
+              </a:r>
+            </a:p>
+          </p:txBody>
+        </p:sp>
+        <p:sp>
+          <p:nvSpPr>
+            <p:cNvPr id="228" name="TextBox 227">
+              <a:extLst>
+                <a:ext uri="{FF2B5EF4-FFF2-40B4-BE49-F238E27FC236}">
+                  <a16:creationId xmlns:a16="http://schemas.microsoft.com/office/drawing/2014/main" xmlns="" id="{A59B5AC1-1106-CB47-AC48-491A7DF2E8C8}"/>
+                </a:ext>
+              </a:extLst>
+            </p:cNvPr>
+            <p:cNvSpPr txBox="1"/>
+            <p:nvPr/>
+          </p:nvSpPr>
+          <p:spPr>
+            <a:xfrm>
+              <a:off x="1225206" y="2779698"/>
+              <a:ext cx="510333" cy="276999"/>
+            </a:xfrm>
+            <a:prstGeom prst="rect">
+              <a:avLst/>
+            </a:prstGeom>
+            <a:noFill/>
+          </p:spPr>
+          <p:txBody>
+            <a:bodyPr wrap="none" rtlCol="0">
+              <a:spAutoFit/>
+            </a:bodyPr>
+            <a:lstStyle/>
+            <a:p>
+              <a:r>
+                <a:rPr lang="en-US" sz="1200" dirty="0" err="1">
+                  <a:latin typeface="+mj-lt"/>
+                  <a:cs typeface="Times New Roman" panose="02020603050405020304" pitchFamily="18" charset="0"/>
+                </a:rPr>
+                <a:t>wgBy</a:t>
+              </a:r>
+              <a:endParaRPr lang="en-US" sz="1200" dirty="0">
+                <a:latin typeface="+mj-lt"/>
+                <a:cs typeface="Times New Roman" panose="02020603050405020304" pitchFamily="18" charset="0"/>
+              </a:endParaRPr>
+            </a:p>
+          </p:txBody>
+        </p:sp>
+        <p:cxnSp>
+          <p:nvCxnSpPr>
+            <p:cNvPr id="229" name="Straight Arrow Connector 228">
+              <a:extLst>
+                <a:ext uri="{FF2B5EF4-FFF2-40B4-BE49-F238E27FC236}">
+                  <a16:creationId xmlns:a16="http://schemas.microsoft.com/office/drawing/2014/main" xmlns="" id="{8ABE0F0B-3BFD-584B-BA0E-FACC5B7E15DA}"/>
+                </a:ext>
+              </a:extLst>
+            </p:cNvPr>
+            <p:cNvCxnSpPr>
+              <a:stCxn id="216" idx="1"/>
+              <a:endCxn id="213" idx="6"/>
+            </p:cNvCxnSpPr>
+            <p:nvPr/>
+          </p:nvCxnSpPr>
+          <p:spPr>
+            <a:xfrm flipH="1">
+              <a:off x="2105523" y="2151831"/>
+              <a:ext cx="493858" cy="907169"/>
+            </a:xfrm>
+            <a:prstGeom prst="straightConnector1">
+              <a:avLst/>
+            </a:prstGeom>
+            <a:ln w="25400">
+              <a:solidFill>
+                <a:schemeClr val="tx1"/>
+              </a:solidFill>
+              <a:tailEnd type="triangle"/>
+            </a:ln>
+          </p:spPr>
+          <p:style>
+            <a:lnRef idx="1">
+              <a:schemeClr val="accent1"/>
+            </a:lnRef>
+            <a:fillRef idx="0">
+              <a:schemeClr val="accent1"/>
+            </a:fillRef>
+            <a:effectRef idx="0">
+              <a:schemeClr val="accent1"/>
+            </a:effectRef>
+            <a:fontRef idx="minor">
+              <a:schemeClr val="tx1"/>
+            </a:fontRef>
+          </p:style>
+        </p:cxnSp>
+        <p:sp>
+          <p:nvSpPr>
+            <p:cNvPr id="308" name="TextBox 307">
+              <a:extLst>
+                <a:ext uri="{FF2B5EF4-FFF2-40B4-BE49-F238E27FC236}">
+                  <a16:creationId xmlns:a16="http://schemas.microsoft.com/office/drawing/2014/main" xmlns="" id="{AD3DA5BE-FC4F-B148-802A-08ADE0A53E36}"/>
+                </a:ext>
+              </a:extLst>
+            </p:cNvPr>
+            <p:cNvSpPr txBox="1"/>
+            <p:nvPr/>
+          </p:nvSpPr>
+          <p:spPr>
+            <a:xfrm>
+              <a:off x="2103805" y="1911905"/>
+              <a:ext cx="479618" cy="276999"/>
+            </a:xfrm>
+            <a:prstGeom prst="rect">
+              <a:avLst/>
+            </a:prstGeom>
+            <a:noFill/>
+          </p:spPr>
+          <p:txBody>
+            <a:bodyPr wrap="none" rtlCol="0">
+              <a:spAutoFit/>
+            </a:bodyPr>
+            <a:lstStyle/>
+            <a:p>
+              <a:r>
+                <a:rPr lang="en-US" sz="1200" dirty="0">
+                  <a:latin typeface="+mj-lt"/>
+                  <a:cs typeface="Times New Roman" panose="02020603050405020304" pitchFamily="18" charset="0"/>
+                </a:rPr>
+                <a:t>used</a:t>
+              </a:r>
+            </a:p>
+          </p:txBody>
+        </p:sp>
+        <p:sp>
+          <p:nvSpPr>
+            <p:cNvPr id="311" name="TextBox 310">
+              <a:extLst>
+                <a:ext uri="{FF2B5EF4-FFF2-40B4-BE49-F238E27FC236}">
+                  <a16:creationId xmlns:a16="http://schemas.microsoft.com/office/drawing/2014/main" xmlns="" id="{89EFC965-8B8B-2944-BD34-3F7C1F1D7493}"/>
+                </a:ext>
+              </a:extLst>
+            </p:cNvPr>
+            <p:cNvSpPr txBox="1"/>
+            <p:nvPr/>
+          </p:nvSpPr>
+          <p:spPr>
+            <a:xfrm>
+              <a:off x="1963814" y="2409806"/>
+              <a:ext cx="482824" cy="276999"/>
+            </a:xfrm>
+            <a:prstGeom prst="rect">
+              <a:avLst/>
+            </a:prstGeom>
+            <a:noFill/>
+          </p:spPr>
+          <p:txBody>
+            <a:bodyPr wrap="none" rtlCol="0">
+              <a:spAutoFit/>
+            </a:bodyPr>
+            <a:lstStyle/>
+            <a:p>
+              <a:r>
+                <a:rPr lang="en-US" sz="1200" dirty="0">
+                  <a:latin typeface="+mj-lt"/>
+                  <a:cs typeface="Times New Roman" panose="02020603050405020304" pitchFamily="18" charset="0"/>
+                </a:rPr>
+                <a:t>used</a:t>
+              </a:r>
+            </a:p>
+          </p:txBody>
+        </p:sp>
+      </p:grpSp>
+      <p:grpSp>
+        <p:nvGrpSpPr>
+          <p:cNvPr id="3" name="Group 2"/>
+          <p:cNvGrpSpPr/>
+          <p:nvPr/>
+        </p:nvGrpSpPr>
+        <p:grpSpPr>
+          <a:xfrm>
+            <a:off x="5684743" y="1954565"/>
+            <a:ext cx="2154864" cy="1315370"/>
+            <a:chOff x="5684743" y="1855583"/>
+            <a:chExt cx="2154864" cy="1315370"/>
+          </a:xfrm>
+        </p:grpSpPr>
+        <p:grpSp>
+          <p:nvGrpSpPr>
+            <p:cNvPr id="230" name="Group 229">
+              <a:extLst>
+                <a:ext uri="{FF2B5EF4-FFF2-40B4-BE49-F238E27FC236}">
+                  <a16:creationId xmlns:a16="http://schemas.microsoft.com/office/drawing/2014/main" xmlns="" id="{BD0951E2-321A-BA40-B3A9-95CF5A673C4F}"/>
+                </a:ext>
+              </a:extLst>
+            </p:cNvPr>
+            <p:cNvGrpSpPr/>
+            <p:nvPr/>
+          </p:nvGrpSpPr>
+          <p:grpSpPr>
+            <a:xfrm>
+              <a:off x="5684743" y="1903200"/>
+              <a:ext cx="370458" cy="394531"/>
+              <a:chOff x="2651620" y="4455131"/>
+              <a:chExt cx="370458" cy="394531"/>
+            </a:xfrm>
+            <a:solidFill>
+              <a:schemeClr val="accent3"/>
+            </a:solidFill>
+          </p:grpSpPr>
+          <p:sp>
+            <p:nvSpPr>
+              <p:cNvPr id="231" name="Rectangle 230">
+                <a:extLst>
+                  <a:ext uri="{FF2B5EF4-FFF2-40B4-BE49-F238E27FC236}">
+                    <a16:creationId xmlns:a16="http://schemas.microsoft.com/office/drawing/2014/main" xmlns="" id="{3A240ACB-E31B-4C49-862D-2EC6FC41164C}"/>
+                  </a:ext>
+                </a:extLst>
+              </p:cNvPr>
+              <p:cNvSpPr/>
+              <p:nvPr/>
+            </p:nvSpPr>
+            <p:spPr>
+              <a:xfrm>
+                <a:off x="2658477" y="4455131"/>
+                <a:ext cx="363601" cy="394531"/>
+              </a:xfrm>
+              <a:prstGeom prst="rect">
+                <a:avLst/>
+              </a:prstGeom>
+              <a:solidFill>
+                <a:schemeClr val="bg1"/>
+              </a:solidFill>
+              <a:ln w="25400">
+                <a:solidFill>
+                  <a:schemeClr val="tx1"/>
+                </a:solidFill>
+              </a:ln>
+            </p:spPr>
+            <p:style>
+              <a:lnRef idx="2">
+                <a:schemeClr val="accent1">
+                  <a:shade val="50000"/>
+                </a:schemeClr>
+              </a:lnRef>
+              <a:fillRef idx="1">
+                <a:schemeClr val="accent1"/>
+              </a:fillRef>
+              <a:effectRef idx="0">
+                <a:schemeClr val="accent1"/>
+              </a:effectRef>
+              <a:fontRef idx="minor">
+                <a:schemeClr val="lt1"/>
+              </a:fontRef>
+            </p:style>
+            <p:txBody>
+              <a:bodyPr rot="0" spcFirstLastPara="0" vertOverflow="overflow" horzOverflow="overflow" vert="horz" wrap="square" lIns="56757" tIns="28378" rIns="56757" bIns="28378" numCol="1" spcCol="0" rtlCol="0" fromWordArt="0" anchor="ctr" anchorCtr="0" forceAA="0" compatLnSpc="1">
+                <a:prstTxWarp prst="textNoShape">
+                  <a:avLst/>
+                </a:prstTxWarp>
+                <a:noAutofit/>
+              </a:bodyPr>
+              <a:lstStyle/>
+              <a:p>
+                <a:pPr algn="ctr"/>
+                <a:endParaRPr lang="en-US" sz="1200">
+                  <a:latin typeface="+mj-lt"/>
+                  <a:cs typeface="Times New Roman" panose="02020603050405020304" pitchFamily="18" charset="0"/>
+                </a:endParaRPr>
+              </a:p>
+            </p:txBody>
+          </p:sp>
+          <p:sp>
+            <p:nvSpPr>
+              <p:cNvPr id="232" name="TextBox 231">
+                <a:extLst>
+                  <a:ext uri="{FF2B5EF4-FFF2-40B4-BE49-F238E27FC236}">
+                    <a16:creationId xmlns:a16="http://schemas.microsoft.com/office/drawing/2014/main" xmlns="" id="{4D4685CA-090A-3E4A-96C5-7F7442BCD5B8}"/>
+                  </a:ext>
+                </a:extLst>
+              </p:cNvPr>
+              <p:cNvSpPr txBox="1"/>
+              <p:nvPr/>
+            </p:nvSpPr>
+            <p:spPr>
+              <a:xfrm>
+                <a:off x="2651620" y="4486608"/>
+                <a:ext cx="336952" cy="276999"/>
+              </a:xfrm>
+              <a:prstGeom prst="rect">
+                <a:avLst/>
+              </a:prstGeom>
+              <a:noFill/>
+            </p:spPr>
+            <p:txBody>
+              <a:bodyPr wrap="none" rtlCol="0">
+                <a:spAutoFit/>
+              </a:bodyPr>
+              <a:lstStyle/>
+              <a:p>
+                <a:r>
+                  <a:rPr lang="en-US" sz="1200" dirty="0">
+                    <a:latin typeface="+mj-lt"/>
+                    <a:cs typeface="Times New Roman" panose="02020603050405020304" pitchFamily="18" charset="0"/>
+                  </a:rPr>
+                  <a:t>a1</a:t>
+                </a:r>
+              </a:p>
+            </p:txBody>
+          </p:sp>
+        </p:grpSp>
+        <p:grpSp>
+          <p:nvGrpSpPr>
+            <p:cNvPr id="233" name="Group 232">
+              <a:extLst>
+                <a:ext uri="{FF2B5EF4-FFF2-40B4-BE49-F238E27FC236}">
+                  <a16:creationId xmlns:a16="http://schemas.microsoft.com/office/drawing/2014/main" xmlns="" id="{A479AE30-7B81-F34C-9F87-A77D2EE6F220}"/>
+                </a:ext>
+              </a:extLst>
+            </p:cNvPr>
+            <p:cNvGrpSpPr/>
+            <p:nvPr/>
+          </p:nvGrpSpPr>
+          <p:grpSpPr>
+            <a:xfrm>
+              <a:off x="5700572" y="2774390"/>
+              <a:ext cx="363601" cy="394531"/>
+              <a:chOff x="2658477" y="5322765"/>
+              <a:chExt cx="363601" cy="394531"/>
+            </a:xfrm>
+            <a:solidFill>
+              <a:schemeClr val="accent3"/>
+            </a:solidFill>
+          </p:grpSpPr>
+          <p:sp>
+            <p:nvSpPr>
+              <p:cNvPr id="234" name="Rectangle 233">
+                <a:extLst>
+                  <a:ext uri="{FF2B5EF4-FFF2-40B4-BE49-F238E27FC236}">
+                    <a16:creationId xmlns:a16="http://schemas.microsoft.com/office/drawing/2014/main" xmlns="" id="{E2E6F03F-E059-7941-BC04-668181B3D723}"/>
+                  </a:ext>
+                </a:extLst>
+              </p:cNvPr>
+              <p:cNvSpPr/>
+              <p:nvPr/>
+            </p:nvSpPr>
+            <p:spPr>
+              <a:xfrm>
+                <a:off x="2658477" y="5322765"/>
+                <a:ext cx="363601" cy="394531"/>
+              </a:xfrm>
+              <a:prstGeom prst="rect">
+                <a:avLst/>
+              </a:prstGeom>
+              <a:solidFill>
+                <a:schemeClr val="bg1"/>
+              </a:solidFill>
+              <a:ln w="25400">
+                <a:solidFill>
+                  <a:schemeClr val="tx1"/>
+                </a:solidFill>
+              </a:ln>
+            </p:spPr>
+            <p:style>
+              <a:lnRef idx="2">
+                <a:schemeClr val="accent1">
+                  <a:shade val="50000"/>
+                </a:schemeClr>
+              </a:lnRef>
+              <a:fillRef idx="1">
+                <a:schemeClr val="accent1"/>
+              </a:fillRef>
+              <a:effectRef idx="0">
+                <a:schemeClr val="accent1"/>
+              </a:effectRef>
+              <a:fontRef idx="minor">
+                <a:schemeClr val="lt1"/>
+              </a:fontRef>
+            </p:style>
+            <p:txBody>
+              <a:bodyPr rot="0" spcFirstLastPara="0" vertOverflow="overflow" horzOverflow="overflow" vert="horz" wrap="square" lIns="56757" tIns="28378" rIns="56757" bIns="28378" numCol="1" spcCol="0" rtlCol="0" fromWordArt="0" anchor="ctr" anchorCtr="0" forceAA="0" compatLnSpc="1">
+                <a:prstTxWarp prst="textNoShape">
+                  <a:avLst/>
+                </a:prstTxWarp>
+                <a:noAutofit/>
+              </a:bodyPr>
+              <a:lstStyle/>
+              <a:p>
+                <a:pPr algn="ctr"/>
+                <a:endParaRPr lang="en-US" sz="1200">
+                  <a:latin typeface="+mj-lt"/>
+                  <a:cs typeface="Times New Roman" panose="02020603050405020304" pitchFamily="18" charset="0"/>
+                </a:endParaRPr>
+              </a:p>
+            </p:txBody>
+          </p:sp>
+          <p:sp>
+            <p:nvSpPr>
+              <p:cNvPr id="235" name="TextBox 234">
+                <a:extLst>
+                  <a:ext uri="{FF2B5EF4-FFF2-40B4-BE49-F238E27FC236}">
+                    <a16:creationId xmlns:a16="http://schemas.microsoft.com/office/drawing/2014/main" xmlns="" id="{BE73603F-0CF6-6544-956F-93C5F03C4BD1}"/>
+                  </a:ext>
+                </a:extLst>
+              </p:cNvPr>
+              <p:cNvSpPr txBox="1"/>
+              <p:nvPr/>
+            </p:nvSpPr>
+            <p:spPr>
+              <a:xfrm>
+                <a:off x="2681287" y="5366576"/>
+                <a:ext cx="336952" cy="276999"/>
+              </a:xfrm>
+              <a:prstGeom prst="rect">
+                <a:avLst/>
+              </a:prstGeom>
+              <a:noFill/>
+            </p:spPr>
+            <p:txBody>
+              <a:bodyPr wrap="none" rtlCol="0">
+                <a:spAutoFit/>
+              </a:bodyPr>
+              <a:lstStyle/>
+              <a:p>
+                <a:r>
+                  <a:rPr lang="en-US" sz="1200" dirty="0">
+                    <a:latin typeface="+mj-lt"/>
+                    <a:cs typeface="Times New Roman" panose="02020603050405020304" pitchFamily="18" charset="0"/>
+                  </a:rPr>
+                  <a:t>a3</a:t>
+                </a:r>
+              </a:p>
+            </p:txBody>
+          </p:sp>
+        </p:grpSp>
+        <p:sp>
+          <p:nvSpPr>
+            <p:cNvPr id="236" name="Oval 235">
+              <a:extLst>
+                <a:ext uri="{FF2B5EF4-FFF2-40B4-BE49-F238E27FC236}">
+                  <a16:creationId xmlns:a16="http://schemas.microsoft.com/office/drawing/2014/main" xmlns="" id="{2A81FCD4-4869-224F-8228-0B9694080251}"/>
+                </a:ext>
+              </a:extLst>
+            </p:cNvPr>
+            <p:cNvSpPr/>
+            <p:nvPr/>
+          </p:nvSpPr>
+          <p:spPr>
+            <a:xfrm>
+              <a:off x="6577200" y="1903199"/>
+              <a:ext cx="394531" cy="394531"/>
+            </a:xfrm>
+            <a:prstGeom prst="ellipse">
+              <a:avLst/>
+            </a:prstGeom>
+            <a:solidFill>
+              <a:schemeClr val="accent3"/>
+            </a:solidFill>
+            <a:ln w="25400">
+              <a:solidFill>
+                <a:schemeClr val="tx1"/>
+              </a:solidFill>
+            </a:ln>
+          </p:spPr>
+          <p:style>
+            <a:lnRef idx="2">
+              <a:schemeClr val="accent1">
+                <a:shade val="50000"/>
+              </a:schemeClr>
+            </a:lnRef>
+            <a:fillRef idx="1">
+              <a:schemeClr val="accent1"/>
+            </a:fillRef>
+            <a:effectRef idx="0">
+              <a:schemeClr val="accent1"/>
+            </a:effectRef>
+            <a:fontRef idx="minor">
+              <a:schemeClr val="lt1"/>
+            </a:fontRef>
+          </p:style>
+          <p:txBody>
+            <a:bodyPr rot="0" spcFirstLastPara="0" vertOverflow="overflow" horzOverflow="overflow" vert="horz" wrap="square" lIns="56757" tIns="28378" rIns="56757" bIns="28378" numCol="1" spcCol="0" rtlCol="0" fromWordArt="0" anchor="ctr" anchorCtr="0" forceAA="0" compatLnSpc="1">
+              <a:prstTxWarp prst="textNoShape">
+                <a:avLst/>
+              </a:prstTxWarp>
+              <a:noAutofit/>
+            </a:bodyPr>
+            <a:lstStyle/>
+            <a:p>
+              <a:pPr algn="ctr"/>
+              <a:endParaRPr lang="en-US" sz="1200">
+                <a:latin typeface="+mj-lt"/>
+                <a:cs typeface="Times New Roman" panose="02020603050405020304" pitchFamily="18" charset="0"/>
+              </a:endParaRPr>
+            </a:p>
+          </p:txBody>
+        </p:sp>
+        <p:sp>
+          <p:nvSpPr>
+            <p:cNvPr id="237" name="TextBox 236">
+              <a:extLst>
+                <a:ext uri="{FF2B5EF4-FFF2-40B4-BE49-F238E27FC236}">
+                  <a16:creationId xmlns:a16="http://schemas.microsoft.com/office/drawing/2014/main" xmlns="" id="{84DEA700-4ACC-9B4A-8DFC-13D777148205}"/>
+                </a:ext>
+              </a:extLst>
+            </p:cNvPr>
+            <p:cNvSpPr txBox="1"/>
+            <p:nvPr/>
+          </p:nvSpPr>
+          <p:spPr>
+            <a:xfrm>
+              <a:off x="6593173" y="1931742"/>
+              <a:ext cx="373718" cy="276999"/>
+            </a:xfrm>
+            <a:prstGeom prst="rect">
+              <a:avLst/>
+            </a:prstGeom>
+            <a:noFill/>
+          </p:spPr>
+          <p:txBody>
+            <a:bodyPr wrap="square" rtlCol="0">
+              <a:spAutoFit/>
+            </a:bodyPr>
+            <a:lstStyle/>
+            <a:p>
+              <a:r>
+                <a:rPr lang="en-US" sz="1200" dirty="0">
+                  <a:latin typeface="+mj-lt"/>
+                  <a:cs typeface="Times New Roman" panose="02020603050405020304" pitchFamily="18" charset="0"/>
+                </a:rPr>
+                <a:t>e4</a:t>
+              </a:r>
+            </a:p>
+          </p:txBody>
+        </p:sp>
+        <p:sp>
+          <p:nvSpPr>
+            <p:cNvPr id="238" name="Oval 237">
+              <a:extLst>
+                <a:ext uri="{FF2B5EF4-FFF2-40B4-BE49-F238E27FC236}">
+                  <a16:creationId xmlns:a16="http://schemas.microsoft.com/office/drawing/2014/main" xmlns="" id="{C28E2A15-F85C-844E-8611-651B28462BB6}"/>
+                </a:ext>
+              </a:extLst>
+            </p:cNvPr>
+            <p:cNvSpPr/>
+            <p:nvPr/>
+          </p:nvSpPr>
+          <p:spPr>
+            <a:xfrm>
+              <a:off x="6577200" y="2776422"/>
+              <a:ext cx="394531" cy="394531"/>
+            </a:xfrm>
+            <a:prstGeom prst="ellipse">
+              <a:avLst/>
+            </a:prstGeom>
+            <a:solidFill>
+              <a:schemeClr val="accent3"/>
+            </a:solidFill>
+            <a:ln w="25400">
+              <a:solidFill>
+                <a:schemeClr val="tx1"/>
+              </a:solidFill>
+            </a:ln>
+          </p:spPr>
+          <p:style>
+            <a:lnRef idx="2">
+              <a:schemeClr val="accent1">
+                <a:shade val="50000"/>
+              </a:schemeClr>
+            </a:lnRef>
+            <a:fillRef idx="1">
+              <a:schemeClr val="accent1"/>
+            </a:fillRef>
+            <a:effectRef idx="0">
+              <a:schemeClr val="accent1"/>
+            </a:effectRef>
+            <a:fontRef idx="minor">
+              <a:schemeClr val="lt1"/>
+            </a:fontRef>
+          </p:style>
+          <p:txBody>
+            <a:bodyPr rot="0" spcFirstLastPara="0" vertOverflow="overflow" horzOverflow="overflow" vert="horz" wrap="square" lIns="56757" tIns="28378" rIns="56757" bIns="28378" numCol="1" spcCol="0" rtlCol="0" fromWordArt="0" anchor="ctr" anchorCtr="0" forceAA="0" compatLnSpc="1">
+              <a:prstTxWarp prst="textNoShape">
+                <a:avLst/>
+              </a:prstTxWarp>
+              <a:noAutofit/>
+            </a:bodyPr>
+            <a:lstStyle/>
+            <a:p>
+              <a:pPr algn="ctr"/>
+              <a:endParaRPr lang="en-US" sz="1200">
+                <a:latin typeface="+mj-lt"/>
+                <a:cs typeface="Times New Roman" panose="02020603050405020304" pitchFamily="18" charset="0"/>
+              </a:endParaRPr>
+            </a:p>
+          </p:txBody>
+        </p:sp>
+        <p:sp>
+          <p:nvSpPr>
+            <p:cNvPr id="239" name="TextBox 238">
+              <a:extLst>
+                <a:ext uri="{FF2B5EF4-FFF2-40B4-BE49-F238E27FC236}">
+                  <a16:creationId xmlns:a16="http://schemas.microsoft.com/office/drawing/2014/main" xmlns="" id="{E5935A70-E5AE-904E-AD6A-702C026AC86F}"/>
+                </a:ext>
+              </a:extLst>
+            </p:cNvPr>
+            <p:cNvSpPr txBox="1"/>
+            <p:nvPr/>
+          </p:nvSpPr>
+          <p:spPr>
+            <a:xfrm>
+              <a:off x="6582083" y="2835187"/>
+              <a:ext cx="340158" cy="276999"/>
+            </a:xfrm>
+            <a:prstGeom prst="rect">
+              <a:avLst/>
+            </a:prstGeom>
+            <a:noFill/>
+          </p:spPr>
+          <p:txBody>
+            <a:bodyPr wrap="none" rtlCol="0">
+              <a:spAutoFit/>
+            </a:bodyPr>
+            <a:lstStyle/>
+            <a:p>
+              <a:r>
+                <a:rPr lang="en-US" sz="1200" dirty="0">
+                  <a:latin typeface="+mj-lt"/>
+                  <a:cs typeface="Times New Roman" panose="02020603050405020304" pitchFamily="18" charset="0"/>
+                </a:rPr>
+                <a:t>e5</a:t>
+              </a:r>
+            </a:p>
+          </p:txBody>
+        </p:sp>
+        <p:grpSp>
+          <p:nvGrpSpPr>
+            <p:cNvPr id="240" name="Group 239">
+              <a:extLst>
+                <a:ext uri="{FF2B5EF4-FFF2-40B4-BE49-F238E27FC236}">
+                  <a16:creationId xmlns:a16="http://schemas.microsoft.com/office/drawing/2014/main" xmlns="" id="{8F0C45D5-CED7-9842-895B-9E4BB3B9B9AB}"/>
+                </a:ext>
+              </a:extLst>
+            </p:cNvPr>
+            <p:cNvGrpSpPr/>
+            <p:nvPr/>
+          </p:nvGrpSpPr>
+          <p:grpSpPr>
+            <a:xfrm>
+              <a:off x="7465589" y="1869253"/>
+              <a:ext cx="363601" cy="394531"/>
+              <a:chOff x="2658477" y="4455131"/>
+              <a:chExt cx="363601" cy="394531"/>
+            </a:xfrm>
+            <a:solidFill>
+              <a:schemeClr val="accent3"/>
+            </a:solidFill>
+          </p:grpSpPr>
+          <p:sp>
+            <p:nvSpPr>
+              <p:cNvPr id="241" name="Rectangle 240">
+                <a:extLst>
+                  <a:ext uri="{FF2B5EF4-FFF2-40B4-BE49-F238E27FC236}">
+                    <a16:creationId xmlns:a16="http://schemas.microsoft.com/office/drawing/2014/main" xmlns="" id="{6CAB01E6-24D3-D341-A402-BACF71A28EE5}"/>
+                  </a:ext>
+                </a:extLst>
+              </p:cNvPr>
+              <p:cNvSpPr/>
+              <p:nvPr/>
+            </p:nvSpPr>
+            <p:spPr>
+              <a:xfrm>
+                <a:off x="2658477" y="4455131"/>
+                <a:ext cx="363601" cy="394531"/>
+              </a:xfrm>
+              <a:prstGeom prst="rect">
+                <a:avLst/>
+              </a:prstGeom>
+              <a:grpFill/>
+              <a:ln w="25400">
+                <a:solidFill>
+                  <a:schemeClr val="tx1"/>
+                </a:solidFill>
+              </a:ln>
+            </p:spPr>
+            <p:style>
+              <a:lnRef idx="2">
+                <a:schemeClr val="accent1">
+                  <a:shade val="50000"/>
+                </a:schemeClr>
+              </a:lnRef>
+              <a:fillRef idx="1">
+                <a:schemeClr val="accent1"/>
+              </a:fillRef>
+              <a:effectRef idx="0">
+                <a:schemeClr val="accent1"/>
+              </a:effectRef>
+              <a:fontRef idx="minor">
+                <a:schemeClr val="lt1"/>
+              </a:fontRef>
+            </p:style>
+            <p:txBody>
+              <a:bodyPr rot="0" spcFirstLastPara="0" vertOverflow="overflow" horzOverflow="overflow" vert="horz" wrap="square" lIns="56757" tIns="28378" rIns="56757" bIns="28378" numCol="1" spcCol="0" rtlCol="0" fromWordArt="0" anchor="ctr" anchorCtr="0" forceAA="0" compatLnSpc="1">
+                <a:prstTxWarp prst="textNoShape">
+                  <a:avLst/>
+                </a:prstTxWarp>
+                <a:noAutofit/>
+              </a:bodyPr>
+              <a:lstStyle/>
+              <a:p>
+                <a:pPr algn="ctr"/>
+                <a:endParaRPr lang="en-US" sz="1200">
+                  <a:latin typeface="+mj-lt"/>
+                  <a:cs typeface="Times New Roman" panose="02020603050405020304" pitchFamily="18" charset="0"/>
+                </a:endParaRPr>
+              </a:p>
+            </p:txBody>
+          </p:sp>
+          <p:sp>
+            <p:nvSpPr>
+              <p:cNvPr id="242" name="TextBox 241">
+                <a:extLst>
+                  <a:ext uri="{FF2B5EF4-FFF2-40B4-BE49-F238E27FC236}">
+                    <a16:creationId xmlns:a16="http://schemas.microsoft.com/office/drawing/2014/main" xmlns="" id="{0BE9CC11-D668-244E-84E9-636CF2A2DA02}"/>
+                  </a:ext>
+                </a:extLst>
+              </p:cNvPr>
+              <p:cNvSpPr txBox="1"/>
+              <p:nvPr/>
+            </p:nvSpPr>
+            <p:spPr>
+              <a:xfrm>
+                <a:off x="2675413" y="4498507"/>
+                <a:ext cx="336952" cy="276999"/>
+              </a:xfrm>
+              <a:prstGeom prst="rect">
+                <a:avLst/>
+              </a:prstGeom>
+              <a:noFill/>
+            </p:spPr>
+            <p:txBody>
+              <a:bodyPr wrap="none" rtlCol="0">
+                <a:spAutoFit/>
+              </a:bodyPr>
+              <a:lstStyle/>
+              <a:p>
+                <a:r>
+                  <a:rPr lang="en-US" sz="1200" dirty="0">
+                    <a:latin typeface="+mj-lt"/>
+                    <a:cs typeface="Times New Roman" panose="02020603050405020304" pitchFamily="18" charset="0"/>
+                  </a:rPr>
+                  <a:t>a2</a:t>
+                </a:r>
+              </a:p>
+            </p:txBody>
+          </p:sp>
+        </p:grpSp>
+        <p:grpSp>
+          <p:nvGrpSpPr>
+            <p:cNvPr id="243" name="Group 242">
+              <a:extLst>
+                <a:ext uri="{FF2B5EF4-FFF2-40B4-BE49-F238E27FC236}">
+                  <a16:creationId xmlns:a16="http://schemas.microsoft.com/office/drawing/2014/main" xmlns="" id="{AC1857EF-6465-B243-A0EC-C86F9D2A3E8A}"/>
+                </a:ext>
+              </a:extLst>
+            </p:cNvPr>
+            <p:cNvGrpSpPr/>
+            <p:nvPr/>
+          </p:nvGrpSpPr>
+          <p:grpSpPr>
+            <a:xfrm>
+              <a:off x="7476006" y="2774389"/>
+              <a:ext cx="363601" cy="394531"/>
+              <a:chOff x="2658477" y="4455131"/>
+              <a:chExt cx="363601" cy="394531"/>
+            </a:xfrm>
+          </p:grpSpPr>
+          <p:sp>
+            <p:nvSpPr>
+              <p:cNvPr id="244" name="Rectangle 243">
+                <a:extLst>
+                  <a:ext uri="{FF2B5EF4-FFF2-40B4-BE49-F238E27FC236}">
+                    <a16:creationId xmlns:a16="http://schemas.microsoft.com/office/drawing/2014/main" xmlns="" id="{CFEE2760-3CFA-484C-85E3-A23FF263D388}"/>
+                  </a:ext>
+                </a:extLst>
+              </p:cNvPr>
+              <p:cNvSpPr/>
+              <p:nvPr/>
+            </p:nvSpPr>
+            <p:spPr>
+              <a:xfrm>
+                <a:off x="2658477" y="4455131"/>
+                <a:ext cx="363601" cy="394531"/>
+              </a:xfrm>
+              <a:prstGeom prst="rect">
+                <a:avLst/>
+              </a:prstGeom>
+              <a:noFill/>
+              <a:ln w="25400">
+                <a:solidFill>
+                  <a:schemeClr val="tx1"/>
+                </a:solidFill>
+              </a:ln>
+            </p:spPr>
+            <p:style>
+              <a:lnRef idx="2">
+                <a:schemeClr val="accent1">
+                  <a:shade val="50000"/>
+                </a:schemeClr>
+              </a:lnRef>
+              <a:fillRef idx="1">
+                <a:schemeClr val="accent1"/>
+              </a:fillRef>
+              <a:effectRef idx="0">
+                <a:schemeClr val="accent1"/>
+              </a:effectRef>
+              <a:fontRef idx="minor">
+                <a:schemeClr val="lt1"/>
+              </a:fontRef>
+            </p:style>
+            <p:txBody>
+              <a:bodyPr rot="0" spcFirstLastPara="0" vertOverflow="overflow" horzOverflow="overflow" vert="horz" wrap="square" lIns="56757" tIns="28378" rIns="56757" bIns="28378" numCol="1" spcCol="0" rtlCol="0" fromWordArt="0" anchor="ctr" anchorCtr="0" forceAA="0" compatLnSpc="1">
+                <a:prstTxWarp prst="textNoShape">
+                  <a:avLst/>
+                </a:prstTxWarp>
+                <a:noAutofit/>
+              </a:bodyPr>
+              <a:lstStyle/>
+              <a:p>
+                <a:pPr algn="ctr"/>
+                <a:endParaRPr lang="en-US" sz="1200">
+                  <a:latin typeface="+mj-lt"/>
+                  <a:cs typeface="Times New Roman" panose="02020603050405020304" pitchFamily="18" charset="0"/>
+                </a:endParaRPr>
+              </a:p>
+            </p:txBody>
+          </p:sp>
+          <p:sp>
+            <p:nvSpPr>
+              <p:cNvPr id="245" name="TextBox 244">
+                <a:extLst>
+                  <a:ext uri="{FF2B5EF4-FFF2-40B4-BE49-F238E27FC236}">
+                    <a16:creationId xmlns:a16="http://schemas.microsoft.com/office/drawing/2014/main" xmlns="" id="{FB7E0D16-6D77-1147-93FF-2BA9ADCC89B9}"/>
+                  </a:ext>
+                </a:extLst>
+              </p:cNvPr>
+              <p:cNvSpPr txBox="1"/>
+              <p:nvPr/>
+            </p:nvSpPr>
+            <p:spPr>
+              <a:xfrm>
+                <a:off x="2674709" y="4491294"/>
+                <a:ext cx="336952" cy="276999"/>
+              </a:xfrm>
+              <a:prstGeom prst="rect">
+                <a:avLst/>
+              </a:prstGeom>
+              <a:noFill/>
+            </p:spPr>
+            <p:txBody>
+              <a:bodyPr wrap="none" rtlCol="0">
+                <a:spAutoFit/>
+              </a:bodyPr>
+              <a:lstStyle/>
+              <a:p>
+                <a:r>
+                  <a:rPr lang="en-US" sz="1200" dirty="0">
+                    <a:latin typeface="+mj-lt"/>
+                    <a:cs typeface="Times New Roman" panose="02020603050405020304" pitchFamily="18" charset="0"/>
+                  </a:rPr>
+                  <a:t>a4</a:t>
+                </a:r>
+              </a:p>
+            </p:txBody>
+          </p:sp>
+        </p:grpSp>
+        <p:cxnSp>
+          <p:nvCxnSpPr>
+            <p:cNvPr id="246" name="Straight Arrow Connector 245">
+              <a:extLst>
+                <a:ext uri="{FF2B5EF4-FFF2-40B4-BE49-F238E27FC236}">
+                  <a16:creationId xmlns:a16="http://schemas.microsoft.com/office/drawing/2014/main" xmlns="" id="{91307118-EC67-CD49-972A-BF99A397D859}"/>
+                </a:ext>
+              </a:extLst>
+            </p:cNvPr>
+            <p:cNvCxnSpPr>
+              <a:stCxn id="236" idx="2"/>
+              <a:endCxn id="231" idx="3"/>
+            </p:cNvCxnSpPr>
+            <p:nvPr/>
+          </p:nvCxnSpPr>
+          <p:spPr>
+            <a:xfrm flipH="1">
+              <a:off x="6055201" y="2100465"/>
+              <a:ext cx="521996" cy="1"/>
+            </a:xfrm>
+            <a:prstGeom prst="straightConnector1">
+              <a:avLst/>
+            </a:prstGeom>
+            <a:ln w="25400">
+              <a:solidFill>
+                <a:schemeClr val="tx1"/>
+              </a:solidFill>
+              <a:tailEnd type="triangle"/>
+            </a:ln>
+          </p:spPr>
+          <p:style>
+            <a:lnRef idx="1">
+              <a:schemeClr val="accent1"/>
+            </a:lnRef>
+            <a:fillRef idx="0">
+              <a:schemeClr val="accent1"/>
+            </a:fillRef>
+            <a:effectRef idx="0">
+              <a:schemeClr val="accent1"/>
+            </a:effectRef>
+            <a:fontRef idx="minor">
+              <a:schemeClr val="tx1"/>
+            </a:fontRef>
+          </p:style>
+        </p:cxnSp>
+        <p:cxnSp>
+          <p:nvCxnSpPr>
+            <p:cNvPr id="247" name="Straight Arrow Connector 246">
+              <a:extLst>
+                <a:ext uri="{FF2B5EF4-FFF2-40B4-BE49-F238E27FC236}">
+                  <a16:creationId xmlns:a16="http://schemas.microsoft.com/office/drawing/2014/main" xmlns="" id="{A839CB51-131E-8547-A455-AA0DF99ABF7A}"/>
+                </a:ext>
+              </a:extLst>
+            </p:cNvPr>
+            <p:cNvCxnSpPr>
+              <a:stCxn id="238" idx="2"/>
+              <a:endCxn id="235" idx="3"/>
+            </p:cNvCxnSpPr>
+            <p:nvPr/>
+          </p:nvCxnSpPr>
+          <p:spPr>
+            <a:xfrm flipH="1" flipV="1">
+              <a:off x="6060334" y="2956701"/>
+              <a:ext cx="516866" cy="16987"/>
+            </a:xfrm>
+            <a:prstGeom prst="straightConnector1">
+              <a:avLst/>
+            </a:prstGeom>
+            <a:ln w="25400">
+              <a:solidFill>
+                <a:schemeClr val="tx1"/>
+              </a:solidFill>
+              <a:tailEnd type="triangle"/>
+            </a:ln>
+          </p:spPr>
+          <p:style>
+            <a:lnRef idx="1">
+              <a:schemeClr val="accent1"/>
+            </a:lnRef>
+            <a:fillRef idx="0">
+              <a:schemeClr val="accent1"/>
+            </a:fillRef>
+            <a:effectRef idx="0">
+              <a:schemeClr val="accent1"/>
+            </a:effectRef>
+            <a:fontRef idx="minor">
+              <a:schemeClr val="tx1"/>
+            </a:fontRef>
+          </p:style>
+        </p:cxnSp>
+        <p:cxnSp>
+          <p:nvCxnSpPr>
+            <p:cNvPr id="248" name="Straight Arrow Connector 247">
+              <a:extLst>
+                <a:ext uri="{FF2B5EF4-FFF2-40B4-BE49-F238E27FC236}">
+                  <a16:creationId xmlns:a16="http://schemas.microsoft.com/office/drawing/2014/main" xmlns="" id="{0BB05C48-B46A-CF43-A0C2-4337A7F454B5}"/>
+                </a:ext>
+              </a:extLst>
+            </p:cNvPr>
+            <p:cNvCxnSpPr>
+              <a:cxnSpLocks/>
+              <a:stCxn id="241" idx="1"/>
+              <a:endCxn id="237" idx="3"/>
+            </p:cNvCxnSpPr>
+            <p:nvPr/>
+          </p:nvCxnSpPr>
+          <p:spPr>
+            <a:xfrm flipH="1">
+              <a:off x="6966891" y="2066519"/>
+              <a:ext cx="498698" cy="3723"/>
+            </a:xfrm>
+            <a:prstGeom prst="straightConnector1">
+              <a:avLst/>
+            </a:prstGeom>
+            <a:ln w="25400">
+              <a:solidFill>
+                <a:schemeClr val="tx1"/>
+              </a:solidFill>
+              <a:tailEnd type="triangle"/>
+            </a:ln>
+          </p:spPr>
+          <p:style>
+            <a:lnRef idx="1">
+              <a:schemeClr val="accent1"/>
+            </a:lnRef>
+            <a:fillRef idx="0">
+              <a:schemeClr val="accent1"/>
+            </a:fillRef>
+            <a:effectRef idx="0">
+              <a:schemeClr val="accent1"/>
+            </a:effectRef>
+            <a:fontRef idx="minor">
+              <a:schemeClr val="tx1"/>
+            </a:fontRef>
+          </p:style>
+        </p:cxnSp>
+        <p:cxnSp>
+          <p:nvCxnSpPr>
+            <p:cNvPr id="249" name="Straight Arrow Connector 248">
+              <a:extLst>
+                <a:ext uri="{FF2B5EF4-FFF2-40B4-BE49-F238E27FC236}">
+                  <a16:creationId xmlns:a16="http://schemas.microsoft.com/office/drawing/2014/main" xmlns="" id="{28ECDE7B-AFCD-BF43-B59D-1DF74C5F2BF8}"/>
+                </a:ext>
+              </a:extLst>
+            </p:cNvPr>
+            <p:cNvCxnSpPr>
+              <a:stCxn id="244" idx="1"/>
+              <a:endCxn id="238" idx="6"/>
+            </p:cNvCxnSpPr>
+            <p:nvPr/>
+          </p:nvCxnSpPr>
+          <p:spPr>
+            <a:xfrm flipH="1">
+              <a:off x="6971731" y="2971655"/>
+              <a:ext cx="504275" cy="2033"/>
+            </a:xfrm>
+            <a:prstGeom prst="straightConnector1">
+              <a:avLst/>
+            </a:prstGeom>
+            <a:ln w="25400">
+              <a:solidFill>
+                <a:schemeClr val="tx1"/>
+              </a:solidFill>
+              <a:tailEnd type="triangle"/>
+            </a:ln>
+          </p:spPr>
+          <p:style>
+            <a:lnRef idx="1">
+              <a:schemeClr val="accent1"/>
+            </a:lnRef>
+            <a:fillRef idx="0">
+              <a:schemeClr val="accent1"/>
+            </a:fillRef>
+            <a:effectRef idx="0">
+              <a:schemeClr val="accent1"/>
+            </a:effectRef>
+            <a:fontRef idx="minor">
+              <a:schemeClr val="tx1"/>
+            </a:fontRef>
+          </p:style>
+        </p:cxnSp>
+        <p:sp>
+          <p:nvSpPr>
+            <p:cNvPr id="250" name="TextBox 249">
+              <a:extLst>
+                <a:ext uri="{FF2B5EF4-FFF2-40B4-BE49-F238E27FC236}">
+                  <a16:creationId xmlns:a16="http://schemas.microsoft.com/office/drawing/2014/main" xmlns="" id="{5A8E7D6E-2F1B-424F-95F0-AE02C3C577D6}"/>
+                </a:ext>
+              </a:extLst>
+            </p:cNvPr>
+            <p:cNvSpPr txBox="1"/>
+            <p:nvPr/>
+          </p:nvSpPr>
+          <p:spPr>
+            <a:xfrm>
+              <a:off x="6998391" y="2719740"/>
+              <a:ext cx="479618" cy="276999"/>
+            </a:xfrm>
+            <a:prstGeom prst="rect">
+              <a:avLst/>
+            </a:prstGeom>
+            <a:noFill/>
+          </p:spPr>
+          <p:txBody>
+            <a:bodyPr wrap="none" rtlCol="0">
+              <a:spAutoFit/>
+            </a:bodyPr>
+            <a:lstStyle/>
+            <a:p>
+              <a:r>
+                <a:rPr lang="en-US" sz="1200" dirty="0">
+                  <a:latin typeface="+mj-lt"/>
+                  <a:cs typeface="Times New Roman" panose="02020603050405020304" pitchFamily="18" charset="0"/>
+                </a:rPr>
+                <a:t>used</a:t>
+              </a:r>
+            </a:p>
+          </p:txBody>
+        </p:sp>
+        <p:sp>
+          <p:nvSpPr>
+            <p:cNvPr id="251" name="TextBox 250">
+              <a:extLst>
+                <a:ext uri="{FF2B5EF4-FFF2-40B4-BE49-F238E27FC236}">
+                  <a16:creationId xmlns:a16="http://schemas.microsoft.com/office/drawing/2014/main" xmlns="" id="{D5D20565-72CC-0C48-BE57-5B2F33FB9C19}"/>
+                </a:ext>
+              </a:extLst>
+            </p:cNvPr>
+            <p:cNvSpPr txBox="1"/>
+            <p:nvPr/>
+          </p:nvSpPr>
+          <p:spPr>
+            <a:xfrm>
+              <a:off x="6091414" y="2694386"/>
+              <a:ext cx="510333" cy="276999"/>
+            </a:xfrm>
+            <a:prstGeom prst="rect">
+              <a:avLst/>
+            </a:prstGeom>
+            <a:noFill/>
+          </p:spPr>
+          <p:txBody>
+            <a:bodyPr wrap="none" rtlCol="0">
+              <a:spAutoFit/>
+            </a:bodyPr>
+            <a:lstStyle/>
+            <a:p>
+              <a:r>
+                <a:rPr lang="en-US" sz="1200" dirty="0" err="1">
+                  <a:latin typeface="+mj-lt"/>
+                  <a:cs typeface="Times New Roman" panose="02020603050405020304" pitchFamily="18" charset="0"/>
+                </a:rPr>
+                <a:t>wgBy</a:t>
+              </a:r>
+              <a:endParaRPr lang="en-US" sz="1200" dirty="0">
+                <a:latin typeface="+mj-lt"/>
+                <a:cs typeface="Times New Roman" panose="02020603050405020304" pitchFamily="18" charset="0"/>
+              </a:endParaRPr>
+            </a:p>
+          </p:txBody>
+        </p:sp>
+        <p:cxnSp>
+          <p:nvCxnSpPr>
+            <p:cNvPr id="252" name="Straight Arrow Connector 251">
+              <a:extLst>
+                <a:ext uri="{FF2B5EF4-FFF2-40B4-BE49-F238E27FC236}">
+                  <a16:creationId xmlns:a16="http://schemas.microsoft.com/office/drawing/2014/main" xmlns="" id="{975B4252-EA73-7147-A88B-5A8FC3413055}"/>
+                </a:ext>
+              </a:extLst>
+            </p:cNvPr>
+            <p:cNvCxnSpPr>
+              <a:stCxn id="241" idx="1"/>
+              <a:endCxn id="238" idx="6"/>
+            </p:cNvCxnSpPr>
+            <p:nvPr/>
+          </p:nvCxnSpPr>
+          <p:spPr>
+            <a:xfrm flipH="1">
+              <a:off x="6971731" y="2066519"/>
+              <a:ext cx="493858" cy="907169"/>
+            </a:xfrm>
+            <a:prstGeom prst="straightConnector1">
+              <a:avLst/>
+            </a:prstGeom>
+            <a:ln w="25400">
+              <a:solidFill>
+                <a:schemeClr val="tx1"/>
+              </a:solidFill>
+              <a:tailEnd type="triangle"/>
+            </a:ln>
+          </p:spPr>
+          <p:style>
+            <a:lnRef idx="1">
+              <a:schemeClr val="accent1"/>
+            </a:lnRef>
+            <a:fillRef idx="0">
+              <a:schemeClr val="accent1"/>
+            </a:fillRef>
+            <a:effectRef idx="0">
+              <a:schemeClr val="accent1"/>
+            </a:effectRef>
+            <a:fontRef idx="minor">
+              <a:schemeClr val="tx1"/>
+            </a:fontRef>
+          </p:style>
+        </p:cxnSp>
+        <p:sp>
+          <p:nvSpPr>
+            <p:cNvPr id="306" name="TextBox 305">
+              <a:extLst>
+                <a:ext uri="{FF2B5EF4-FFF2-40B4-BE49-F238E27FC236}">
+                  <a16:creationId xmlns:a16="http://schemas.microsoft.com/office/drawing/2014/main" xmlns="" id="{4E336106-A539-AA4B-B354-41D0146BC8E2}"/>
+                </a:ext>
+              </a:extLst>
+            </p:cNvPr>
+            <p:cNvSpPr txBox="1"/>
+            <p:nvPr/>
+          </p:nvSpPr>
+          <p:spPr>
+            <a:xfrm>
+              <a:off x="6064447" y="1855583"/>
+              <a:ext cx="510333" cy="276999"/>
+            </a:xfrm>
+            <a:prstGeom prst="rect">
+              <a:avLst/>
+            </a:prstGeom>
+            <a:noFill/>
+          </p:spPr>
+          <p:txBody>
+            <a:bodyPr wrap="none" rtlCol="0">
+              <a:spAutoFit/>
+            </a:bodyPr>
+            <a:lstStyle/>
+            <a:p>
+              <a:r>
+                <a:rPr lang="en-US" sz="1200" dirty="0" err="1">
+                  <a:latin typeface="+mj-lt"/>
+                  <a:cs typeface="Times New Roman" panose="02020603050405020304" pitchFamily="18" charset="0"/>
+                </a:rPr>
+                <a:t>wgBy</a:t>
+              </a:r>
+              <a:endParaRPr lang="en-US" sz="1200" dirty="0">
+                <a:latin typeface="+mj-lt"/>
+                <a:cs typeface="Times New Roman" panose="02020603050405020304" pitchFamily="18" charset="0"/>
+              </a:endParaRPr>
+            </a:p>
+          </p:txBody>
+        </p:sp>
+        <p:sp>
+          <p:nvSpPr>
+            <p:cNvPr id="312" name="TextBox 311">
+              <a:extLst>
+                <a:ext uri="{FF2B5EF4-FFF2-40B4-BE49-F238E27FC236}">
+                  <a16:creationId xmlns:a16="http://schemas.microsoft.com/office/drawing/2014/main" xmlns="" id="{6B7A9A05-41BD-9A46-B970-69A33E46A6DA}"/>
+                </a:ext>
+              </a:extLst>
+            </p:cNvPr>
+            <p:cNvSpPr txBox="1"/>
+            <p:nvPr/>
+          </p:nvSpPr>
+          <p:spPr>
+            <a:xfrm>
+              <a:off x="6774465" y="2368217"/>
+              <a:ext cx="482824" cy="276999"/>
+            </a:xfrm>
+            <a:prstGeom prst="rect">
+              <a:avLst/>
+            </a:prstGeom>
+            <a:noFill/>
+          </p:spPr>
+          <p:txBody>
+            <a:bodyPr wrap="none" rtlCol="0">
+              <a:spAutoFit/>
+            </a:bodyPr>
+            <a:lstStyle/>
+            <a:p>
+              <a:r>
+                <a:rPr lang="en-US" sz="1200" dirty="0">
+                  <a:latin typeface="+mj-lt"/>
+                  <a:cs typeface="Times New Roman" panose="02020603050405020304" pitchFamily="18" charset="0"/>
+                </a:rPr>
+                <a:t>used</a:t>
+              </a:r>
+            </a:p>
+          </p:txBody>
+        </p:sp>
+      </p:grpSp>
       <p:sp>
         <p:nvSpPr>
           <p:cNvPr id="313" name="TextBox 312">
             <a:extLst>
               <a:ext uri="{FF2B5EF4-FFF2-40B4-BE49-F238E27FC236}">
-                <a16:creationId xmlns:a16="http://schemas.microsoft.com/office/drawing/2014/main" id="{15D456A5-1FAB-F94D-9DAE-286998A08CD2}"/>
+                <a16:creationId xmlns:a16="http://schemas.microsoft.com/office/drawing/2014/main" xmlns="" id="{15D456A5-1FAB-F94D-9DAE-286998A08CD2}"/>
               </a:ext>
             </a:extLst>
           </p:cNvPr>
@@ -8700,7 +8744,7 @@
           <p:cNvPr id="314" name="Rectangle 313">
             <a:extLst>
               <a:ext uri="{FF2B5EF4-FFF2-40B4-BE49-F238E27FC236}">
-                <a16:creationId xmlns:a16="http://schemas.microsoft.com/office/drawing/2014/main" id="{D8BB6764-5421-1540-8D25-A4FB660FA2EB}"/>
+                <a16:creationId xmlns:a16="http://schemas.microsoft.com/office/drawing/2014/main" xmlns="" id="{D8BB6764-5421-1540-8D25-A4FB660FA2EB}"/>
               </a:ext>
             </a:extLst>
           </p:cNvPr>
@@ -8741,7 +8785,7 @@
           <p:cNvPr id="315" name="Rectangle 314">
             <a:extLst>
               <a:ext uri="{FF2B5EF4-FFF2-40B4-BE49-F238E27FC236}">
-                <a16:creationId xmlns:a16="http://schemas.microsoft.com/office/drawing/2014/main" id="{F991FCD7-2A7B-7840-839B-8BBCF6BBEDC9}"/>
+                <a16:creationId xmlns:a16="http://schemas.microsoft.com/office/drawing/2014/main" xmlns="" id="{F991FCD7-2A7B-7840-839B-8BBCF6BBEDC9}"/>
               </a:ext>
             </a:extLst>
           </p:cNvPr>
@@ -8782,7 +8826,7 @@
           <p:cNvPr id="316" name="Group 315">
             <a:extLst>
               <a:ext uri="{FF2B5EF4-FFF2-40B4-BE49-F238E27FC236}">
-                <a16:creationId xmlns:a16="http://schemas.microsoft.com/office/drawing/2014/main" id="{42AE83FD-89E9-7F40-9934-53D8D0D5CCB1}"/>
+                <a16:creationId xmlns:a16="http://schemas.microsoft.com/office/drawing/2014/main" xmlns="" id="{42AE83FD-89E9-7F40-9934-53D8D0D5CCB1}"/>
               </a:ext>
             </a:extLst>
           </p:cNvPr>
@@ -8805,7 +8849,7 @@
             <p:cNvPr id="317" name="Rectangle 316">
               <a:extLst>
                 <a:ext uri="{FF2B5EF4-FFF2-40B4-BE49-F238E27FC236}">
-                  <a16:creationId xmlns:a16="http://schemas.microsoft.com/office/drawing/2014/main" id="{2EE5CF12-341F-804D-A4DE-213FEEA2147E}"/>
+                  <a16:creationId xmlns:a16="http://schemas.microsoft.com/office/drawing/2014/main" xmlns="" id="{2EE5CF12-341F-804D-A4DE-213FEEA2147E}"/>
                 </a:ext>
               </a:extLst>
             </p:cNvPr>
@@ -8867,7 +8911,7 @@
             <p:cNvPr id="318" name="TextBox 317">
               <a:extLst>
                 <a:ext uri="{FF2B5EF4-FFF2-40B4-BE49-F238E27FC236}">
-                  <a16:creationId xmlns:a16="http://schemas.microsoft.com/office/drawing/2014/main" id="{F0AB6027-4807-8F4A-902C-5F453D62BBA4}"/>
+                  <a16:creationId xmlns:a16="http://schemas.microsoft.com/office/drawing/2014/main" xmlns="" id="{F0AB6027-4807-8F4A-902C-5F453D62BBA4}"/>
                 </a:ext>
               </a:extLst>
             </p:cNvPr>
@@ -8906,7 +8950,7 @@
           <p:cNvPr id="319" name="Group 318">
             <a:extLst>
               <a:ext uri="{FF2B5EF4-FFF2-40B4-BE49-F238E27FC236}">
-                <a16:creationId xmlns:a16="http://schemas.microsoft.com/office/drawing/2014/main" id="{AEDCBB5D-DBB4-8041-8A7A-EBDF82A5BD81}"/>
+                <a16:creationId xmlns:a16="http://schemas.microsoft.com/office/drawing/2014/main" xmlns="" id="{AEDCBB5D-DBB4-8041-8A7A-EBDF82A5BD81}"/>
               </a:ext>
             </a:extLst>
           </p:cNvPr>
@@ -8929,7 +8973,7 @@
             <p:cNvPr id="320" name="Rectangle 319">
               <a:extLst>
                 <a:ext uri="{FF2B5EF4-FFF2-40B4-BE49-F238E27FC236}">
-                  <a16:creationId xmlns:a16="http://schemas.microsoft.com/office/drawing/2014/main" id="{B11E9DC8-2571-1F4B-8069-68ECD13E1C1A}"/>
+                  <a16:creationId xmlns:a16="http://schemas.microsoft.com/office/drawing/2014/main" xmlns="" id="{B11E9DC8-2571-1F4B-8069-68ECD13E1C1A}"/>
                 </a:ext>
               </a:extLst>
             </p:cNvPr>
@@ -8991,7 +9035,7 @@
             <p:cNvPr id="321" name="TextBox 320">
               <a:extLst>
                 <a:ext uri="{FF2B5EF4-FFF2-40B4-BE49-F238E27FC236}">
-                  <a16:creationId xmlns:a16="http://schemas.microsoft.com/office/drawing/2014/main" id="{5A5C7F50-BF7E-524D-B570-7E67D3F0481C}"/>
+                  <a16:creationId xmlns:a16="http://schemas.microsoft.com/office/drawing/2014/main" xmlns="" id="{5A5C7F50-BF7E-524D-B570-7E67D3F0481C}"/>
                 </a:ext>
               </a:extLst>
             </p:cNvPr>
@@ -9030,7 +9074,7 @@
           <p:cNvPr id="324" name="Oval 323">
             <a:extLst>
               <a:ext uri="{FF2B5EF4-FFF2-40B4-BE49-F238E27FC236}">
-                <a16:creationId xmlns:a16="http://schemas.microsoft.com/office/drawing/2014/main" id="{E7F5AB50-56DA-4345-BD85-F154E8A087AD}"/>
+                <a16:creationId xmlns:a16="http://schemas.microsoft.com/office/drawing/2014/main" xmlns="" id="{E7F5AB50-56DA-4345-BD85-F154E8A087AD}"/>
               </a:ext>
             </a:extLst>
           </p:cNvPr>
@@ -9092,7 +9136,7 @@
           <p:cNvPr id="325" name="TextBox 324">
             <a:extLst>
               <a:ext uri="{FF2B5EF4-FFF2-40B4-BE49-F238E27FC236}">
-                <a16:creationId xmlns:a16="http://schemas.microsoft.com/office/drawing/2014/main" id="{E7088E1A-35D3-8045-8B4E-01A26CD9E35B}"/>
+                <a16:creationId xmlns:a16="http://schemas.microsoft.com/office/drawing/2014/main" xmlns="" id="{E7088E1A-35D3-8045-8B4E-01A26CD9E35B}"/>
               </a:ext>
             </a:extLst>
           </p:cNvPr>
@@ -9130,7 +9174,7 @@
           <p:cNvPr id="329" name="Group 328">
             <a:extLst>
               <a:ext uri="{FF2B5EF4-FFF2-40B4-BE49-F238E27FC236}">
-                <a16:creationId xmlns:a16="http://schemas.microsoft.com/office/drawing/2014/main" id="{339B3117-B488-254A-B180-2C049125ADB4}"/>
+                <a16:creationId xmlns:a16="http://schemas.microsoft.com/office/drawing/2014/main" xmlns="" id="{339B3117-B488-254A-B180-2C049125ADB4}"/>
               </a:ext>
             </a:extLst>
           </p:cNvPr>
@@ -9150,7 +9194,7 @@
             <p:cNvPr id="330" name="Rectangle 329">
               <a:extLst>
                 <a:ext uri="{FF2B5EF4-FFF2-40B4-BE49-F238E27FC236}">
-                  <a16:creationId xmlns:a16="http://schemas.microsoft.com/office/drawing/2014/main" id="{2F9B3534-8ECF-F943-8AFE-1286D225FAC4}"/>
+                  <a16:creationId xmlns:a16="http://schemas.microsoft.com/office/drawing/2014/main" xmlns="" id="{2F9B3534-8ECF-F943-8AFE-1286D225FAC4}"/>
                 </a:ext>
               </a:extLst>
             </p:cNvPr>
@@ -9210,7 +9254,7 @@
             <p:cNvPr id="331" name="TextBox 330">
               <a:extLst>
                 <a:ext uri="{FF2B5EF4-FFF2-40B4-BE49-F238E27FC236}">
-                  <a16:creationId xmlns:a16="http://schemas.microsoft.com/office/drawing/2014/main" id="{0D669DE8-585E-F149-81DE-7841488638FC}"/>
+                  <a16:creationId xmlns:a16="http://schemas.microsoft.com/office/drawing/2014/main" xmlns="" id="{0D669DE8-585E-F149-81DE-7841488638FC}"/>
                 </a:ext>
               </a:extLst>
             </p:cNvPr>
@@ -9249,7 +9293,7 @@
           <p:cNvPr id="332" name="Straight Arrow Connector 331">
             <a:extLst>
               <a:ext uri="{FF2B5EF4-FFF2-40B4-BE49-F238E27FC236}">
-                <a16:creationId xmlns:a16="http://schemas.microsoft.com/office/drawing/2014/main" id="{0BA41EB4-245F-304E-AB84-5AAEAC6C1E14}"/>
+                <a16:creationId xmlns:a16="http://schemas.microsoft.com/office/drawing/2014/main" xmlns="" id="{0BA41EB4-245F-304E-AB84-5AAEAC6C1E14}"/>
               </a:ext>
             </a:extLst>
           </p:cNvPr>
@@ -9295,7 +9339,7 @@
           <p:cNvPr id="333" name="Straight Arrow Connector 332">
             <a:extLst>
               <a:ext uri="{FF2B5EF4-FFF2-40B4-BE49-F238E27FC236}">
-                <a16:creationId xmlns:a16="http://schemas.microsoft.com/office/drawing/2014/main" id="{AE1A4CED-20AA-F149-9C64-F8ADF68266DA}"/>
+                <a16:creationId xmlns:a16="http://schemas.microsoft.com/office/drawing/2014/main" xmlns="" id="{AE1A4CED-20AA-F149-9C64-F8ADF68266DA}"/>
               </a:ext>
             </a:extLst>
           </p:cNvPr>
@@ -9341,7 +9385,7 @@
           <p:cNvPr id="335" name="Straight Arrow Connector 334">
             <a:extLst>
               <a:ext uri="{FF2B5EF4-FFF2-40B4-BE49-F238E27FC236}">
-                <a16:creationId xmlns:a16="http://schemas.microsoft.com/office/drawing/2014/main" id="{C2EDEE38-66FF-0F4B-B7E0-7814A038CD82}"/>
+                <a16:creationId xmlns:a16="http://schemas.microsoft.com/office/drawing/2014/main" xmlns="" id="{C2EDEE38-66FF-0F4B-B7E0-7814A038CD82}"/>
               </a:ext>
             </a:extLst>
           </p:cNvPr>
@@ -9387,7 +9431,7 @@
           <p:cNvPr id="336" name="TextBox 335">
             <a:extLst>
               <a:ext uri="{FF2B5EF4-FFF2-40B4-BE49-F238E27FC236}">
-                <a16:creationId xmlns:a16="http://schemas.microsoft.com/office/drawing/2014/main" id="{C4AC0460-2C5C-1D44-92B2-5CA980D584D2}"/>
+                <a16:creationId xmlns:a16="http://schemas.microsoft.com/office/drawing/2014/main" xmlns="" id="{C4AC0460-2C5C-1D44-92B2-5CA980D584D2}"/>
               </a:ext>
             </a:extLst>
           </p:cNvPr>
@@ -9425,7 +9469,7 @@
           <p:cNvPr id="337" name="TextBox 336">
             <a:extLst>
               <a:ext uri="{FF2B5EF4-FFF2-40B4-BE49-F238E27FC236}">
-                <a16:creationId xmlns:a16="http://schemas.microsoft.com/office/drawing/2014/main" id="{5C1EC449-112D-514F-A6E0-C4CE4E64995D}"/>
+                <a16:creationId xmlns:a16="http://schemas.microsoft.com/office/drawing/2014/main" xmlns="" id="{5C1EC449-112D-514F-A6E0-C4CE4E64995D}"/>
               </a:ext>
             </a:extLst>
           </p:cNvPr>
@@ -9467,7 +9511,7 @@
           <p:cNvPr id="339" name="TextBox 338">
             <a:extLst>
               <a:ext uri="{FF2B5EF4-FFF2-40B4-BE49-F238E27FC236}">
-                <a16:creationId xmlns:a16="http://schemas.microsoft.com/office/drawing/2014/main" id="{A31A2AA0-A2F2-9743-ADA0-8F5400AFBCA1}"/>
+                <a16:creationId xmlns:a16="http://schemas.microsoft.com/office/drawing/2014/main" xmlns="" id="{A31A2AA0-A2F2-9743-ADA0-8F5400AFBCA1}"/>
               </a:ext>
             </a:extLst>
           </p:cNvPr>
@@ -9509,7 +9553,7 @@
           <p:cNvPr id="341" name="Right Arrow 340">
             <a:extLst>
               <a:ext uri="{FF2B5EF4-FFF2-40B4-BE49-F238E27FC236}">
-                <a16:creationId xmlns:a16="http://schemas.microsoft.com/office/drawing/2014/main" id="{79D0104D-AE4B-8C4C-9590-E9C28E726A9E}"/>
+                <a16:creationId xmlns:a16="http://schemas.microsoft.com/office/drawing/2014/main" xmlns="" id="{79D0104D-AE4B-8C4C-9590-E9C28E726A9E}"/>
               </a:ext>
             </a:extLst>
           </p:cNvPr>
@@ -9518,7 +9562,7 @@
         </p:nvSpPr>
         <p:spPr>
           <a:xfrm rot="5400000">
-            <a:off x="6547535" y="3281944"/>
+            <a:off x="6547535" y="3371848"/>
             <a:ext cx="434774" cy="435595"/>
           </a:xfrm>
           <a:prstGeom prst="rightArrow">
@@ -9565,7 +9609,7 @@
           <p:cNvPr id="342" name="Rectangle 341">
             <a:extLst>
               <a:ext uri="{FF2B5EF4-FFF2-40B4-BE49-F238E27FC236}">
-                <a16:creationId xmlns:a16="http://schemas.microsoft.com/office/drawing/2014/main" id="{E3611545-72C7-7148-B4BD-B8CC557F731A}"/>
+                <a16:creationId xmlns:a16="http://schemas.microsoft.com/office/drawing/2014/main" xmlns="" id="{E3611545-72C7-7148-B4BD-B8CC557F731A}"/>
               </a:ext>
             </a:extLst>
           </p:cNvPr>
@@ -9606,7 +9650,7 @@
           <p:cNvPr id="347" name="TextBox 346">
             <a:extLst>
               <a:ext uri="{FF2B5EF4-FFF2-40B4-BE49-F238E27FC236}">
-                <a16:creationId xmlns:a16="http://schemas.microsoft.com/office/drawing/2014/main" id="{26EE7691-065F-D649-B0F4-8AEDA5D05ADA}"/>
+                <a16:creationId xmlns:a16="http://schemas.microsoft.com/office/drawing/2014/main" xmlns="" id="{26EE7691-065F-D649-B0F4-8AEDA5D05ADA}"/>
               </a:ext>
             </a:extLst>
           </p:cNvPr>
@@ -9655,7 +9699,7 @@
           <p:cNvPr id="349" name="Right Arrow 348">
             <a:extLst>
               <a:ext uri="{FF2B5EF4-FFF2-40B4-BE49-F238E27FC236}">
-                <a16:creationId xmlns:a16="http://schemas.microsoft.com/office/drawing/2014/main" id="{91F2788C-DAB7-404D-98E8-C7574F5AF4E1}"/>
+                <a16:creationId xmlns:a16="http://schemas.microsoft.com/office/drawing/2014/main" xmlns="" id="{91F2788C-DAB7-404D-98E8-C7574F5AF4E1}"/>
               </a:ext>
             </a:extLst>
           </p:cNvPr>
@@ -9711,7 +9755,7 @@
           <p:cNvPr id="350" name="Rectangle 349">
             <a:extLst>
               <a:ext uri="{FF2B5EF4-FFF2-40B4-BE49-F238E27FC236}">
-                <a16:creationId xmlns:a16="http://schemas.microsoft.com/office/drawing/2014/main" id="{D35C67C9-F2F7-9E4F-A629-83186EB010DC}"/>
+                <a16:creationId xmlns:a16="http://schemas.microsoft.com/office/drawing/2014/main" xmlns="" id="{D35C67C9-F2F7-9E4F-A629-83186EB010DC}"/>
               </a:ext>
             </a:extLst>
           </p:cNvPr>
@@ -9752,7 +9796,7 @@
           <p:cNvPr id="351" name="Rectangle 350">
             <a:extLst>
               <a:ext uri="{FF2B5EF4-FFF2-40B4-BE49-F238E27FC236}">
-                <a16:creationId xmlns:a16="http://schemas.microsoft.com/office/drawing/2014/main" id="{08B4ED21-77FD-FD46-92EE-2E4632D25095}"/>
+                <a16:creationId xmlns:a16="http://schemas.microsoft.com/office/drawing/2014/main" xmlns="" id="{08B4ED21-77FD-FD46-92EE-2E4632D25095}"/>
               </a:ext>
             </a:extLst>
           </p:cNvPr>
@@ -9793,7 +9837,7 @@
           <p:cNvPr id="136" name="Group 135">
             <a:extLst>
               <a:ext uri="{FF2B5EF4-FFF2-40B4-BE49-F238E27FC236}">
-                <a16:creationId xmlns:a16="http://schemas.microsoft.com/office/drawing/2014/main" id="{62890129-9559-D84F-BCE7-D8DA449DE241}"/>
+                <a16:creationId xmlns:a16="http://schemas.microsoft.com/office/drawing/2014/main" xmlns="" id="{62890129-9559-D84F-BCE7-D8DA449DE241}"/>
               </a:ext>
             </a:extLst>
           </p:cNvPr>
@@ -9816,7 +9860,7 @@
             <p:cNvPr id="137" name="Rectangle 136">
               <a:extLst>
                 <a:ext uri="{FF2B5EF4-FFF2-40B4-BE49-F238E27FC236}">
-                  <a16:creationId xmlns:a16="http://schemas.microsoft.com/office/drawing/2014/main" id="{03BF20CE-03D2-5647-A097-DEE179F43F19}"/>
+                  <a16:creationId xmlns:a16="http://schemas.microsoft.com/office/drawing/2014/main" xmlns="" id="{03BF20CE-03D2-5647-A097-DEE179F43F19}"/>
                 </a:ext>
               </a:extLst>
             </p:cNvPr>
@@ -9878,7 +9922,7 @@
             <p:cNvPr id="138" name="TextBox 137">
               <a:extLst>
                 <a:ext uri="{FF2B5EF4-FFF2-40B4-BE49-F238E27FC236}">
-                  <a16:creationId xmlns:a16="http://schemas.microsoft.com/office/drawing/2014/main" id="{D16CDDB8-65E1-2D4F-995A-6863836D33D7}"/>
+                  <a16:creationId xmlns:a16="http://schemas.microsoft.com/office/drawing/2014/main" xmlns="" id="{D16CDDB8-65E1-2D4F-995A-6863836D33D7}"/>
                 </a:ext>
               </a:extLst>
             </p:cNvPr>
@@ -9924,7 +9968,7 @@
           <p:cNvPr id="139" name="Oval 138">
             <a:extLst>
               <a:ext uri="{FF2B5EF4-FFF2-40B4-BE49-F238E27FC236}">
-                <a16:creationId xmlns:a16="http://schemas.microsoft.com/office/drawing/2014/main" id="{1A7B5B51-B0F0-B143-8DD2-D33C479779AA}"/>
+                <a16:creationId xmlns:a16="http://schemas.microsoft.com/office/drawing/2014/main" xmlns="" id="{1A7B5B51-B0F0-B143-8DD2-D33C479779AA}"/>
               </a:ext>
             </a:extLst>
           </p:cNvPr>
@@ -9986,7 +10030,7 @@
           <p:cNvPr id="140" name="TextBox 139">
             <a:extLst>
               <a:ext uri="{FF2B5EF4-FFF2-40B4-BE49-F238E27FC236}">
-                <a16:creationId xmlns:a16="http://schemas.microsoft.com/office/drawing/2014/main" id="{CA1EB11E-7B57-D74C-8503-0658C8F72D72}"/>
+                <a16:creationId xmlns:a16="http://schemas.microsoft.com/office/drawing/2014/main" xmlns="" id="{CA1EB11E-7B57-D74C-8503-0658C8F72D72}"/>
               </a:ext>
             </a:extLst>
           </p:cNvPr>
@@ -10035,7 +10079,7 @@
           <p:cNvPr id="141" name="Group 140">
             <a:extLst>
               <a:ext uri="{FF2B5EF4-FFF2-40B4-BE49-F238E27FC236}">
-                <a16:creationId xmlns:a16="http://schemas.microsoft.com/office/drawing/2014/main" id="{0CFC7F23-2F92-A541-AC99-52E8A43BAE22}"/>
+                <a16:creationId xmlns:a16="http://schemas.microsoft.com/office/drawing/2014/main" xmlns="" id="{0CFC7F23-2F92-A541-AC99-52E8A43BAE22}"/>
               </a:ext>
             </a:extLst>
           </p:cNvPr>
@@ -10055,7 +10099,7 @@
             <p:cNvPr id="142" name="Rectangle 141">
               <a:extLst>
                 <a:ext uri="{FF2B5EF4-FFF2-40B4-BE49-F238E27FC236}">
-                  <a16:creationId xmlns:a16="http://schemas.microsoft.com/office/drawing/2014/main" id="{6C795DB0-E25D-F245-8746-D649EE3FF998}"/>
+                  <a16:creationId xmlns:a16="http://schemas.microsoft.com/office/drawing/2014/main" xmlns="" id="{6C795DB0-E25D-F245-8746-D649EE3FF998}"/>
                 </a:ext>
               </a:extLst>
             </p:cNvPr>
@@ -10115,7 +10159,7 @@
             <p:cNvPr id="143" name="TextBox 142">
               <a:extLst>
                 <a:ext uri="{FF2B5EF4-FFF2-40B4-BE49-F238E27FC236}">
-                  <a16:creationId xmlns:a16="http://schemas.microsoft.com/office/drawing/2014/main" id="{910FC2E8-1100-DE43-898A-C46C0A3B62F4}"/>
+                  <a16:creationId xmlns:a16="http://schemas.microsoft.com/office/drawing/2014/main" xmlns="" id="{910FC2E8-1100-DE43-898A-C46C0A3B62F4}"/>
                 </a:ext>
               </a:extLst>
             </p:cNvPr>
@@ -10154,7 +10198,7 @@
           <p:cNvPr id="145" name="Straight Arrow Connector 144">
             <a:extLst>
               <a:ext uri="{FF2B5EF4-FFF2-40B4-BE49-F238E27FC236}">
-                <a16:creationId xmlns:a16="http://schemas.microsoft.com/office/drawing/2014/main" id="{8AF2E1C7-F214-DE4B-AEDB-391355069945}"/>
+                <a16:creationId xmlns:a16="http://schemas.microsoft.com/office/drawing/2014/main" xmlns="" id="{8AF2E1C7-F214-DE4B-AEDB-391355069945}"/>
               </a:ext>
             </a:extLst>
           </p:cNvPr>
@@ -10199,7 +10243,7 @@
           <p:cNvPr id="146" name="Straight Arrow Connector 145">
             <a:extLst>
               <a:ext uri="{FF2B5EF4-FFF2-40B4-BE49-F238E27FC236}">
-                <a16:creationId xmlns:a16="http://schemas.microsoft.com/office/drawing/2014/main" id="{4DBF69F9-8F6C-4345-B497-FA9DA9CD7ADE}"/>
+                <a16:creationId xmlns:a16="http://schemas.microsoft.com/office/drawing/2014/main" xmlns="" id="{4DBF69F9-8F6C-4345-B497-FA9DA9CD7ADE}"/>
               </a:ext>
             </a:extLst>
           </p:cNvPr>
@@ -10245,7 +10289,7 @@
           <p:cNvPr id="147" name="TextBox 146">
             <a:extLst>
               <a:ext uri="{FF2B5EF4-FFF2-40B4-BE49-F238E27FC236}">
-                <a16:creationId xmlns:a16="http://schemas.microsoft.com/office/drawing/2014/main" id="{2EB92163-5719-BA44-BA25-01A87DB0A28E}"/>
+                <a16:creationId xmlns:a16="http://schemas.microsoft.com/office/drawing/2014/main" xmlns="" id="{2EB92163-5719-BA44-BA25-01A87DB0A28E}"/>
               </a:ext>
             </a:extLst>
           </p:cNvPr>
@@ -10280,59 +10324,10 @@
       </p:sp>
       <p:sp>
         <p:nvSpPr>
-          <p:cNvPr id="150" name="TextBox 149">
-            <a:extLst>
-              <a:ext uri="{FF2B5EF4-FFF2-40B4-BE49-F238E27FC236}">
-                <a16:creationId xmlns:a16="http://schemas.microsoft.com/office/drawing/2014/main" id="{9D944A68-857B-2F47-B3ED-8A31278D205F}"/>
-              </a:ext>
-            </a:extLst>
-          </p:cNvPr>
-          <p:cNvSpPr txBox="1"/>
-          <p:nvPr/>
-        </p:nvSpPr>
-        <p:spPr>
-          <a:xfrm>
-            <a:off x="6611696" y="5460261"/>
-            <a:ext cx="435825" cy="276999"/>
-          </a:xfrm>
-          <a:prstGeom prst="rect">
-            <a:avLst/>
-          </a:prstGeom>
-          <a:noFill/>
-        </p:spPr>
-        <p:txBody>
-          <a:bodyPr wrap="none" rtlCol="0">
-            <a:spAutoFit/>
-          </a:bodyPr>
-          <a:lstStyle/>
-          <a:p>
-            <a:r>
-              <a:rPr lang="en-US" sz="1200" dirty="0" err="1">
-                <a:latin typeface="+mj-lt"/>
-                <a:cs typeface="Times New Roman" panose="02020603050405020304" pitchFamily="18" charset="0"/>
-              </a:rPr>
-              <a:t>e</a:t>
-            </a:r>
-            <a:r>
-              <a:rPr lang="en-US" sz="1200" baseline="-25000" dirty="0" err="1">
-                <a:latin typeface="+mj-lt"/>
-                <a:cs typeface="Times New Roman" panose="02020603050405020304" pitchFamily="18" charset="0"/>
-              </a:rPr>
-              <a:t>new</a:t>
-            </a:r>
-            <a:endParaRPr lang="en-US" sz="1200" baseline="-25000" dirty="0">
-              <a:latin typeface="+mj-lt"/>
-              <a:cs typeface="Times New Roman" panose="02020603050405020304" pitchFamily="18" charset="0"/>
-            </a:endParaRPr>
-          </a:p>
-        </p:txBody>
-      </p:sp>
-      <p:sp>
-        <p:nvSpPr>
           <p:cNvPr id="160" name="TextBox 159">
             <a:extLst>
               <a:ext uri="{FF2B5EF4-FFF2-40B4-BE49-F238E27FC236}">
-                <a16:creationId xmlns:a16="http://schemas.microsoft.com/office/drawing/2014/main" id="{415052D5-937D-D440-A528-CA4F7EF469EB}"/>
+                <a16:creationId xmlns:a16="http://schemas.microsoft.com/office/drawing/2014/main" xmlns="" id="{415052D5-937D-D440-A528-CA4F7EF469EB}"/>
               </a:ext>
             </a:extLst>
           </p:cNvPr>
@@ -10374,7 +10369,7 @@
           <p:cNvPr id="144" name="Rectangle 143">
             <a:extLst>
               <a:ext uri="{FF2B5EF4-FFF2-40B4-BE49-F238E27FC236}">
-                <a16:creationId xmlns:a16="http://schemas.microsoft.com/office/drawing/2014/main" id="{069AEE44-B358-F34E-BAC7-0F34384B61D0}"/>
+                <a16:creationId xmlns:a16="http://schemas.microsoft.com/office/drawing/2014/main" xmlns="" id="{069AEE44-B358-F34E-BAC7-0F34384B61D0}"/>
               </a:ext>
             </a:extLst>
           </p:cNvPr>
@@ -10383,7 +10378,7 @@
         </p:nvSpPr>
         <p:spPr>
           <a:xfrm>
-            <a:off x="8379422" y="2467940"/>
+            <a:off x="8376484" y="2467940"/>
             <a:ext cx="484428" cy="276999"/>
           </a:xfrm>
           <a:prstGeom prst="rect">
@@ -10415,7 +10410,7 @@
           <p:cNvPr id="148" name="Rectangle 147">
             <a:extLst>
               <a:ext uri="{FF2B5EF4-FFF2-40B4-BE49-F238E27FC236}">
-                <a16:creationId xmlns:a16="http://schemas.microsoft.com/office/drawing/2014/main" id="{F684B253-E7BD-664A-B0EA-27D08D0C57D0}"/>
+                <a16:creationId xmlns:a16="http://schemas.microsoft.com/office/drawing/2014/main" xmlns="" id="{F684B253-E7BD-664A-B0EA-27D08D0C57D0}"/>
               </a:ext>
             </a:extLst>
           </p:cNvPr>
@@ -10456,7 +10451,7 @@
           <p:cNvPr id="149" name="Rectangle 148">
             <a:extLst>
               <a:ext uri="{FF2B5EF4-FFF2-40B4-BE49-F238E27FC236}">
-                <a16:creationId xmlns:a16="http://schemas.microsoft.com/office/drawing/2014/main" id="{FCC0234D-4284-DB41-A74E-6901C4CB1152}"/>
+                <a16:creationId xmlns:a16="http://schemas.microsoft.com/office/drawing/2014/main" xmlns="" id="{FCC0234D-4284-DB41-A74E-6901C4CB1152}"/>
               </a:ext>
             </a:extLst>
           </p:cNvPr>
@@ -10548,7 +10543,7 @@
     </a:clrScheme>
     <a:fontScheme name="Office">
       <a:majorFont>
-        <a:latin typeface="Calibri Light" panose="020F0302020204030204"/>
+        <a:latin typeface="Calibri Light"/>
         <a:ea typeface=""/>
         <a:cs typeface=""/>
         <a:font script="Jpan" typeface="游ゴシック Light"/>
@@ -10600,7 +10595,7 @@
         <a:font script="Tfng" typeface="Ebrima"/>
       </a:majorFont>
       <a:minorFont>
-        <a:latin typeface="Calibri" panose="020F0502020204030204"/>
+        <a:latin typeface="Calibri"/>
         <a:ea typeface=""/>
         <a:cs typeface=""/>
         <a:font script="Jpan" typeface="游ゴシック"/>
@@ -10794,7 +10789,7 @@
   <a:extraClrSchemeLst/>
   <a:extLst>
     <a:ext uri="{05A4C25C-085E-4340-85A3-A5531E510DB2}">
-      <thm15:themeFamily xmlns:thm15="http://schemas.microsoft.com/office/thememl/2012/main" name="Office Theme" id="{62F939B6-93AF-4DB8-9C6B-D6C7DFDC589F}" vid="{4A3C46E8-61CC-4603-A589-7422A47A8E4A}"/>
+      <thm15:themeFamily xmlns:thm15="http://schemas.microsoft.com/office/thememl/2012/main" xmlns="" name="Office Theme" id="{62F939B6-93AF-4DB8-9C6B-D6C7DFDC589F}" vid="{4A3C46E8-61CC-4603-A589-7422A47A8E4A}"/>
     </a:ext>
   </a:extLst>
 </a:theme>

--- a/FGCS-2019/reworked-fig9.pptx
+++ b/FGCS-2019/reworked-fig9.pptx
@@ -106,7 +106,18 @@
   </p:defaultTextStyle>
   <p:extLst>
     <p:ext uri="{EFAFB233-063F-42B5-8137-9DF3F51BA10A}">
-      <p15:sldGuideLst xmlns:p15="http://schemas.microsoft.com/office/powerpoint/2012/main" xmlns=""/>
+      <p15:sldGuideLst xmlns:p15="http://schemas.microsoft.com/office/powerpoint/2012/main">
+        <p15:guide id="1" orient="horz" pos="2160">
+          <p15:clr>
+            <a:srgbClr val="A4A3A4"/>
+          </p15:clr>
+        </p15:guide>
+        <p15:guide id="2" pos="3840">
+          <p15:clr>
+            <a:srgbClr val="A4A3A4"/>
+          </p15:clr>
+        </p15:guide>
+      </p15:sldGuideLst>
     </p:ext>
   </p:extLst>
 </p:presentation>
@@ -1035,7 +1046,7 @@
           <p:cNvPr id="2" name="Title 1">
             <a:extLst>
               <a:ext uri="{FF2B5EF4-FFF2-40B4-BE49-F238E27FC236}">
-                <a16:creationId xmlns:a16="http://schemas.microsoft.com/office/drawing/2014/main" xmlns="" id="{965FF277-41B4-F045-BBBC-8ED057E37314}"/>
+                <a16:creationId xmlns:a16="http://schemas.microsoft.com/office/drawing/2014/main" id="{965FF277-41B4-F045-BBBC-8ED057E37314}"/>
               </a:ext>
             </a:extLst>
           </p:cNvPr>
@@ -1072,7 +1083,7 @@
           <p:cNvPr id="3" name="Subtitle 2">
             <a:extLst>
               <a:ext uri="{FF2B5EF4-FFF2-40B4-BE49-F238E27FC236}">
-                <a16:creationId xmlns:a16="http://schemas.microsoft.com/office/drawing/2014/main" xmlns="" id="{24D9B25E-07F2-0442-8EB4-DC9D5598B2C0}"/>
+                <a16:creationId xmlns:a16="http://schemas.microsoft.com/office/drawing/2014/main" id="{24D9B25E-07F2-0442-8EB4-DC9D5598B2C0}"/>
               </a:ext>
             </a:extLst>
           </p:cNvPr>
@@ -1142,7 +1153,7 @@
           <p:cNvPr id="4" name="Date Placeholder 3">
             <a:extLst>
               <a:ext uri="{FF2B5EF4-FFF2-40B4-BE49-F238E27FC236}">
-                <a16:creationId xmlns:a16="http://schemas.microsoft.com/office/drawing/2014/main" xmlns="" id="{0887BAED-74DB-5C4A-B46B-68634B493862}"/>
+                <a16:creationId xmlns:a16="http://schemas.microsoft.com/office/drawing/2014/main" id="{0887BAED-74DB-5C4A-B46B-68634B493862}"/>
               </a:ext>
             </a:extLst>
           </p:cNvPr>
@@ -1160,7 +1171,7 @@
           <a:p>
             <a:fld id="{2DE544F1-4EB3-B943-BAC8-4587CDEC2BDB}" type="datetimeFigureOut">
               <a:rPr lang="en-US" smtClean="0"/>
-              <a:t>01/10/19</a:t>
+              <a:t>10/16/19</a:t>
             </a:fld>
             <a:endParaRPr lang="en-US"/>
           </a:p>
@@ -1171,7 +1182,7 @@
           <p:cNvPr id="5" name="Footer Placeholder 4">
             <a:extLst>
               <a:ext uri="{FF2B5EF4-FFF2-40B4-BE49-F238E27FC236}">
-                <a16:creationId xmlns:a16="http://schemas.microsoft.com/office/drawing/2014/main" xmlns="" id="{B3694175-10E4-B646-B89A-AF840CE3A96B}"/>
+                <a16:creationId xmlns:a16="http://schemas.microsoft.com/office/drawing/2014/main" id="{B3694175-10E4-B646-B89A-AF840CE3A96B}"/>
               </a:ext>
             </a:extLst>
           </p:cNvPr>
@@ -1196,7 +1207,7 @@
           <p:cNvPr id="6" name="Slide Number Placeholder 5">
             <a:extLst>
               <a:ext uri="{FF2B5EF4-FFF2-40B4-BE49-F238E27FC236}">
-                <a16:creationId xmlns:a16="http://schemas.microsoft.com/office/drawing/2014/main" xmlns="" id="{A90B5999-24E5-9943-AFD3-C484292C9E75}"/>
+                <a16:creationId xmlns:a16="http://schemas.microsoft.com/office/drawing/2014/main" id="{A90B5999-24E5-9943-AFD3-C484292C9E75}"/>
               </a:ext>
             </a:extLst>
           </p:cNvPr>
@@ -1255,7 +1266,7 @@
           <p:cNvPr id="2" name="Title 1">
             <a:extLst>
               <a:ext uri="{FF2B5EF4-FFF2-40B4-BE49-F238E27FC236}">
-                <a16:creationId xmlns:a16="http://schemas.microsoft.com/office/drawing/2014/main" xmlns="" id="{564E0741-759B-9A4D-AE02-9953BD597CF9}"/>
+                <a16:creationId xmlns:a16="http://schemas.microsoft.com/office/drawing/2014/main" id="{564E0741-759B-9A4D-AE02-9953BD597CF9}"/>
               </a:ext>
             </a:extLst>
           </p:cNvPr>
@@ -1283,7 +1294,7 @@
           <p:cNvPr id="3" name="Vertical Text Placeholder 2">
             <a:extLst>
               <a:ext uri="{FF2B5EF4-FFF2-40B4-BE49-F238E27FC236}">
-                <a16:creationId xmlns:a16="http://schemas.microsoft.com/office/drawing/2014/main" xmlns="" id="{333C04FE-666A-BA4B-8C1A-368E662D37A0}"/>
+                <a16:creationId xmlns:a16="http://schemas.microsoft.com/office/drawing/2014/main" id="{333C04FE-666A-BA4B-8C1A-368E662D37A0}"/>
               </a:ext>
             </a:extLst>
           </p:cNvPr>
@@ -1340,7 +1351,7 @@
           <p:cNvPr id="4" name="Date Placeholder 3">
             <a:extLst>
               <a:ext uri="{FF2B5EF4-FFF2-40B4-BE49-F238E27FC236}">
-                <a16:creationId xmlns:a16="http://schemas.microsoft.com/office/drawing/2014/main" xmlns="" id="{A2AEBE5B-7E28-5C40-BADA-AAA2BD972204}"/>
+                <a16:creationId xmlns:a16="http://schemas.microsoft.com/office/drawing/2014/main" id="{A2AEBE5B-7E28-5C40-BADA-AAA2BD972204}"/>
               </a:ext>
             </a:extLst>
           </p:cNvPr>
@@ -1358,7 +1369,7 @@
           <a:p>
             <a:fld id="{2DE544F1-4EB3-B943-BAC8-4587CDEC2BDB}" type="datetimeFigureOut">
               <a:rPr lang="en-US" smtClean="0"/>
-              <a:t>01/10/19</a:t>
+              <a:t>10/16/19</a:t>
             </a:fld>
             <a:endParaRPr lang="en-US"/>
           </a:p>
@@ -1369,7 +1380,7 @@
           <p:cNvPr id="5" name="Footer Placeholder 4">
             <a:extLst>
               <a:ext uri="{FF2B5EF4-FFF2-40B4-BE49-F238E27FC236}">
-                <a16:creationId xmlns:a16="http://schemas.microsoft.com/office/drawing/2014/main" xmlns="" id="{A7C7C461-7FA9-A044-8E51-63D7E6984B36}"/>
+                <a16:creationId xmlns:a16="http://schemas.microsoft.com/office/drawing/2014/main" id="{A7C7C461-7FA9-A044-8E51-63D7E6984B36}"/>
               </a:ext>
             </a:extLst>
           </p:cNvPr>
@@ -1394,7 +1405,7 @@
           <p:cNvPr id="6" name="Slide Number Placeholder 5">
             <a:extLst>
               <a:ext uri="{FF2B5EF4-FFF2-40B4-BE49-F238E27FC236}">
-                <a16:creationId xmlns:a16="http://schemas.microsoft.com/office/drawing/2014/main" xmlns="" id="{536CE7E5-078A-D44B-8BF8-A6B09E497429}"/>
+                <a16:creationId xmlns:a16="http://schemas.microsoft.com/office/drawing/2014/main" id="{536CE7E5-078A-D44B-8BF8-A6B09E497429}"/>
               </a:ext>
             </a:extLst>
           </p:cNvPr>
@@ -1453,7 +1464,7 @@
           <p:cNvPr id="2" name="Vertical Title 1">
             <a:extLst>
               <a:ext uri="{FF2B5EF4-FFF2-40B4-BE49-F238E27FC236}">
-                <a16:creationId xmlns:a16="http://schemas.microsoft.com/office/drawing/2014/main" xmlns="" id="{CC286196-ECDE-1B4E-9BF9-F7B3DAED73C4}"/>
+                <a16:creationId xmlns:a16="http://schemas.microsoft.com/office/drawing/2014/main" id="{CC286196-ECDE-1B4E-9BF9-F7B3DAED73C4}"/>
               </a:ext>
             </a:extLst>
           </p:cNvPr>
@@ -1486,7 +1497,7 @@
           <p:cNvPr id="3" name="Vertical Text Placeholder 2">
             <a:extLst>
               <a:ext uri="{FF2B5EF4-FFF2-40B4-BE49-F238E27FC236}">
-                <a16:creationId xmlns:a16="http://schemas.microsoft.com/office/drawing/2014/main" xmlns="" id="{3746A5AE-5EE2-C846-897F-6CB4F588CF95}"/>
+                <a16:creationId xmlns:a16="http://schemas.microsoft.com/office/drawing/2014/main" id="{3746A5AE-5EE2-C846-897F-6CB4F588CF95}"/>
               </a:ext>
             </a:extLst>
           </p:cNvPr>
@@ -1548,7 +1559,7 @@
           <p:cNvPr id="4" name="Date Placeholder 3">
             <a:extLst>
               <a:ext uri="{FF2B5EF4-FFF2-40B4-BE49-F238E27FC236}">
-                <a16:creationId xmlns:a16="http://schemas.microsoft.com/office/drawing/2014/main" xmlns="" id="{6E274BB2-4695-114B-8730-0E0A62744089}"/>
+                <a16:creationId xmlns:a16="http://schemas.microsoft.com/office/drawing/2014/main" id="{6E274BB2-4695-114B-8730-0E0A62744089}"/>
               </a:ext>
             </a:extLst>
           </p:cNvPr>
@@ -1566,7 +1577,7 @@
           <a:p>
             <a:fld id="{2DE544F1-4EB3-B943-BAC8-4587CDEC2BDB}" type="datetimeFigureOut">
               <a:rPr lang="en-US" smtClean="0"/>
-              <a:t>01/10/19</a:t>
+              <a:t>10/16/19</a:t>
             </a:fld>
             <a:endParaRPr lang="en-US"/>
           </a:p>
@@ -1577,7 +1588,7 @@
           <p:cNvPr id="5" name="Footer Placeholder 4">
             <a:extLst>
               <a:ext uri="{FF2B5EF4-FFF2-40B4-BE49-F238E27FC236}">
-                <a16:creationId xmlns:a16="http://schemas.microsoft.com/office/drawing/2014/main" xmlns="" id="{AF003033-261E-1742-81DD-062ED3802075}"/>
+                <a16:creationId xmlns:a16="http://schemas.microsoft.com/office/drawing/2014/main" id="{AF003033-261E-1742-81DD-062ED3802075}"/>
               </a:ext>
             </a:extLst>
           </p:cNvPr>
@@ -1602,7 +1613,7 @@
           <p:cNvPr id="6" name="Slide Number Placeholder 5">
             <a:extLst>
               <a:ext uri="{FF2B5EF4-FFF2-40B4-BE49-F238E27FC236}">
-                <a16:creationId xmlns:a16="http://schemas.microsoft.com/office/drawing/2014/main" xmlns="" id="{04314896-2328-D843-B9F0-383DE9D1730D}"/>
+                <a16:creationId xmlns:a16="http://schemas.microsoft.com/office/drawing/2014/main" id="{04314896-2328-D843-B9F0-383DE9D1730D}"/>
               </a:ext>
             </a:extLst>
           </p:cNvPr>
@@ -1661,7 +1672,7 @@
           <p:cNvPr id="2" name="Title 1">
             <a:extLst>
               <a:ext uri="{FF2B5EF4-FFF2-40B4-BE49-F238E27FC236}">
-                <a16:creationId xmlns:a16="http://schemas.microsoft.com/office/drawing/2014/main" xmlns="" id="{4B83831B-85EC-8A45-B579-237E40BB44DE}"/>
+                <a16:creationId xmlns:a16="http://schemas.microsoft.com/office/drawing/2014/main" id="{4B83831B-85EC-8A45-B579-237E40BB44DE}"/>
               </a:ext>
             </a:extLst>
           </p:cNvPr>
@@ -1689,7 +1700,7 @@
           <p:cNvPr id="3" name="Content Placeholder 2">
             <a:extLst>
               <a:ext uri="{FF2B5EF4-FFF2-40B4-BE49-F238E27FC236}">
-                <a16:creationId xmlns:a16="http://schemas.microsoft.com/office/drawing/2014/main" xmlns="" id="{3CF9D412-D17D-9748-995F-0C3DF690B756}"/>
+                <a16:creationId xmlns:a16="http://schemas.microsoft.com/office/drawing/2014/main" id="{3CF9D412-D17D-9748-995F-0C3DF690B756}"/>
               </a:ext>
             </a:extLst>
           </p:cNvPr>
@@ -1746,7 +1757,7 @@
           <p:cNvPr id="4" name="Date Placeholder 3">
             <a:extLst>
               <a:ext uri="{FF2B5EF4-FFF2-40B4-BE49-F238E27FC236}">
-                <a16:creationId xmlns:a16="http://schemas.microsoft.com/office/drawing/2014/main" xmlns="" id="{13C91C50-0907-D944-BF6F-13235F2CBA29}"/>
+                <a16:creationId xmlns:a16="http://schemas.microsoft.com/office/drawing/2014/main" id="{13C91C50-0907-D944-BF6F-13235F2CBA29}"/>
               </a:ext>
             </a:extLst>
           </p:cNvPr>
@@ -1764,7 +1775,7 @@
           <a:p>
             <a:fld id="{2DE544F1-4EB3-B943-BAC8-4587CDEC2BDB}" type="datetimeFigureOut">
               <a:rPr lang="en-US" smtClean="0"/>
-              <a:t>01/10/19</a:t>
+              <a:t>10/16/19</a:t>
             </a:fld>
             <a:endParaRPr lang="en-US"/>
           </a:p>
@@ -1775,7 +1786,7 @@
           <p:cNvPr id="5" name="Footer Placeholder 4">
             <a:extLst>
               <a:ext uri="{FF2B5EF4-FFF2-40B4-BE49-F238E27FC236}">
-                <a16:creationId xmlns:a16="http://schemas.microsoft.com/office/drawing/2014/main" xmlns="" id="{F0D1120E-2B1E-F94F-AFB3-DA62FB07B9E6}"/>
+                <a16:creationId xmlns:a16="http://schemas.microsoft.com/office/drawing/2014/main" id="{F0D1120E-2B1E-F94F-AFB3-DA62FB07B9E6}"/>
               </a:ext>
             </a:extLst>
           </p:cNvPr>
@@ -1800,7 +1811,7 @@
           <p:cNvPr id="6" name="Slide Number Placeholder 5">
             <a:extLst>
               <a:ext uri="{FF2B5EF4-FFF2-40B4-BE49-F238E27FC236}">
-                <a16:creationId xmlns:a16="http://schemas.microsoft.com/office/drawing/2014/main" xmlns="" id="{E39C254E-2529-8746-BE9B-07DFE2426A45}"/>
+                <a16:creationId xmlns:a16="http://schemas.microsoft.com/office/drawing/2014/main" id="{E39C254E-2529-8746-BE9B-07DFE2426A45}"/>
               </a:ext>
             </a:extLst>
           </p:cNvPr>
@@ -1859,7 +1870,7 @@
           <p:cNvPr id="2" name="Title 1">
             <a:extLst>
               <a:ext uri="{FF2B5EF4-FFF2-40B4-BE49-F238E27FC236}">
-                <a16:creationId xmlns:a16="http://schemas.microsoft.com/office/drawing/2014/main" xmlns="" id="{827AEE71-9E55-CE45-96BD-E5A293D6EFB7}"/>
+                <a16:creationId xmlns:a16="http://schemas.microsoft.com/office/drawing/2014/main" id="{827AEE71-9E55-CE45-96BD-E5A293D6EFB7}"/>
               </a:ext>
             </a:extLst>
           </p:cNvPr>
@@ -1896,7 +1907,7 @@
           <p:cNvPr id="3" name="Text Placeholder 2">
             <a:extLst>
               <a:ext uri="{FF2B5EF4-FFF2-40B4-BE49-F238E27FC236}">
-                <a16:creationId xmlns:a16="http://schemas.microsoft.com/office/drawing/2014/main" xmlns="" id="{D7F2901C-C569-2341-8430-7AE25328937A}"/>
+                <a16:creationId xmlns:a16="http://schemas.microsoft.com/office/drawing/2014/main" id="{D7F2901C-C569-2341-8430-7AE25328937A}"/>
               </a:ext>
             </a:extLst>
           </p:cNvPr>
@@ -2021,7 +2032,7 @@
           <p:cNvPr id="4" name="Date Placeholder 3">
             <a:extLst>
               <a:ext uri="{FF2B5EF4-FFF2-40B4-BE49-F238E27FC236}">
-                <a16:creationId xmlns:a16="http://schemas.microsoft.com/office/drawing/2014/main" xmlns="" id="{C54783FD-37D5-9B4B-9976-CEB89B11305B}"/>
+                <a16:creationId xmlns:a16="http://schemas.microsoft.com/office/drawing/2014/main" id="{C54783FD-37D5-9B4B-9976-CEB89B11305B}"/>
               </a:ext>
             </a:extLst>
           </p:cNvPr>
@@ -2039,7 +2050,7 @@
           <a:p>
             <a:fld id="{2DE544F1-4EB3-B943-BAC8-4587CDEC2BDB}" type="datetimeFigureOut">
               <a:rPr lang="en-US" smtClean="0"/>
-              <a:t>01/10/19</a:t>
+              <a:t>10/16/19</a:t>
             </a:fld>
             <a:endParaRPr lang="en-US"/>
           </a:p>
@@ -2050,7 +2061,7 @@
           <p:cNvPr id="5" name="Footer Placeholder 4">
             <a:extLst>
               <a:ext uri="{FF2B5EF4-FFF2-40B4-BE49-F238E27FC236}">
-                <a16:creationId xmlns:a16="http://schemas.microsoft.com/office/drawing/2014/main" xmlns="" id="{F7C4BB00-0062-8A4D-9F8F-9CD6414BB4B7}"/>
+                <a16:creationId xmlns:a16="http://schemas.microsoft.com/office/drawing/2014/main" id="{F7C4BB00-0062-8A4D-9F8F-9CD6414BB4B7}"/>
               </a:ext>
             </a:extLst>
           </p:cNvPr>
@@ -2075,7 +2086,7 @@
           <p:cNvPr id="6" name="Slide Number Placeholder 5">
             <a:extLst>
               <a:ext uri="{FF2B5EF4-FFF2-40B4-BE49-F238E27FC236}">
-                <a16:creationId xmlns:a16="http://schemas.microsoft.com/office/drawing/2014/main" xmlns="" id="{C4807B27-1EE8-3547-9A0B-DD5C9D433E28}"/>
+                <a16:creationId xmlns:a16="http://schemas.microsoft.com/office/drawing/2014/main" id="{C4807B27-1EE8-3547-9A0B-DD5C9D433E28}"/>
               </a:ext>
             </a:extLst>
           </p:cNvPr>
@@ -2134,7 +2145,7 @@
           <p:cNvPr id="2" name="Title 1">
             <a:extLst>
               <a:ext uri="{FF2B5EF4-FFF2-40B4-BE49-F238E27FC236}">
-                <a16:creationId xmlns:a16="http://schemas.microsoft.com/office/drawing/2014/main" xmlns="" id="{7CDB40D5-1D42-8F4E-AF6C-F764362F75D7}"/>
+                <a16:creationId xmlns:a16="http://schemas.microsoft.com/office/drawing/2014/main" id="{7CDB40D5-1D42-8F4E-AF6C-F764362F75D7}"/>
               </a:ext>
             </a:extLst>
           </p:cNvPr>
@@ -2162,7 +2173,7 @@
           <p:cNvPr id="3" name="Content Placeholder 2">
             <a:extLst>
               <a:ext uri="{FF2B5EF4-FFF2-40B4-BE49-F238E27FC236}">
-                <a16:creationId xmlns:a16="http://schemas.microsoft.com/office/drawing/2014/main" xmlns="" id="{FCF64B05-2FC6-F744-8D28-B3E9D406BCF1}"/>
+                <a16:creationId xmlns:a16="http://schemas.microsoft.com/office/drawing/2014/main" id="{FCF64B05-2FC6-F744-8D28-B3E9D406BCF1}"/>
               </a:ext>
             </a:extLst>
           </p:cNvPr>
@@ -2224,7 +2235,7 @@
           <p:cNvPr id="4" name="Content Placeholder 3">
             <a:extLst>
               <a:ext uri="{FF2B5EF4-FFF2-40B4-BE49-F238E27FC236}">
-                <a16:creationId xmlns:a16="http://schemas.microsoft.com/office/drawing/2014/main" xmlns="" id="{1732B7D9-3957-B74F-8308-78750CD678A8}"/>
+                <a16:creationId xmlns:a16="http://schemas.microsoft.com/office/drawing/2014/main" id="{1732B7D9-3957-B74F-8308-78750CD678A8}"/>
               </a:ext>
             </a:extLst>
           </p:cNvPr>
@@ -2286,7 +2297,7 @@
           <p:cNvPr id="5" name="Date Placeholder 4">
             <a:extLst>
               <a:ext uri="{FF2B5EF4-FFF2-40B4-BE49-F238E27FC236}">
-                <a16:creationId xmlns:a16="http://schemas.microsoft.com/office/drawing/2014/main" xmlns="" id="{623F55C9-0897-3545-B165-13F114D86421}"/>
+                <a16:creationId xmlns:a16="http://schemas.microsoft.com/office/drawing/2014/main" id="{623F55C9-0897-3545-B165-13F114D86421}"/>
               </a:ext>
             </a:extLst>
           </p:cNvPr>
@@ -2304,7 +2315,7 @@
           <a:p>
             <a:fld id="{2DE544F1-4EB3-B943-BAC8-4587CDEC2BDB}" type="datetimeFigureOut">
               <a:rPr lang="en-US" smtClean="0"/>
-              <a:t>01/10/19</a:t>
+              <a:t>10/16/19</a:t>
             </a:fld>
             <a:endParaRPr lang="en-US"/>
           </a:p>
@@ -2315,7 +2326,7 @@
           <p:cNvPr id="6" name="Footer Placeholder 5">
             <a:extLst>
               <a:ext uri="{FF2B5EF4-FFF2-40B4-BE49-F238E27FC236}">
-                <a16:creationId xmlns:a16="http://schemas.microsoft.com/office/drawing/2014/main" xmlns="" id="{FC26BAA0-4A7A-F546-ADB8-827466D40CD4}"/>
+                <a16:creationId xmlns:a16="http://schemas.microsoft.com/office/drawing/2014/main" id="{FC26BAA0-4A7A-F546-ADB8-827466D40CD4}"/>
               </a:ext>
             </a:extLst>
           </p:cNvPr>
@@ -2340,7 +2351,7 @@
           <p:cNvPr id="7" name="Slide Number Placeholder 6">
             <a:extLst>
               <a:ext uri="{FF2B5EF4-FFF2-40B4-BE49-F238E27FC236}">
-                <a16:creationId xmlns:a16="http://schemas.microsoft.com/office/drawing/2014/main" xmlns="" id="{F4311401-922A-BF43-9486-5C08407C4D80}"/>
+                <a16:creationId xmlns:a16="http://schemas.microsoft.com/office/drawing/2014/main" id="{F4311401-922A-BF43-9486-5C08407C4D80}"/>
               </a:ext>
             </a:extLst>
           </p:cNvPr>
@@ -2399,7 +2410,7 @@
           <p:cNvPr id="2" name="Title 1">
             <a:extLst>
               <a:ext uri="{FF2B5EF4-FFF2-40B4-BE49-F238E27FC236}">
-                <a16:creationId xmlns:a16="http://schemas.microsoft.com/office/drawing/2014/main" xmlns="" id="{C797646F-E613-B044-8F03-6292E7012395}"/>
+                <a16:creationId xmlns:a16="http://schemas.microsoft.com/office/drawing/2014/main" id="{C797646F-E613-B044-8F03-6292E7012395}"/>
               </a:ext>
             </a:extLst>
           </p:cNvPr>
@@ -2432,7 +2443,7 @@
           <p:cNvPr id="3" name="Text Placeholder 2">
             <a:extLst>
               <a:ext uri="{FF2B5EF4-FFF2-40B4-BE49-F238E27FC236}">
-                <a16:creationId xmlns:a16="http://schemas.microsoft.com/office/drawing/2014/main" xmlns="" id="{BF63445D-D0C0-5B49-93DE-968A58791380}"/>
+                <a16:creationId xmlns:a16="http://schemas.microsoft.com/office/drawing/2014/main" id="{BF63445D-D0C0-5B49-93DE-968A58791380}"/>
               </a:ext>
             </a:extLst>
           </p:cNvPr>
@@ -2503,7 +2514,7 @@
           <p:cNvPr id="4" name="Content Placeholder 3">
             <a:extLst>
               <a:ext uri="{FF2B5EF4-FFF2-40B4-BE49-F238E27FC236}">
-                <a16:creationId xmlns:a16="http://schemas.microsoft.com/office/drawing/2014/main" xmlns="" id="{6A7CC758-BB43-724A-84CA-51593CC2E365}"/>
+                <a16:creationId xmlns:a16="http://schemas.microsoft.com/office/drawing/2014/main" id="{6A7CC758-BB43-724A-84CA-51593CC2E365}"/>
               </a:ext>
             </a:extLst>
           </p:cNvPr>
@@ -2565,7 +2576,7 @@
           <p:cNvPr id="5" name="Text Placeholder 4">
             <a:extLst>
               <a:ext uri="{FF2B5EF4-FFF2-40B4-BE49-F238E27FC236}">
-                <a16:creationId xmlns:a16="http://schemas.microsoft.com/office/drawing/2014/main" xmlns="" id="{5FEFBE86-47D5-494E-80C8-B9BA4F58E19A}"/>
+                <a16:creationId xmlns:a16="http://schemas.microsoft.com/office/drawing/2014/main" id="{5FEFBE86-47D5-494E-80C8-B9BA4F58E19A}"/>
               </a:ext>
             </a:extLst>
           </p:cNvPr>
@@ -2636,7 +2647,7 @@
           <p:cNvPr id="6" name="Content Placeholder 5">
             <a:extLst>
               <a:ext uri="{FF2B5EF4-FFF2-40B4-BE49-F238E27FC236}">
-                <a16:creationId xmlns:a16="http://schemas.microsoft.com/office/drawing/2014/main" xmlns="" id="{822F432D-73B9-BB4A-BA2C-F1510E0802E9}"/>
+                <a16:creationId xmlns:a16="http://schemas.microsoft.com/office/drawing/2014/main" id="{822F432D-73B9-BB4A-BA2C-F1510E0802E9}"/>
               </a:ext>
             </a:extLst>
           </p:cNvPr>
@@ -2698,7 +2709,7 @@
           <p:cNvPr id="7" name="Date Placeholder 6">
             <a:extLst>
               <a:ext uri="{FF2B5EF4-FFF2-40B4-BE49-F238E27FC236}">
-                <a16:creationId xmlns:a16="http://schemas.microsoft.com/office/drawing/2014/main" xmlns="" id="{C62C7FA8-C17D-8541-8AD5-5C5FFA3C396A}"/>
+                <a16:creationId xmlns:a16="http://schemas.microsoft.com/office/drawing/2014/main" id="{C62C7FA8-C17D-8541-8AD5-5C5FFA3C396A}"/>
               </a:ext>
             </a:extLst>
           </p:cNvPr>
@@ -2716,7 +2727,7 @@
           <a:p>
             <a:fld id="{2DE544F1-4EB3-B943-BAC8-4587CDEC2BDB}" type="datetimeFigureOut">
               <a:rPr lang="en-US" smtClean="0"/>
-              <a:t>01/10/19</a:t>
+              <a:t>10/16/19</a:t>
             </a:fld>
             <a:endParaRPr lang="en-US"/>
           </a:p>
@@ -2727,7 +2738,7 @@
           <p:cNvPr id="8" name="Footer Placeholder 7">
             <a:extLst>
               <a:ext uri="{FF2B5EF4-FFF2-40B4-BE49-F238E27FC236}">
-                <a16:creationId xmlns:a16="http://schemas.microsoft.com/office/drawing/2014/main" xmlns="" id="{2F30AB70-06EC-C34E-9134-F2F90A8D367A}"/>
+                <a16:creationId xmlns:a16="http://schemas.microsoft.com/office/drawing/2014/main" id="{2F30AB70-06EC-C34E-9134-F2F90A8D367A}"/>
               </a:ext>
             </a:extLst>
           </p:cNvPr>
@@ -2752,7 +2763,7 @@
           <p:cNvPr id="9" name="Slide Number Placeholder 8">
             <a:extLst>
               <a:ext uri="{FF2B5EF4-FFF2-40B4-BE49-F238E27FC236}">
-                <a16:creationId xmlns:a16="http://schemas.microsoft.com/office/drawing/2014/main" xmlns="" id="{F78BFD63-B3ED-0849-9431-95975B24B91C}"/>
+                <a16:creationId xmlns:a16="http://schemas.microsoft.com/office/drawing/2014/main" id="{F78BFD63-B3ED-0849-9431-95975B24B91C}"/>
               </a:ext>
             </a:extLst>
           </p:cNvPr>
@@ -2811,7 +2822,7 @@
           <p:cNvPr id="2" name="Title 1">
             <a:extLst>
               <a:ext uri="{FF2B5EF4-FFF2-40B4-BE49-F238E27FC236}">
-                <a16:creationId xmlns:a16="http://schemas.microsoft.com/office/drawing/2014/main" xmlns="" id="{53F67DB0-E5E7-FA4D-A964-00EE41B83914}"/>
+                <a16:creationId xmlns:a16="http://schemas.microsoft.com/office/drawing/2014/main" id="{53F67DB0-E5E7-FA4D-A964-00EE41B83914}"/>
               </a:ext>
             </a:extLst>
           </p:cNvPr>
@@ -2839,7 +2850,7 @@
           <p:cNvPr id="3" name="Date Placeholder 2">
             <a:extLst>
               <a:ext uri="{FF2B5EF4-FFF2-40B4-BE49-F238E27FC236}">
-                <a16:creationId xmlns:a16="http://schemas.microsoft.com/office/drawing/2014/main" xmlns="" id="{66866299-4493-564D-9246-80A3B1DE64A6}"/>
+                <a16:creationId xmlns:a16="http://schemas.microsoft.com/office/drawing/2014/main" id="{66866299-4493-564D-9246-80A3B1DE64A6}"/>
               </a:ext>
             </a:extLst>
           </p:cNvPr>
@@ -2857,7 +2868,7 @@
           <a:p>
             <a:fld id="{2DE544F1-4EB3-B943-BAC8-4587CDEC2BDB}" type="datetimeFigureOut">
               <a:rPr lang="en-US" smtClean="0"/>
-              <a:t>01/10/19</a:t>
+              <a:t>10/16/19</a:t>
             </a:fld>
             <a:endParaRPr lang="en-US"/>
           </a:p>
@@ -2868,7 +2879,7 @@
           <p:cNvPr id="4" name="Footer Placeholder 3">
             <a:extLst>
               <a:ext uri="{FF2B5EF4-FFF2-40B4-BE49-F238E27FC236}">
-                <a16:creationId xmlns:a16="http://schemas.microsoft.com/office/drawing/2014/main" xmlns="" id="{6095E531-72E9-3C4A-9609-AF7F0222A577}"/>
+                <a16:creationId xmlns:a16="http://schemas.microsoft.com/office/drawing/2014/main" id="{6095E531-72E9-3C4A-9609-AF7F0222A577}"/>
               </a:ext>
             </a:extLst>
           </p:cNvPr>
@@ -2893,7 +2904,7 @@
           <p:cNvPr id="5" name="Slide Number Placeholder 4">
             <a:extLst>
               <a:ext uri="{FF2B5EF4-FFF2-40B4-BE49-F238E27FC236}">
-                <a16:creationId xmlns:a16="http://schemas.microsoft.com/office/drawing/2014/main" xmlns="" id="{C24D38F8-EA88-0346-8B7C-C3E4E0608755}"/>
+                <a16:creationId xmlns:a16="http://schemas.microsoft.com/office/drawing/2014/main" id="{C24D38F8-EA88-0346-8B7C-C3E4E0608755}"/>
               </a:ext>
             </a:extLst>
           </p:cNvPr>
@@ -2952,7 +2963,7 @@
           <p:cNvPr id="2" name="Date Placeholder 1">
             <a:extLst>
               <a:ext uri="{FF2B5EF4-FFF2-40B4-BE49-F238E27FC236}">
-                <a16:creationId xmlns:a16="http://schemas.microsoft.com/office/drawing/2014/main" xmlns="" id="{5F9CC305-138D-234B-B271-0AB7489F733A}"/>
+                <a16:creationId xmlns:a16="http://schemas.microsoft.com/office/drawing/2014/main" id="{5F9CC305-138D-234B-B271-0AB7489F733A}"/>
               </a:ext>
             </a:extLst>
           </p:cNvPr>
@@ -2970,7 +2981,7 @@
           <a:p>
             <a:fld id="{2DE544F1-4EB3-B943-BAC8-4587CDEC2BDB}" type="datetimeFigureOut">
               <a:rPr lang="en-US" smtClean="0"/>
-              <a:t>01/10/19</a:t>
+              <a:t>10/16/19</a:t>
             </a:fld>
             <a:endParaRPr lang="en-US"/>
           </a:p>
@@ -2981,7 +2992,7 @@
           <p:cNvPr id="3" name="Footer Placeholder 2">
             <a:extLst>
               <a:ext uri="{FF2B5EF4-FFF2-40B4-BE49-F238E27FC236}">
-                <a16:creationId xmlns:a16="http://schemas.microsoft.com/office/drawing/2014/main" xmlns="" id="{8D896E52-D328-4544-9214-7DF58C524E40}"/>
+                <a16:creationId xmlns:a16="http://schemas.microsoft.com/office/drawing/2014/main" id="{8D896E52-D328-4544-9214-7DF58C524E40}"/>
               </a:ext>
             </a:extLst>
           </p:cNvPr>
@@ -3006,7 +3017,7 @@
           <p:cNvPr id="4" name="Slide Number Placeholder 3">
             <a:extLst>
               <a:ext uri="{FF2B5EF4-FFF2-40B4-BE49-F238E27FC236}">
-                <a16:creationId xmlns:a16="http://schemas.microsoft.com/office/drawing/2014/main" xmlns="" id="{78D8F00A-64C9-F541-A41C-323677AC8114}"/>
+                <a16:creationId xmlns:a16="http://schemas.microsoft.com/office/drawing/2014/main" id="{78D8F00A-64C9-F541-A41C-323677AC8114}"/>
               </a:ext>
             </a:extLst>
           </p:cNvPr>
@@ -3065,7 +3076,7 @@
           <p:cNvPr id="2" name="Title 1">
             <a:extLst>
               <a:ext uri="{FF2B5EF4-FFF2-40B4-BE49-F238E27FC236}">
-                <a16:creationId xmlns:a16="http://schemas.microsoft.com/office/drawing/2014/main" xmlns="" id="{D43566F7-F27B-1849-BCF4-CC560D4563DC}"/>
+                <a16:creationId xmlns:a16="http://schemas.microsoft.com/office/drawing/2014/main" id="{D43566F7-F27B-1849-BCF4-CC560D4563DC}"/>
               </a:ext>
             </a:extLst>
           </p:cNvPr>
@@ -3102,7 +3113,7 @@
           <p:cNvPr id="3" name="Content Placeholder 2">
             <a:extLst>
               <a:ext uri="{FF2B5EF4-FFF2-40B4-BE49-F238E27FC236}">
-                <a16:creationId xmlns:a16="http://schemas.microsoft.com/office/drawing/2014/main" xmlns="" id="{163A8BE9-5679-0341-8760-E588EE9B85AB}"/>
+                <a16:creationId xmlns:a16="http://schemas.microsoft.com/office/drawing/2014/main" id="{163A8BE9-5679-0341-8760-E588EE9B85AB}"/>
               </a:ext>
             </a:extLst>
           </p:cNvPr>
@@ -3192,7 +3203,7 @@
           <p:cNvPr id="4" name="Text Placeholder 3">
             <a:extLst>
               <a:ext uri="{FF2B5EF4-FFF2-40B4-BE49-F238E27FC236}">
-                <a16:creationId xmlns:a16="http://schemas.microsoft.com/office/drawing/2014/main" xmlns="" id="{C54710D3-5E14-4342-9BAC-74A2DC5ED347}"/>
+                <a16:creationId xmlns:a16="http://schemas.microsoft.com/office/drawing/2014/main" id="{C54710D3-5E14-4342-9BAC-74A2DC5ED347}"/>
               </a:ext>
             </a:extLst>
           </p:cNvPr>
@@ -3263,7 +3274,7 @@
           <p:cNvPr id="5" name="Date Placeholder 4">
             <a:extLst>
               <a:ext uri="{FF2B5EF4-FFF2-40B4-BE49-F238E27FC236}">
-                <a16:creationId xmlns:a16="http://schemas.microsoft.com/office/drawing/2014/main" xmlns="" id="{797EB2CB-2957-6447-A6AC-E53DDDB43C64}"/>
+                <a16:creationId xmlns:a16="http://schemas.microsoft.com/office/drawing/2014/main" id="{797EB2CB-2957-6447-A6AC-E53DDDB43C64}"/>
               </a:ext>
             </a:extLst>
           </p:cNvPr>
@@ -3281,7 +3292,7 @@
           <a:p>
             <a:fld id="{2DE544F1-4EB3-B943-BAC8-4587CDEC2BDB}" type="datetimeFigureOut">
               <a:rPr lang="en-US" smtClean="0"/>
-              <a:t>01/10/19</a:t>
+              <a:t>10/16/19</a:t>
             </a:fld>
             <a:endParaRPr lang="en-US"/>
           </a:p>
@@ -3292,7 +3303,7 @@
           <p:cNvPr id="6" name="Footer Placeholder 5">
             <a:extLst>
               <a:ext uri="{FF2B5EF4-FFF2-40B4-BE49-F238E27FC236}">
-                <a16:creationId xmlns:a16="http://schemas.microsoft.com/office/drawing/2014/main" xmlns="" id="{F967E312-5962-5246-80F6-484F166C7D1C}"/>
+                <a16:creationId xmlns:a16="http://schemas.microsoft.com/office/drawing/2014/main" id="{F967E312-5962-5246-80F6-484F166C7D1C}"/>
               </a:ext>
             </a:extLst>
           </p:cNvPr>
@@ -3317,7 +3328,7 @@
           <p:cNvPr id="7" name="Slide Number Placeholder 6">
             <a:extLst>
               <a:ext uri="{FF2B5EF4-FFF2-40B4-BE49-F238E27FC236}">
-                <a16:creationId xmlns:a16="http://schemas.microsoft.com/office/drawing/2014/main" xmlns="" id="{E7A89C9D-6DC9-B149-B759-DFF7E76B7AF9}"/>
+                <a16:creationId xmlns:a16="http://schemas.microsoft.com/office/drawing/2014/main" id="{E7A89C9D-6DC9-B149-B759-DFF7E76B7AF9}"/>
               </a:ext>
             </a:extLst>
           </p:cNvPr>
@@ -3376,7 +3387,7 @@
           <p:cNvPr id="2" name="Title 1">
             <a:extLst>
               <a:ext uri="{FF2B5EF4-FFF2-40B4-BE49-F238E27FC236}">
-                <a16:creationId xmlns:a16="http://schemas.microsoft.com/office/drawing/2014/main" xmlns="" id="{C93B9349-1FFD-5B41-8FD7-D5578B0CFC8B}"/>
+                <a16:creationId xmlns:a16="http://schemas.microsoft.com/office/drawing/2014/main" id="{C93B9349-1FFD-5B41-8FD7-D5578B0CFC8B}"/>
               </a:ext>
             </a:extLst>
           </p:cNvPr>
@@ -3413,7 +3424,7 @@
           <p:cNvPr id="3" name="Picture Placeholder 2">
             <a:extLst>
               <a:ext uri="{FF2B5EF4-FFF2-40B4-BE49-F238E27FC236}">
-                <a16:creationId xmlns:a16="http://schemas.microsoft.com/office/drawing/2014/main" xmlns="" id="{0E61308D-A818-834D-A252-B9E2EEF7A62D}"/>
+                <a16:creationId xmlns:a16="http://schemas.microsoft.com/office/drawing/2014/main" id="{0E61308D-A818-834D-A252-B9E2EEF7A62D}"/>
               </a:ext>
             </a:extLst>
           </p:cNvPr>
@@ -3480,7 +3491,7 @@
           <p:cNvPr id="4" name="Text Placeholder 3">
             <a:extLst>
               <a:ext uri="{FF2B5EF4-FFF2-40B4-BE49-F238E27FC236}">
-                <a16:creationId xmlns:a16="http://schemas.microsoft.com/office/drawing/2014/main" xmlns="" id="{052BEC32-BFFC-FA42-B68C-0976B5EFAECE}"/>
+                <a16:creationId xmlns:a16="http://schemas.microsoft.com/office/drawing/2014/main" id="{052BEC32-BFFC-FA42-B68C-0976B5EFAECE}"/>
               </a:ext>
             </a:extLst>
           </p:cNvPr>
@@ -3551,7 +3562,7 @@
           <p:cNvPr id="5" name="Date Placeholder 4">
             <a:extLst>
               <a:ext uri="{FF2B5EF4-FFF2-40B4-BE49-F238E27FC236}">
-                <a16:creationId xmlns:a16="http://schemas.microsoft.com/office/drawing/2014/main" xmlns="" id="{597ED76F-0338-EF4E-91B3-C6E9ED1CFD14}"/>
+                <a16:creationId xmlns:a16="http://schemas.microsoft.com/office/drawing/2014/main" id="{597ED76F-0338-EF4E-91B3-C6E9ED1CFD14}"/>
               </a:ext>
             </a:extLst>
           </p:cNvPr>
@@ -3569,7 +3580,7 @@
           <a:p>
             <a:fld id="{2DE544F1-4EB3-B943-BAC8-4587CDEC2BDB}" type="datetimeFigureOut">
               <a:rPr lang="en-US" smtClean="0"/>
-              <a:t>01/10/19</a:t>
+              <a:t>10/16/19</a:t>
             </a:fld>
             <a:endParaRPr lang="en-US"/>
           </a:p>
@@ -3580,7 +3591,7 @@
           <p:cNvPr id="6" name="Footer Placeholder 5">
             <a:extLst>
               <a:ext uri="{FF2B5EF4-FFF2-40B4-BE49-F238E27FC236}">
-                <a16:creationId xmlns:a16="http://schemas.microsoft.com/office/drawing/2014/main" xmlns="" id="{6B7C1833-1AEE-6E43-838D-186872C74604}"/>
+                <a16:creationId xmlns:a16="http://schemas.microsoft.com/office/drawing/2014/main" id="{6B7C1833-1AEE-6E43-838D-186872C74604}"/>
               </a:ext>
             </a:extLst>
           </p:cNvPr>
@@ -3605,7 +3616,7 @@
           <p:cNvPr id="7" name="Slide Number Placeholder 6">
             <a:extLst>
               <a:ext uri="{FF2B5EF4-FFF2-40B4-BE49-F238E27FC236}">
-                <a16:creationId xmlns:a16="http://schemas.microsoft.com/office/drawing/2014/main" xmlns="" id="{D45790CD-5CD5-044A-881B-FA491696A86D}"/>
+                <a16:creationId xmlns:a16="http://schemas.microsoft.com/office/drawing/2014/main" id="{D45790CD-5CD5-044A-881B-FA491696A86D}"/>
               </a:ext>
             </a:extLst>
           </p:cNvPr>
@@ -3669,7 +3680,7 @@
           <p:cNvPr id="2" name="Title Placeholder 1">
             <a:extLst>
               <a:ext uri="{FF2B5EF4-FFF2-40B4-BE49-F238E27FC236}">
-                <a16:creationId xmlns:a16="http://schemas.microsoft.com/office/drawing/2014/main" xmlns="" id="{CCD54339-20FD-9344-AF24-5BE9316484A9}"/>
+                <a16:creationId xmlns:a16="http://schemas.microsoft.com/office/drawing/2014/main" id="{CCD54339-20FD-9344-AF24-5BE9316484A9}"/>
               </a:ext>
             </a:extLst>
           </p:cNvPr>
@@ -3707,7 +3718,7 @@
           <p:cNvPr id="3" name="Text Placeholder 2">
             <a:extLst>
               <a:ext uri="{FF2B5EF4-FFF2-40B4-BE49-F238E27FC236}">
-                <a16:creationId xmlns:a16="http://schemas.microsoft.com/office/drawing/2014/main" xmlns="" id="{7A4FC7D7-528F-B14F-8A9B-2EC982EEFF6E}"/>
+                <a16:creationId xmlns:a16="http://schemas.microsoft.com/office/drawing/2014/main" id="{7A4FC7D7-528F-B14F-8A9B-2EC982EEFF6E}"/>
               </a:ext>
             </a:extLst>
           </p:cNvPr>
@@ -3774,7 +3785,7 @@
           <p:cNvPr id="4" name="Date Placeholder 3">
             <a:extLst>
               <a:ext uri="{FF2B5EF4-FFF2-40B4-BE49-F238E27FC236}">
-                <a16:creationId xmlns:a16="http://schemas.microsoft.com/office/drawing/2014/main" xmlns="" id="{2F852DB0-A196-4348-B1D8-D99C460AD8BB}"/>
+                <a16:creationId xmlns:a16="http://schemas.microsoft.com/office/drawing/2014/main" id="{2F852DB0-A196-4348-B1D8-D99C460AD8BB}"/>
               </a:ext>
             </a:extLst>
           </p:cNvPr>
@@ -3810,7 +3821,7 @@
           <a:p>
             <a:fld id="{2DE544F1-4EB3-B943-BAC8-4587CDEC2BDB}" type="datetimeFigureOut">
               <a:rPr lang="en-US" smtClean="0"/>
-              <a:t>01/10/19</a:t>
+              <a:t>10/16/19</a:t>
             </a:fld>
             <a:endParaRPr lang="en-US"/>
           </a:p>
@@ -3821,7 +3832,7 @@
           <p:cNvPr id="5" name="Footer Placeholder 4">
             <a:extLst>
               <a:ext uri="{FF2B5EF4-FFF2-40B4-BE49-F238E27FC236}">
-                <a16:creationId xmlns:a16="http://schemas.microsoft.com/office/drawing/2014/main" xmlns="" id="{6C5ABAE8-B076-FA45-BA20-1D55E72A0AC9}"/>
+                <a16:creationId xmlns:a16="http://schemas.microsoft.com/office/drawing/2014/main" id="{6C5ABAE8-B076-FA45-BA20-1D55E72A0AC9}"/>
               </a:ext>
             </a:extLst>
           </p:cNvPr>
@@ -3864,7 +3875,7 @@
           <p:cNvPr id="6" name="Slide Number Placeholder 5">
             <a:extLst>
               <a:ext uri="{FF2B5EF4-FFF2-40B4-BE49-F238E27FC236}">
-                <a16:creationId xmlns:a16="http://schemas.microsoft.com/office/drawing/2014/main" xmlns="" id="{03C9AE5A-E8CF-0E42-A471-8FC1309716B3}"/>
+                <a16:creationId xmlns:a16="http://schemas.microsoft.com/office/drawing/2014/main" id="{03C9AE5A-E8CF-0E42-A471-8FC1309716B3}"/>
               </a:ext>
             </a:extLst>
           </p:cNvPr>
@@ -4227,12 +4238,136 @@
           <a:chExt cx="0" cy="0"/>
         </a:xfrm>
       </p:grpSpPr>
+      <p:sp>
+        <p:nvSpPr>
+          <p:cNvPr id="151" name="Oval 150">
+            <a:extLst>
+              <a:ext uri="{FF2B5EF4-FFF2-40B4-BE49-F238E27FC236}">
+                <a16:creationId xmlns:a16="http://schemas.microsoft.com/office/drawing/2014/main" id="{5BBF50D5-70D8-184D-BFAB-5DDC884729D2}"/>
+              </a:ext>
+            </a:extLst>
+          </p:cNvPr>
+          <p:cNvSpPr/>
+          <p:nvPr/>
+        </p:nvSpPr>
+        <p:spPr>
+          <a:xfrm>
+            <a:off x="4111139" y="953745"/>
+            <a:ext cx="394531" cy="394531"/>
+          </a:xfrm>
+          <a:prstGeom prst="ellipse">
+            <a:avLst/>
+          </a:prstGeom>
+          <a:solidFill>
+            <a:schemeClr val="accent3"/>
+          </a:solidFill>
+          <a:ln w="25400">
+            <a:solidFill>
+              <a:schemeClr val="tx1"/>
+            </a:solidFill>
+          </a:ln>
+        </p:spPr>
+        <p:style>
+          <a:lnRef idx="2">
+            <a:schemeClr val="accent1">
+              <a:shade val="50000"/>
+            </a:schemeClr>
+          </a:lnRef>
+          <a:fillRef idx="1">
+            <a:schemeClr val="accent1"/>
+          </a:fillRef>
+          <a:effectRef idx="0">
+            <a:schemeClr val="accent1"/>
+          </a:effectRef>
+          <a:fontRef idx="minor">
+            <a:schemeClr val="lt1"/>
+          </a:fontRef>
+        </p:style>
+        <p:txBody>
+          <a:bodyPr rot="0" spcFirstLastPara="0" vertOverflow="overflow" horzOverflow="overflow" vert="horz" wrap="square" lIns="56757" tIns="28378" rIns="56757" bIns="28378" numCol="1" spcCol="0" rtlCol="0" fromWordArt="0" anchor="ctr" anchorCtr="0" forceAA="0" compatLnSpc="1">
+            <a:prstTxWarp prst="textNoShape">
+              <a:avLst/>
+            </a:prstTxWarp>
+            <a:noAutofit/>
+          </a:bodyPr>
+          <a:lstStyle/>
+          <a:p>
+            <a:pPr algn="ctr"/>
+            <a:endParaRPr lang="en-US" sz="1200">
+              <a:latin typeface="+mj-lt"/>
+              <a:cs typeface="Times New Roman" panose="02020603050405020304" pitchFamily="18" charset="0"/>
+            </a:endParaRPr>
+          </a:p>
+        </p:txBody>
+      </p:sp>
+      <p:sp>
+        <p:nvSpPr>
+          <p:cNvPr id="153" name="Oval 152">
+            <a:extLst>
+              <a:ext uri="{FF2B5EF4-FFF2-40B4-BE49-F238E27FC236}">
+                <a16:creationId xmlns:a16="http://schemas.microsoft.com/office/drawing/2014/main" id="{B06CD74C-663D-904F-819F-F46050C9EF40}"/>
+              </a:ext>
+            </a:extLst>
+          </p:cNvPr>
+          <p:cNvSpPr/>
+          <p:nvPr/>
+        </p:nvSpPr>
+        <p:spPr>
+          <a:xfrm>
+            <a:off x="4124507" y="77701"/>
+            <a:ext cx="394531" cy="394531"/>
+          </a:xfrm>
+          <a:prstGeom prst="ellipse">
+            <a:avLst/>
+          </a:prstGeom>
+          <a:solidFill>
+            <a:schemeClr val="accent3"/>
+          </a:solidFill>
+          <a:ln w="25400">
+            <a:solidFill>
+              <a:schemeClr val="tx1"/>
+            </a:solidFill>
+          </a:ln>
+        </p:spPr>
+        <p:style>
+          <a:lnRef idx="2">
+            <a:schemeClr val="accent1">
+              <a:shade val="50000"/>
+            </a:schemeClr>
+          </a:lnRef>
+          <a:fillRef idx="1">
+            <a:schemeClr val="accent1"/>
+          </a:fillRef>
+          <a:effectRef idx="0">
+            <a:schemeClr val="accent1"/>
+          </a:effectRef>
+          <a:fontRef idx="minor">
+            <a:schemeClr val="lt1"/>
+          </a:fontRef>
+        </p:style>
+        <p:txBody>
+          <a:bodyPr rot="0" spcFirstLastPara="0" vertOverflow="overflow" horzOverflow="overflow" vert="horz" wrap="square" lIns="56757" tIns="28378" rIns="56757" bIns="28378" numCol="1" spcCol="0" rtlCol="0" fromWordArt="0" anchor="ctr" anchorCtr="0" forceAA="0" compatLnSpc="1">
+            <a:prstTxWarp prst="textNoShape">
+              <a:avLst/>
+            </a:prstTxWarp>
+            <a:noAutofit/>
+          </a:bodyPr>
+          <a:lstStyle/>
+          <a:p>
+            <a:pPr algn="ctr"/>
+            <a:endParaRPr lang="en-US" sz="1200">
+              <a:latin typeface="+mj-lt"/>
+              <a:cs typeface="Times New Roman" panose="02020603050405020304" pitchFamily="18" charset="0"/>
+            </a:endParaRPr>
+          </a:p>
+        </p:txBody>
+      </p:sp>
       <p:grpSp>
         <p:nvGrpSpPr>
           <p:cNvPr id="13" name="Group 12">
             <a:extLst>
               <a:ext uri="{FF2B5EF4-FFF2-40B4-BE49-F238E27FC236}">
-                <a16:creationId xmlns:a16="http://schemas.microsoft.com/office/drawing/2014/main" xmlns="" id="{3F3C6156-07D9-CE49-9436-2C758A39D604}"/>
+                <a16:creationId xmlns:a16="http://schemas.microsoft.com/office/drawing/2014/main" id="{3F3C6156-07D9-CE49-9436-2C758A39D604}"/>
               </a:ext>
             </a:extLst>
           </p:cNvPr>
@@ -4255,7 +4390,7 @@
             <p:cNvPr id="14" name="Rectangle 13">
               <a:extLst>
                 <a:ext uri="{FF2B5EF4-FFF2-40B4-BE49-F238E27FC236}">
-                  <a16:creationId xmlns:a16="http://schemas.microsoft.com/office/drawing/2014/main" xmlns="" id="{3476E380-346B-5C45-91A2-5D90DFBA394E}"/>
+                  <a16:creationId xmlns:a16="http://schemas.microsoft.com/office/drawing/2014/main" id="{3476E380-346B-5C45-91A2-5D90DFBA394E}"/>
                 </a:ext>
               </a:extLst>
             </p:cNvPr>
@@ -4317,7 +4452,7 @@
             <p:cNvPr id="15" name="TextBox 14">
               <a:extLst>
                 <a:ext uri="{FF2B5EF4-FFF2-40B4-BE49-F238E27FC236}">
-                  <a16:creationId xmlns:a16="http://schemas.microsoft.com/office/drawing/2014/main" xmlns="" id="{CEFFADCD-5327-C44E-9659-03C85D45FF1A}"/>
+                  <a16:creationId xmlns:a16="http://schemas.microsoft.com/office/drawing/2014/main" id="{CEFFADCD-5327-C44E-9659-03C85D45FF1A}"/>
                 </a:ext>
               </a:extLst>
             </p:cNvPr>
@@ -4356,7 +4491,7 @@
           <p:cNvPr id="16" name="Group 15">
             <a:extLst>
               <a:ext uri="{FF2B5EF4-FFF2-40B4-BE49-F238E27FC236}">
-                <a16:creationId xmlns:a16="http://schemas.microsoft.com/office/drawing/2014/main" xmlns="" id="{60B53682-92EB-C047-ADEB-A7E534B4E8A8}"/>
+                <a16:creationId xmlns:a16="http://schemas.microsoft.com/office/drawing/2014/main" id="{60B53682-92EB-C047-ADEB-A7E534B4E8A8}"/>
               </a:ext>
             </a:extLst>
           </p:cNvPr>
@@ -4379,7 +4514,7 @@
             <p:cNvPr id="17" name="Rectangle 16">
               <a:extLst>
                 <a:ext uri="{FF2B5EF4-FFF2-40B4-BE49-F238E27FC236}">
-                  <a16:creationId xmlns:a16="http://schemas.microsoft.com/office/drawing/2014/main" xmlns="" id="{D318E7C6-EA46-9945-AE2B-0870F2915DCE}"/>
+                  <a16:creationId xmlns:a16="http://schemas.microsoft.com/office/drawing/2014/main" id="{D318E7C6-EA46-9945-AE2B-0870F2915DCE}"/>
                 </a:ext>
               </a:extLst>
             </p:cNvPr>
@@ -4441,7 +4576,7 @@
             <p:cNvPr id="18" name="TextBox 17">
               <a:extLst>
                 <a:ext uri="{FF2B5EF4-FFF2-40B4-BE49-F238E27FC236}">
-                  <a16:creationId xmlns:a16="http://schemas.microsoft.com/office/drawing/2014/main" xmlns="" id="{2045FE4C-22C9-2947-9282-64AD8E488BA0}"/>
+                  <a16:creationId xmlns:a16="http://schemas.microsoft.com/office/drawing/2014/main" id="{2045FE4C-22C9-2947-9282-64AD8E488BA0}"/>
                 </a:ext>
               </a:extLst>
             </p:cNvPr>
@@ -4477,72 +4612,10 @@
       </p:grpSp>
       <p:sp>
         <p:nvSpPr>
-          <p:cNvPr id="24" name="Oval 23">
-            <a:extLst>
-              <a:ext uri="{FF2B5EF4-FFF2-40B4-BE49-F238E27FC236}">
-                <a16:creationId xmlns:a16="http://schemas.microsoft.com/office/drawing/2014/main" xmlns="" id="{80EA9C69-888B-F44A-BCF3-ECC655A1727B}"/>
-              </a:ext>
-            </a:extLst>
-          </p:cNvPr>
-          <p:cNvSpPr/>
-          <p:nvPr/>
-        </p:nvSpPr>
-        <p:spPr>
-          <a:xfrm>
-            <a:off x="4109517" y="82557"/>
-            <a:ext cx="394531" cy="394531"/>
-          </a:xfrm>
-          <a:prstGeom prst="ellipse">
-            <a:avLst/>
-          </a:prstGeom>
-          <a:solidFill>
-            <a:schemeClr val="accent3"/>
-          </a:solidFill>
-          <a:ln w="25400">
-            <a:solidFill>
-              <a:schemeClr val="tx1"/>
-            </a:solidFill>
-          </a:ln>
-        </p:spPr>
-        <p:style>
-          <a:lnRef idx="2">
-            <a:schemeClr val="accent1">
-              <a:shade val="50000"/>
-            </a:schemeClr>
-          </a:lnRef>
-          <a:fillRef idx="1">
-            <a:schemeClr val="accent1"/>
-          </a:fillRef>
-          <a:effectRef idx="0">
-            <a:schemeClr val="accent1"/>
-          </a:effectRef>
-          <a:fontRef idx="minor">
-            <a:schemeClr val="lt1"/>
-          </a:fontRef>
-        </p:style>
-        <p:txBody>
-          <a:bodyPr rot="0" spcFirstLastPara="0" vertOverflow="overflow" horzOverflow="overflow" vert="horz" wrap="square" lIns="56757" tIns="28378" rIns="56757" bIns="28378" numCol="1" spcCol="0" rtlCol="0" fromWordArt="0" anchor="ctr" anchorCtr="0" forceAA="0" compatLnSpc="1">
-            <a:prstTxWarp prst="textNoShape">
-              <a:avLst/>
-            </a:prstTxWarp>
-            <a:noAutofit/>
-          </a:bodyPr>
-          <a:lstStyle/>
-          <a:p>
-            <a:pPr algn="ctr"/>
-            <a:endParaRPr lang="en-US" sz="1200">
-              <a:latin typeface="+mj-lt"/>
-              <a:cs typeface="Times New Roman" panose="02020603050405020304" pitchFamily="18" charset="0"/>
-            </a:endParaRPr>
-          </a:p>
-        </p:txBody>
-      </p:sp>
-      <p:sp>
-        <p:nvSpPr>
           <p:cNvPr id="25" name="TextBox 24">
             <a:extLst>
               <a:ext uri="{FF2B5EF4-FFF2-40B4-BE49-F238E27FC236}">
-                <a16:creationId xmlns:a16="http://schemas.microsoft.com/office/drawing/2014/main" xmlns="" id="{B8860875-F1F4-6848-BFFC-A2C8CACF3302}"/>
+                <a16:creationId xmlns:a16="http://schemas.microsoft.com/office/drawing/2014/main" id="{B8860875-F1F4-6848-BFFC-A2C8CACF3302}"/>
               </a:ext>
             </a:extLst>
           </p:cNvPr>
@@ -4551,7 +4624,7 @@
         </p:nvSpPr>
         <p:spPr>
           <a:xfrm>
-            <a:off x="4125490" y="111100"/>
+            <a:off x="4154443" y="131095"/>
             <a:ext cx="373718" cy="276999"/>
           </a:xfrm>
           <a:prstGeom prst="rect">
@@ -4580,7 +4653,7 @@
           <p:cNvPr id="27" name="Oval 26">
             <a:extLst>
               <a:ext uri="{FF2B5EF4-FFF2-40B4-BE49-F238E27FC236}">
-                <a16:creationId xmlns:a16="http://schemas.microsoft.com/office/drawing/2014/main" xmlns="" id="{6B8D91CC-452C-9F40-8A18-6EEF72196750}"/>
+                <a16:creationId xmlns:a16="http://schemas.microsoft.com/office/drawing/2014/main" id="{6B8D91CC-452C-9F40-8A18-6EEF72196750}"/>
               </a:ext>
             </a:extLst>
           </p:cNvPr>
@@ -4640,7 +4713,7 @@
           <p:cNvPr id="28" name="TextBox 27">
             <a:extLst>
               <a:ext uri="{FF2B5EF4-FFF2-40B4-BE49-F238E27FC236}">
-                <a16:creationId xmlns:a16="http://schemas.microsoft.com/office/drawing/2014/main" xmlns="" id="{6C0D91D2-D0BD-3748-8D36-A65DA478E317}"/>
+                <a16:creationId xmlns:a16="http://schemas.microsoft.com/office/drawing/2014/main" id="{6C0D91D2-D0BD-3748-8D36-A65DA478E317}"/>
               </a:ext>
             </a:extLst>
           </p:cNvPr>
@@ -4678,7 +4751,7 @@
           <p:cNvPr id="29" name="Group 28">
             <a:extLst>
               <a:ext uri="{FF2B5EF4-FFF2-40B4-BE49-F238E27FC236}">
-                <a16:creationId xmlns:a16="http://schemas.microsoft.com/office/drawing/2014/main" xmlns="" id="{58DDEB8D-7BE7-CB41-B0C9-81495875BA69}"/>
+                <a16:creationId xmlns:a16="http://schemas.microsoft.com/office/drawing/2014/main" id="{58DDEB8D-7BE7-CB41-B0C9-81495875BA69}"/>
               </a:ext>
             </a:extLst>
           </p:cNvPr>
@@ -4701,7 +4774,7 @@
             <p:cNvPr id="30" name="Rectangle 29">
               <a:extLst>
                 <a:ext uri="{FF2B5EF4-FFF2-40B4-BE49-F238E27FC236}">
-                  <a16:creationId xmlns:a16="http://schemas.microsoft.com/office/drawing/2014/main" xmlns="" id="{5A873860-AFEE-C846-B7CA-0E3764F4C6C8}"/>
+                  <a16:creationId xmlns:a16="http://schemas.microsoft.com/office/drawing/2014/main" id="{5A873860-AFEE-C846-B7CA-0E3764F4C6C8}"/>
                 </a:ext>
               </a:extLst>
             </p:cNvPr>
@@ -4761,7 +4834,7 @@
             <p:cNvPr id="31" name="TextBox 30">
               <a:extLst>
                 <a:ext uri="{FF2B5EF4-FFF2-40B4-BE49-F238E27FC236}">
-                  <a16:creationId xmlns:a16="http://schemas.microsoft.com/office/drawing/2014/main" xmlns="" id="{026EFF95-A269-9B4E-AD07-2002435F0D32}"/>
+                  <a16:creationId xmlns:a16="http://schemas.microsoft.com/office/drawing/2014/main" id="{026EFF95-A269-9B4E-AD07-2002435F0D32}"/>
                 </a:ext>
               </a:extLst>
             </p:cNvPr>
@@ -4800,7 +4873,7 @@
           <p:cNvPr id="32" name="Group 31">
             <a:extLst>
               <a:ext uri="{FF2B5EF4-FFF2-40B4-BE49-F238E27FC236}">
-                <a16:creationId xmlns:a16="http://schemas.microsoft.com/office/drawing/2014/main" xmlns="" id="{ADB79DEC-DF71-A04A-AA69-FB3D253340FE}"/>
+                <a16:creationId xmlns:a16="http://schemas.microsoft.com/office/drawing/2014/main" id="{ADB79DEC-DF71-A04A-AA69-FB3D253340FE}"/>
               </a:ext>
             </a:extLst>
           </p:cNvPr>
@@ -4820,7 +4893,7 @@
             <p:cNvPr id="33" name="Rectangle 32">
               <a:extLst>
                 <a:ext uri="{FF2B5EF4-FFF2-40B4-BE49-F238E27FC236}">
-                  <a16:creationId xmlns:a16="http://schemas.microsoft.com/office/drawing/2014/main" xmlns="" id="{BF1237CB-3D98-2E4F-B768-D020BFF9EB00}"/>
+                  <a16:creationId xmlns:a16="http://schemas.microsoft.com/office/drawing/2014/main" id="{BF1237CB-3D98-2E4F-B768-D020BFF9EB00}"/>
                 </a:ext>
               </a:extLst>
             </p:cNvPr>
@@ -4880,7 +4953,7 @@
             <p:cNvPr id="34" name="TextBox 33">
               <a:extLst>
                 <a:ext uri="{FF2B5EF4-FFF2-40B4-BE49-F238E27FC236}">
-                  <a16:creationId xmlns:a16="http://schemas.microsoft.com/office/drawing/2014/main" xmlns="" id="{02BA6998-2549-1044-86AE-4D1A2F91731F}"/>
+                  <a16:creationId xmlns:a16="http://schemas.microsoft.com/office/drawing/2014/main" id="{02BA6998-2549-1044-86AE-4D1A2F91731F}"/>
                 </a:ext>
               </a:extLst>
             </p:cNvPr>
@@ -4919,12 +4992,12 @@
           <p:cNvPr id="38" name="Straight Arrow Connector 37">
             <a:extLst>
               <a:ext uri="{FF2B5EF4-FFF2-40B4-BE49-F238E27FC236}">
-                <a16:creationId xmlns:a16="http://schemas.microsoft.com/office/drawing/2014/main" xmlns="" id="{9774CE3A-A97F-DC46-A82D-3F506103356B}"/>
+                <a16:creationId xmlns:a16="http://schemas.microsoft.com/office/drawing/2014/main" id="{9774CE3A-A97F-DC46-A82D-3F506103356B}"/>
               </a:ext>
             </a:extLst>
           </p:cNvPr>
           <p:cNvCxnSpPr>
-            <a:stCxn id="24" idx="2"/>
+            <a:cxnSpLocks/>
             <a:endCxn id="14" idx="3"/>
           </p:cNvCxnSpPr>
           <p:nvPr/>
@@ -4964,7 +5037,7 @@
           <p:cNvPr id="39" name="Straight Arrow Connector 38">
             <a:extLst>
               <a:ext uri="{FF2B5EF4-FFF2-40B4-BE49-F238E27FC236}">
-                <a16:creationId xmlns:a16="http://schemas.microsoft.com/office/drawing/2014/main" xmlns="" id="{E43912C9-718E-E849-8467-C9359972B555}"/>
+                <a16:creationId xmlns:a16="http://schemas.microsoft.com/office/drawing/2014/main" id="{E43912C9-718E-E849-8467-C9359972B555}"/>
               </a:ext>
             </a:extLst>
           </p:cNvPr>
@@ -5008,7 +5081,7 @@
           <p:cNvPr id="40" name="Straight Arrow Connector 39">
             <a:extLst>
               <a:ext uri="{FF2B5EF4-FFF2-40B4-BE49-F238E27FC236}">
-                <a16:creationId xmlns:a16="http://schemas.microsoft.com/office/drawing/2014/main" xmlns="" id="{3F0BB5AA-803C-A249-800F-155E27C62A0A}"/>
+                <a16:creationId xmlns:a16="http://schemas.microsoft.com/office/drawing/2014/main" id="{3F0BB5AA-803C-A249-800F-155E27C62A0A}"/>
               </a:ext>
             </a:extLst>
           </p:cNvPr>
@@ -5021,8 +5094,8 @@
         </p:nvCxnSpPr>
         <p:spPr>
           <a:xfrm flipH="1">
-            <a:off x="4499208" y="245877"/>
-            <a:ext cx="498698" cy="3723"/>
+            <a:off x="4528161" y="245877"/>
+            <a:ext cx="469745" cy="23718"/>
           </a:xfrm>
           <a:prstGeom prst="straightConnector1">
             <a:avLst/>
@@ -5054,7 +5127,7 @@
           <p:cNvPr id="41" name="Straight Arrow Connector 40">
             <a:extLst>
               <a:ext uri="{FF2B5EF4-FFF2-40B4-BE49-F238E27FC236}">
-                <a16:creationId xmlns:a16="http://schemas.microsoft.com/office/drawing/2014/main" xmlns="" id="{9F3E0B84-0909-B743-9080-B0E41D6E4599}"/>
+                <a16:creationId xmlns:a16="http://schemas.microsoft.com/office/drawing/2014/main" id="{9F3E0B84-0909-B743-9080-B0E41D6E4599}"/>
               </a:ext>
             </a:extLst>
           </p:cNvPr>
@@ -5099,7 +5172,7 @@
           <p:cNvPr id="44" name="TextBox 43">
             <a:extLst>
               <a:ext uri="{FF2B5EF4-FFF2-40B4-BE49-F238E27FC236}">
-                <a16:creationId xmlns:a16="http://schemas.microsoft.com/office/drawing/2014/main" xmlns="" id="{2C40AC4A-8D7C-484D-83E3-080746DCE7B8}"/>
+                <a16:creationId xmlns:a16="http://schemas.microsoft.com/office/drawing/2014/main" id="{2C40AC4A-8D7C-484D-83E3-080746DCE7B8}"/>
               </a:ext>
             </a:extLst>
           </p:cNvPr>
@@ -5137,7 +5210,7 @@
           <p:cNvPr id="45" name="TextBox 44">
             <a:extLst>
               <a:ext uri="{FF2B5EF4-FFF2-40B4-BE49-F238E27FC236}">
-                <a16:creationId xmlns:a16="http://schemas.microsoft.com/office/drawing/2014/main" xmlns="" id="{0909D81B-E2EA-1B4A-88FA-637B628A0894}"/>
+                <a16:creationId xmlns:a16="http://schemas.microsoft.com/office/drawing/2014/main" id="{0909D81B-E2EA-1B4A-88FA-637B628A0894}"/>
               </a:ext>
             </a:extLst>
           </p:cNvPr>
@@ -5175,7 +5248,7 @@
           <p:cNvPr id="47" name="TextBox 46">
             <a:extLst>
               <a:ext uri="{FF2B5EF4-FFF2-40B4-BE49-F238E27FC236}">
-                <a16:creationId xmlns:a16="http://schemas.microsoft.com/office/drawing/2014/main" xmlns="" id="{ACDB9B83-7FA9-F34E-9FFD-62B731AD3F63}"/>
+                <a16:creationId xmlns:a16="http://schemas.microsoft.com/office/drawing/2014/main" id="{ACDB9B83-7FA9-F34E-9FFD-62B731AD3F63}"/>
               </a:ext>
             </a:extLst>
           </p:cNvPr>
@@ -5217,7 +5290,7 @@
           <p:cNvPr id="55" name="Straight Arrow Connector 54">
             <a:extLst>
               <a:ext uri="{FF2B5EF4-FFF2-40B4-BE49-F238E27FC236}">
-                <a16:creationId xmlns:a16="http://schemas.microsoft.com/office/drawing/2014/main" xmlns="" id="{256322CD-CB7B-EE43-B71C-7B87AC68DEAC}"/>
+                <a16:creationId xmlns:a16="http://schemas.microsoft.com/office/drawing/2014/main" id="{256322CD-CB7B-EE43-B71C-7B87AC68DEAC}"/>
               </a:ext>
             </a:extLst>
           </p:cNvPr>
@@ -5262,7 +5335,7 @@
           <p:cNvPr id="201" name="Right Arrow 200">
             <a:extLst>
               <a:ext uri="{FF2B5EF4-FFF2-40B4-BE49-F238E27FC236}">
-                <a16:creationId xmlns:a16="http://schemas.microsoft.com/office/drawing/2014/main" xmlns="" id="{53C320BB-ACDE-4141-A63B-A149F2633898}"/>
+                <a16:creationId xmlns:a16="http://schemas.microsoft.com/office/drawing/2014/main" id="{53C320BB-ACDE-4141-A63B-A149F2633898}"/>
               </a:ext>
             </a:extLst>
           </p:cNvPr>
@@ -5318,7 +5391,7 @@
           <p:cNvPr id="202" name="Right Arrow 201">
             <a:extLst>
               <a:ext uri="{FF2B5EF4-FFF2-40B4-BE49-F238E27FC236}">
-                <a16:creationId xmlns:a16="http://schemas.microsoft.com/office/drawing/2014/main" xmlns="" id="{C53AB098-FB56-6F40-9361-77851AE26F56}"/>
+                <a16:creationId xmlns:a16="http://schemas.microsoft.com/office/drawing/2014/main" id="{C53AB098-FB56-6F40-9361-77851AE26F56}"/>
               </a:ext>
             </a:extLst>
           </p:cNvPr>
@@ -5374,7 +5447,7 @@
           <p:cNvPr id="58" name="Rectangle 57">
             <a:extLst>
               <a:ext uri="{FF2B5EF4-FFF2-40B4-BE49-F238E27FC236}">
-                <a16:creationId xmlns:a16="http://schemas.microsoft.com/office/drawing/2014/main" xmlns="" id="{B1E36DF9-63C5-DF44-B0CB-35E9FC7A9858}"/>
+                <a16:creationId xmlns:a16="http://schemas.microsoft.com/office/drawing/2014/main" id="{B1E36DF9-63C5-DF44-B0CB-35E9FC7A9858}"/>
               </a:ext>
             </a:extLst>
           </p:cNvPr>
@@ -5415,7 +5488,7 @@
           <p:cNvPr id="204" name="Rectangle 203">
             <a:extLst>
               <a:ext uri="{FF2B5EF4-FFF2-40B4-BE49-F238E27FC236}">
-                <a16:creationId xmlns:a16="http://schemas.microsoft.com/office/drawing/2014/main" xmlns="" id="{213E4176-A1EC-354E-AE73-8A1FB1057A5E}"/>
+                <a16:creationId xmlns:a16="http://schemas.microsoft.com/office/drawing/2014/main" id="{213E4176-A1EC-354E-AE73-8A1FB1057A5E}"/>
               </a:ext>
             </a:extLst>
           </p:cNvPr>
@@ -5456,7 +5529,7 @@
           <p:cNvPr id="253" name="Rectangle 252">
             <a:extLst>
               <a:ext uri="{FF2B5EF4-FFF2-40B4-BE49-F238E27FC236}">
-                <a16:creationId xmlns:a16="http://schemas.microsoft.com/office/drawing/2014/main" xmlns="" id="{2ABCB084-AF4F-D34A-ADAD-D4249F60DF40}"/>
+                <a16:creationId xmlns:a16="http://schemas.microsoft.com/office/drawing/2014/main" id="{2ABCB084-AF4F-D34A-ADAD-D4249F60DF40}"/>
               </a:ext>
             </a:extLst>
           </p:cNvPr>
@@ -5490,7 +5563,7 @@
               <a:t>(</a:t>
             </a:r>
             <a:r>
-              <a:rPr lang="en-US" sz="1200" i="1" dirty="0" err="1" smtClean="0">
+              <a:rPr lang="en-US" sz="1200" i="1" dirty="0" err="1">
                 <a:solidFill>
                   <a:prstClr val="black"/>
                 </a:solidFill>
@@ -5500,7 +5573,7 @@
               <a:t>pclos</a:t>
             </a:r>
             <a:r>
-              <a:rPr lang="en-US" sz="1200" i="1" dirty="0" smtClean="0">
+              <a:rPr lang="en-US" sz="1200" i="1" dirty="0">
                 <a:solidFill>
                   <a:prstClr val="black"/>
                 </a:solidFill>
@@ -5509,13 +5582,6 @@
               </a:rPr>
               <a:t>, extend)</a:t>
             </a:r>
-            <a:endParaRPr lang="en-US" sz="1200" i="1" dirty="0">
-              <a:solidFill>
-                <a:prstClr val="black"/>
-              </a:solidFill>
-              <a:latin typeface="Times New Roman" panose="02020603050405020304" pitchFamily="18" charset="0"/>
-              <a:cs typeface="Times New Roman" panose="02020603050405020304" pitchFamily="18" charset="0"/>
-            </a:endParaRPr>
           </a:p>
         </p:txBody>
       </p:sp>
@@ -5524,7 +5590,7 @@
           <p:cNvPr id="255" name="Rectangle 254">
             <a:extLst>
               <a:ext uri="{FF2B5EF4-FFF2-40B4-BE49-F238E27FC236}">
-                <a16:creationId xmlns:a16="http://schemas.microsoft.com/office/drawing/2014/main" xmlns="" id="{A66B4D90-B5F6-B042-B185-4EE83C70A3BA}"/>
+                <a16:creationId xmlns:a16="http://schemas.microsoft.com/office/drawing/2014/main" id="{A66B4D90-B5F6-B042-B185-4EE83C70A3BA}"/>
               </a:ext>
             </a:extLst>
           </p:cNvPr>
@@ -5558,7 +5624,7 @@
               <a:t>(</a:t>
             </a:r>
             <a:r>
-              <a:rPr lang="en-US" sz="1200" i="1" dirty="0" err="1" smtClean="0">
+              <a:rPr lang="en-US" sz="1200" i="1" dirty="0" err="1">
                 <a:solidFill>
                   <a:prstClr val="black"/>
                 </a:solidFill>
@@ -5568,7 +5634,7 @@
               <a:t>pclos</a:t>
             </a:r>
             <a:r>
-              <a:rPr lang="en-US" sz="1200" i="1" dirty="0" smtClean="0">
+              <a:rPr lang="en-US" sz="1200" i="1" dirty="0">
                 <a:solidFill>
                   <a:prstClr val="black"/>
                 </a:solidFill>
@@ -5577,13 +5643,6 @@
               </a:rPr>
               <a:t>, extend)</a:t>
             </a:r>
-            <a:endParaRPr lang="en-US" sz="1200" i="1" dirty="0">
-              <a:solidFill>
-                <a:prstClr val="black"/>
-              </a:solidFill>
-              <a:latin typeface="Times New Roman" panose="02020603050405020304" pitchFamily="18" charset="0"/>
-              <a:cs typeface="Times New Roman" panose="02020603050405020304" pitchFamily="18" charset="0"/>
-            </a:endParaRPr>
           </a:p>
         </p:txBody>
       </p:sp>
@@ -5592,7 +5651,7 @@
           <p:cNvPr id="282" name="Group 281">
             <a:extLst>
               <a:ext uri="{FF2B5EF4-FFF2-40B4-BE49-F238E27FC236}">
-                <a16:creationId xmlns:a16="http://schemas.microsoft.com/office/drawing/2014/main" xmlns="" id="{5F6007A8-6066-A34B-BF9C-DB0280306123}"/>
+                <a16:creationId xmlns:a16="http://schemas.microsoft.com/office/drawing/2014/main" id="{5F6007A8-6066-A34B-BF9C-DB0280306123}"/>
               </a:ext>
             </a:extLst>
           </p:cNvPr>
@@ -5615,7 +5674,7 @@
             <p:cNvPr id="283" name="Rectangle 282">
               <a:extLst>
                 <a:ext uri="{FF2B5EF4-FFF2-40B4-BE49-F238E27FC236}">
-                  <a16:creationId xmlns:a16="http://schemas.microsoft.com/office/drawing/2014/main" xmlns="" id="{DC5702D4-8E22-2C45-8C47-9CDB6BC6DAC5}"/>
+                  <a16:creationId xmlns:a16="http://schemas.microsoft.com/office/drawing/2014/main" id="{DC5702D4-8E22-2C45-8C47-9CDB6BC6DAC5}"/>
                 </a:ext>
               </a:extLst>
             </p:cNvPr>
@@ -5677,7 +5736,7 @@
             <p:cNvPr id="284" name="TextBox 283">
               <a:extLst>
                 <a:ext uri="{FF2B5EF4-FFF2-40B4-BE49-F238E27FC236}">
-                  <a16:creationId xmlns:a16="http://schemas.microsoft.com/office/drawing/2014/main" xmlns="" id="{9A660207-22BF-914E-BE45-10523F140C73}"/>
+                  <a16:creationId xmlns:a16="http://schemas.microsoft.com/office/drawing/2014/main" id="{9A660207-22BF-914E-BE45-10523F140C73}"/>
                 </a:ext>
               </a:extLst>
             </p:cNvPr>
@@ -5716,7 +5775,7 @@
           <p:cNvPr id="287" name="Oval 286">
             <a:extLst>
               <a:ext uri="{FF2B5EF4-FFF2-40B4-BE49-F238E27FC236}">
-                <a16:creationId xmlns:a16="http://schemas.microsoft.com/office/drawing/2014/main" xmlns="" id="{8D972AD8-010D-AB46-8B67-50CC7E6C5CC2}"/>
+                <a16:creationId xmlns:a16="http://schemas.microsoft.com/office/drawing/2014/main" id="{8D972AD8-010D-AB46-8B67-50CC7E6C5CC2}"/>
               </a:ext>
             </a:extLst>
           </p:cNvPr>
@@ -5776,7 +5835,7 @@
           <p:cNvPr id="288" name="TextBox 287">
             <a:extLst>
               <a:ext uri="{FF2B5EF4-FFF2-40B4-BE49-F238E27FC236}">
-                <a16:creationId xmlns:a16="http://schemas.microsoft.com/office/drawing/2014/main" xmlns="" id="{13D4D59F-F032-3446-A503-D923B39069A2}"/>
+                <a16:creationId xmlns:a16="http://schemas.microsoft.com/office/drawing/2014/main" id="{13D4D59F-F032-3446-A503-D923B39069A2}"/>
               </a:ext>
             </a:extLst>
           </p:cNvPr>
@@ -5814,7 +5873,7 @@
           <p:cNvPr id="289" name="Group 288">
             <a:extLst>
               <a:ext uri="{FF2B5EF4-FFF2-40B4-BE49-F238E27FC236}">
-                <a16:creationId xmlns:a16="http://schemas.microsoft.com/office/drawing/2014/main" xmlns="" id="{516B89AB-2454-9E48-BCE7-D596AA170215}"/>
+                <a16:creationId xmlns:a16="http://schemas.microsoft.com/office/drawing/2014/main" id="{516B89AB-2454-9E48-BCE7-D596AA170215}"/>
               </a:ext>
             </a:extLst>
           </p:cNvPr>
@@ -5837,7 +5896,7 @@
             <p:cNvPr id="290" name="Rectangle 289">
               <a:extLst>
                 <a:ext uri="{FF2B5EF4-FFF2-40B4-BE49-F238E27FC236}">
-                  <a16:creationId xmlns:a16="http://schemas.microsoft.com/office/drawing/2014/main" xmlns="" id="{E8E9CB56-5BA3-E04B-AD0D-F56D59C854EE}"/>
+                  <a16:creationId xmlns:a16="http://schemas.microsoft.com/office/drawing/2014/main" id="{E8E9CB56-5BA3-E04B-AD0D-F56D59C854EE}"/>
                 </a:ext>
               </a:extLst>
             </p:cNvPr>
@@ -5897,7 +5956,7 @@
             <p:cNvPr id="291" name="TextBox 290">
               <a:extLst>
                 <a:ext uri="{FF2B5EF4-FFF2-40B4-BE49-F238E27FC236}">
-                  <a16:creationId xmlns:a16="http://schemas.microsoft.com/office/drawing/2014/main" xmlns="" id="{CA601F40-3B18-3043-8A1D-C21C540484B5}"/>
+                  <a16:creationId xmlns:a16="http://schemas.microsoft.com/office/drawing/2014/main" id="{CA601F40-3B18-3043-8A1D-C21C540484B5}"/>
                 </a:ext>
               </a:extLst>
             </p:cNvPr>
@@ -5943,7 +6002,7 @@
           <p:cNvPr id="292" name="Group 291">
             <a:extLst>
               <a:ext uri="{FF2B5EF4-FFF2-40B4-BE49-F238E27FC236}">
-                <a16:creationId xmlns:a16="http://schemas.microsoft.com/office/drawing/2014/main" xmlns="" id="{B3F1FD04-551E-614F-838B-2F8FCA699444}"/>
+                <a16:creationId xmlns:a16="http://schemas.microsoft.com/office/drawing/2014/main" id="{B3F1FD04-551E-614F-838B-2F8FCA699444}"/>
               </a:ext>
             </a:extLst>
           </p:cNvPr>
@@ -5963,7 +6022,7 @@
             <p:cNvPr id="293" name="Rectangle 292">
               <a:extLst>
                 <a:ext uri="{FF2B5EF4-FFF2-40B4-BE49-F238E27FC236}">
-                  <a16:creationId xmlns:a16="http://schemas.microsoft.com/office/drawing/2014/main" xmlns="" id="{F1BFEA2A-CF81-EE48-B99B-21874F482007}"/>
+                  <a16:creationId xmlns:a16="http://schemas.microsoft.com/office/drawing/2014/main" id="{F1BFEA2A-CF81-EE48-B99B-21874F482007}"/>
                 </a:ext>
               </a:extLst>
             </p:cNvPr>
@@ -6023,7 +6082,7 @@
             <p:cNvPr id="294" name="TextBox 293">
               <a:extLst>
                 <a:ext uri="{FF2B5EF4-FFF2-40B4-BE49-F238E27FC236}">
-                  <a16:creationId xmlns:a16="http://schemas.microsoft.com/office/drawing/2014/main" xmlns="" id="{4522B5EA-0329-EE40-A59E-DF452D4ABA54}"/>
+                  <a16:creationId xmlns:a16="http://schemas.microsoft.com/office/drawing/2014/main" id="{4522B5EA-0329-EE40-A59E-DF452D4ABA54}"/>
                 </a:ext>
               </a:extLst>
             </p:cNvPr>
@@ -6062,7 +6121,7 @@
           <p:cNvPr id="296" name="Straight Arrow Connector 295">
             <a:extLst>
               <a:ext uri="{FF2B5EF4-FFF2-40B4-BE49-F238E27FC236}">
-                <a16:creationId xmlns:a16="http://schemas.microsoft.com/office/drawing/2014/main" xmlns="" id="{D3BA0D8C-EA71-AE4B-B5E3-6284F1DD708B}"/>
+                <a16:creationId xmlns:a16="http://schemas.microsoft.com/office/drawing/2014/main" id="{D3BA0D8C-EA71-AE4B-B5E3-6284F1DD708B}"/>
               </a:ext>
             </a:extLst>
           </p:cNvPr>
@@ -6107,7 +6166,7 @@
           <p:cNvPr id="298" name="Straight Arrow Connector 297">
             <a:extLst>
               <a:ext uri="{FF2B5EF4-FFF2-40B4-BE49-F238E27FC236}">
-                <a16:creationId xmlns:a16="http://schemas.microsoft.com/office/drawing/2014/main" xmlns="" id="{B56DB80C-AF04-5B41-8550-DC9639BDFA4E}"/>
+                <a16:creationId xmlns:a16="http://schemas.microsoft.com/office/drawing/2014/main" id="{B56DB80C-AF04-5B41-8550-DC9639BDFA4E}"/>
               </a:ext>
             </a:extLst>
           </p:cNvPr>
@@ -6152,7 +6211,7 @@
           <p:cNvPr id="299" name="TextBox 298">
             <a:extLst>
               <a:ext uri="{FF2B5EF4-FFF2-40B4-BE49-F238E27FC236}">
-                <a16:creationId xmlns:a16="http://schemas.microsoft.com/office/drawing/2014/main" xmlns="" id="{A61BC54A-704B-2A41-A542-184737C356D3}"/>
+                <a16:creationId xmlns:a16="http://schemas.microsoft.com/office/drawing/2014/main" id="{A61BC54A-704B-2A41-A542-184737C356D3}"/>
               </a:ext>
             </a:extLst>
           </p:cNvPr>
@@ -6190,7 +6249,7 @@
           <p:cNvPr id="300" name="TextBox 299">
             <a:extLst>
               <a:ext uri="{FF2B5EF4-FFF2-40B4-BE49-F238E27FC236}">
-                <a16:creationId xmlns:a16="http://schemas.microsoft.com/office/drawing/2014/main" xmlns="" id="{B2B44B3E-DE1D-C047-9730-FF8235EF27B8}"/>
+                <a16:creationId xmlns:a16="http://schemas.microsoft.com/office/drawing/2014/main" id="{B2B44B3E-DE1D-C047-9730-FF8235EF27B8}"/>
               </a:ext>
             </a:extLst>
           </p:cNvPr>
@@ -6232,7 +6291,7 @@
           <p:cNvPr id="301" name="Straight Arrow Connector 300">
             <a:extLst>
               <a:ext uri="{FF2B5EF4-FFF2-40B4-BE49-F238E27FC236}">
-                <a16:creationId xmlns:a16="http://schemas.microsoft.com/office/drawing/2014/main" xmlns="" id="{D66DCD37-052B-3144-BD7D-CA13730BFA26}"/>
+                <a16:creationId xmlns:a16="http://schemas.microsoft.com/office/drawing/2014/main" id="{D66DCD37-052B-3144-BD7D-CA13730BFA26}"/>
               </a:ext>
             </a:extLst>
           </p:cNvPr>
@@ -6277,7 +6336,7 @@
           <p:cNvPr id="302" name="Right Arrow 301">
             <a:extLst>
               <a:ext uri="{FF2B5EF4-FFF2-40B4-BE49-F238E27FC236}">
-                <a16:creationId xmlns:a16="http://schemas.microsoft.com/office/drawing/2014/main" xmlns="" id="{35A0C86C-659F-6B4D-A1C3-146FD63D934D}"/>
+                <a16:creationId xmlns:a16="http://schemas.microsoft.com/office/drawing/2014/main" id="{35A0C86C-659F-6B4D-A1C3-146FD63D934D}"/>
               </a:ext>
             </a:extLst>
           </p:cNvPr>
@@ -6333,7 +6392,7 @@
           <p:cNvPr id="303" name="Rectangle 302">
             <a:extLst>
               <a:ext uri="{FF2B5EF4-FFF2-40B4-BE49-F238E27FC236}">
-                <a16:creationId xmlns:a16="http://schemas.microsoft.com/office/drawing/2014/main" xmlns="" id="{2F6A9014-7537-5049-9FD8-0666FEDC5B8E}"/>
+                <a16:creationId xmlns:a16="http://schemas.microsoft.com/office/drawing/2014/main" id="{2F6A9014-7537-5049-9FD8-0666FEDC5B8E}"/>
               </a:ext>
             </a:extLst>
           </p:cNvPr>
@@ -6374,7 +6433,7 @@
           <p:cNvPr id="307" name="TextBox 306">
             <a:extLst>
               <a:ext uri="{FF2B5EF4-FFF2-40B4-BE49-F238E27FC236}">
-                <a16:creationId xmlns:a16="http://schemas.microsoft.com/office/drawing/2014/main" xmlns="" id="{578D84DE-AA75-7C40-9A20-1EA4669B0AC8}"/>
+                <a16:creationId xmlns:a16="http://schemas.microsoft.com/office/drawing/2014/main" id="{578D84DE-AA75-7C40-9A20-1EA4669B0AC8}"/>
               </a:ext>
             </a:extLst>
           </p:cNvPr>
@@ -6412,7 +6471,7 @@
           <p:cNvPr id="309" name="TextBox 308">
             <a:extLst>
               <a:ext uri="{FF2B5EF4-FFF2-40B4-BE49-F238E27FC236}">
-                <a16:creationId xmlns:a16="http://schemas.microsoft.com/office/drawing/2014/main" xmlns="" id="{C7593B29-7DB5-034C-9298-C368E82E9DF7}"/>
+                <a16:creationId xmlns:a16="http://schemas.microsoft.com/office/drawing/2014/main" id="{C7593B29-7DB5-034C-9298-C368E82E9DF7}"/>
               </a:ext>
             </a:extLst>
           </p:cNvPr>
@@ -6454,7 +6513,7 @@
           <p:cNvPr id="310" name="TextBox 309">
             <a:extLst>
               <a:ext uri="{FF2B5EF4-FFF2-40B4-BE49-F238E27FC236}">
-                <a16:creationId xmlns:a16="http://schemas.microsoft.com/office/drawing/2014/main" xmlns="" id="{D3197F1D-47A0-9544-88F6-F8AEEF62C33A}"/>
+                <a16:creationId xmlns:a16="http://schemas.microsoft.com/office/drawing/2014/main" id="{D3197F1D-47A0-9544-88F6-F8AEEF62C33A}"/>
               </a:ext>
             </a:extLst>
           </p:cNvPr>
@@ -6463,7 +6522,7 @@
         </p:nvSpPr>
         <p:spPr>
           <a:xfrm>
-            <a:off x="4341684" y="533821"/>
+            <a:off x="4341302" y="408094"/>
             <a:ext cx="482824" cy="276999"/>
           </a:xfrm>
           <a:prstGeom prst="rect">
@@ -6506,7 +6565,7 @@
             <p:cNvPr id="46" name="TextBox 45">
               <a:extLst>
                 <a:ext uri="{FF2B5EF4-FFF2-40B4-BE49-F238E27FC236}">
-                  <a16:creationId xmlns:a16="http://schemas.microsoft.com/office/drawing/2014/main" xmlns="" id="{F6E48A18-590F-BA44-95B6-FE5AE87BCD61}"/>
+                  <a16:creationId xmlns:a16="http://schemas.microsoft.com/office/drawing/2014/main" id="{F6E48A18-590F-BA44-95B6-FE5AE87BCD61}"/>
                 </a:ext>
               </a:extLst>
             </p:cNvPr>
@@ -6548,7 +6607,7 @@
             <p:cNvPr id="205" name="Group 204">
               <a:extLst>
                 <a:ext uri="{FF2B5EF4-FFF2-40B4-BE49-F238E27FC236}">
-                  <a16:creationId xmlns:a16="http://schemas.microsoft.com/office/drawing/2014/main" xmlns="" id="{1ACE75B6-743C-A542-8A53-00ECFB1AD5D6}"/>
+                  <a16:creationId xmlns:a16="http://schemas.microsoft.com/office/drawing/2014/main" id="{1ACE75B6-743C-A542-8A53-00ECFB1AD5D6}"/>
                 </a:ext>
               </a:extLst>
             </p:cNvPr>
@@ -6571,7 +6630,7 @@
               <p:cNvPr id="206" name="Rectangle 205">
                 <a:extLst>
                   <a:ext uri="{FF2B5EF4-FFF2-40B4-BE49-F238E27FC236}">
-                    <a16:creationId xmlns:a16="http://schemas.microsoft.com/office/drawing/2014/main" xmlns="" id="{BF7CAF97-9934-1446-8D0C-E38D0959354B}"/>
+                    <a16:creationId xmlns:a16="http://schemas.microsoft.com/office/drawing/2014/main" id="{BF7CAF97-9934-1446-8D0C-E38D0959354B}"/>
                   </a:ext>
                 </a:extLst>
               </p:cNvPr>
@@ -6631,7 +6690,7 @@
               <p:cNvPr id="207" name="TextBox 206">
                 <a:extLst>
                   <a:ext uri="{FF2B5EF4-FFF2-40B4-BE49-F238E27FC236}">
-                    <a16:creationId xmlns:a16="http://schemas.microsoft.com/office/drawing/2014/main" xmlns="" id="{1A4F53DB-D0FC-054E-88E9-4258204561F4}"/>
+                    <a16:creationId xmlns:a16="http://schemas.microsoft.com/office/drawing/2014/main" id="{1A4F53DB-D0FC-054E-88E9-4258204561F4}"/>
                   </a:ext>
                 </a:extLst>
               </p:cNvPr>
@@ -6670,7 +6729,7 @@
             <p:cNvPr id="208" name="Group 207">
               <a:extLst>
                 <a:ext uri="{FF2B5EF4-FFF2-40B4-BE49-F238E27FC236}">
-                  <a16:creationId xmlns:a16="http://schemas.microsoft.com/office/drawing/2014/main" xmlns="" id="{FC58CC60-7A84-814C-B31A-43353991AB79}"/>
+                  <a16:creationId xmlns:a16="http://schemas.microsoft.com/office/drawing/2014/main" id="{FC58CC60-7A84-814C-B31A-43353991AB79}"/>
                 </a:ext>
               </a:extLst>
             </p:cNvPr>
@@ -6693,7 +6752,7 @@
               <p:cNvPr id="209" name="Rectangle 208">
                 <a:extLst>
                   <a:ext uri="{FF2B5EF4-FFF2-40B4-BE49-F238E27FC236}">
-                    <a16:creationId xmlns:a16="http://schemas.microsoft.com/office/drawing/2014/main" xmlns="" id="{C5022D88-33DB-0640-AB3B-F3FF0979C8F4}"/>
+                    <a16:creationId xmlns:a16="http://schemas.microsoft.com/office/drawing/2014/main" id="{C5022D88-33DB-0640-AB3B-F3FF0979C8F4}"/>
                   </a:ext>
                 </a:extLst>
               </p:cNvPr>
@@ -6755,7 +6814,7 @@
               <p:cNvPr id="210" name="TextBox 209">
                 <a:extLst>
                   <a:ext uri="{FF2B5EF4-FFF2-40B4-BE49-F238E27FC236}">
-                    <a16:creationId xmlns:a16="http://schemas.microsoft.com/office/drawing/2014/main" xmlns="" id="{7BE2C302-23A6-B146-8F50-788BAA3BF2D8}"/>
+                    <a16:creationId xmlns:a16="http://schemas.microsoft.com/office/drawing/2014/main" id="{7BE2C302-23A6-B146-8F50-788BAA3BF2D8}"/>
                   </a:ext>
                 </a:extLst>
               </p:cNvPr>
@@ -6794,7 +6853,7 @@
             <p:cNvPr id="211" name="Oval 210">
               <a:extLst>
                 <a:ext uri="{FF2B5EF4-FFF2-40B4-BE49-F238E27FC236}">
-                  <a16:creationId xmlns:a16="http://schemas.microsoft.com/office/drawing/2014/main" xmlns="" id="{DA5C1388-3F49-DC4D-A5D0-0FE28322E340}"/>
+                  <a16:creationId xmlns:a16="http://schemas.microsoft.com/office/drawing/2014/main" id="{DA5C1388-3F49-DC4D-A5D0-0FE28322E340}"/>
                 </a:ext>
               </a:extLst>
             </p:cNvPr>
@@ -6856,7 +6915,7 @@
             <p:cNvPr id="212" name="TextBox 211">
               <a:extLst>
                 <a:ext uri="{FF2B5EF4-FFF2-40B4-BE49-F238E27FC236}">
-                  <a16:creationId xmlns:a16="http://schemas.microsoft.com/office/drawing/2014/main" xmlns="" id="{1CB1C892-7E64-9647-80DD-A5EAD297B216}"/>
+                  <a16:creationId xmlns:a16="http://schemas.microsoft.com/office/drawing/2014/main" id="{1CB1C892-7E64-9647-80DD-A5EAD297B216}"/>
                 </a:ext>
               </a:extLst>
             </p:cNvPr>
@@ -6894,7 +6953,7 @@
             <p:cNvPr id="213" name="Oval 212">
               <a:extLst>
                 <a:ext uri="{FF2B5EF4-FFF2-40B4-BE49-F238E27FC236}">
-                  <a16:creationId xmlns:a16="http://schemas.microsoft.com/office/drawing/2014/main" xmlns="" id="{56832BA3-29F8-3C4D-99A9-50FC7B2C96C6}"/>
+                  <a16:creationId xmlns:a16="http://schemas.microsoft.com/office/drawing/2014/main" id="{56832BA3-29F8-3C4D-99A9-50FC7B2C96C6}"/>
                 </a:ext>
               </a:extLst>
             </p:cNvPr>
@@ -6954,7 +7013,7 @@
             <p:cNvPr id="214" name="TextBox 213">
               <a:extLst>
                 <a:ext uri="{FF2B5EF4-FFF2-40B4-BE49-F238E27FC236}">
-                  <a16:creationId xmlns:a16="http://schemas.microsoft.com/office/drawing/2014/main" xmlns="" id="{FE051E58-500B-A24C-803A-3207542CB0BB}"/>
+                  <a16:creationId xmlns:a16="http://schemas.microsoft.com/office/drawing/2014/main" id="{FE051E58-500B-A24C-803A-3207542CB0BB}"/>
                 </a:ext>
               </a:extLst>
             </p:cNvPr>
@@ -6992,7 +7051,7 @@
             <p:cNvPr id="215" name="Group 214">
               <a:extLst>
                 <a:ext uri="{FF2B5EF4-FFF2-40B4-BE49-F238E27FC236}">
-                  <a16:creationId xmlns:a16="http://schemas.microsoft.com/office/drawing/2014/main" xmlns="" id="{5396B07A-4BCF-8A4A-AFA6-76311C759ECF}"/>
+                  <a16:creationId xmlns:a16="http://schemas.microsoft.com/office/drawing/2014/main" id="{5396B07A-4BCF-8A4A-AFA6-76311C759ECF}"/>
                 </a:ext>
               </a:extLst>
             </p:cNvPr>
@@ -7015,7 +7074,7 @@
               <p:cNvPr id="216" name="Rectangle 215">
                 <a:extLst>
                   <a:ext uri="{FF2B5EF4-FFF2-40B4-BE49-F238E27FC236}">
-                    <a16:creationId xmlns:a16="http://schemas.microsoft.com/office/drawing/2014/main" xmlns="" id="{E31C82FA-18A9-5D46-8521-1E3082597E70}"/>
+                    <a16:creationId xmlns:a16="http://schemas.microsoft.com/office/drawing/2014/main" id="{E31C82FA-18A9-5D46-8521-1E3082597E70}"/>
                   </a:ext>
                 </a:extLst>
               </p:cNvPr>
@@ -7075,7 +7134,7 @@
               <p:cNvPr id="217" name="TextBox 216">
                 <a:extLst>
                   <a:ext uri="{FF2B5EF4-FFF2-40B4-BE49-F238E27FC236}">
-                    <a16:creationId xmlns:a16="http://schemas.microsoft.com/office/drawing/2014/main" xmlns="" id="{206D20C7-E86C-7A4C-A9F6-F912C32233B9}"/>
+                    <a16:creationId xmlns:a16="http://schemas.microsoft.com/office/drawing/2014/main" id="{206D20C7-E86C-7A4C-A9F6-F912C32233B9}"/>
                   </a:ext>
                 </a:extLst>
               </p:cNvPr>
@@ -7114,7 +7173,7 @@
             <p:cNvPr id="218" name="Group 217">
               <a:extLst>
                 <a:ext uri="{FF2B5EF4-FFF2-40B4-BE49-F238E27FC236}">
-                  <a16:creationId xmlns:a16="http://schemas.microsoft.com/office/drawing/2014/main" xmlns="" id="{B7EAE93C-0CFC-AC4A-9344-F55078B0E983}"/>
+                  <a16:creationId xmlns:a16="http://schemas.microsoft.com/office/drawing/2014/main" id="{B7EAE93C-0CFC-AC4A-9344-F55078B0E983}"/>
                 </a:ext>
               </a:extLst>
             </p:cNvPr>
@@ -7134,7 +7193,7 @@
               <p:cNvPr id="219" name="Rectangle 218">
                 <a:extLst>
                   <a:ext uri="{FF2B5EF4-FFF2-40B4-BE49-F238E27FC236}">
-                    <a16:creationId xmlns:a16="http://schemas.microsoft.com/office/drawing/2014/main" xmlns="" id="{A3A3398D-D3E0-714B-847C-4A7947A7A530}"/>
+                    <a16:creationId xmlns:a16="http://schemas.microsoft.com/office/drawing/2014/main" id="{A3A3398D-D3E0-714B-847C-4A7947A7A530}"/>
                   </a:ext>
                 </a:extLst>
               </p:cNvPr>
@@ -7194,7 +7253,7 @@
               <p:cNvPr id="220" name="TextBox 219">
                 <a:extLst>
                   <a:ext uri="{FF2B5EF4-FFF2-40B4-BE49-F238E27FC236}">
-                    <a16:creationId xmlns:a16="http://schemas.microsoft.com/office/drawing/2014/main" xmlns="" id="{719353A4-CEDF-DD42-8F20-04377D8C3065}"/>
+                    <a16:creationId xmlns:a16="http://schemas.microsoft.com/office/drawing/2014/main" id="{719353A4-CEDF-DD42-8F20-04377D8C3065}"/>
                   </a:ext>
                 </a:extLst>
               </p:cNvPr>
@@ -7233,7 +7292,7 @@
             <p:cNvPr id="221" name="Straight Arrow Connector 220">
               <a:extLst>
                 <a:ext uri="{FF2B5EF4-FFF2-40B4-BE49-F238E27FC236}">
-                  <a16:creationId xmlns:a16="http://schemas.microsoft.com/office/drawing/2014/main" xmlns="" id="{ADDC9481-95E9-DB47-ACDD-C6FA0D7261E4}"/>
+                  <a16:creationId xmlns:a16="http://schemas.microsoft.com/office/drawing/2014/main" id="{ADDC9481-95E9-DB47-ACDD-C6FA0D7261E4}"/>
                 </a:ext>
               </a:extLst>
             </p:cNvPr>
@@ -7278,7 +7337,7 @@
             <p:cNvPr id="224" name="Straight Arrow Connector 223">
               <a:extLst>
                 <a:ext uri="{FF2B5EF4-FFF2-40B4-BE49-F238E27FC236}">
-                  <a16:creationId xmlns:a16="http://schemas.microsoft.com/office/drawing/2014/main" xmlns="" id="{A91A70B9-A934-A146-A193-C0458774F633}"/>
+                  <a16:creationId xmlns:a16="http://schemas.microsoft.com/office/drawing/2014/main" id="{A91A70B9-A934-A146-A193-C0458774F633}"/>
                 </a:ext>
               </a:extLst>
             </p:cNvPr>
@@ -7323,7 +7382,7 @@
             <p:cNvPr id="225" name="Straight Arrow Connector 224">
               <a:extLst>
                 <a:ext uri="{FF2B5EF4-FFF2-40B4-BE49-F238E27FC236}">
-                  <a16:creationId xmlns:a16="http://schemas.microsoft.com/office/drawing/2014/main" xmlns="" id="{5717E3BD-91B3-3646-88A5-45023BAC35FE}"/>
+                  <a16:creationId xmlns:a16="http://schemas.microsoft.com/office/drawing/2014/main" id="{5717E3BD-91B3-3646-88A5-45023BAC35FE}"/>
                 </a:ext>
               </a:extLst>
             </p:cNvPr>
@@ -7369,7 +7428,7 @@
             <p:cNvPr id="226" name="Straight Arrow Connector 225">
               <a:extLst>
                 <a:ext uri="{FF2B5EF4-FFF2-40B4-BE49-F238E27FC236}">
-                  <a16:creationId xmlns:a16="http://schemas.microsoft.com/office/drawing/2014/main" xmlns="" id="{E9B386B6-EE4A-8949-A4B9-C937612F4B6A}"/>
+                  <a16:creationId xmlns:a16="http://schemas.microsoft.com/office/drawing/2014/main" id="{E9B386B6-EE4A-8949-A4B9-C937612F4B6A}"/>
                 </a:ext>
               </a:extLst>
             </p:cNvPr>
@@ -7414,7 +7473,7 @@
             <p:cNvPr id="227" name="TextBox 226">
               <a:extLst>
                 <a:ext uri="{FF2B5EF4-FFF2-40B4-BE49-F238E27FC236}">
-                  <a16:creationId xmlns:a16="http://schemas.microsoft.com/office/drawing/2014/main" xmlns="" id="{03B8E971-D782-2741-B7D5-2A19B0BA6109}"/>
+                  <a16:creationId xmlns:a16="http://schemas.microsoft.com/office/drawing/2014/main" id="{03B8E971-D782-2741-B7D5-2A19B0BA6109}"/>
                 </a:ext>
               </a:extLst>
             </p:cNvPr>
@@ -7452,7 +7511,7 @@
             <p:cNvPr id="228" name="TextBox 227">
               <a:extLst>
                 <a:ext uri="{FF2B5EF4-FFF2-40B4-BE49-F238E27FC236}">
-                  <a16:creationId xmlns:a16="http://schemas.microsoft.com/office/drawing/2014/main" xmlns="" id="{A59B5AC1-1106-CB47-AC48-491A7DF2E8C8}"/>
+                  <a16:creationId xmlns:a16="http://schemas.microsoft.com/office/drawing/2014/main" id="{A59B5AC1-1106-CB47-AC48-491A7DF2E8C8}"/>
                 </a:ext>
               </a:extLst>
             </p:cNvPr>
@@ -7494,7 +7553,7 @@
             <p:cNvPr id="229" name="Straight Arrow Connector 228">
               <a:extLst>
                 <a:ext uri="{FF2B5EF4-FFF2-40B4-BE49-F238E27FC236}">
-                  <a16:creationId xmlns:a16="http://schemas.microsoft.com/office/drawing/2014/main" xmlns="" id="{8ABE0F0B-3BFD-584B-BA0E-FACC5B7E15DA}"/>
+                  <a16:creationId xmlns:a16="http://schemas.microsoft.com/office/drawing/2014/main" id="{8ABE0F0B-3BFD-584B-BA0E-FACC5B7E15DA}"/>
                 </a:ext>
               </a:extLst>
             </p:cNvPr>
@@ -7539,7 +7598,7 @@
             <p:cNvPr id="308" name="TextBox 307">
               <a:extLst>
                 <a:ext uri="{FF2B5EF4-FFF2-40B4-BE49-F238E27FC236}">
-                  <a16:creationId xmlns:a16="http://schemas.microsoft.com/office/drawing/2014/main" xmlns="" id="{AD3DA5BE-FC4F-B148-802A-08ADE0A53E36}"/>
+                  <a16:creationId xmlns:a16="http://schemas.microsoft.com/office/drawing/2014/main" id="{AD3DA5BE-FC4F-B148-802A-08ADE0A53E36}"/>
                 </a:ext>
               </a:extLst>
             </p:cNvPr>
@@ -7577,7 +7636,7 @@
             <p:cNvPr id="311" name="TextBox 310">
               <a:extLst>
                 <a:ext uri="{FF2B5EF4-FFF2-40B4-BE49-F238E27FC236}">
-                  <a16:creationId xmlns:a16="http://schemas.microsoft.com/office/drawing/2014/main" xmlns="" id="{89EFC965-8B8B-2944-BD34-3F7C1F1D7493}"/>
+                  <a16:creationId xmlns:a16="http://schemas.microsoft.com/office/drawing/2014/main" id="{89EFC965-8B8B-2944-BD34-3F7C1F1D7493}"/>
                 </a:ext>
               </a:extLst>
             </p:cNvPr>
@@ -7630,7 +7689,7 @@
             <p:cNvPr id="230" name="Group 229">
               <a:extLst>
                 <a:ext uri="{FF2B5EF4-FFF2-40B4-BE49-F238E27FC236}">
-                  <a16:creationId xmlns:a16="http://schemas.microsoft.com/office/drawing/2014/main" xmlns="" id="{BD0951E2-321A-BA40-B3A9-95CF5A673C4F}"/>
+                  <a16:creationId xmlns:a16="http://schemas.microsoft.com/office/drawing/2014/main" id="{BD0951E2-321A-BA40-B3A9-95CF5A673C4F}"/>
                 </a:ext>
               </a:extLst>
             </p:cNvPr>
@@ -7653,7 +7712,7 @@
               <p:cNvPr id="231" name="Rectangle 230">
                 <a:extLst>
                   <a:ext uri="{FF2B5EF4-FFF2-40B4-BE49-F238E27FC236}">
-                    <a16:creationId xmlns:a16="http://schemas.microsoft.com/office/drawing/2014/main" xmlns="" id="{3A240ACB-E31B-4C49-862D-2EC6FC41164C}"/>
+                    <a16:creationId xmlns:a16="http://schemas.microsoft.com/office/drawing/2014/main" id="{3A240ACB-E31B-4C49-862D-2EC6FC41164C}"/>
                   </a:ext>
                 </a:extLst>
               </p:cNvPr>
@@ -7715,7 +7774,7 @@
               <p:cNvPr id="232" name="TextBox 231">
                 <a:extLst>
                   <a:ext uri="{FF2B5EF4-FFF2-40B4-BE49-F238E27FC236}">
-                    <a16:creationId xmlns:a16="http://schemas.microsoft.com/office/drawing/2014/main" xmlns="" id="{4D4685CA-090A-3E4A-96C5-7F7442BCD5B8}"/>
+                    <a16:creationId xmlns:a16="http://schemas.microsoft.com/office/drawing/2014/main" id="{4D4685CA-090A-3E4A-96C5-7F7442BCD5B8}"/>
                   </a:ext>
                 </a:extLst>
               </p:cNvPr>
@@ -7754,7 +7813,7 @@
             <p:cNvPr id="233" name="Group 232">
               <a:extLst>
                 <a:ext uri="{FF2B5EF4-FFF2-40B4-BE49-F238E27FC236}">
-                  <a16:creationId xmlns:a16="http://schemas.microsoft.com/office/drawing/2014/main" xmlns="" id="{A479AE30-7B81-F34C-9F87-A77D2EE6F220}"/>
+                  <a16:creationId xmlns:a16="http://schemas.microsoft.com/office/drawing/2014/main" id="{A479AE30-7B81-F34C-9F87-A77D2EE6F220}"/>
                 </a:ext>
               </a:extLst>
             </p:cNvPr>
@@ -7777,7 +7836,7 @@
               <p:cNvPr id="234" name="Rectangle 233">
                 <a:extLst>
                   <a:ext uri="{FF2B5EF4-FFF2-40B4-BE49-F238E27FC236}">
-                    <a16:creationId xmlns:a16="http://schemas.microsoft.com/office/drawing/2014/main" xmlns="" id="{E2E6F03F-E059-7941-BC04-668181B3D723}"/>
+                    <a16:creationId xmlns:a16="http://schemas.microsoft.com/office/drawing/2014/main" id="{E2E6F03F-E059-7941-BC04-668181B3D723}"/>
                   </a:ext>
                 </a:extLst>
               </p:cNvPr>
@@ -7839,7 +7898,7 @@
               <p:cNvPr id="235" name="TextBox 234">
                 <a:extLst>
                   <a:ext uri="{FF2B5EF4-FFF2-40B4-BE49-F238E27FC236}">
-                    <a16:creationId xmlns:a16="http://schemas.microsoft.com/office/drawing/2014/main" xmlns="" id="{BE73603F-0CF6-6544-956F-93C5F03C4BD1}"/>
+                    <a16:creationId xmlns:a16="http://schemas.microsoft.com/office/drawing/2014/main" id="{BE73603F-0CF6-6544-956F-93C5F03C4BD1}"/>
                   </a:ext>
                 </a:extLst>
               </p:cNvPr>
@@ -7878,7 +7937,7 @@
             <p:cNvPr id="236" name="Oval 235">
               <a:extLst>
                 <a:ext uri="{FF2B5EF4-FFF2-40B4-BE49-F238E27FC236}">
-                  <a16:creationId xmlns:a16="http://schemas.microsoft.com/office/drawing/2014/main" xmlns="" id="{2A81FCD4-4869-224F-8228-0B9694080251}"/>
+                  <a16:creationId xmlns:a16="http://schemas.microsoft.com/office/drawing/2014/main" id="{2A81FCD4-4869-224F-8228-0B9694080251}"/>
                 </a:ext>
               </a:extLst>
             </p:cNvPr>
@@ -7940,7 +7999,7 @@
             <p:cNvPr id="237" name="TextBox 236">
               <a:extLst>
                 <a:ext uri="{FF2B5EF4-FFF2-40B4-BE49-F238E27FC236}">
-                  <a16:creationId xmlns:a16="http://schemas.microsoft.com/office/drawing/2014/main" xmlns="" id="{84DEA700-4ACC-9B4A-8DFC-13D777148205}"/>
+                  <a16:creationId xmlns:a16="http://schemas.microsoft.com/office/drawing/2014/main" id="{84DEA700-4ACC-9B4A-8DFC-13D777148205}"/>
                 </a:ext>
               </a:extLst>
             </p:cNvPr>
@@ -7978,7 +8037,7 @@
             <p:cNvPr id="238" name="Oval 237">
               <a:extLst>
                 <a:ext uri="{FF2B5EF4-FFF2-40B4-BE49-F238E27FC236}">
-                  <a16:creationId xmlns:a16="http://schemas.microsoft.com/office/drawing/2014/main" xmlns="" id="{C28E2A15-F85C-844E-8611-651B28462BB6}"/>
+                  <a16:creationId xmlns:a16="http://schemas.microsoft.com/office/drawing/2014/main" id="{C28E2A15-F85C-844E-8611-651B28462BB6}"/>
                 </a:ext>
               </a:extLst>
             </p:cNvPr>
@@ -8040,7 +8099,7 @@
             <p:cNvPr id="239" name="TextBox 238">
               <a:extLst>
                 <a:ext uri="{FF2B5EF4-FFF2-40B4-BE49-F238E27FC236}">
-                  <a16:creationId xmlns:a16="http://schemas.microsoft.com/office/drawing/2014/main" xmlns="" id="{E5935A70-E5AE-904E-AD6A-702C026AC86F}"/>
+                  <a16:creationId xmlns:a16="http://schemas.microsoft.com/office/drawing/2014/main" id="{E5935A70-E5AE-904E-AD6A-702C026AC86F}"/>
                 </a:ext>
               </a:extLst>
             </p:cNvPr>
@@ -8078,7 +8137,7 @@
             <p:cNvPr id="240" name="Group 239">
               <a:extLst>
                 <a:ext uri="{FF2B5EF4-FFF2-40B4-BE49-F238E27FC236}">
-                  <a16:creationId xmlns:a16="http://schemas.microsoft.com/office/drawing/2014/main" xmlns="" id="{8F0C45D5-CED7-9842-895B-9E4BB3B9B9AB}"/>
+                  <a16:creationId xmlns:a16="http://schemas.microsoft.com/office/drawing/2014/main" id="{8F0C45D5-CED7-9842-895B-9E4BB3B9B9AB}"/>
                 </a:ext>
               </a:extLst>
             </p:cNvPr>
@@ -8101,7 +8160,7 @@
               <p:cNvPr id="241" name="Rectangle 240">
                 <a:extLst>
                   <a:ext uri="{FF2B5EF4-FFF2-40B4-BE49-F238E27FC236}">
-                    <a16:creationId xmlns:a16="http://schemas.microsoft.com/office/drawing/2014/main" xmlns="" id="{6CAB01E6-24D3-D341-A402-BACF71A28EE5}"/>
+                    <a16:creationId xmlns:a16="http://schemas.microsoft.com/office/drawing/2014/main" id="{6CAB01E6-24D3-D341-A402-BACF71A28EE5}"/>
                   </a:ext>
                 </a:extLst>
               </p:cNvPr>
@@ -8161,7 +8220,7 @@
               <p:cNvPr id="242" name="TextBox 241">
                 <a:extLst>
                   <a:ext uri="{FF2B5EF4-FFF2-40B4-BE49-F238E27FC236}">
-                    <a16:creationId xmlns:a16="http://schemas.microsoft.com/office/drawing/2014/main" xmlns="" id="{0BE9CC11-D668-244E-84E9-636CF2A2DA02}"/>
+                    <a16:creationId xmlns:a16="http://schemas.microsoft.com/office/drawing/2014/main" id="{0BE9CC11-D668-244E-84E9-636CF2A2DA02}"/>
                   </a:ext>
                 </a:extLst>
               </p:cNvPr>
@@ -8200,7 +8259,7 @@
             <p:cNvPr id="243" name="Group 242">
               <a:extLst>
                 <a:ext uri="{FF2B5EF4-FFF2-40B4-BE49-F238E27FC236}">
-                  <a16:creationId xmlns:a16="http://schemas.microsoft.com/office/drawing/2014/main" xmlns="" id="{AC1857EF-6465-B243-A0EC-C86F9D2A3E8A}"/>
+                  <a16:creationId xmlns:a16="http://schemas.microsoft.com/office/drawing/2014/main" id="{AC1857EF-6465-B243-A0EC-C86F9D2A3E8A}"/>
                 </a:ext>
               </a:extLst>
             </p:cNvPr>
@@ -8220,7 +8279,7 @@
               <p:cNvPr id="244" name="Rectangle 243">
                 <a:extLst>
                   <a:ext uri="{FF2B5EF4-FFF2-40B4-BE49-F238E27FC236}">
-                    <a16:creationId xmlns:a16="http://schemas.microsoft.com/office/drawing/2014/main" xmlns="" id="{CFEE2760-3CFA-484C-85E3-A23FF263D388}"/>
+                    <a16:creationId xmlns:a16="http://schemas.microsoft.com/office/drawing/2014/main" id="{CFEE2760-3CFA-484C-85E3-A23FF263D388}"/>
                   </a:ext>
                 </a:extLst>
               </p:cNvPr>
@@ -8280,7 +8339,7 @@
               <p:cNvPr id="245" name="TextBox 244">
                 <a:extLst>
                   <a:ext uri="{FF2B5EF4-FFF2-40B4-BE49-F238E27FC236}">
-                    <a16:creationId xmlns:a16="http://schemas.microsoft.com/office/drawing/2014/main" xmlns="" id="{FB7E0D16-6D77-1147-93FF-2BA9ADCC89B9}"/>
+                    <a16:creationId xmlns:a16="http://schemas.microsoft.com/office/drawing/2014/main" id="{FB7E0D16-6D77-1147-93FF-2BA9ADCC89B9}"/>
                   </a:ext>
                 </a:extLst>
               </p:cNvPr>
@@ -8319,7 +8378,7 @@
             <p:cNvPr id="246" name="Straight Arrow Connector 245">
               <a:extLst>
                 <a:ext uri="{FF2B5EF4-FFF2-40B4-BE49-F238E27FC236}">
-                  <a16:creationId xmlns:a16="http://schemas.microsoft.com/office/drawing/2014/main" xmlns="" id="{91307118-EC67-CD49-972A-BF99A397D859}"/>
+                  <a16:creationId xmlns:a16="http://schemas.microsoft.com/office/drawing/2014/main" id="{91307118-EC67-CD49-972A-BF99A397D859}"/>
                 </a:ext>
               </a:extLst>
             </p:cNvPr>
@@ -8364,7 +8423,7 @@
             <p:cNvPr id="247" name="Straight Arrow Connector 246">
               <a:extLst>
                 <a:ext uri="{FF2B5EF4-FFF2-40B4-BE49-F238E27FC236}">
-                  <a16:creationId xmlns:a16="http://schemas.microsoft.com/office/drawing/2014/main" xmlns="" id="{A839CB51-131E-8547-A455-AA0DF99ABF7A}"/>
+                  <a16:creationId xmlns:a16="http://schemas.microsoft.com/office/drawing/2014/main" id="{A839CB51-131E-8547-A455-AA0DF99ABF7A}"/>
                 </a:ext>
               </a:extLst>
             </p:cNvPr>
@@ -8409,7 +8468,7 @@
             <p:cNvPr id="248" name="Straight Arrow Connector 247">
               <a:extLst>
                 <a:ext uri="{FF2B5EF4-FFF2-40B4-BE49-F238E27FC236}">
-                  <a16:creationId xmlns:a16="http://schemas.microsoft.com/office/drawing/2014/main" xmlns="" id="{0BB05C48-B46A-CF43-A0C2-4337A7F454B5}"/>
+                  <a16:creationId xmlns:a16="http://schemas.microsoft.com/office/drawing/2014/main" id="{0BB05C48-B46A-CF43-A0C2-4337A7F454B5}"/>
                 </a:ext>
               </a:extLst>
             </p:cNvPr>
@@ -8455,7 +8514,7 @@
             <p:cNvPr id="249" name="Straight Arrow Connector 248">
               <a:extLst>
                 <a:ext uri="{FF2B5EF4-FFF2-40B4-BE49-F238E27FC236}">
-                  <a16:creationId xmlns:a16="http://schemas.microsoft.com/office/drawing/2014/main" xmlns="" id="{28ECDE7B-AFCD-BF43-B59D-1DF74C5F2BF8}"/>
+                  <a16:creationId xmlns:a16="http://schemas.microsoft.com/office/drawing/2014/main" id="{28ECDE7B-AFCD-BF43-B59D-1DF74C5F2BF8}"/>
                 </a:ext>
               </a:extLst>
             </p:cNvPr>
@@ -8500,7 +8559,7 @@
             <p:cNvPr id="250" name="TextBox 249">
               <a:extLst>
                 <a:ext uri="{FF2B5EF4-FFF2-40B4-BE49-F238E27FC236}">
-                  <a16:creationId xmlns:a16="http://schemas.microsoft.com/office/drawing/2014/main" xmlns="" id="{5A8E7D6E-2F1B-424F-95F0-AE02C3C577D6}"/>
+                  <a16:creationId xmlns:a16="http://schemas.microsoft.com/office/drawing/2014/main" id="{5A8E7D6E-2F1B-424F-95F0-AE02C3C577D6}"/>
                 </a:ext>
               </a:extLst>
             </p:cNvPr>
@@ -8538,7 +8597,7 @@
             <p:cNvPr id="251" name="TextBox 250">
               <a:extLst>
                 <a:ext uri="{FF2B5EF4-FFF2-40B4-BE49-F238E27FC236}">
-                  <a16:creationId xmlns:a16="http://schemas.microsoft.com/office/drawing/2014/main" xmlns="" id="{D5D20565-72CC-0C48-BE57-5B2F33FB9C19}"/>
+                  <a16:creationId xmlns:a16="http://schemas.microsoft.com/office/drawing/2014/main" id="{D5D20565-72CC-0C48-BE57-5B2F33FB9C19}"/>
                 </a:ext>
               </a:extLst>
             </p:cNvPr>
@@ -8580,7 +8639,7 @@
             <p:cNvPr id="252" name="Straight Arrow Connector 251">
               <a:extLst>
                 <a:ext uri="{FF2B5EF4-FFF2-40B4-BE49-F238E27FC236}">
-                  <a16:creationId xmlns:a16="http://schemas.microsoft.com/office/drawing/2014/main" xmlns="" id="{975B4252-EA73-7147-A88B-5A8FC3413055}"/>
+                  <a16:creationId xmlns:a16="http://schemas.microsoft.com/office/drawing/2014/main" id="{975B4252-EA73-7147-A88B-5A8FC3413055}"/>
                 </a:ext>
               </a:extLst>
             </p:cNvPr>
@@ -8625,7 +8684,7 @@
             <p:cNvPr id="306" name="TextBox 305">
               <a:extLst>
                 <a:ext uri="{FF2B5EF4-FFF2-40B4-BE49-F238E27FC236}">
-                  <a16:creationId xmlns:a16="http://schemas.microsoft.com/office/drawing/2014/main" xmlns="" id="{4E336106-A539-AA4B-B354-41D0146BC8E2}"/>
+                  <a16:creationId xmlns:a16="http://schemas.microsoft.com/office/drawing/2014/main" id="{4E336106-A539-AA4B-B354-41D0146BC8E2}"/>
                 </a:ext>
               </a:extLst>
             </p:cNvPr>
@@ -8667,7 +8726,7 @@
             <p:cNvPr id="312" name="TextBox 311">
               <a:extLst>
                 <a:ext uri="{FF2B5EF4-FFF2-40B4-BE49-F238E27FC236}">
-                  <a16:creationId xmlns:a16="http://schemas.microsoft.com/office/drawing/2014/main" xmlns="" id="{6B7A9A05-41BD-9A46-B970-69A33E46A6DA}"/>
+                  <a16:creationId xmlns:a16="http://schemas.microsoft.com/office/drawing/2014/main" id="{6B7A9A05-41BD-9A46-B970-69A33E46A6DA}"/>
                 </a:ext>
               </a:extLst>
             </p:cNvPr>
@@ -8706,7 +8765,7 @@
           <p:cNvPr id="313" name="TextBox 312">
             <a:extLst>
               <a:ext uri="{FF2B5EF4-FFF2-40B4-BE49-F238E27FC236}">
-                <a16:creationId xmlns:a16="http://schemas.microsoft.com/office/drawing/2014/main" xmlns="" id="{15D456A5-1FAB-F94D-9DAE-286998A08CD2}"/>
+                <a16:creationId xmlns:a16="http://schemas.microsoft.com/office/drawing/2014/main" id="{15D456A5-1FAB-F94D-9DAE-286998A08CD2}"/>
               </a:ext>
             </a:extLst>
           </p:cNvPr>
@@ -8744,7 +8803,7 @@
           <p:cNvPr id="314" name="Rectangle 313">
             <a:extLst>
               <a:ext uri="{FF2B5EF4-FFF2-40B4-BE49-F238E27FC236}">
-                <a16:creationId xmlns:a16="http://schemas.microsoft.com/office/drawing/2014/main" xmlns="" id="{D8BB6764-5421-1540-8D25-A4FB660FA2EB}"/>
+                <a16:creationId xmlns:a16="http://schemas.microsoft.com/office/drawing/2014/main" id="{D8BB6764-5421-1540-8D25-A4FB660FA2EB}"/>
               </a:ext>
             </a:extLst>
           </p:cNvPr>
@@ -8785,7 +8844,7 @@
           <p:cNvPr id="315" name="Rectangle 314">
             <a:extLst>
               <a:ext uri="{FF2B5EF4-FFF2-40B4-BE49-F238E27FC236}">
-                <a16:creationId xmlns:a16="http://schemas.microsoft.com/office/drawing/2014/main" xmlns="" id="{F991FCD7-2A7B-7840-839B-8BBCF6BBEDC9}"/>
+                <a16:creationId xmlns:a16="http://schemas.microsoft.com/office/drawing/2014/main" id="{F991FCD7-2A7B-7840-839B-8BBCF6BBEDC9}"/>
               </a:ext>
             </a:extLst>
           </p:cNvPr>
@@ -8826,7 +8885,7 @@
           <p:cNvPr id="316" name="Group 315">
             <a:extLst>
               <a:ext uri="{FF2B5EF4-FFF2-40B4-BE49-F238E27FC236}">
-                <a16:creationId xmlns:a16="http://schemas.microsoft.com/office/drawing/2014/main" xmlns="" id="{42AE83FD-89E9-7F40-9934-53D8D0D5CCB1}"/>
+                <a16:creationId xmlns:a16="http://schemas.microsoft.com/office/drawing/2014/main" id="{42AE83FD-89E9-7F40-9934-53D8D0D5CCB1}"/>
               </a:ext>
             </a:extLst>
           </p:cNvPr>
@@ -8849,7 +8908,7 @@
             <p:cNvPr id="317" name="Rectangle 316">
               <a:extLst>
                 <a:ext uri="{FF2B5EF4-FFF2-40B4-BE49-F238E27FC236}">
-                  <a16:creationId xmlns:a16="http://schemas.microsoft.com/office/drawing/2014/main" xmlns="" id="{2EE5CF12-341F-804D-A4DE-213FEEA2147E}"/>
+                  <a16:creationId xmlns:a16="http://schemas.microsoft.com/office/drawing/2014/main" id="{2EE5CF12-341F-804D-A4DE-213FEEA2147E}"/>
                 </a:ext>
               </a:extLst>
             </p:cNvPr>
@@ -8911,7 +8970,7 @@
             <p:cNvPr id="318" name="TextBox 317">
               <a:extLst>
                 <a:ext uri="{FF2B5EF4-FFF2-40B4-BE49-F238E27FC236}">
-                  <a16:creationId xmlns:a16="http://schemas.microsoft.com/office/drawing/2014/main" xmlns="" id="{F0AB6027-4807-8F4A-902C-5F453D62BBA4}"/>
+                  <a16:creationId xmlns:a16="http://schemas.microsoft.com/office/drawing/2014/main" id="{F0AB6027-4807-8F4A-902C-5F453D62BBA4}"/>
                 </a:ext>
               </a:extLst>
             </p:cNvPr>
@@ -8950,7 +9009,7 @@
           <p:cNvPr id="319" name="Group 318">
             <a:extLst>
               <a:ext uri="{FF2B5EF4-FFF2-40B4-BE49-F238E27FC236}">
-                <a16:creationId xmlns:a16="http://schemas.microsoft.com/office/drawing/2014/main" xmlns="" id="{AEDCBB5D-DBB4-8041-8A7A-EBDF82A5BD81}"/>
+                <a16:creationId xmlns:a16="http://schemas.microsoft.com/office/drawing/2014/main" id="{AEDCBB5D-DBB4-8041-8A7A-EBDF82A5BD81}"/>
               </a:ext>
             </a:extLst>
           </p:cNvPr>
@@ -8973,7 +9032,7 @@
             <p:cNvPr id="320" name="Rectangle 319">
               <a:extLst>
                 <a:ext uri="{FF2B5EF4-FFF2-40B4-BE49-F238E27FC236}">
-                  <a16:creationId xmlns:a16="http://schemas.microsoft.com/office/drawing/2014/main" xmlns="" id="{B11E9DC8-2571-1F4B-8069-68ECD13E1C1A}"/>
+                  <a16:creationId xmlns:a16="http://schemas.microsoft.com/office/drawing/2014/main" id="{B11E9DC8-2571-1F4B-8069-68ECD13E1C1A}"/>
                 </a:ext>
               </a:extLst>
             </p:cNvPr>
@@ -9035,7 +9094,7 @@
             <p:cNvPr id="321" name="TextBox 320">
               <a:extLst>
                 <a:ext uri="{FF2B5EF4-FFF2-40B4-BE49-F238E27FC236}">
-                  <a16:creationId xmlns:a16="http://schemas.microsoft.com/office/drawing/2014/main" xmlns="" id="{5A5C7F50-BF7E-524D-B570-7E67D3F0481C}"/>
+                  <a16:creationId xmlns:a16="http://schemas.microsoft.com/office/drawing/2014/main" id="{5A5C7F50-BF7E-524D-B570-7E67D3F0481C}"/>
                 </a:ext>
               </a:extLst>
             </p:cNvPr>
@@ -9074,7 +9133,7 @@
           <p:cNvPr id="324" name="Oval 323">
             <a:extLst>
               <a:ext uri="{FF2B5EF4-FFF2-40B4-BE49-F238E27FC236}">
-                <a16:creationId xmlns:a16="http://schemas.microsoft.com/office/drawing/2014/main" xmlns="" id="{E7F5AB50-56DA-4345-BD85-F154E8A087AD}"/>
+                <a16:creationId xmlns:a16="http://schemas.microsoft.com/office/drawing/2014/main" id="{E7F5AB50-56DA-4345-BD85-F154E8A087AD}"/>
               </a:ext>
             </a:extLst>
           </p:cNvPr>
@@ -9083,7 +9142,7 @@
         </p:nvSpPr>
         <p:spPr>
           <a:xfrm>
-            <a:off x="6600795" y="4254574"/>
+            <a:off x="6572360" y="4301175"/>
             <a:ext cx="394531" cy="394531"/>
           </a:xfrm>
           <a:prstGeom prst="ellipse">
@@ -9136,7 +9195,7 @@
           <p:cNvPr id="325" name="TextBox 324">
             <a:extLst>
               <a:ext uri="{FF2B5EF4-FFF2-40B4-BE49-F238E27FC236}">
-                <a16:creationId xmlns:a16="http://schemas.microsoft.com/office/drawing/2014/main" xmlns="" id="{E7088E1A-35D3-8045-8B4E-01A26CD9E35B}"/>
+                <a16:creationId xmlns:a16="http://schemas.microsoft.com/office/drawing/2014/main" id="{E7088E1A-35D3-8045-8B4E-01A26CD9E35B}"/>
               </a:ext>
             </a:extLst>
           </p:cNvPr>
@@ -9174,7 +9233,7 @@
           <p:cNvPr id="329" name="Group 328">
             <a:extLst>
               <a:ext uri="{FF2B5EF4-FFF2-40B4-BE49-F238E27FC236}">
-                <a16:creationId xmlns:a16="http://schemas.microsoft.com/office/drawing/2014/main" xmlns="" id="{339B3117-B488-254A-B180-2C049125ADB4}"/>
+                <a16:creationId xmlns:a16="http://schemas.microsoft.com/office/drawing/2014/main" id="{339B3117-B488-254A-B180-2C049125ADB4}"/>
               </a:ext>
             </a:extLst>
           </p:cNvPr>
@@ -9194,7 +9253,7 @@
             <p:cNvPr id="330" name="Rectangle 329">
               <a:extLst>
                 <a:ext uri="{FF2B5EF4-FFF2-40B4-BE49-F238E27FC236}">
-                  <a16:creationId xmlns:a16="http://schemas.microsoft.com/office/drawing/2014/main" xmlns="" id="{2F9B3534-8ECF-F943-8AFE-1286D225FAC4}"/>
+                  <a16:creationId xmlns:a16="http://schemas.microsoft.com/office/drawing/2014/main" id="{2F9B3534-8ECF-F943-8AFE-1286D225FAC4}"/>
                 </a:ext>
               </a:extLst>
             </p:cNvPr>
@@ -9254,7 +9313,7 @@
             <p:cNvPr id="331" name="TextBox 330">
               <a:extLst>
                 <a:ext uri="{FF2B5EF4-FFF2-40B4-BE49-F238E27FC236}">
-                  <a16:creationId xmlns:a16="http://schemas.microsoft.com/office/drawing/2014/main" xmlns="" id="{0D669DE8-585E-F149-81DE-7841488638FC}"/>
+                  <a16:creationId xmlns:a16="http://schemas.microsoft.com/office/drawing/2014/main" id="{0D669DE8-585E-F149-81DE-7841488638FC}"/>
                 </a:ext>
               </a:extLst>
             </p:cNvPr>
@@ -9293,7 +9352,7 @@
           <p:cNvPr id="332" name="Straight Arrow Connector 331">
             <a:extLst>
               <a:ext uri="{FF2B5EF4-FFF2-40B4-BE49-F238E27FC236}">
-                <a16:creationId xmlns:a16="http://schemas.microsoft.com/office/drawing/2014/main" xmlns="" id="{0BA41EB4-245F-304E-AB84-5AAEAC6C1E14}"/>
+                <a16:creationId xmlns:a16="http://schemas.microsoft.com/office/drawing/2014/main" id="{0BA41EB4-245F-304E-AB84-5AAEAC6C1E14}"/>
               </a:ext>
             </a:extLst>
           </p:cNvPr>
@@ -9307,7 +9366,7 @@
         <p:spPr>
           <a:xfrm flipH="1" flipV="1">
             <a:off x="6071030" y="4029219"/>
-            <a:ext cx="587543" cy="283133"/>
+            <a:ext cx="559108" cy="329734"/>
           </a:xfrm>
           <a:prstGeom prst="straightConnector1">
             <a:avLst/>
@@ -9339,7 +9398,7 @@
           <p:cNvPr id="333" name="Straight Arrow Connector 332">
             <a:extLst>
               <a:ext uri="{FF2B5EF4-FFF2-40B4-BE49-F238E27FC236}">
-                <a16:creationId xmlns:a16="http://schemas.microsoft.com/office/drawing/2014/main" xmlns="" id="{AE1A4CED-20AA-F149-9C64-F8ADF68266DA}"/>
+                <a16:creationId xmlns:a16="http://schemas.microsoft.com/office/drawing/2014/main" id="{AE1A4CED-20AA-F149-9C64-F8ADF68266DA}"/>
               </a:ext>
             </a:extLst>
           </p:cNvPr>
@@ -9352,8 +9411,8 @@
         </p:nvCxnSpPr>
         <p:spPr>
           <a:xfrm flipH="1">
-            <a:off x="6076163" y="4591327"/>
-            <a:ext cx="582410" cy="294127"/>
+            <a:off x="6076163" y="4637928"/>
+            <a:ext cx="553975" cy="247526"/>
           </a:xfrm>
           <a:prstGeom prst="straightConnector1">
             <a:avLst/>
@@ -9385,7 +9444,7 @@
           <p:cNvPr id="335" name="Straight Arrow Connector 334">
             <a:extLst>
               <a:ext uri="{FF2B5EF4-FFF2-40B4-BE49-F238E27FC236}">
-                <a16:creationId xmlns:a16="http://schemas.microsoft.com/office/drawing/2014/main" xmlns="" id="{C2EDEE38-66FF-0F4B-B7E0-7814A038CD82}"/>
+                <a16:creationId xmlns:a16="http://schemas.microsoft.com/office/drawing/2014/main" id="{C2EDEE38-66FF-0F4B-B7E0-7814A038CD82}"/>
               </a:ext>
             </a:extLst>
           </p:cNvPr>
@@ -9398,8 +9457,8 @@
         </p:nvCxnSpPr>
         <p:spPr>
           <a:xfrm flipH="1" flipV="1">
-            <a:off x="6937548" y="4591327"/>
-            <a:ext cx="554287" cy="309081"/>
+            <a:off x="6909113" y="4637928"/>
+            <a:ext cx="582722" cy="262480"/>
           </a:xfrm>
           <a:prstGeom prst="straightConnector1">
             <a:avLst/>
@@ -9431,7 +9490,7 @@
           <p:cNvPr id="336" name="TextBox 335">
             <a:extLst>
               <a:ext uri="{FF2B5EF4-FFF2-40B4-BE49-F238E27FC236}">
-                <a16:creationId xmlns:a16="http://schemas.microsoft.com/office/drawing/2014/main" xmlns="" id="{C4AC0460-2C5C-1D44-92B2-5CA980D584D2}"/>
+                <a16:creationId xmlns:a16="http://schemas.microsoft.com/office/drawing/2014/main" id="{C4AC0460-2C5C-1D44-92B2-5CA980D584D2}"/>
               </a:ext>
             </a:extLst>
           </p:cNvPr>
@@ -9469,7 +9528,7 @@
           <p:cNvPr id="337" name="TextBox 336">
             <a:extLst>
               <a:ext uri="{FF2B5EF4-FFF2-40B4-BE49-F238E27FC236}">
-                <a16:creationId xmlns:a16="http://schemas.microsoft.com/office/drawing/2014/main" xmlns="" id="{5C1EC449-112D-514F-A6E0-C4CE4E64995D}"/>
+                <a16:creationId xmlns:a16="http://schemas.microsoft.com/office/drawing/2014/main" id="{5C1EC449-112D-514F-A6E0-C4CE4E64995D}"/>
               </a:ext>
             </a:extLst>
           </p:cNvPr>
@@ -9511,7 +9570,7 @@
           <p:cNvPr id="339" name="TextBox 338">
             <a:extLst>
               <a:ext uri="{FF2B5EF4-FFF2-40B4-BE49-F238E27FC236}">
-                <a16:creationId xmlns:a16="http://schemas.microsoft.com/office/drawing/2014/main" xmlns="" id="{A31A2AA0-A2F2-9743-ADA0-8F5400AFBCA1}"/>
+                <a16:creationId xmlns:a16="http://schemas.microsoft.com/office/drawing/2014/main" id="{A31A2AA0-A2F2-9743-ADA0-8F5400AFBCA1}"/>
               </a:ext>
             </a:extLst>
           </p:cNvPr>
@@ -9553,7 +9612,7 @@
           <p:cNvPr id="341" name="Right Arrow 340">
             <a:extLst>
               <a:ext uri="{FF2B5EF4-FFF2-40B4-BE49-F238E27FC236}">
-                <a16:creationId xmlns:a16="http://schemas.microsoft.com/office/drawing/2014/main" xmlns="" id="{79D0104D-AE4B-8C4C-9590-E9C28E726A9E}"/>
+                <a16:creationId xmlns:a16="http://schemas.microsoft.com/office/drawing/2014/main" id="{79D0104D-AE4B-8C4C-9590-E9C28E726A9E}"/>
               </a:ext>
             </a:extLst>
           </p:cNvPr>
@@ -9609,7 +9668,7 @@
           <p:cNvPr id="342" name="Rectangle 341">
             <a:extLst>
               <a:ext uri="{FF2B5EF4-FFF2-40B4-BE49-F238E27FC236}">
-                <a16:creationId xmlns:a16="http://schemas.microsoft.com/office/drawing/2014/main" xmlns="" id="{E3611545-72C7-7148-B4BD-B8CC557F731A}"/>
+                <a16:creationId xmlns:a16="http://schemas.microsoft.com/office/drawing/2014/main" id="{E3611545-72C7-7148-B4BD-B8CC557F731A}"/>
               </a:ext>
             </a:extLst>
           </p:cNvPr>
@@ -9650,7 +9709,7 @@
           <p:cNvPr id="347" name="TextBox 346">
             <a:extLst>
               <a:ext uri="{FF2B5EF4-FFF2-40B4-BE49-F238E27FC236}">
-                <a16:creationId xmlns:a16="http://schemas.microsoft.com/office/drawing/2014/main" xmlns="" id="{26EE7691-065F-D649-B0F4-8AEDA5D05ADA}"/>
+                <a16:creationId xmlns:a16="http://schemas.microsoft.com/office/drawing/2014/main" id="{26EE7691-065F-D649-B0F4-8AEDA5D05ADA}"/>
               </a:ext>
             </a:extLst>
           </p:cNvPr>
@@ -9699,7 +9758,7 @@
           <p:cNvPr id="349" name="Right Arrow 348">
             <a:extLst>
               <a:ext uri="{FF2B5EF4-FFF2-40B4-BE49-F238E27FC236}">
-                <a16:creationId xmlns:a16="http://schemas.microsoft.com/office/drawing/2014/main" xmlns="" id="{91F2788C-DAB7-404D-98E8-C7574F5AF4E1}"/>
+                <a16:creationId xmlns:a16="http://schemas.microsoft.com/office/drawing/2014/main" id="{91F2788C-DAB7-404D-98E8-C7574F5AF4E1}"/>
               </a:ext>
             </a:extLst>
           </p:cNvPr>
@@ -9755,7 +9814,7 @@
           <p:cNvPr id="350" name="Rectangle 349">
             <a:extLst>
               <a:ext uri="{FF2B5EF4-FFF2-40B4-BE49-F238E27FC236}">
-                <a16:creationId xmlns:a16="http://schemas.microsoft.com/office/drawing/2014/main" xmlns="" id="{D35C67C9-F2F7-9E4F-A629-83186EB010DC}"/>
+                <a16:creationId xmlns:a16="http://schemas.microsoft.com/office/drawing/2014/main" id="{D35C67C9-F2F7-9E4F-A629-83186EB010DC}"/>
               </a:ext>
             </a:extLst>
           </p:cNvPr>
@@ -9796,7 +9855,7 @@
           <p:cNvPr id="351" name="Rectangle 350">
             <a:extLst>
               <a:ext uri="{FF2B5EF4-FFF2-40B4-BE49-F238E27FC236}">
-                <a16:creationId xmlns:a16="http://schemas.microsoft.com/office/drawing/2014/main" xmlns="" id="{08B4ED21-77FD-FD46-92EE-2E4632D25095}"/>
+                <a16:creationId xmlns:a16="http://schemas.microsoft.com/office/drawing/2014/main" id="{08B4ED21-77FD-FD46-92EE-2E4632D25095}"/>
               </a:ext>
             </a:extLst>
           </p:cNvPr>
@@ -9837,7 +9896,7 @@
           <p:cNvPr id="136" name="Group 135">
             <a:extLst>
               <a:ext uri="{FF2B5EF4-FFF2-40B4-BE49-F238E27FC236}">
-                <a16:creationId xmlns:a16="http://schemas.microsoft.com/office/drawing/2014/main" xmlns="" id="{62890129-9559-D84F-BCE7-D8DA449DE241}"/>
+                <a16:creationId xmlns:a16="http://schemas.microsoft.com/office/drawing/2014/main" id="{62890129-9559-D84F-BCE7-D8DA449DE241}"/>
               </a:ext>
             </a:extLst>
           </p:cNvPr>
@@ -9860,7 +9919,7 @@
             <p:cNvPr id="137" name="Rectangle 136">
               <a:extLst>
                 <a:ext uri="{FF2B5EF4-FFF2-40B4-BE49-F238E27FC236}">
-                  <a16:creationId xmlns:a16="http://schemas.microsoft.com/office/drawing/2014/main" xmlns="" id="{03BF20CE-03D2-5647-A097-DEE179F43F19}"/>
+                  <a16:creationId xmlns:a16="http://schemas.microsoft.com/office/drawing/2014/main" id="{03BF20CE-03D2-5647-A097-DEE179F43F19}"/>
                 </a:ext>
               </a:extLst>
             </p:cNvPr>
@@ -9922,7 +9981,7 @@
             <p:cNvPr id="138" name="TextBox 137">
               <a:extLst>
                 <a:ext uri="{FF2B5EF4-FFF2-40B4-BE49-F238E27FC236}">
-                  <a16:creationId xmlns:a16="http://schemas.microsoft.com/office/drawing/2014/main" xmlns="" id="{D16CDDB8-65E1-2D4F-995A-6863836D33D7}"/>
+                  <a16:creationId xmlns:a16="http://schemas.microsoft.com/office/drawing/2014/main" id="{D16CDDB8-65E1-2D4F-995A-6863836D33D7}"/>
                 </a:ext>
               </a:extLst>
             </p:cNvPr>
@@ -9968,7 +10027,7 @@
           <p:cNvPr id="139" name="Oval 138">
             <a:extLst>
               <a:ext uri="{FF2B5EF4-FFF2-40B4-BE49-F238E27FC236}">
-                <a16:creationId xmlns:a16="http://schemas.microsoft.com/office/drawing/2014/main" xmlns="" id="{1A7B5B51-B0F0-B143-8DD2-D33C479779AA}"/>
+                <a16:creationId xmlns:a16="http://schemas.microsoft.com/office/drawing/2014/main" id="{1A7B5B51-B0F0-B143-8DD2-D33C479779AA}"/>
               </a:ext>
             </a:extLst>
           </p:cNvPr>
@@ -10030,7 +10089,7 @@
           <p:cNvPr id="140" name="TextBox 139">
             <a:extLst>
               <a:ext uri="{FF2B5EF4-FFF2-40B4-BE49-F238E27FC236}">
-                <a16:creationId xmlns:a16="http://schemas.microsoft.com/office/drawing/2014/main" xmlns="" id="{CA1EB11E-7B57-D74C-8503-0658C8F72D72}"/>
+                <a16:creationId xmlns:a16="http://schemas.microsoft.com/office/drawing/2014/main" id="{CA1EB11E-7B57-D74C-8503-0658C8F72D72}"/>
               </a:ext>
             </a:extLst>
           </p:cNvPr>
@@ -10079,7 +10138,7 @@
           <p:cNvPr id="141" name="Group 140">
             <a:extLst>
               <a:ext uri="{FF2B5EF4-FFF2-40B4-BE49-F238E27FC236}">
-                <a16:creationId xmlns:a16="http://schemas.microsoft.com/office/drawing/2014/main" xmlns="" id="{0CFC7F23-2F92-A541-AC99-52E8A43BAE22}"/>
+                <a16:creationId xmlns:a16="http://schemas.microsoft.com/office/drawing/2014/main" id="{0CFC7F23-2F92-A541-AC99-52E8A43BAE22}"/>
               </a:ext>
             </a:extLst>
           </p:cNvPr>
@@ -10099,7 +10158,7 @@
             <p:cNvPr id="142" name="Rectangle 141">
               <a:extLst>
                 <a:ext uri="{FF2B5EF4-FFF2-40B4-BE49-F238E27FC236}">
-                  <a16:creationId xmlns:a16="http://schemas.microsoft.com/office/drawing/2014/main" xmlns="" id="{6C795DB0-E25D-F245-8746-D649EE3FF998}"/>
+                  <a16:creationId xmlns:a16="http://schemas.microsoft.com/office/drawing/2014/main" id="{6C795DB0-E25D-F245-8746-D649EE3FF998}"/>
                 </a:ext>
               </a:extLst>
             </p:cNvPr>
@@ -10159,7 +10218,7 @@
             <p:cNvPr id="143" name="TextBox 142">
               <a:extLst>
                 <a:ext uri="{FF2B5EF4-FFF2-40B4-BE49-F238E27FC236}">
-                  <a16:creationId xmlns:a16="http://schemas.microsoft.com/office/drawing/2014/main" xmlns="" id="{910FC2E8-1100-DE43-898A-C46C0A3B62F4}"/>
+                  <a16:creationId xmlns:a16="http://schemas.microsoft.com/office/drawing/2014/main" id="{910FC2E8-1100-DE43-898A-C46C0A3B62F4}"/>
                 </a:ext>
               </a:extLst>
             </p:cNvPr>
@@ -10198,7 +10257,7 @@
           <p:cNvPr id="145" name="Straight Arrow Connector 144">
             <a:extLst>
               <a:ext uri="{FF2B5EF4-FFF2-40B4-BE49-F238E27FC236}">
-                <a16:creationId xmlns:a16="http://schemas.microsoft.com/office/drawing/2014/main" xmlns="" id="{8AF2E1C7-F214-DE4B-AEDB-391355069945}"/>
+                <a16:creationId xmlns:a16="http://schemas.microsoft.com/office/drawing/2014/main" id="{8AF2E1C7-F214-DE4B-AEDB-391355069945}"/>
               </a:ext>
             </a:extLst>
           </p:cNvPr>
@@ -10243,7 +10302,7 @@
           <p:cNvPr id="146" name="Straight Arrow Connector 145">
             <a:extLst>
               <a:ext uri="{FF2B5EF4-FFF2-40B4-BE49-F238E27FC236}">
-                <a16:creationId xmlns:a16="http://schemas.microsoft.com/office/drawing/2014/main" xmlns="" id="{4DBF69F9-8F6C-4345-B497-FA9DA9CD7ADE}"/>
+                <a16:creationId xmlns:a16="http://schemas.microsoft.com/office/drawing/2014/main" id="{4DBF69F9-8F6C-4345-B497-FA9DA9CD7ADE}"/>
               </a:ext>
             </a:extLst>
           </p:cNvPr>
@@ -10289,7 +10348,7 @@
           <p:cNvPr id="147" name="TextBox 146">
             <a:extLst>
               <a:ext uri="{FF2B5EF4-FFF2-40B4-BE49-F238E27FC236}">
-                <a16:creationId xmlns:a16="http://schemas.microsoft.com/office/drawing/2014/main" xmlns="" id="{2EB92163-5719-BA44-BA25-01A87DB0A28E}"/>
+                <a16:creationId xmlns:a16="http://schemas.microsoft.com/office/drawing/2014/main" id="{2EB92163-5719-BA44-BA25-01A87DB0A28E}"/>
               </a:ext>
             </a:extLst>
           </p:cNvPr>
@@ -10327,7 +10386,7 @@
           <p:cNvPr id="160" name="TextBox 159">
             <a:extLst>
               <a:ext uri="{FF2B5EF4-FFF2-40B4-BE49-F238E27FC236}">
-                <a16:creationId xmlns:a16="http://schemas.microsoft.com/office/drawing/2014/main" xmlns="" id="{415052D5-937D-D440-A528-CA4F7EF469EB}"/>
+                <a16:creationId xmlns:a16="http://schemas.microsoft.com/office/drawing/2014/main" id="{415052D5-937D-D440-A528-CA4F7EF469EB}"/>
               </a:ext>
             </a:extLst>
           </p:cNvPr>
@@ -10369,7 +10428,7 @@
           <p:cNvPr id="144" name="Rectangle 143">
             <a:extLst>
               <a:ext uri="{FF2B5EF4-FFF2-40B4-BE49-F238E27FC236}">
-                <a16:creationId xmlns:a16="http://schemas.microsoft.com/office/drawing/2014/main" xmlns="" id="{069AEE44-B358-F34E-BAC7-0F34384B61D0}"/>
+                <a16:creationId xmlns:a16="http://schemas.microsoft.com/office/drawing/2014/main" id="{069AEE44-B358-F34E-BAC7-0F34384B61D0}"/>
               </a:ext>
             </a:extLst>
           </p:cNvPr>
@@ -10410,7 +10469,7 @@
           <p:cNvPr id="148" name="Rectangle 147">
             <a:extLst>
               <a:ext uri="{FF2B5EF4-FFF2-40B4-BE49-F238E27FC236}">
-                <a16:creationId xmlns:a16="http://schemas.microsoft.com/office/drawing/2014/main" xmlns="" id="{F684B253-E7BD-664A-B0EA-27D08D0C57D0}"/>
+                <a16:creationId xmlns:a16="http://schemas.microsoft.com/office/drawing/2014/main" id="{F684B253-E7BD-664A-B0EA-27D08D0C57D0}"/>
               </a:ext>
             </a:extLst>
           </p:cNvPr>
@@ -10451,7 +10510,7 @@
           <p:cNvPr id="149" name="Rectangle 148">
             <a:extLst>
               <a:ext uri="{FF2B5EF4-FFF2-40B4-BE49-F238E27FC236}">
-                <a16:creationId xmlns:a16="http://schemas.microsoft.com/office/drawing/2014/main" xmlns="" id="{FCC0234D-4284-DB41-A74E-6901C4CB1152}"/>
+                <a16:creationId xmlns:a16="http://schemas.microsoft.com/office/drawing/2014/main" id="{FCC0234D-4284-DB41-A74E-6901C4CB1152}"/>
               </a:ext>
             </a:extLst>
           </p:cNvPr>
@@ -10789,7 +10848,7 @@
   <a:extraClrSchemeLst/>
   <a:extLst>
     <a:ext uri="{05A4C25C-085E-4340-85A3-A5531E510DB2}">
-      <thm15:themeFamily xmlns:thm15="http://schemas.microsoft.com/office/thememl/2012/main" xmlns="" name="Office Theme" id="{62F939B6-93AF-4DB8-9C6B-D6C7DFDC589F}" vid="{4A3C46E8-61CC-4603-A589-7422A47A8E4A}"/>
+      <thm15:themeFamily xmlns:thm15="http://schemas.microsoft.com/office/thememl/2012/main" name="Office Theme" id="{62F939B6-93AF-4DB8-9C6B-D6C7DFDC589F}" vid="{4A3C46E8-61CC-4603-A589-7422A47A8E4A}"/>
     </a:ext>
   </a:extLst>
 </a:theme>

--- a/FGCS-2019/reworked-fig9.pptx
+++ b/FGCS-2019/reworked-fig9.pptx
@@ -1171,7 +1171,7 @@
           <a:p>
             <a:fld id="{2DE544F1-4EB3-B943-BAC8-4587CDEC2BDB}" type="datetimeFigureOut">
               <a:rPr lang="en-US" smtClean="0"/>
-              <a:t>10/16/19</a:t>
+              <a:t>10/22/19</a:t>
             </a:fld>
             <a:endParaRPr lang="en-US"/>
           </a:p>
@@ -1369,7 +1369,7 @@
           <a:p>
             <a:fld id="{2DE544F1-4EB3-B943-BAC8-4587CDEC2BDB}" type="datetimeFigureOut">
               <a:rPr lang="en-US" smtClean="0"/>
-              <a:t>10/16/19</a:t>
+              <a:t>10/22/19</a:t>
             </a:fld>
             <a:endParaRPr lang="en-US"/>
           </a:p>
@@ -1577,7 +1577,7 @@
           <a:p>
             <a:fld id="{2DE544F1-4EB3-B943-BAC8-4587CDEC2BDB}" type="datetimeFigureOut">
               <a:rPr lang="en-US" smtClean="0"/>
-              <a:t>10/16/19</a:t>
+              <a:t>10/22/19</a:t>
             </a:fld>
             <a:endParaRPr lang="en-US"/>
           </a:p>
@@ -1775,7 +1775,7 @@
           <a:p>
             <a:fld id="{2DE544F1-4EB3-B943-BAC8-4587CDEC2BDB}" type="datetimeFigureOut">
               <a:rPr lang="en-US" smtClean="0"/>
-              <a:t>10/16/19</a:t>
+              <a:t>10/22/19</a:t>
             </a:fld>
             <a:endParaRPr lang="en-US"/>
           </a:p>
@@ -2050,7 +2050,7 @@
           <a:p>
             <a:fld id="{2DE544F1-4EB3-B943-BAC8-4587CDEC2BDB}" type="datetimeFigureOut">
               <a:rPr lang="en-US" smtClean="0"/>
-              <a:t>10/16/19</a:t>
+              <a:t>10/22/19</a:t>
             </a:fld>
             <a:endParaRPr lang="en-US"/>
           </a:p>
@@ -2315,7 +2315,7 @@
           <a:p>
             <a:fld id="{2DE544F1-4EB3-B943-BAC8-4587CDEC2BDB}" type="datetimeFigureOut">
               <a:rPr lang="en-US" smtClean="0"/>
-              <a:t>10/16/19</a:t>
+              <a:t>10/22/19</a:t>
             </a:fld>
             <a:endParaRPr lang="en-US"/>
           </a:p>
@@ -2727,7 +2727,7 @@
           <a:p>
             <a:fld id="{2DE544F1-4EB3-B943-BAC8-4587CDEC2BDB}" type="datetimeFigureOut">
               <a:rPr lang="en-US" smtClean="0"/>
-              <a:t>10/16/19</a:t>
+              <a:t>10/22/19</a:t>
             </a:fld>
             <a:endParaRPr lang="en-US"/>
           </a:p>
@@ -2868,7 +2868,7 @@
           <a:p>
             <a:fld id="{2DE544F1-4EB3-B943-BAC8-4587CDEC2BDB}" type="datetimeFigureOut">
               <a:rPr lang="en-US" smtClean="0"/>
-              <a:t>10/16/19</a:t>
+              <a:t>10/22/19</a:t>
             </a:fld>
             <a:endParaRPr lang="en-US"/>
           </a:p>
@@ -2981,7 +2981,7 @@
           <a:p>
             <a:fld id="{2DE544F1-4EB3-B943-BAC8-4587CDEC2BDB}" type="datetimeFigureOut">
               <a:rPr lang="en-US" smtClean="0"/>
-              <a:t>10/16/19</a:t>
+              <a:t>10/22/19</a:t>
             </a:fld>
             <a:endParaRPr lang="en-US"/>
           </a:p>
@@ -3292,7 +3292,7 @@
           <a:p>
             <a:fld id="{2DE544F1-4EB3-B943-BAC8-4587CDEC2BDB}" type="datetimeFigureOut">
               <a:rPr lang="en-US" smtClean="0"/>
-              <a:t>10/16/19</a:t>
+              <a:t>10/22/19</a:t>
             </a:fld>
             <a:endParaRPr lang="en-US"/>
           </a:p>
@@ -3580,7 +3580,7 @@
           <a:p>
             <a:fld id="{2DE544F1-4EB3-B943-BAC8-4587CDEC2BDB}" type="datetimeFigureOut">
               <a:rPr lang="en-US" smtClean="0"/>
-              <a:t>10/16/19</a:t>
+              <a:t>10/22/19</a:t>
             </a:fld>
             <a:endParaRPr lang="en-US"/>
           </a:p>
@@ -3821,7 +3821,7 @@
           <a:p>
             <a:fld id="{2DE544F1-4EB3-B943-BAC8-4587CDEC2BDB}" type="datetimeFigureOut">
               <a:rPr lang="en-US" smtClean="0"/>
-              <a:t>10/16/19</a:t>
+              <a:t>10/22/19</a:t>
             </a:fld>
             <a:endParaRPr lang="en-US"/>
           </a:p>
@@ -4240,68 +4240,6 @@
       </p:grpSpPr>
       <p:sp>
         <p:nvSpPr>
-          <p:cNvPr id="151" name="Oval 150">
-            <a:extLst>
-              <a:ext uri="{FF2B5EF4-FFF2-40B4-BE49-F238E27FC236}">
-                <a16:creationId xmlns:a16="http://schemas.microsoft.com/office/drawing/2014/main" id="{5BBF50D5-70D8-184D-BFAB-5DDC884729D2}"/>
-              </a:ext>
-            </a:extLst>
-          </p:cNvPr>
-          <p:cNvSpPr/>
-          <p:nvPr/>
-        </p:nvSpPr>
-        <p:spPr>
-          <a:xfrm>
-            <a:off x="4111139" y="953745"/>
-            <a:ext cx="394531" cy="394531"/>
-          </a:xfrm>
-          <a:prstGeom prst="ellipse">
-            <a:avLst/>
-          </a:prstGeom>
-          <a:solidFill>
-            <a:schemeClr val="accent3"/>
-          </a:solidFill>
-          <a:ln w="25400">
-            <a:solidFill>
-              <a:schemeClr val="tx1"/>
-            </a:solidFill>
-          </a:ln>
-        </p:spPr>
-        <p:style>
-          <a:lnRef idx="2">
-            <a:schemeClr val="accent1">
-              <a:shade val="50000"/>
-            </a:schemeClr>
-          </a:lnRef>
-          <a:fillRef idx="1">
-            <a:schemeClr val="accent1"/>
-          </a:fillRef>
-          <a:effectRef idx="0">
-            <a:schemeClr val="accent1"/>
-          </a:effectRef>
-          <a:fontRef idx="minor">
-            <a:schemeClr val="lt1"/>
-          </a:fontRef>
-        </p:style>
-        <p:txBody>
-          <a:bodyPr rot="0" spcFirstLastPara="0" vertOverflow="overflow" horzOverflow="overflow" vert="horz" wrap="square" lIns="56757" tIns="28378" rIns="56757" bIns="28378" numCol="1" spcCol="0" rtlCol="0" fromWordArt="0" anchor="ctr" anchorCtr="0" forceAA="0" compatLnSpc="1">
-            <a:prstTxWarp prst="textNoShape">
-              <a:avLst/>
-            </a:prstTxWarp>
-            <a:noAutofit/>
-          </a:bodyPr>
-          <a:lstStyle/>
-          <a:p>
-            <a:pPr algn="ctr"/>
-            <a:endParaRPr lang="en-US" sz="1200">
-              <a:latin typeface="+mj-lt"/>
-              <a:cs typeface="Times New Roman" panose="02020603050405020304" pitchFamily="18" charset="0"/>
-            </a:endParaRPr>
-          </a:p>
-        </p:txBody>
-      </p:sp>
-      <p:sp>
-        <p:nvSpPr>
           <p:cNvPr id="153" name="Oval 152">
             <a:extLst>
               <a:ext uri="{FF2B5EF4-FFF2-40B4-BE49-F238E27FC236}">
@@ -4705,44 +4643,6 @@
               <a:latin typeface="+mj-lt"/>
               <a:cs typeface="Times New Roman" panose="02020603050405020304" pitchFamily="18" charset="0"/>
             </a:endParaRPr>
-          </a:p>
-        </p:txBody>
-      </p:sp>
-      <p:sp>
-        <p:nvSpPr>
-          <p:cNvPr id="28" name="TextBox 27">
-            <a:extLst>
-              <a:ext uri="{FF2B5EF4-FFF2-40B4-BE49-F238E27FC236}">
-                <a16:creationId xmlns:a16="http://schemas.microsoft.com/office/drawing/2014/main" id="{6C0D91D2-D0BD-3748-8D36-A65DA478E317}"/>
-              </a:ext>
-            </a:extLst>
-          </p:cNvPr>
-          <p:cNvSpPr txBox="1"/>
-          <p:nvPr/>
-        </p:nvSpPr>
-        <p:spPr>
-          <a:xfrm>
-            <a:off x="4114400" y="1014545"/>
-            <a:ext cx="340158" cy="276999"/>
-          </a:xfrm>
-          <a:prstGeom prst="rect">
-            <a:avLst/>
-          </a:prstGeom>
-          <a:noFill/>
-        </p:spPr>
-        <p:txBody>
-          <a:bodyPr wrap="none" rtlCol="0">
-            <a:spAutoFit/>
-          </a:bodyPr>
-          <a:lstStyle/>
-          <a:p>
-            <a:r>
-              <a:rPr lang="en-US" sz="1200" dirty="0">
-                <a:latin typeface="+mj-lt"/>
-                <a:cs typeface="Times New Roman" panose="02020603050405020304" pitchFamily="18" charset="0"/>
-              </a:rPr>
-              <a:t>e5</a:t>
-            </a:r>
           </a:p>
         </p:txBody>
       </p:sp>
@@ -10546,6 +10446,44 @@
           </a:p>
         </p:txBody>
       </p:sp>
+      <p:sp>
+        <p:nvSpPr>
+          <p:cNvPr id="4" name="TextBox 3">
+            <a:extLst>
+              <a:ext uri="{FF2B5EF4-FFF2-40B4-BE49-F238E27FC236}">
+                <a16:creationId xmlns:a16="http://schemas.microsoft.com/office/drawing/2014/main" id="{7AEA98BA-0B5A-7146-96FE-5B5A0B2795FB}"/>
+              </a:ext>
+            </a:extLst>
+          </p:cNvPr>
+          <p:cNvSpPr txBox="1"/>
+          <p:nvPr/>
+        </p:nvSpPr>
+        <p:spPr>
+          <a:xfrm>
+            <a:off x="4122624" y="999183"/>
+            <a:ext cx="338554" cy="276999"/>
+          </a:xfrm>
+          <a:prstGeom prst="rect">
+            <a:avLst/>
+          </a:prstGeom>
+          <a:noFill/>
+        </p:spPr>
+        <p:txBody>
+          <a:bodyPr wrap="none" rtlCol="0">
+            <a:spAutoFit/>
+          </a:bodyPr>
+          <a:lstStyle/>
+          <a:p>
+            <a:r>
+              <a:rPr lang="en-US" sz="1200" dirty="0">
+                <a:latin typeface="+mj-lt"/>
+                <a:cs typeface="Times New Roman" panose="02020603050405020304" pitchFamily="18" charset="0"/>
+              </a:rPr>
+              <a:t>e5</a:t>
+            </a:r>
+          </a:p>
+        </p:txBody>
+      </p:sp>
     </p:spTree>
     <p:extLst>
       <p:ext uri="{BB962C8B-B14F-4D97-AF65-F5344CB8AC3E}">
